--- a/k224-docs/Презентация ко 2 релизу.pptx
+++ b/k224-docs/Презентация ко 2 релизу.pptx
@@ -183,6 +183,7 @@
           </a:p>
         </c:rich>
       </c:tx>
+      <c:layout/>
       <c:overlay val="0"/>
       <c:spPr>
         <a:noFill/>
@@ -280,6 +281,7 @@
           <c:dLbls>
             <c:dLbl>
               <c:idx val="0"/>
+              <c:layout/>
               <c:tx>
                 <c:rich>
                   <a:bodyPr/>
@@ -320,6 +322,7 @@
               <c:showBubbleSize val="0"/>
               <c:extLst>
                 <c:ext xmlns:c15="http://schemas.microsoft.com/office/drawing/2012/chart" uri="{CE6537A1-D6FC-4f65-9D91-7224C49458BB}">
+                  <c15:layout/>
                   <c15:dlblFieldTable/>
                   <c15:showDataLabelsRange val="0"/>
                 </c:ext>
@@ -327,6 +330,7 @@
             </c:dLbl>
             <c:dLbl>
               <c:idx val="1"/>
+              <c:layout/>
               <c:tx>
                 <c:rich>
                   <a:bodyPr/>
@@ -367,6 +371,7 @@
               <c:showBubbleSize val="0"/>
               <c:extLst>
                 <c:ext xmlns:c15="http://schemas.microsoft.com/office/drawing/2012/chart" uri="{CE6537A1-D6FC-4f65-9D91-7224C49458BB}">
+                  <c15:layout/>
                   <c15:dlblFieldTable/>
                   <c15:showDataLabelsRange val="0"/>
                 </c:ext>
@@ -475,6 +480,7 @@
     </c:plotArea>
     <c:legend>
       <c:legendPos val="t"/>
+      <c:layout/>
       <c:overlay val="0"/>
       <c:spPr>
         <a:noFill/>
@@ -546,6 +552,7 @@
   </mc:AlternateContent>
   <c:chart>
     <c:title>
+      <c:layout/>
       <c:overlay val="0"/>
       <c:spPr>
         <a:noFill/>
@@ -658,6 +665,7 @@
             <c:showLeaderLines val="0"/>
             <c:extLst>
               <c:ext xmlns:c15="http://schemas.microsoft.com/office/drawing/2012/chart" uri="{CE6537A1-D6FC-4f65-9D91-7224C49458BB}">
+                <c15:layout/>
                 <c15:showLeaderLines val="1"/>
                 <c15:leaderLines>
                   <c:spPr>
@@ -735,11 +743,11 @@
         </c:dLbls>
         <c:gapWidth val="219"/>
         <c:overlap val="-27"/>
-        <c:axId val="303476032"/>
-        <c:axId val="303476592"/>
+        <c:axId val="188356624"/>
+        <c:axId val="188357184"/>
       </c:barChart>
       <c:catAx>
-        <c:axId val="303476032"/>
+        <c:axId val="188356624"/>
         <c:scaling>
           <c:orientation val="minMax"/>
         </c:scaling>
@@ -782,7 +790,7 @@
             <a:endParaRPr lang="ru-RU"/>
           </a:p>
         </c:txPr>
-        <c:crossAx val="303476592"/>
+        <c:crossAx val="188357184"/>
         <c:crosses val="autoZero"/>
         <c:auto val="1"/>
         <c:lblAlgn val="ctr"/>
@@ -790,7 +798,7 @@
         <c:noMultiLvlLbl val="0"/>
       </c:catAx>
       <c:valAx>
-        <c:axId val="303476592"/>
+        <c:axId val="188357184"/>
         <c:scaling>
           <c:orientation val="minMax"/>
         </c:scaling>
@@ -841,7 +849,7 @@
             <a:endParaRPr lang="ru-RU"/>
           </a:p>
         </c:txPr>
-        <c:crossAx val="303476032"/>
+        <c:crossAx val="188356624"/>
         <c:crosses val="autoZero"/>
         <c:crossBetween val="between"/>
       </c:valAx>
@@ -1171,11 +1179,11 @@
           <c:showBubbleSize val="0"/>
         </c:dLbls>
         <c:smooth val="0"/>
-        <c:axId val="303479952"/>
-        <c:axId val="303480512"/>
+        <c:axId val="188359984"/>
+        <c:axId val="188360544"/>
       </c:lineChart>
       <c:catAx>
-        <c:axId val="303479952"/>
+        <c:axId val="188359984"/>
         <c:scaling>
           <c:orientation val="minMax"/>
         </c:scaling>
@@ -1218,7 +1226,7 @@
             <a:endParaRPr lang="ru-RU"/>
           </a:p>
         </c:txPr>
-        <c:crossAx val="303480512"/>
+        <c:crossAx val="188360544"/>
         <c:crosses val="autoZero"/>
         <c:auto val="1"/>
         <c:lblAlgn val="ctr"/>
@@ -1226,7 +1234,7 @@
         <c:noMultiLvlLbl val="1"/>
       </c:catAx>
       <c:valAx>
-        <c:axId val="303480512"/>
+        <c:axId val="188360544"/>
         <c:scaling>
           <c:orientation val="minMax"/>
         </c:scaling>
@@ -1277,7 +1285,7 @@
             <a:endParaRPr lang="ru-RU"/>
           </a:p>
         </c:txPr>
-        <c:crossAx val="303479952"/>
+        <c:crossAx val="188359984"/>
         <c:crosses val="autoZero"/>
         <c:crossBetween val="between"/>
       </c:valAx>
@@ -2965,11 +2973,11 @@
         </c:dLbls>
         <c:gapWidth val="219"/>
         <c:overlap val="-27"/>
-        <c:axId val="304519184"/>
-        <c:axId val="304519744"/>
+        <c:axId val="225131760"/>
+        <c:axId val="225132320"/>
       </c:barChart>
       <c:catAx>
-        <c:axId val="304519184"/>
+        <c:axId val="225131760"/>
         <c:scaling>
           <c:orientation val="minMax"/>
         </c:scaling>
@@ -3012,7 +3020,7 @@
             <a:endParaRPr lang="ru-RU"/>
           </a:p>
         </c:txPr>
-        <c:crossAx val="304519744"/>
+        <c:crossAx val="225132320"/>
         <c:crosses val="autoZero"/>
         <c:auto val="1"/>
         <c:lblAlgn val="ctr"/>
@@ -3020,7 +3028,7 @@
         <c:noMultiLvlLbl val="0"/>
       </c:catAx>
       <c:valAx>
-        <c:axId val="304519744"/>
+        <c:axId val="225132320"/>
         <c:scaling>
           <c:orientation val="minMax"/>
         </c:scaling>
@@ -3071,7 +3079,7 @@
             <a:endParaRPr lang="ru-RU"/>
           </a:p>
         </c:txPr>
-        <c:crossAx val="304519184"/>
+        <c:crossAx val="225131760"/>
         <c:crosses val="autoZero"/>
         <c:crossBetween val="between"/>
       </c:valAx>
@@ -10488,43 +10496,6 @@
         </a:p>
       </dgm:t>
     </dgm:pt>
-    <dgm:pt modelId="{FAAD98B4-2CE9-4214-8BB6-F03CEEE572FF}">
-      <dgm:prSet phldrT="[Текст]" custT="1"/>
-      <dgm:spPr/>
-      <dgm:t>
-        <a:bodyPr/>
-        <a:lstStyle/>
-        <a:p>
-          <a:r>
-            <a:rPr lang="ru-RU" sz="1300" dirty="0" smtClean="0"/>
-            <a:t>Бодунков Денис</a:t>
-          </a:r>
-          <a:endParaRPr lang="ru-RU" sz="1300" dirty="0"/>
-        </a:p>
-      </dgm:t>
-    </dgm:pt>
-    <dgm:pt modelId="{54D2E552-AFA4-449B-855C-8D07B27E44E2}" type="parTrans" cxnId="{1C4B7B5B-5A26-4FB7-B7A4-76D489C60865}">
-      <dgm:prSet/>
-      <dgm:spPr/>
-      <dgm:t>
-        <a:bodyPr/>
-        <a:lstStyle/>
-        <a:p>
-          <a:endParaRPr lang="ru-RU"/>
-        </a:p>
-      </dgm:t>
-    </dgm:pt>
-    <dgm:pt modelId="{CBB1F48E-041C-465A-B96F-A59A0B7362A5}" type="sibTrans" cxnId="{1C4B7B5B-5A26-4FB7-B7A4-76D489C60865}">
-      <dgm:prSet/>
-      <dgm:spPr/>
-      <dgm:t>
-        <a:bodyPr/>
-        <a:lstStyle/>
-        <a:p>
-          <a:endParaRPr lang="ru-RU"/>
-        </a:p>
-      </dgm:t>
-    </dgm:pt>
     <dgm:pt modelId="{E5ACC793-F455-4177-B2A7-6FC33C9C1025}">
       <dgm:prSet phldrT="[Текст]"/>
       <dgm:spPr/>
@@ -10977,7 +10948,6 @@
     <dgm:cxn modelId="{F41F6067-9583-4D97-9E45-7AAACB397DC1}" srcId="{01A583E1-6537-45F8-AE09-C85491C9FC1D}" destId="{5BCD62D5-23CD-4A5A-A476-269CE76914DC}" srcOrd="2" destOrd="0" parTransId="{C274F423-C9C0-423A-80FB-84C18F1C3BA8}" sibTransId="{6CCF063A-E379-49B3-9CC0-57BB9F2B8432}"/>
     <dgm:cxn modelId="{25B6265F-DE51-4D72-88A4-F99F10356E86}" srcId="{F9BE74C9-EC7E-4268-8C5A-882B3EFFF8FD}" destId="{2BFBAB07-2C4C-4FAB-9052-FFD3F4A28A9E}" srcOrd="1" destOrd="0" parTransId="{40C55B56-8FA6-4369-9144-9E433D309CBB}" sibTransId="{7A024E95-77FA-4074-8271-31A91DA4713B}"/>
     <dgm:cxn modelId="{8F82C2F7-D7C0-449F-93C5-F409EEDFABAB}" type="presOf" srcId="{F8507812-6291-4C9B-AA0B-B8AF3A68427D}" destId="{22A0A0BC-6367-462E-93A8-CA8C46FCDCA0}" srcOrd="0" destOrd="2" presId="urn:microsoft.com/office/officeart/2005/8/layout/cycle4"/>
-    <dgm:cxn modelId="{1BB63F1C-4BF8-4482-9D96-58219D643803}" type="presOf" srcId="{FAAD98B4-2CE9-4214-8BB6-F03CEEE572FF}" destId="{4D58B8E3-ABF3-466F-BE72-A1334046C3F4}" srcOrd="0" destOrd="2" presId="urn:microsoft.com/office/officeart/2005/8/layout/cycle4"/>
     <dgm:cxn modelId="{9A65B99B-FA2C-4204-81F0-9D55C3239A5D}" type="presOf" srcId="{989E09AB-A343-466C-BC14-C765FC9A1DD7}" destId="{38CD6BD6-D3E2-4B97-8665-48065905F491}" srcOrd="1" destOrd="1" presId="urn:microsoft.com/office/officeart/2005/8/layout/cycle4"/>
     <dgm:cxn modelId="{AB5B8C02-96E9-4BAB-9AEF-490F7B39D916}" type="presOf" srcId="{F9BE74C9-EC7E-4268-8C5A-882B3EFFF8FD}" destId="{809A40DB-630A-4CA0-804D-1A67767C019F}" srcOrd="0" destOrd="0" presId="urn:microsoft.com/office/officeart/2005/8/layout/cycle4"/>
     <dgm:cxn modelId="{8CA453C8-CE29-4F70-8E3B-4EA8954F30AD}" type="presOf" srcId="{23580231-228D-4259-948C-ECAED9FB6BBD}" destId="{22A0A0BC-6367-462E-93A8-CA8C46FCDCA0}" srcOrd="0" destOrd="0" presId="urn:microsoft.com/office/officeart/2005/8/layout/cycle4"/>
@@ -10997,8 +10967,6 @@
     <dgm:cxn modelId="{5917FB4D-4FB2-4AD3-A581-F1F335DC2C64}" type="presOf" srcId="{5BCD62D5-23CD-4A5A-A476-269CE76914DC}" destId="{43A2BA3D-20D2-4E5D-9CD2-B6EE3F312A3B}" srcOrd="0" destOrd="0" presId="urn:microsoft.com/office/officeart/2005/8/layout/cycle4"/>
     <dgm:cxn modelId="{2D68FBB9-2A3F-4DFB-9547-97148AD147B2}" srcId="{2D6962E4-72B9-4B1E-B258-246893A88E0D}" destId="{2B41BF75-F5C8-4255-892F-6328E5A9E688}" srcOrd="0" destOrd="0" parTransId="{36024776-6205-43C6-9331-B14C4C951E90}" sibTransId="{30E8B699-48A6-4778-A200-BCC2B91FEAE2}"/>
     <dgm:cxn modelId="{DCB35549-6653-457E-A1A3-3F1DB9F48EB2}" srcId="{F9BE74C9-EC7E-4268-8C5A-882B3EFFF8FD}" destId="{F8507812-6291-4C9B-AA0B-B8AF3A68427D}" srcOrd="2" destOrd="0" parTransId="{4F2F02B6-C766-433A-873A-91091688269D}" sibTransId="{380A3AC5-BB38-4979-8AA3-011E077F4CA2}"/>
-    <dgm:cxn modelId="{1C4B7B5B-5A26-4FB7-B7A4-76D489C60865}" srcId="{2D6962E4-72B9-4B1E-B258-246893A88E0D}" destId="{FAAD98B4-2CE9-4214-8BB6-F03CEEE572FF}" srcOrd="2" destOrd="0" parTransId="{54D2E552-AFA4-449B-855C-8D07B27E44E2}" sibTransId="{CBB1F48E-041C-465A-B96F-A59A0B7362A5}"/>
-    <dgm:cxn modelId="{14BF4DC7-C8BF-4CCF-9FF6-E5243C0D4E79}" type="presOf" srcId="{FAAD98B4-2CE9-4214-8BB6-F03CEEE572FF}" destId="{38CD6BD6-D3E2-4B97-8665-48065905F491}" srcOrd="1" destOrd="2" presId="urn:microsoft.com/office/officeart/2005/8/layout/cycle4"/>
     <dgm:cxn modelId="{0867E0A3-B749-4FC7-AFD8-611582642A56}" srcId="{5BCD62D5-23CD-4A5A-A476-269CE76914DC}" destId="{618CC25E-9050-4FB6-9F11-CAFC660578FC}" srcOrd="0" destOrd="0" parTransId="{892FDF72-278A-4E94-A52C-C9A43137F613}" sibTransId="{E48127D6-89B0-4F87-A1F9-517011A96A5B}"/>
     <dgm:cxn modelId="{DCA0B961-3D73-4E8A-A2D9-21D96FD2AB6F}" type="presOf" srcId="{F8507812-6291-4C9B-AA0B-B8AF3A68427D}" destId="{C05EAFFC-2644-44E2-967D-B53235C71A38}" srcOrd="1" destOrd="2" presId="urn:microsoft.com/office/officeart/2005/8/layout/cycle4"/>
     <dgm:cxn modelId="{18C18FB7-3D35-4E87-AF4E-0F72860ECFC1}" type="presOf" srcId="{490168AD-E14E-4940-8CC2-7C35F66AB41B}" destId="{BD656469-D70B-4710-B138-3ED38F1BD8E1}" srcOrd="1" destOrd="0" presId="urn:microsoft.com/office/officeart/2005/8/layout/cycle4"/>
@@ -11820,25 +11788,25 @@
     </dgm:pt>
   </dgm:ptLst>
   <dgm:cxnLst>
-    <dgm:cxn modelId="{F7C80D55-BECC-4CA1-82C0-73D80D3F327D}" srcId="{82BF7999-DE49-4B02-B50A-4E91A516158B}" destId="{BFE3B424-16B9-4C38-840C-0847032DF1C4}" srcOrd="0" destOrd="0" parTransId="{176F5C23-1C56-4CA4-8B6A-94A900C65BA8}" sibTransId="{5422C932-509A-4863-91D8-D2A4430971E3}"/>
+    <dgm:cxn modelId="{30ACB49D-BDBB-4539-A3C8-66F3833D1B28}" type="presOf" srcId="{25F23385-6A5D-48FC-B58D-8338175AD398}" destId="{CC7032B2-C7DD-4031-9D5A-C31C34436923}" srcOrd="0" destOrd="0" presId="urn:microsoft.com/office/officeart/2005/8/layout/bProcess3"/>
+    <dgm:cxn modelId="{A3679A60-34EE-42FC-B8E7-14D79178AF25}" type="presOf" srcId="{54D30124-007A-4C9A-88DB-EEF46CA56062}" destId="{1942F91E-6C3F-4237-991D-8670CFE6D12C}" srcOrd="0" destOrd="0" presId="urn:microsoft.com/office/officeart/2005/8/layout/bProcess3"/>
+    <dgm:cxn modelId="{D192E704-7717-42A6-A71E-90ECA00EED78}" srcId="{82BF7999-DE49-4B02-B50A-4E91A516158B}" destId="{1EE2DEE5-BF8A-4486-8E2A-F40FD5D32378}" srcOrd="3" destOrd="0" parTransId="{46D0B385-1610-4670-B3C7-7121FAE7A548}" sibTransId="{FDAFB07A-55C0-4E0A-BC99-BB53504DE334}"/>
+    <dgm:cxn modelId="{D6FF0F20-B855-442D-8B53-0708FE865463}" type="presOf" srcId="{5422C932-509A-4863-91D8-D2A4430971E3}" destId="{938C9AAF-9C22-41D0-ACE2-6AD639BBCF15}" srcOrd="1" destOrd="0" presId="urn:microsoft.com/office/officeart/2005/8/layout/bProcess3"/>
+    <dgm:cxn modelId="{B0FD4E27-3CC8-44C8-B93E-BB26F6FDF470}" type="presOf" srcId="{2E0D9F87-A655-405B-AD12-6147D22F6074}" destId="{4AFCF350-7E3E-4747-9BE0-9F5FEF433686}" srcOrd="0" destOrd="0" presId="urn:microsoft.com/office/officeart/2005/8/layout/bProcess3"/>
+    <dgm:cxn modelId="{39E7F1E0-93B1-4B62-9DC6-7B911BD6BF9E}" type="presOf" srcId="{82BF7999-DE49-4B02-B50A-4E91A516158B}" destId="{E28BF6C4-4436-42B4-90A8-1AD277FE1D2A}" srcOrd="0" destOrd="0" presId="urn:microsoft.com/office/officeart/2005/8/layout/bProcess3"/>
     <dgm:cxn modelId="{845F9CAD-D654-465F-BAC7-A62D7C3FE09C}" type="presOf" srcId="{96C5E055-E7A0-4905-B19D-14DD3FBE8355}" destId="{F9DFDEE3-5C67-4064-BD2F-0DBC5296244C}" srcOrd="1" destOrd="0" presId="urn:microsoft.com/office/officeart/2005/8/layout/bProcess3"/>
-    <dgm:cxn modelId="{D192E704-7717-42A6-A71E-90ECA00EED78}" srcId="{82BF7999-DE49-4B02-B50A-4E91A516158B}" destId="{1EE2DEE5-BF8A-4486-8E2A-F40FD5D32378}" srcOrd="3" destOrd="0" parTransId="{46D0B385-1610-4670-B3C7-7121FAE7A548}" sibTransId="{FDAFB07A-55C0-4E0A-BC99-BB53504DE334}"/>
-    <dgm:cxn modelId="{B0FD4E27-3CC8-44C8-B93E-BB26F6FDF470}" type="presOf" srcId="{2E0D9F87-A655-405B-AD12-6147D22F6074}" destId="{4AFCF350-7E3E-4747-9BE0-9F5FEF433686}" srcOrd="0" destOrd="0" presId="urn:microsoft.com/office/officeart/2005/8/layout/bProcess3"/>
+    <dgm:cxn modelId="{0629930D-7F22-4DA1-A78E-6CEE70AE24CC}" type="presOf" srcId="{CEAF6E7B-A235-4E97-B22E-E007038F2C06}" destId="{E9530CEB-3B8E-4A90-AC86-1908B31AFA3C}" srcOrd="0" destOrd="0" presId="urn:microsoft.com/office/officeart/2005/8/layout/bProcess3"/>
+    <dgm:cxn modelId="{0892E0B3-A46A-4AE3-B38B-5B15630B7B62}" type="presOf" srcId="{BFE3B424-16B9-4C38-840C-0847032DF1C4}" destId="{335182A0-E382-4E77-B206-70C6001A973F}" srcOrd="0" destOrd="0" presId="urn:microsoft.com/office/officeart/2005/8/layout/bProcess3"/>
     <dgm:cxn modelId="{0381903A-6158-4184-B3F9-751BD6A645F9}" type="presOf" srcId="{FDAFB07A-55C0-4E0A-BC99-BB53504DE334}" destId="{26B265DE-1FAC-4D7E-A9F8-15E8D3980157}" srcOrd="1" destOrd="0" presId="urn:microsoft.com/office/officeart/2005/8/layout/bProcess3"/>
     <dgm:cxn modelId="{F98F2CB4-86E8-4636-899B-60FC01D540CF}" type="presOf" srcId="{96C5E055-E7A0-4905-B19D-14DD3FBE8355}" destId="{9EE61D95-1339-4812-8BA2-E26508DB95D7}" srcOrd="0" destOrd="0" presId="urn:microsoft.com/office/officeart/2005/8/layout/bProcess3"/>
+    <dgm:cxn modelId="{490CFFF5-7CE0-4B8D-9678-ABB9CB04620C}" type="presOf" srcId="{5422C932-509A-4863-91D8-D2A4430971E3}" destId="{A77BF775-E608-4841-B760-C29DDEACE52D}" srcOrd="0" destOrd="0" presId="urn:microsoft.com/office/officeart/2005/8/layout/bProcess3"/>
+    <dgm:cxn modelId="{93BC7CE4-1600-46FF-BB3B-DD96E5F1D191}" srcId="{82BF7999-DE49-4B02-B50A-4E91A516158B}" destId="{2E0D9F87-A655-405B-AD12-6147D22F6074}" srcOrd="4" destOrd="0" parTransId="{684E6172-DBD7-4C4F-B2E3-A62545EC7CC7}" sibTransId="{5C5C4FDB-CCC6-4CE1-B17D-DDFFB00A3374}"/>
+    <dgm:cxn modelId="{F7C80D55-BECC-4CA1-82C0-73D80D3F327D}" srcId="{82BF7999-DE49-4B02-B50A-4E91A516158B}" destId="{BFE3B424-16B9-4C38-840C-0847032DF1C4}" srcOrd="0" destOrd="0" parTransId="{176F5C23-1C56-4CA4-8B6A-94A900C65BA8}" sibTransId="{5422C932-509A-4863-91D8-D2A4430971E3}"/>
+    <dgm:cxn modelId="{DACC619E-4002-4A25-AFE3-B0F469FED219}" srcId="{82BF7999-DE49-4B02-B50A-4E91A516158B}" destId="{25F23385-6A5D-48FC-B58D-8338175AD398}" srcOrd="2" destOrd="0" parTransId="{49B95726-C30B-4F50-AD06-0232C78B8573}" sibTransId="{96C5E055-E7A0-4905-B19D-14DD3FBE8355}"/>
+    <dgm:cxn modelId="{5F58E742-1E2B-4E89-827E-5AC9F677C36F}" type="presOf" srcId="{54D30124-007A-4C9A-88DB-EEF46CA56062}" destId="{4BF84A79-F0B8-4C23-A6BE-45EDCF8E6724}" srcOrd="1" destOrd="0" presId="urn:microsoft.com/office/officeart/2005/8/layout/bProcess3"/>
     <dgm:cxn modelId="{A271CFBC-22BA-4CAC-B429-442665871869}" srcId="{82BF7999-DE49-4B02-B50A-4E91A516158B}" destId="{CEAF6E7B-A235-4E97-B22E-E007038F2C06}" srcOrd="1" destOrd="0" parTransId="{66F56F1C-737A-4009-BE31-35D53F7D1E57}" sibTransId="{54D30124-007A-4C9A-88DB-EEF46CA56062}"/>
     <dgm:cxn modelId="{06368797-46EB-4669-92E5-A78472478D15}" type="presOf" srcId="{FDAFB07A-55C0-4E0A-BC99-BB53504DE334}" destId="{AA3F5F8C-F587-4C38-A5F5-94A0B0ABB808}" srcOrd="0" destOrd="0" presId="urn:microsoft.com/office/officeart/2005/8/layout/bProcess3"/>
-    <dgm:cxn modelId="{0629930D-7F22-4DA1-A78E-6CEE70AE24CC}" type="presOf" srcId="{CEAF6E7B-A235-4E97-B22E-E007038F2C06}" destId="{E9530CEB-3B8E-4A90-AC86-1908B31AFA3C}" srcOrd="0" destOrd="0" presId="urn:microsoft.com/office/officeart/2005/8/layout/bProcess3"/>
     <dgm:cxn modelId="{B25D6A73-E275-4F1F-9FD9-44F439F23364}" type="presOf" srcId="{1EE2DEE5-BF8A-4486-8E2A-F40FD5D32378}" destId="{616AE4C8-5EA6-44FB-BC24-3488D6FCC56D}" srcOrd="0" destOrd="0" presId="urn:microsoft.com/office/officeart/2005/8/layout/bProcess3"/>
-    <dgm:cxn modelId="{5F58E742-1E2B-4E89-827E-5AC9F677C36F}" type="presOf" srcId="{54D30124-007A-4C9A-88DB-EEF46CA56062}" destId="{4BF84A79-F0B8-4C23-A6BE-45EDCF8E6724}" srcOrd="1" destOrd="0" presId="urn:microsoft.com/office/officeart/2005/8/layout/bProcess3"/>
-    <dgm:cxn modelId="{A3679A60-34EE-42FC-B8E7-14D79178AF25}" type="presOf" srcId="{54D30124-007A-4C9A-88DB-EEF46CA56062}" destId="{1942F91E-6C3F-4237-991D-8670CFE6D12C}" srcOrd="0" destOrd="0" presId="urn:microsoft.com/office/officeart/2005/8/layout/bProcess3"/>
-    <dgm:cxn modelId="{30ACB49D-BDBB-4539-A3C8-66F3833D1B28}" type="presOf" srcId="{25F23385-6A5D-48FC-B58D-8338175AD398}" destId="{CC7032B2-C7DD-4031-9D5A-C31C34436923}" srcOrd="0" destOrd="0" presId="urn:microsoft.com/office/officeart/2005/8/layout/bProcess3"/>
-    <dgm:cxn modelId="{490CFFF5-7CE0-4B8D-9678-ABB9CB04620C}" type="presOf" srcId="{5422C932-509A-4863-91D8-D2A4430971E3}" destId="{A77BF775-E608-4841-B760-C29DDEACE52D}" srcOrd="0" destOrd="0" presId="urn:microsoft.com/office/officeart/2005/8/layout/bProcess3"/>
-    <dgm:cxn modelId="{DACC619E-4002-4A25-AFE3-B0F469FED219}" srcId="{82BF7999-DE49-4B02-B50A-4E91A516158B}" destId="{25F23385-6A5D-48FC-B58D-8338175AD398}" srcOrd="2" destOrd="0" parTransId="{49B95726-C30B-4F50-AD06-0232C78B8573}" sibTransId="{96C5E055-E7A0-4905-B19D-14DD3FBE8355}"/>
-    <dgm:cxn modelId="{93BC7CE4-1600-46FF-BB3B-DD96E5F1D191}" srcId="{82BF7999-DE49-4B02-B50A-4E91A516158B}" destId="{2E0D9F87-A655-405B-AD12-6147D22F6074}" srcOrd="4" destOrd="0" parTransId="{684E6172-DBD7-4C4F-B2E3-A62545EC7CC7}" sibTransId="{5C5C4FDB-CCC6-4CE1-B17D-DDFFB00A3374}"/>
-    <dgm:cxn modelId="{0892E0B3-A46A-4AE3-B38B-5B15630B7B62}" type="presOf" srcId="{BFE3B424-16B9-4C38-840C-0847032DF1C4}" destId="{335182A0-E382-4E77-B206-70C6001A973F}" srcOrd="0" destOrd="0" presId="urn:microsoft.com/office/officeart/2005/8/layout/bProcess3"/>
-    <dgm:cxn modelId="{39E7F1E0-93B1-4B62-9DC6-7B911BD6BF9E}" type="presOf" srcId="{82BF7999-DE49-4B02-B50A-4E91A516158B}" destId="{E28BF6C4-4436-42B4-90A8-1AD277FE1D2A}" srcOrd="0" destOrd="0" presId="urn:microsoft.com/office/officeart/2005/8/layout/bProcess3"/>
-    <dgm:cxn modelId="{D6FF0F20-B855-442D-8B53-0708FE865463}" type="presOf" srcId="{5422C932-509A-4863-91D8-D2A4430971E3}" destId="{938C9AAF-9C22-41D0-ACE2-6AD639BBCF15}" srcOrd="1" destOrd="0" presId="urn:microsoft.com/office/officeart/2005/8/layout/bProcess3"/>
     <dgm:cxn modelId="{9305D869-3AEA-4218-BFB5-1AA3F588AC82}" type="presParOf" srcId="{E28BF6C4-4436-42B4-90A8-1AD277FE1D2A}" destId="{335182A0-E382-4E77-B206-70C6001A973F}" srcOrd="0" destOrd="0" presId="urn:microsoft.com/office/officeart/2005/8/layout/bProcess3"/>
     <dgm:cxn modelId="{859AB5A7-F569-45F9-860C-E0A5EC371E97}" type="presParOf" srcId="{E28BF6C4-4436-42B4-90A8-1AD277FE1D2A}" destId="{A77BF775-E608-4841-B760-C29DDEACE52D}" srcOrd="1" destOrd="0" presId="urn:microsoft.com/office/officeart/2005/8/layout/bProcess3"/>
     <dgm:cxn modelId="{27F9C6D5-A18D-49A5-AA6F-3DBE9D7DF8B3}" type="presParOf" srcId="{A77BF775-E608-4841-B760-C29DDEACE52D}" destId="{938C9AAF-9C22-41D0-ACE2-6AD639BBCF15}" srcOrd="0" destOrd="0" presId="urn:microsoft.com/office/officeart/2005/8/layout/bProcess3"/>
@@ -12405,6 +12373,84 @@
       <dsp:cNvGrpSpPr/>
     </dsp:nvGrpSpPr>
     <dsp:grpSpPr/>
+    <dsp:sp modelId="{57F3A36F-60A4-44FF-A8A5-F9A8D4310E6F}">
+      <dsp:nvSpPr>
+        <dsp:cNvPr id="0" name=""/>
+        <dsp:cNvSpPr/>
+      </dsp:nvSpPr>
+      <dsp:spPr>
+        <a:xfrm>
+          <a:off x="0" y="0"/>
+          <a:ext cx="2781069" cy="1668641"/>
+        </a:xfrm>
+        <a:prstGeom prst="rect">
+          <a:avLst/>
+        </a:prstGeom>
+        <a:solidFill>
+          <a:schemeClr val="accent1">
+            <a:hueOff val="0"/>
+            <a:satOff val="0"/>
+            <a:lumOff val="0"/>
+            <a:alphaOff val="0"/>
+          </a:schemeClr>
+        </a:solidFill>
+        <a:ln w="12700" cap="flat" cmpd="sng" algn="ctr">
+          <a:solidFill>
+            <a:schemeClr val="lt1">
+              <a:hueOff val="0"/>
+              <a:satOff val="0"/>
+              <a:lumOff val="0"/>
+              <a:alphaOff val="0"/>
+            </a:schemeClr>
+          </a:solidFill>
+          <a:prstDash val="solid"/>
+          <a:miter lim="800000"/>
+        </a:ln>
+        <a:effectLst/>
+      </dsp:spPr>
+      <dsp:style>
+        <a:lnRef idx="2">
+          <a:scrgbClr r="0" g="0" b="0"/>
+        </a:lnRef>
+        <a:fillRef idx="1">
+          <a:scrgbClr r="0" g="0" b="0"/>
+        </a:fillRef>
+        <a:effectRef idx="0">
+          <a:scrgbClr r="0" g="0" b="0"/>
+        </a:effectRef>
+        <a:fontRef idx="minor">
+          <a:schemeClr val="lt1"/>
+        </a:fontRef>
+      </dsp:style>
+      <dsp:txBody>
+        <a:bodyPr spcFirstLastPara="0" vert="horz" wrap="square" lIns="175260" tIns="175260" rIns="175260" bIns="175260" numCol="1" spcCol="1270" anchor="ctr" anchorCtr="0">
+          <a:noAutofit/>
+        </a:bodyPr>
+        <a:lstStyle/>
+        <a:p>
+          <a:pPr lvl="0" algn="ctr" defTabSz="2044700">
+            <a:lnSpc>
+              <a:spcPct val="90000"/>
+            </a:lnSpc>
+            <a:spcBef>
+              <a:spcPct val="0"/>
+            </a:spcBef>
+            <a:spcAft>
+              <a:spcPct val="35000"/>
+            </a:spcAft>
+          </a:pPr>
+          <a:r>
+            <a:rPr lang="ru-RU" sz="4600" kern="1200" dirty="0" smtClean="0"/>
+            <a:t>27 версий</a:t>
+          </a:r>
+          <a:endParaRPr lang="ru-RU" sz="4600" kern="1200" dirty="0"/>
+        </a:p>
+      </dsp:txBody>
+      <dsp:txXfrm>
+        <a:off x="0" y="0"/>
+        <a:ext cx="2781069" cy="1668641"/>
+      </dsp:txXfrm>
+    </dsp:sp>
   </dsp:spTree>
 </dsp:drawing>
 </file>
@@ -12417,6 +12463,876 @@
       <dsp:cNvGrpSpPr/>
     </dsp:nvGrpSpPr>
     <dsp:grpSpPr/>
+    <dsp:sp modelId="{382DE9F5-C159-437A-AA3E-CE93A76C5FDC}">
+      <dsp:nvSpPr>
+        <dsp:cNvPr id="0" name=""/>
+        <dsp:cNvSpPr/>
+      </dsp:nvSpPr>
+      <dsp:spPr>
+        <a:xfrm>
+          <a:off x="5386072" y="3689431"/>
+          <a:ext cx="3133766" cy="667779"/>
+        </a:xfrm>
+        <a:prstGeom prst="roundRect">
+          <a:avLst>
+            <a:gd name="adj" fmla="val 10000"/>
+          </a:avLst>
+        </a:prstGeom>
+        <a:solidFill>
+          <a:schemeClr val="lt1">
+            <a:alpha val="90000"/>
+            <a:hueOff val="0"/>
+            <a:satOff val="0"/>
+            <a:lumOff val="0"/>
+            <a:alphaOff val="0"/>
+          </a:schemeClr>
+        </a:solidFill>
+        <a:ln>
+          <a:noFill/>
+        </a:ln>
+        <a:effectLst/>
+        <a:scene3d>
+          <a:camera prst="orthographicFront">
+            <a:rot lat="0" lon="0" rev="0"/>
+          </a:camera>
+          <a:lightRig rig="contrasting" dir="t">
+            <a:rot lat="0" lon="0" rev="1200000"/>
+          </a:lightRig>
+        </a:scene3d>
+        <a:sp3d z="-300000" contourW="19050" prstMaterial="metal">
+          <a:bevelT w="88900" h="203200"/>
+          <a:bevelB w="165100" h="254000"/>
+        </a:sp3d>
+      </dsp:spPr>
+      <dsp:style>
+        <a:lnRef idx="0">
+          <a:scrgbClr r="0" g="0" b="0"/>
+        </a:lnRef>
+        <a:fillRef idx="1">
+          <a:scrgbClr r="0" g="0" b="0"/>
+        </a:fillRef>
+        <a:effectRef idx="0">
+          <a:scrgbClr r="0" g="0" b="0"/>
+        </a:effectRef>
+        <a:fontRef idx="minor"/>
+      </dsp:style>
+      <dsp:txBody>
+        <a:bodyPr spcFirstLastPara="0" vert="horz" wrap="square" lIns="76200" tIns="76200" rIns="76200" bIns="76200" numCol="1" spcCol="1270" anchor="b" anchorCtr="0">
+          <a:noAutofit/>
+        </a:bodyPr>
+        <a:lstStyle/>
+        <a:p>
+          <a:pPr marL="228600" lvl="1" indent="-228600" algn="l" defTabSz="889000">
+            <a:lnSpc>
+              <a:spcPct val="90000"/>
+            </a:lnSpc>
+            <a:spcBef>
+              <a:spcPct val="0"/>
+            </a:spcBef>
+            <a:spcAft>
+              <a:spcPct val="15000"/>
+            </a:spcAft>
+            <a:buChar char="••"/>
+          </a:pPr>
+          <a:r>
+            <a:rPr lang="ru-RU" sz="2000" kern="1200" dirty="0" smtClean="0"/>
+            <a:t> </a:t>
+          </a:r>
+          <a:r>
+            <a:rPr lang="ru-RU" sz="2000" b="1" kern="1200" dirty="0" smtClean="0"/>
+            <a:t>Македонская Евгения</a:t>
+          </a:r>
+          <a:endParaRPr lang="ru-RU" sz="2000" b="1" kern="1200" dirty="0"/>
+        </a:p>
+      </dsp:txBody>
+      <dsp:txXfrm>
+        <a:off x="6340871" y="3871045"/>
+        <a:ext cx="2164298" cy="471496"/>
+      </dsp:txXfrm>
+    </dsp:sp>
+    <dsp:sp modelId="{22A0A0BC-6367-462E-93A8-CA8C46FCDCA0}">
+      <dsp:nvSpPr>
+        <dsp:cNvPr id="0" name=""/>
+        <dsp:cNvSpPr/>
+      </dsp:nvSpPr>
+      <dsp:spPr>
+        <a:xfrm>
+          <a:off x="544232" y="3400196"/>
+          <a:ext cx="3234723" cy="951725"/>
+        </a:xfrm>
+        <a:prstGeom prst="roundRect">
+          <a:avLst>
+            <a:gd name="adj" fmla="val 10000"/>
+          </a:avLst>
+        </a:prstGeom>
+        <a:solidFill>
+          <a:schemeClr val="lt1">
+            <a:alpha val="90000"/>
+            <a:hueOff val="0"/>
+            <a:satOff val="0"/>
+            <a:lumOff val="0"/>
+            <a:alphaOff val="0"/>
+          </a:schemeClr>
+        </a:solidFill>
+        <a:ln>
+          <a:noFill/>
+        </a:ln>
+        <a:effectLst/>
+        <a:scene3d>
+          <a:camera prst="orthographicFront">
+            <a:rot lat="0" lon="0" rev="0"/>
+          </a:camera>
+          <a:lightRig rig="contrasting" dir="t">
+            <a:rot lat="0" lon="0" rev="1200000"/>
+          </a:lightRig>
+        </a:scene3d>
+        <a:sp3d z="-300000" contourW="19050" prstMaterial="metal">
+          <a:bevelT w="88900" h="203200"/>
+          <a:bevelB w="165100" h="254000"/>
+        </a:sp3d>
+      </dsp:spPr>
+      <dsp:style>
+        <a:lnRef idx="0">
+          <a:scrgbClr r="0" g="0" b="0"/>
+        </a:lnRef>
+        <a:fillRef idx="1">
+          <a:scrgbClr r="0" g="0" b="0"/>
+        </a:fillRef>
+        <a:effectRef idx="0">
+          <a:scrgbClr r="0" g="0" b="0"/>
+        </a:effectRef>
+        <a:fontRef idx="minor"/>
+      </dsp:style>
+      <dsp:txBody>
+        <a:bodyPr spcFirstLastPara="0" vert="horz" wrap="square" lIns="76200" tIns="76200" rIns="76200" bIns="76200" numCol="1" spcCol="1270" anchor="b" anchorCtr="0">
+          <a:noAutofit/>
+        </a:bodyPr>
+        <a:lstStyle/>
+        <a:p>
+          <a:pPr marL="114300" lvl="1" indent="-114300" algn="l" defTabSz="577850">
+            <a:lnSpc>
+              <a:spcPct val="90000"/>
+            </a:lnSpc>
+            <a:spcBef>
+              <a:spcPct val="0"/>
+            </a:spcBef>
+            <a:spcAft>
+              <a:spcPct val="15000"/>
+            </a:spcAft>
+            <a:buChar char="••"/>
+          </a:pPr>
+          <a:endParaRPr lang="ru-RU" sz="1300" kern="1200" dirty="0"/>
+        </a:p>
+        <a:p>
+          <a:pPr marL="114300" lvl="1" indent="-114300" algn="l" defTabSz="577850">
+            <a:lnSpc>
+              <a:spcPct val="90000"/>
+            </a:lnSpc>
+            <a:spcBef>
+              <a:spcPct val="0"/>
+            </a:spcBef>
+            <a:spcAft>
+              <a:spcPct val="15000"/>
+            </a:spcAft>
+            <a:buChar char="••"/>
+          </a:pPr>
+          <a:endParaRPr lang="ru-RU" sz="1300" kern="1200" dirty="0"/>
+        </a:p>
+        <a:p>
+          <a:pPr marL="228600" lvl="1" indent="-228600" algn="l" defTabSz="889000">
+            <a:lnSpc>
+              <a:spcPct val="90000"/>
+            </a:lnSpc>
+            <a:spcBef>
+              <a:spcPct val="0"/>
+            </a:spcBef>
+            <a:spcAft>
+              <a:spcPct val="15000"/>
+            </a:spcAft>
+            <a:buChar char="••"/>
+          </a:pPr>
+          <a:r>
+            <a:rPr lang="ru-RU" sz="2000" b="1" kern="1200" dirty="0" smtClean="0"/>
+            <a:t>Петровская Анастасия</a:t>
+          </a:r>
+          <a:endParaRPr lang="ru-RU" sz="2000" b="1" kern="1200" dirty="0"/>
+        </a:p>
+        <a:p>
+          <a:pPr marL="114300" lvl="1" indent="-114300" algn="l" defTabSz="577850">
+            <a:lnSpc>
+              <a:spcPct val="90000"/>
+            </a:lnSpc>
+            <a:spcBef>
+              <a:spcPct val="0"/>
+            </a:spcBef>
+            <a:spcAft>
+              <a:spcPct val="15000"/>
+            </a:spcAft>
+            <a:buChar char="••"/>
+          </a:pPr>
+          <a:r>
+            <a:rPr lang="ru-RU" sz="1300" kern="1200" dirty="0" smtClean="0"/>
+            <a:t>Чекалин Дмитрий</a:t>
+          </a:r>
+          <a:endParaRPr lang="ru-RU" sz="1300" kern="1200" dirty="0"/>
+        </a:p>
+      </dsp:txBody>
+      <dsp:txXfrm>
+        <a:off x="565138" y="3659033"/>
+        <a:ext cx="2222494" cy="671981"/>
+      </dsp:txXfrm>
+    </dsp:sp>
+    <dsp:sp modelId="{53094224-E102-4C09-9604-A3E90CFD0EB5}">
+      <dsp:nvSpPr>
+        <dsp:cNvPr id="0" name=""/>
+        <dsp:cNvSpPr/>
+      </dsp:nvSpPr>
+      <dsp:spPr>
+        <a:xfrm>
+          <a:off x="5422356" y="698389"/>
+          <a:ext cx="2977045" cy="756063"/>
+        </a:xfrm>
+        <a:prstGeom prst="roundRect">
+          <a:avLst>
+            <a:gd name="adj" fmla="val 10000"/>
+          </a:avLst>
+        </a:prstGeom>
+        <a:solidFill>
+          <a:schemeClr val="lt1">
+            <a:alpha val="90000"/>
+            <a:hueOff val="0"/>
+            <a:satOff val="0"/>
+            <a:lumOff val="0"/>
+            <a:alphaOff val="0"/>
+          </a:schemeClr>
+        </a:solidFill>
+        <a:ln>
+          <a:noFill/>
+        </a:ln>
+        <a:effectLst/>
+        <a:scene3d>
+          <a:camera prst="orthographicFront">
+            <a:rot lat="0" lon="0" rev="0"/>
+          </a:camera>
+          <a:lightRig rig="contrasting" dir="t">
+            <a:rot lat="0" lon="0" rev="1200000"/>
+          </a:lightRig>
+        </a:scene3d>
+        <a:sp3d z="-300000" contourW="19050" prstMaterial="metal">
+          <a:bevelT w="88900" h="203200"/>
+          <a:bevelB w="165100" h="254000"/>
+        </a:sp3d>
+      </dsp:spPr>
+      <dsp:style>
+        <a:lnRef idx="0">
+          <a:scrgbClr r="0" g="0" b="0"/>
+        </a:lnRef>
+        <a:fillRef idx="1">
+          <a:scrgbClr r="0" g="0" b="0"/>
+        </a:fillRef>
+        <a:effectRef idx="0">
+          <a:scrgbClr r="0" g="0" b="0"/>
+        </a:effectRef>
+        <a:fontRef idx="minor"/>
+      </dsp:style>
+      <dsp:txBody>
+        <a:bodyPr spcFirstLastPara="0" vert="horz" wrap="square" lIns="76200" tIns="76200" rIns="76200" bIns="76200" numCol="1" spcCol="1270" anchor="t" anchorCtr="0">
+          <a:noAutofit/>
+        </a:bodyPr>
+        <a:lstStyle/>
+        <a:p>
+          <a:pPr marL="228600" lvl="1" indent="-228600" algn="l" defTabSz="889000">
+            <a:lnSpc>
+              <a:spcPct val="90000"/>
+            </a:lnSpc>
+            <a:spcBef>
+              <a:spcPct val="0"/>
+            </a:spcBef>
+            <a:spcAft>
+              <a:spcPct val="15000"/>
+            </a:spcAft>
+            <a:buChar char="••"/>
+          </a:pPr>
+          <a:r>
+            <a:rPr lang="ru-RU" sz="2000" b="1" kern="1200" dirty="0" smtClean="0"/>
+            <a:t>Македонская Евгения</a:t>
+          </a:r>
+          <a:endParaRPr lang="ru-RU" sz="2000" b="1" kern="1200" dirty="0"/>
+        </a:p>
+      </dsp:txBody>
+      <dsp:txXfrm>
+        <a:off x="6332077" y="714997"/>
+        <a:ext cx="2050715" cy="533831"/>
+      </dsp:txXfrm>
+    </dsp:sp>
+    <dsp:sp modelId="{4D58B8E3-ABF3-466F-BE72-A1334046C3F4}">
+      <dsp:nvSpPr>
+        <dsp:cNvPr id="0" name=""/>
+        <dsp:cNvSpPr/>
+      </dsp:nvSpPr>
+      <dsp:spPr>
+        <a:xfrm>
+          <a:off x="402347" y="642811"/>
+          <a:ext cx="3518492" cy="1112704"/>
+        </a:xfrm>
+        <a:prstGeom prst="roundRect">
+          <a:avLst>
+            <a:gd name="adj" fmla="val 10000"/>
+          </a:avLst>
+        </a:prstGeom>
+        <a:solidFill>
+          <a:schemeClr val="lt1">
+            <a:alpha val="90000"/>
+            <a:hueOff val="0"/>
+            <a:satOff val="0"/>
+            <a:lumOff val="0"/>
+            <a:alphaOff val="0"/>
+          </a:schemeClr>
+        </a:solidFill>
+        <a:ln>
+          <a:noFill/>
+        </a:ln>
+        <a:effectLst/>
+        <a:scene3d>
+          <a:camera prst="orthographicFront">
+            <a:rot lat="0" lon="0" rev="0"/>
+          </a:camera>
+          <a:lightRig rig="contrasting" dir="t">
+            <a:rot lat="0" lon="0" rev="1200000"/>
+          </a:lightRig>
+        </a:scene3d>
+        <a:sp3d z="-300000" contourW="19050" prstMaterial="metal">
+          <a:bevelT w="88900" h="203200"/>
+          <a:bevelB w="165100" h="254000"/>
+        </a:sp3d>
+      </dsp:spPr>
+      <dsp:style>
+        <a:lnRef idx="0">
+          <a:scrgbClr r="0" g="0" b="0"/>
+        </a:lnRef>
+        <a:fillRef idx="1">
+          <a:scrgbClr r="0" g="0" b="0"/>
+        </a:fillRef>
+        <a:effectRef idx="0">
+          <a:scrgbClr r="0" g="0" b="0"/>
+        </a:effectRef>
+        <a:fontRef idx="minor"/>
+      </dsp:style>
+      <dsp:txBody>
+        <a:bodyPr spcFirstLastPara="0" vert="horz" wrap="square" lIns="76200" tIns="76200" rIns="76200" bIns="76200" numCol="1" spcCol="1270" anchor="t" anchorCtr="0">
+          <a:noAutofit/>
+        </a:bodyPr>
+        <a:lstStyle/>
+        <a:p>
+          <a:pPr marL="228600" lvl="1" indent="-228600" algn="l" defTabSz="889000">
+            <a:lnSpc>
+              <a:spcPct val="90000"/>
+            </a:lnSpc>
+            <a:spcBef>
+              <a:spcPct val="0"/>
+            </a:spcBef>
+            <a:spcAft>
+              <a:spcPct val="15000"/>
+            </a:spcAft>
+            <a:buChar char="••"/>
+          </a:pPr>
+          <a:r>
+            <a:rPr lang="ru-RU" sz="2000" b="1" kern="1200" dirty="0" smtClean="0"/>
+            <a:t>Смирнов Максим</a:t>
+          </a:r>
+          <a:endParaRPr lang="ru-RU" sz="2000" b="1" kern="1200" dirty="0"/>
+        </a:p>
+        <a:p>
+          <a:pPr marL="114300" lvl="1" indent="-114300" algn="l" defTabSz="577850">
+            <a:lnSpc>
+              <a:spcPct val="90000"/>
+            </a:lnSpc>
+            <a:spcBef>
+              <a:spcPct val="0"/>
+            </a:spcBef>
+            <a:spcAft>
+              <a:spcPct val="15000"/>
+            </a:spcAft>
+            <a:buChar char="••"/>
+          </a:pPr>
+          <a:r>
+            <a:rPr lang="ru-RU" sz="1300" kern="1200" dirty="0" smtClean="0"/>
+            <a:t>Македонская Евгения</a:t>
+          </a:r>
+          <a:endParaRPr lang="ru-RU" sz="1300" kern="1200" dirty="0"/>
+        </a:p>
+      </dsp:txBody>
+      <dsp:txXfrm>
+        <a:off x="426789" y="667253"/>
+        <a:ext cx="2414060" cy="785644"/>
+      </dsp:txXfrm>
+    </dsp:sp>
+    <dsp:sp modelId="{60DA8870-9857-4057-BC91-DD9B798F041F}">
+      <dsp:nvSpPr>
+        <dsp:cNvPr id="0" name=""/>
+        <dsp:cNvSpPr/>
+      </dsp:nvSpPr>
+      <dsp:spPr>
+        <a:xfrm>
+          <a:off x="2239697" y="285090"/>
+          <a:ext cx="2165685" cy="2165685"/>
+        </a:xfrm>
+        <a:prstGeom prst="pieWedge">
+          <a:avLst/>
+        </a:prstGeom>
+        <a:solidFill>
+          <a:schemeClr val="accent2">
+            <a:hueOff val="0"/>
+            <a:satOff val="0"/>
+            <a:lumOff val="0"/>
+            <a:alphaOff val="0"/>
+          </a:schemeClr>
+        </a:solidFill>
+        <a:ln>
+          <a:noFill/>
+        </a:ln>
+        <a:effectLst/>
+        <a:scene3d>
+          <a:camera prst="orthographicFront">
+            <a:rot lat="0" lon="0" rev="0"/>
+          </a:camera>
+          <a:lightRig rig="contrasting" dir="t">
+            <a:rot lat="0" lon="0" rev="1200000"/>
+          </a:lightRig>
+        </a:scene3d>
+        <a:sp3d contourW="19050" prstMaterial="metal">
+          <a:bevelT w="88900" h="203200"/>
+          <a:bevelB w="165100" h="254000"/>
+        </a:sp3d>
+      </dsp:spPr>
+      <dsp:style>
+        <a:lnRef idx="0">
+          <a:scrgbClr r="0" g="0" b="0"/>
+        </a:lnRef>
+        <a:fillRef idx="1">
+          <a:scrgbClr r="0" g="0" b="0"/>
+        </a:fillRef>
+        <a:effectRef idx="2">
+          <a:scrgbClr r="0" g="0" b="0"/>
+        </a:effectRef>
+        <a:fontRef idx="minor">
+          <a:schemeClr val="lt1"/>
+        </a:fontRef>
+      </dsp:style>
+      <dsp:txBody>
+        <a:bodyPr spcFirstLastPara="0" vert="horz" wrap="square" lIns="128016" tIns="128016" rIns="128016" bIns="128016" numCol="1" spcCol="1270" anchor="ctr" anchorCtr="0">
+          <a:noAutofit/>
+        </a:bodyPr>
+        <a:lstStyle/>
+        <a:p>
+          <a:pPr lvl="0" algn="ctr" defTabSz="800100">
+            <a:lnSpc>
+              <a:spcPct val="90000"/>
+            </a:lnSpc>
+            <a:spcBef>
+              <a:spcPct val="0"/>
+            </a:spcBef>
+            <a:spcAft>
+              <a:spcPct val="35000"/>
+            </a:spcAft>
+          </a:pPr>
+          <a:r>
+            <a:rPr lang="ru-RU" sz="1800" kern="1200" dirty="0" smtClean="0"/>
+            <a:t>Анализ</a:t>
+          </a:r>
+          <a:endParaRPr lang="ru-RU" sz="1800" kern="1200" dirty="0"/>
+        </a:p>
+      </dsp:txBody>
+      <dsp:txXfrm>
+        <a:off x="2874011" y="919404"/>
+        <a:ext cx="1531371" cy="1531371"/>
+      </dsp:txXfrm>
+    </dsp:sp>
+    <dsp:sp modelId="{147178AE-0CD4-4FA3-A352-95F7DEF02040}">
+      <dsp:nvSpPr>
+        <dsp:cNvPr id="0" name=""/>
+        <dsp:cNvSpPr/>
+      </dsp:nvSpPr>
+      <dsp:spPr>
+        <a:xfrm rot="5400000">
+          <a:off x="4505414" y="285090"/>
+          <a:ext cx="2165685" cy="2165685"/>
+        </a:xfrm>
+        <a:prstGeom prst="pieWedge">
+          <a:avLst/>
+        </a:prstGeom>
+        <a:solidFill>
+          <a:schemeClr val="accent3">
+            <a:hueOff val="0"/>
+            <a:satOff val="0"/>
+            <a:lumOff val="0"/>
+            <a:alphaOff val="0"/>
+          </a:schemeClr>
+        </a:solidFill>
+        <a:ln>
+          <a:noFill/>
+        </a:ln>
+        <a:effectLst/>
+        <a:scene3d>
+          <a:camera prst="orthographicFront">
+            <a:rot lat="0" lon="0" rev="0"/>
+          </a:camera>
+          <a:lightRig rig="contrasting" dir="t">
+            <a:rot lat="0" lon="0" rev="1200000"/>
+          </a:lightRig>
+        </a:scene3d>
+        <a:sp3d contourW="19050" prstMaterial="metal">
+          <a:bevelT w="88900" h="203200"/>
+          <a:bevelB w="165100" h="254000"/>
+        </a:sp3d>
+      </dsp:spPr>
+      <dsp:style>
+        <a:lnRef idx="0">
+          <a:scrgbClr r="0" g="0" b="0"/>
+        </a:lnRef>
+        <a:fillRef idx="1">
+          <a:scrgbClr r="0" g="0" b="0"/>
+        </a:fillRef>
+        <a:effectRef idx="2">
+          <a:scrgbClr r="0" g="0" b="0"/>
+        </a:effectRef>
+        <a:fontRef idx="minor">
+          <a:schemeClr val="lt1"/>
+        </a:fontRef>
+      </dsp:style>
+      <dsp:txBody>
+        <a:bodyPr spcFirstLastPara="0" vert="horz" wrap="square" lIns="128016" tIns="128016" rIns="128016" bIns="128016" numCol="1" spcCol="1270" anchor="ctr" anchorCtr="0">
+          <a:noAutofit/>
+        </a:bodyPr>
+        <a:lstStyle/>
+        <a:p>
+          <a:pPr lvl="0" algn="ctr" defTabSz="800100">
+            <a:lnSpc>
+              <a:spcPct val="90000"/>
+            </a:lnSpc>
+            <a:spcBef>
+              <a:spcPct val="0"/>
+            </a:spcBef>
+            <a:spcAft>
+              <a:spcPct val="35000"/>
+            </a:spcAft>
+          </a:pPr>
+          <a:r>
+            <a:rPr lang="ru-RU" sz="1800" kern="1200" dirty="0" smtClean="0"/>
+            <a:t>Составление </a:t>
+          </a:r>
+        </a:p>
+        <a:p>
+          <a:pPr lvl="0" algn="ctr" defTabSz="800100">
+            <a:lnSpc>
+              <a:spcPct val="90000"/>
+            </a:lnSpc>
+            <a:spcBef>
+              <a:spcPct val="0"/>
+            </a:spcBef>
+            <a:spcAft>
+              <a:spcPct val="35000"/>
+            </a:spcAft>
+          </a:pPr>
+          <a:r>
+            <a:rPr lang="ru-RU" sz="1800" kern="1200" dirty="0" smtClean="0"/>
+            <a:t>требований</a:t>
+          </a:r>
+          <a:endParaRPr lang="ru-RU" sz="1800" kern="1200" dirty="0"/>
+        </a:p>
+      </dsp:txBody>
+      <dsp:txXfrm rot="-5400000">
+        <a:off x="4505414" y="919404"/>
+        <a:ext cx="1531371" cy="1531371"/>
+      </dsp:txXfrm>
+    </dsp:sp>
+    <dsp:sp modelId="{43A2BA3D-20D2-4E5D-9CD2-B6EE3F312A3B}">
+      <dsp:nvSpPr>
+        <dsp:cNvPr id="0" name=""/>
+        <dsp:cNvSpPr/>
+      </dsp:nvSpPr>
+      <dsp:spPr>
+        <a:xfrm rot="10800000">
+          <a:off x="4504439" y="2553406"/>
+          <a:ext cx="2165685" cy="2165685"/>
+        </a:xfrm>
+        <a:prstGeom prst="pieWedge">
+          <a:avLst/>
+        </a:prstGeom>
+        <a:solidFill>
+          <a:schemeClr val="accent4">
+            <a:hueOff val="0"/>
+            <a:satOff val="0"/>
+            <a:lumOff val="0"/>
+            <a:alphaOff val="0"/>
+          </a:schemeClr>
+        </a:solidFill>
+        <a:ln>
+          <a:noFill/>
+        </a:ln>
+        <a:effectLst/>
+        <a:scene3d>
+          <a:camera prst="orthographicFront">
+            <a:rot lat="0" lon="0" rev="0"/>
+          </a:camera>
+          <a:lightRig rig="contrasting" dir="t">
+            <a:rot lat="0" lon="0" rev="1200000"/>
+          </a:lightRig>
+        </a:scene3d>
+        <a:sp3d contourW="19050" prstMaterial="metal">
+          <a:bevelT w="88900" h="203200"/>
+          <a:bevelB w="165100" h="254000"/>
+        </a:sp3d>
+      </dsp:spPr>
+      <dsp:style>
+        <a:lnRef idx="0">
+          <a:scrgbClr r="0" g="0" b="0"/>
+        </a:lnRef>
+        <a:fillRef idx="1">
+          <a:scrgbClr r="0" g="0" b="0"/>
+        </a:fillRef>
+        <a:effectRef idx="2">
+          <a:scrgbClr r="0" g="0" b="0"/>
+        </a:effectRef>
+        <a:fontRef idx="minor">
+          <a:schemeClr val="lt1"/>
+        </a:fontRef>
+      </dsp:style>
+      <dsp:txBody>
+        <a:bodyPr spcFirstLastPara="0" vert="horz" wrap="square" lIns="128016" tIns="128016" rIns="128016" bIns="128016" numCol="1" spcCol="1270" anchor="ctr" anchorCtr="0">
+          <a:noAutofit/>
+        </a:bodyPr>
+        <a:lstStyle/>
+        <a:p>
+          <a:pPr lvl="0" algn="ctr" defTabSz="800100">
+            <a:lnSpc>
+              <a:spcPct val="90000"/>
+            </a:lnSpc>
+            <a:spcBef>
+              <a:spcPct val="0"/>
+            </a:spcBef>
+            <a:spcAft>
+              <a:spcPct val="35000"/>
+            </a:spcAft>
+          </a:pPr>
+          <a:r>
+            <a:rPr lang="ru-RU" sz="1800" kern="1200" dirty="0" smtClean="0"/>
+            <a:t>Написание ТЗ</a:t>
+          </a:r>
+          <a:endParaRPr lang="ru-RU" sz="1800" kern="1200" dirty="0"/>
+        </a:p>
+      </dsp:txBody>
+      <dsp:txXfrm rot="10800000">
+        <a:off x="4504439" y="2553406"/>
+        <a:ext cx="1531371" cy="1531371"/>
+      </dsp:txXfrm>
+    </dsp:sp>
+    <dsp:sp modelId="{809A40DB-630A-4CA0-804D-1A67767C019F}">
+      <dsp:nvSpPr>
+        <dsp:cNvPr id="0" name=""/>
+        <dsp:cNvSpPr/>
+      </dsp:nvSpPr>
+      <dsp:spPr>
+        <a:xfrm rot="16200000">
+          <a:off x="2239697" y="2550807"/>
+          <a:ext cx="2165685" cy="2165685"/>
+        </a:xfrm>
+        <a:prstGeom prst="pieWedge">
+          <a:avLst/>
+        </a:prstGeom>
+        <a:solidFill>
+          <a:schemeClr val="accent5">
+            <a:hueOff val="0"/>
+            <a:satOff val="0"/>
+            <a:lumOff val="0"/>
+            <a:alphaOff val="0"/>
+          </a:schemeClr>
+        </a:solidFill>
+        <a:ln>
+          <a:noFill/>
+        </a:ln>
+        <a:effectLst/>
+        <a:scene3d>
+          <a:camera prst="orthographicFront">
+            <a:rot lat="0" lon="0" rev="0"/>
+          </a:camera>
+          <a:lightRig rig="contrasting" dir="t">
+            <a:rot lat="0" lon="0" rev="1200000"/>
+          </a:lightRig>
+        </a:scene3d>
+        <a:sp3d contourW="19050" prstMaterial="metal">
+          <a:bevelT w="88900" h="203200"/>
+          <a:bevelB w="165100" h="254000"/>
+        </a:sp3d>
+      </dsp:spPr>
+      <dsp:style>
+        <a:lnRef idx="0">
+          <a:scrgbClr r="0" g="0" b="0"/>
+        </a:lnRef>
+        <a:fillRef idx="1">
+          <a:scrgbClr r="0" g="0" b="0"/>
+        </a:fillRef>
+        <a:effectRef idx="2">
+          <a:scrgbClr r="0" g="0" b="0"/>
+        </a:effectRef>
+        <a:fontRef idx="minor">
+          <a:schemeClr val="lt1"/>
+        </a:fontRef>
+      </dsp:style>
+      <dsp:txBody>
+        <a:bodyPr spcFirstLastPara="0" vert="horz" wrap="square" lIns="128016" tIns="128016" rIns="128016" bIns="128016" numCol="1" spcCol="1270" anchor="ctr" anchorCtr="0">
+          <a:noAutofit/>
+        </a:bodyPr>
+        <a:lstStyle/>
+        <a:p>
+          <a:pPr lvl="0" algn="ctr" defTabSz="800100">
+            <a:lnSpc>
+              <a:spcPct val="90000"/>
+            </a:lnSpc>
+            <a:spcBef>
+              <a:spcPct val="0"/>
+            </a:spcBef>
+            <a:spcAft>
+              <a:spcPct val="35000"/>
+            </a:spcAft>
+          </a:pPr>
+          <a:r>
+            <a:rPr lang="ru-RU" sz="1800" kern="1200" dirty="0" err="1" smtClean="0"/>
+            <a:t>Редакти</a:t>
+          </a:r>
+          <a:r>
+            <a:rPr lang="ru-RU" sz="1800" kern="1200" dirty="0" smtClean="0"/>
+            <a:t>-</a:t>
+          </a:r>
+        </a:p>
+        <a:p>
+          <a:pPr lvl="0" algn="ctr" defTabSz="800100">
+            <a:lnSpc>
+              <a:spcPct val="90000"/>
+            </a:lnSpc>
+            <a:spcBef>
+              <a:spcPct val="0"/>
+            </a:spcBef>
+            <a:spcAft>
+              <a:spcPct val="35000"/>
+            </a:spcAft>
+          </a:pPr>
+          <a:r>
+            <a:rPr lang="ru-RU" sz="1800" kern="1200" dirty="0" err="1" smtClean="0"/>
+            <a:t>рование</a:t>
+          </a:r>
+          <a:endParaRPr lang="ru-RU" sz="1800" kern="1200" dirty="0"/>
+        </a:p>
+      </dsp:txBody>
+      <dsp:txXfrm rot="5400000">
+        <a:off x="2874011" y="2550807"/>
+        <a:ext cx="1531371" cy="1531371"/>
+      </dsp:txXfrm>
+    </dsp:sp>
+    <dsp:sp modelId="{27CA1DAC-9186-40C1-BDB5-6C473E78AFD1}">
+      <dsp:nvSpPr>
+        <dsp:cNvPr id="0" name=""/>
+        <dsp:cNvSpPr/>
+      </dsp:nvSpPr>
+      <dsp:spPr>
+        <a:xfrm>
+          <a:off x="4081530" y="2050649"/>
+          <a:ext cx="747736" cy="650205"/>
+        </a:xfrm>
+        <a:prstGeom prst="circularArrow">
+          <a:avLst/>
+        </a:prstGeom>
+        <a:solidFill>
+          <a:schemeClr val="accent2">
+            <a:tint val="40000"/>
+            <a:hueOff val="0"/>
+            <a:satOff val="0"/>
+            <a:lumOff val="0"/>
+            <a:alphaOff val="0"/>
+          </a:schemeClr>
+        </a:solidFill>
+        <a:ln>
+          <a:noFill/>
+        </a:ln>
+        <a:effectLst/>
+        <a:scene3d>
+          <a:camera prst="orthographicFront">
+            <a:rot lat="0" lon="0" rev="0"/>
+          </a:camera>
+          <a:lightRig rig="contrasting" dir="t">
+            <a:rot lat="0" lon="0" rev="1200000"/>
+          </a:lightRig>
+        </a:scene3d>
+        <a:sp3d z="300000" contourW="19050" prstMaterial="metal">
+          <a:bevelT w="88900" h="203200"/>
+          <a:bevelB w="165100" h="254000"/>
+        </a:sp3d>
+      </dsp:spPr>
+      <dsp:style>
+        <a:lnRef idx="0">
+          <a:scrgbClr r="0" g="0" b="0"/>
+        </a:lnRef>
+        <a:fillRef idx="1">
+          <a:scrgbClr r="0" g="0" b="0"/>
+        </a:fillRef>
+        <a:effectRef idx="0">
+          <a:scrgbClr r="0" g="0" b="0"/>
+        </a:effectRef>
+        <a:fontRef idx="minor"/>
+      </dsp:style>
+    </dsp:sp>
+    <dsp:sp modelId="{A2668D5B-8EBC-4089-9D03-6E6D0652491A}">
+      <dsp:nvSpPr>
+        <dsp:cNvPr id="0" name=""/>
+        <dsp:cNvSpPr/>
+      </dsp:nvSpPr>
+      <dsp:spPr>
+        <a:xfrm rot="10800000">
+          <a:off x="4081530" y="2300728"/>
+          <a:ext cx="747736" cy="650205"/>
+        </a:xfrm>
+        <a:prstGeom prst="circularArrow">
+          <a:avLst/>
+        </a:prstGeom>
+        <a:solidFill>
+          <a:schemeClr val="accent2">
+            <a:tint val="40000"/>
+            <a:hueOff val="0"/>
+            <a:satOff val="0"/>
+            <a:lumOff val="0"/>
+            <a:alphaOff val="0"/>
+          </a:schemeClr>
+        </a:solidFill>
+        <a:ln>
+          <a:noFill/>
+        </a:ln>
+        <a:effectLst/>
+        <a:scene3d>
+          <a:camera prst="orthographicFront">
+            <a:rot lat="0" lon="0" rev="0"/>
+          </a:camera>
+          <a:lightRig rig="contrasting" dir="t">
+            <a:rot lat="0" lon="0" rev="1200000"/>
+          </a:lightRig>
+        </a:scene3d>
+        <a:sp3d z="300000" contourW="19050" prstMaterial="metal">
+          <a:bevelT w="88900" h="203200"/>
+          <a:bevelB w="165100" h="254000"/>
+        </a:sp3d>
+      </dsp:spPr>
+      <dsp:style>
+        <a:lnRef idx="0">
+          <a:scrgbClr r="0" g="0" b="0"/>
+        </a:lnRef>
+        <a:fillRef idx="1">
+          <a:scrgbClr r="0" g="0" b="0"/>
+        </a:fillRef>
+        <a:effectRef idx="0">
+          <a:scrgbClr r="0" g="0" b="0"/>
+        </a:effectRef>
+        <a:fontRef idx="minor"/>
+      </dsp:style>
+    </dsp:sp>
   </dsp:spTree>
 </dsp:drawing>
 </file>
@@ -30891,7 +31807,11 @@
           <p:cNvPr id="10" name="Схема 9"/>
           <p:cNvGraphicFramePr/>
           <p:nvPr>
-            <p:extLst/>
+            <p:extLst>
+              <p:ext uri="{D42A27DB-BD31-4B8C-83A1-F6EECF244321}">
+                <p14:modId xmlns:p14="http://schemas.microsoft.com/office/powerpoint/2010/main" val="3728195272"/>
+              </p:ext>
+            </p:extLst>
           </p:nvPr>
         </p:nvGraphicFramePr>
         <p:xfrm>

--- a/k224-docs/Презентация ко 2 релизу.pptx
+++ b/k224-docs/Презентация ко 2 релизу.pptx
@@ -183,7 +183,6 @@
           </a:p>
         </c:rich>
       </c:tx>
-      <c:layout/>
       <c:overlay val="0"/>
       <c:spPr>
         <a:noFill/>
@@ -281,7 +280,6 @@
           <c:dLbls>
             <c:dLbl>
               <c:idx val="0"/>
-              <c:layout/>
               <c:tx>
                 <c:rich>
                   <a:bodyPr/>
@@ -322,7 +320,6 @@
               <c:showBubbleSize val="0"/>
               <c:extLst>
                 <c:ext xmlns:c15="http://schemas.microsoft.com/office/drawing/2012/chart" uri="{CE6537A1-D6FC-4f65-9D91-7224C49458BB}">
-                  <c15:layout/>
                   <c15:dlblFieldTable/>
                   <c15:showDataLabelsRange val="0"/>
                 </c:ext>
@@ -330,7 +327,6 @@
             </c:dLbl>
             <c:dLbl>
               <c:idx val="1"/>
-              <c:layout/>
               <c:tx>
                 <c:rich>
                   <a:bodyPr/>
@@ -371,7 +367,6 @@
               <c:showBubbleSize val="0"/>
               <c:extLst>
                 <c:ext xmlns:c15="http://schemas.microsoft.com/office/drawing/2012/chart" uri="{CE6537A1-D6FC-4f65-9D91-7224C49458BB}">
-                  <c15:layout/>
                   <c15:dlblFieldTable/>
                   <c15:showDataLabelsRange val="0"/>
                 </c:ext>
@@ -480,7 +475,6 @@
     </c:plotArea>
     <c:legend>
       <c:legendPos val="t"/>
-      <c:layout/>
       <c:overlay val="0"/>
       <c:spPr>
         <a:noFill/>
@@ -552,7 +546,6 @@
   </mc:AlternateContent>
   <c:chart>
     <c:title>
-      <c:layout/>
       <c:overlay val="0"/>
       <c:spPr>
         <a:noFill/>
@@ -665,7 +658,6 @@
             <c:showLeaderLines val="0"/>
             <c:extLst>
               <c:ext xmlns:c15="http://schemas.microsoft.com/office/drawing/2012/chart" uri="{CE6537A1-D6FC-4f65-9D91-7224C49458BB}">
-                <c15:layout/>
                 <c15:showLeaderLines val="1"/>
                 <c15:leaderLines>
                   <c:spPr>
@@ -743,11 +735,11 @@
         </c:dLbls>
         <c:gapWidth val="219"/>
         <c:overlap val="-27"/>
-        <c:axId val="188356624"/>
-        <c:axId val="188357184"/>
+        <c:axId val="314294400"/>
+        <c:axId val="314296360"/>
       </c:barChart>
       <c:catAx>
-        <c:axId val="188356624"/>
+        <c:axId val="314294400"/>
         <c:scaling>
           <c:orientation val="minMax"/>
         </c:scaling>
@@ -790,7 +782,7 @@
             <a:endParaRPr lang="ru-RU"/>
           </a:p>
         </c:txPr>
-        <c:crossAx val="188357184"/>
+        <c:crossAx val="314296360"/>
         <c:crosses val="autoZero"/>
         <c:auto val="1"/>
         <c:lblAlgn val="ctr"/>
@@ -798,7 +790,7 @@
         <c:noMultiLvlLbl val="0"/>
       </c:catAx>
       <c:valAx>
-        <c:axId val="188357184"/>
+        <c:axId val="314296360"/>
         <c:scaling>
           <c:orientation val="minMax"/>
         </c:scaling>
@@ -849,7 +841,7 @@
             <a:endParaRPr lang="ru-RU"/>
           </a:p>
         </c:txPr>
-        <c:crossAx val="188356624"/>
+        <c:crossAx val="314294400"/>
         <c:crosses val="autoZero"/>
         <c:crossBetween val="between"/>
       </c:valAx>
@@ -1010,7 +1002,7 @@
                   <c:v>11.04.2015</c:v>
                 </c:pt>
                 <c:pt idx="9">
-                  <c:v>15.04.2015</c:v>
+                  <c:v>17.04.2015</c:v>
                 </c:pt>
                 <c:pt idx="10">
                   <c:v>Today</c:v>
@@ -1052,10 +1044,10 @@
                   <c:v>92</c:v>
                 </c:pt>
                 <c:pt idx="9">
-                  <c:v>110</c:v>
+                  <c:v>106</c:v>
                 </c:pt>
                 <c:pt idx="10">
-                  <c:v>130</c:v>
+                  <c:v>106</c:v>
                 </c:pt>
               </c:numCache>
             </c:numRef>
@@ -1121,7 +1113,7 @@
                   <c:v>11.04.2015</c:v>
                 </c:pt>
                 <c:pt idx="9">
-                  <c:v>15.04.2015</c:v>
+                  <c:v>17.04.2015</c:v>
                 </c:pt>
                 <c:pt idx="10">
                   <c:v>Today</c:v>
@@ -1162,8 +1154,11 @@
                 <c:pt idx="8">
                   <c:v>86</c:v>
                 </c:pt>
+                <c:pt idx="9">
+                  <c:v>100</c:v>
+                </c:pt>
                 <c:pt idx="10">
-                  <c:v>130</c:v>
+                  <c:v>106</c:v>
                 </c:pt>
               </c:numCache>
             </c:numRef>
@@ -1179,11 +1174,11 @@
           <c:showBubbleSize val="0"/>
         </c:dLbls>
         <c:smooth val="0"/>
-        <c:axId val="188359984"/>
-        <c:axId val="188360544"/>
+        <c:axId val="316714760"/>
+        <c:axId val="316715152"/>
       </c:lineChart>
       <c:catAx>
-        <c:axId val="188359984"/>
+        <c:axId val="316714760"/>
         <c:scaling>
           <c:orientation val="minMax"/>
         </c:scaling>
@@ -1226,7 +1221,7 @@
             <a:endParaRPr lang="ru-RU"/>
           </a:p>
         </c:txPr>
-        <c:crossAx val="188360544"/>
+        <c:crossAx val="316715152"/>
         <c:crosses val="autoZero"/>
         <c:auto val="1"/>
         <c:lblAlgn val="ctr"/>
@@ -1234,7 +1229,7 @@
         <c:noMultiLvlLbl val="1"/>
       </c:catAx>
       <c:valAx>
-        <c:axId val="188360544"/>
+        <c:axId val="316715152"/>
         <c:scaling>
           <c:orientation val="minMax"/>
         </c:scaling>
@@ -1285,7 +1280,7 @@
             <a:endParaRPr lang="ru-RU"/>
           </a:p>
         </c:txPr>
-        <c:crossAx val="188359984"/>
+        <c:crossAx val="316714760"/>
         <c:crosses val="autoZero"/>
         <c:crossBetween val="between"/>
       </c:valAx>
@@ -1299,6 +1294,7 @@
     </c:plotArea>
     <c:legend>
       <c:legendPos val="b"/>
+      <c:layout/>
       <c:overlay val="0"/>
       <c:spPr>
         <a:noFill/>
@@ -1641,7 +1637,9 @@
               </c:spPr>
             </c:leaderLines>
             <c:extLst>
-              <c:ext xmlns:c15="http://schemas.microsoft.com/office/drawing/2012/chart" uri="{CE6537A1-D6FC-4f65-9D91-7224C49458BB}"/>
+              <c:ext xmlns:c15="http://schemas.microsoft.com/office/drawing/2012/chart" uri="{CE6537A1-D6FC-4f65-9D91-7224C49458BB}">
+                <c15:layout/>
+              </c:ext>
             </c:extLst>
           </c:dLbls>
           <c:cat>
@@ -1702,6 +1700,7 @@
     </c:plotArea>
     <c:legend>
       <c:legendPos val="r"/>
+      <c:layout/>
       <c:overlay val="0"/>
       <c:spPr>
         <a:solidFill>
@@ -1863,6 +1862,7 @@
             <c:showLeaderLines val="0"/>
             <c:extLst>
               <c:ext xmlns:c15="http://schemas.microsoft.com/office/drawing/2012/chart" uri="{CE6537A1-D6FC-4f65-9D91-7224C49458BB}">
+                <c15:layout/>
                 <c15:showLeaderLines val="1"/>
                 <c15:leaderLines>
                   <c:spPr>
@@ -1967,6 +1967,7 @@
             <c:showLeaderLines val="0"/>
             <c:extLst>
               <c:ext xmlns:c15="http://schemas.microsoft.com/office/drawing/2012/chart" uri="{CE6537A1-D6FC-4f65-9D91-7224C49458BB}">
+                <c15:layout/>
                 <c15:showLeaderLines val="1"/>
                 <c15:leaderLines>
                   <c:spPr>
@@ -2071,6 +2072,7 @@
             <c:showLeaderLines val="0"/>
             <c:extLst>
               <c:ext xmlns:c15="http://schemas.microsoft.com/office/drawing/2012/chart" uri="{CE6537A1-D6FC-4f65-9D91-7224C49458BB}">
+                <c15:layout/>
                 <c15:showLeaderLines val="1"/>
                 <c15:leaderLines>
                   <c:spPr>
@@ -2177,6 +2179,7 @@
             <c:showLeaderLines val="0"/>
             <c:extLst>
               <c:ext xmlns:c15="http://schemas.microsoft.com/office/drawing/2012/chart" uri="{CE6537A1-D6FC-4f65-9D91-7224C49458BB}">
+                <c15:layout/>
                 <c15:showLeaderLines val="1"/>
                 <c15:leaderLines>
                   <c:spPr>
@@ -2283,6 +2286,7 @@
             <c:showLeaderLines val="0"/>
             <c:extLst>
               <c:ext xmlns:c15="http://schemas.microsoft.com/office/drawing/2012/chart" uri="{CE6537A1-D6FC-4f65-9D91-7224C49458BB}">
+                <c15:layout/>
                 <c15:showLeaderLines val="1"/>
                 <c15:leaderLines>
                   <c:spPr>
@@ -2389,6 +2393,7 @@
             <c:showLeaderLines val="0"/>
             <c:extLst>
               <c:ext xmlns:c15="http://schemas.microsoft.com/office/drawing/2012/chart" uri="{CE6537A1-D6FC-4f65-9D91-7224C49458BB}">
+                <c15:layout/>
                 <c15:showLeaderLines val="1"/>
                 <c15:leaderLines>
                   <c:spPr>
@@ -2496,6 +2501,7 @@
             <c:showLeaderLines val="0"/>
             <c:extLst>
               <c:ext xmlns:c15="http://schemas.microsoft.com/office/drawing/2012/chart" uri="{CE6537A1-D6FC-4f65-9D91-7224C49458BB}">
+                <c15:layout/>
                 <c15:showLeaderLines val="1"/>
                 <c15:leaderLines>
                   <c:spPr>
@@ -2603,6 +2609,7 @@
             <c:showLeaderLines val="0"/>
             <c:extLst>
               <c:ext xmlns:c15="http://schemas.microsoft.com/office/drawing/2012/chart" uri="{CE6537A1-D6FC-4f65-9D91-7224C49458BB}">
+                <c15:layout/>
                 <c15:showLeaderLines val="1"/>
                 <c15:leaderLines>
                   <c:spPr>
@@ -2710,6 +2717,7 @@
             <c:showLeaderLines val="0"/>
             <c:extLst>
               <c:ext xmlns:c15="http://schemas.microsoft.com/office/drawing/2012/chart" uri="{CE6537A1-D6FC-4f65-9D91-7224C49458BB}">
+                <c15:layout/>
                 <c15:showLeaderLines val="1"/>
                 <c15:leaderLines>
                   <c:spPr>
@@ -2816,6 +2824,7 @@
             <c:showLeaderLines val="0"/>
             <c:extLst>
               <c:ext xmlns:c15="http://schemas.microsoft.com/office/drawing/2012/chart" uri="{CE6537A1-D6FC-4f65-9D91-7224C49458BB}">
+                <c15:layout/>
                 <c15:showLeaderLines val="1"/>
                 <c15:leaderLines>
                   <c:spPr>
@@ -2922,6 +2931,7 @@
             <c:showLeaderLines val="0"/>
             <c:extLst>
               <c:ext xmlns:c15="http://schemas.microsoft.com/office/drawing/2012/chart" uri="{CE6537A1-D6FC-4f65-9D91-7224C49458BB}">
+                <c15:layout/>
                 <c15:showLeaderLines val="1"/>
                 <c15:leaderLines>
                   <c:spPr>
@@ -2973,11 +2983,11 @@
         </c:dLbls>
         <c:gapWidth val="219"/>
         <c:overlap val="-27"/>
-        <c:axId val="225131760"/>
-        <c:axId val="225132320"/>
+        <c:axId val="319285640"/>
+        <c:axId val="319291912"/>
       </c:barChart>
       <c:catAx>
-        <c:axId val="225131760"/>
+        <c:axId val="319285640"/>
         <c:scaling>
           <c:orientation val="minMax"/>
         </c:scaling>
@@ -3020,7 +3030,7 @@
             <a:endParaRPr lang="ru-RU"/>
           </a:p>
         </c:txPr>
-        <c:crossAx val="225132320"/>
+        <c:crossAx val="319291912"/>
         <c:crosses val="autoZero"/>
         <c:auto val="1"/>
         <c:lblAlgn val="ctr"/>
@@ -3028,7 +3038,7 @@
         <c:noMultiLvlLbl val="0"/>
       </c:catAx>
       <c:valAx>
-        <c:axId val="225132320"/>
+        <c:axId val="319291912"/>
         <c:scaling>
           <c:orientation val="minMax"/>
         </c:scaling>
@@ -3079,7 +3089,7 @@
             <a:endParaRPr lang="ru-RU"/>
           </a:p>
         </c:txPr>
-        <c:crossAx val="225131760"/>
+        <c:crossAx val="319285640"/>
         <c:crosses val="autoZero"/>
         <c:crossBetween val="between"/>
       </c:valAx>
@@ -3093,6 +3103,7 @@
     </c:plotArea>
     <c:legend>
       <c:legendPos val="b"/>
+      <c:layout/>
       <c:overlay val="0"/>
       <c:spPr>
         <a:noFill/>
@@ -11788,25 +11799,25 @@
     </dgm:pt>
   </dgm:ptLst>
   <dgm:cxnLst>
-    <dgm:cxn modelId="{30ACB49D-BDBB-4539-A3C8-66F3833D1B28}" type="presOf" srcId="{25F23385-6A5D-48FC-B58D-8338175AD398}" destId="{CC7032B2-C7DD-4031-9D5A-C31C34436923}" srcOrd="0" destOrd="0" presId="urn:microsoft.com/office/officeart/2005/8/layout/bProcess3"/>
-    <dgm:cxn modelId="{A3679A60-34EE-42FC-B8E7-14D79178AF25}" type="presOf" srcId="{54D30124-007A-4C9A-88DB-EEF46CA56062}" destId="{1942F91E-6C3F-4237-991D-8670CFE6D12C}" srcOrd="0" destOrd="0" presId="urn:microsoft.com/office/officeart/2005/8/layout/bProcess3"/>
+    <dgm:cxn modelId="{F7C80D55-BECC-4CA1-82C0-73D80D3F327D}" srcId="{82BF7999-DE49-4B02-B50A-4E91A516158B}" destId="{BFE3B424-16B9-4C38-840C-0847032DF1C4}" srcOrd="0" destOrd="0" parTransId="{176F5C23-1C56-4CA4-8B6A-94A900C65BA8}" sibTransId="{5422C932-509A-4863-91D8-D2A4430971E3}"/>
+    <dgm:cxn modelId="{845F9CAD-D654-465F-BAC7-A62D7C3FE09C}" type="presOf" srcId="{96C5E055-E7A0-4905-B19D-14DD3FBE8355}" destId="{F9DFDEE3-5C67-4064-BD2F-0DBC5296244C}" srcOrd="1" destOrd="0" presId="urn:microsoft.com/office/officeart/2005/8/layout/bProcess3"/>
     <dgm:cxn modelId="{D192E704-7717-42A6-A71E-90ECA00EED78}" srcId="{82BF7999-DE49-4B02-B50A-4E91A516158B}" destId="{1EE2DEE5-BF8A-4486-8E2A-F40FD5D32378}" srcOrd="3" destOrd="0" parTransId="{46D0B385-1610-4670-B3C7-7121FAE7A548}" sibTransId="{FDAFB07A-55C0-4E0A-BC99-BB53504DE334}"/>
-    <dgm:cxn modelId="{D6FF0F20-B855-442D-8B53-0708FE865463}" type="presOf" srcId="{5422C932-509A-4863-91D8-D2A4430971E3}" destId="{938C9AAF-9C22-41D0-ACE2-6AD639BBCF15}" srcOrd="1" destOrd="0" presId="urn:microsoft.com/office/officeart/2005/8/layout/bProcess3"/>
     <dgm:cxn modelId="{B0FD4E27-3CC8-44C8-B93E-BB26F6FDF470}" type="presOf" srcId="{2E0D9F87-A655-405B-AD12-6147D22F6074}" destId="{4AFCF350-7E3E-4747-9BE0-9F5FEF433686}" srcOrd="0" destOrd="0" presId="urn:microsoft.com/office/officeart/2005/8/layout/bProcess3"/>
-    <dgm:cxn modelId="{39E7F1E0-93B1-4B62-9DC6-7B911BD6BF9E}" type="presOf" srcId="{82BF7999-DE49-4B02-B50A-4E91A516158B}" destId="{E28BF6C4-4436-42B4-90A8-1AD277FE1D2A}" srcOrd="0" destOrd="0" presId="urn:microsoft.com/office/officeart/2005/8/layout/bProcess3"/>
-    <dgm:cxn modelId="{845F9CAD-D654-465F-BAC7-A62D7C3FE09C}" type="presOf" srcId="{96C5E055-E7A0-4905-B19D-14DD3FBE8355}" destId="{F9DFDEE3-5C67-4064-BD2F-0DBC5296244C}" srcOrd="1" destOrd="0" presId="urn:microsoft.com/office/officeart/2005/8/layout/bProcess3"/>
-    <dgm:cxn modelId="{0629930D-7F22-4DA1-A78E-6CEE70AE24CC}" type="presOf" srcId="{CEAF6E7B-A235-4E97-B22E-E007038F2C06}" destId="{E9530CEB-3B8E-4A90-AC86-1908B31AFA3C}" srcOrd="0" destOrd="0" presId="urn:microsoft.com/office/officeart/2005/8/layout/bProcess3"/>
-    <dgm:cxn modelId="{0892E0B3-A46A-4AE3-B38B-5B15630B7B62}" type="presOf" srcId="{BFE3B424-16B9-4C38-840C-0847032DF1C4}" destId="{335182A0-E382-4E77-B206-70C6001A973F}" srcOrd="0" destOrd="0" presId="urn:microsoft.com/office/officeart/2005/8/layout/bProcess3"/>
     <dgm:cxn modelId="{0381903A-6158-4184-B3F9-751BD6A645F9}" type="presOf" srcId="{FDAFB07A-55C0-4E0A-BC99-BB53504DE334}" destId="{26B265DE-1FAC-4D7E-A9F8-15E8D3980157}" srcOrd="1" destOrd="0" presId="urn:microsoft.com/office/officeart/2005/8/layout/bProcess3"/>
     <dgm:cxn modelId="{F98F2CB4-86E8-4636-899B-60FC01D540CF}" type="presOf" srcId="{96C5E055-E7A0-4905-B19D-14DD3FBE8355}" destId="{9EE61D95-1339-4812-8BA2-E26508DB95D7}" srcOrd="0" destOrd="0" presId="urn:microsoft.com/office/officeart/2005/8/layout/bProcess3"/>
-    <dgm:cxn modelId="{490CFFF5-7CE0-4B8D-9678-ABB9CB04620C}" type="presOf" srcId="{5422C932-509A-4863-91D8-D2A4430971E3}" destId="{A77BF775-E608-4841-B760-C29DDEACE52D}" srcOrd="0" destOrd="0" presId="urn:microsoft.com/office/officeart/2005/8/layout/bProcess3"/>
-    <dgm:cxn modelId="{93BC7CE4-1600-46FF-BB3B-DD96E5F1D191}" srcId="{82BF7999-DE49-4B02-B50A-4E91A516158B}" destId="{2E0D9F87-A655-405B-AD12-6147D22F6074}" srcOrd="4" destOrd="0" parTransId="{684E6172-DBD7-4C4F-B2E3-A62545EC7CC7}" sibTransId="{5C5C4FDB-CCC6-4CE1-B17D-DDFFB00A3374}"/>
-    <dgm:cxn modelId="{F7C80D55-BECC-4CA1-82C0-73D80D3F327D}" srcId="{82BF7999-DE49-4B02-B50A-4E91A516158B}" destId="{BFE3B424-16B9-4C38-840C-0847032DF1C4}" srcOrd="0" destOrd="0" parTransId="{176F5C23-1C56-4CA4-8B6A-94A900C65BA8}" sibTransId="{5422C932-509A-4863-91D8-D2A4430971E3}"/>
-    <dgm:cxn modelId="{DACC619E-4002-4A25-AFE3-B0F469FED219}" srcId="{82BF7999-DE49-4B02-B50A-4E91A516158B}" destId="{25F23385-6A5D-48FC-B58D-8338175AD398}" srcOrd="2" destOrd="0" parTransId="{49B95726-C30B-4F50-AD06-0232C78B8573}" sibTransId="{96C5E055-E7A0-4905-B19D-14DD3FBE8355}"/>
-    <dgm:cxn modelId="{5F58E742-1E2B-4E89-827E-5AC9F677C36F}" type="presOf" srcId="{54D30124-007A-4C9A-88DB-EEF46CA56062}" destId="{4BF84A79-F0B8-4C23-A6BE-45EDCF8E6724}" srcOrd="1" destOrd="0" presId="urn:microsoft.com/office/officeart/2005/8/layout/bProcess3"/>
     <dgm:cxn modelId="{A271CFBC-22BA-4CAC-B429-442665871869}" srcId="{82BF7999-DE49-4B02-B50A-4E91A516158B}" destId="{CEAF6E7B-A235-4E97-B22E-E007038F2C06}" srcOrd="1" destOrd="0" parTransId="{66F56F1C-737A-4009-BE31-35D53F7D1E57}" sibTransId="{54D30124-007A-4C9A-88DB-EEF46CA56062}"/>
     <dgm:cxn modelId="{06368797-46EB-4669-92E5-A78472478D15}" type="presOf" srcId="{FDAFB07A-55C0-4E0A-BC99-BB53504DE334}" destId="{AA3F5F8C-F587-4C38-A5F5-94A0B0ABB808}" srcOrd="0" destOrd="0" presId="urn:microsoft.com/office/officeart/2005/8/layout/bProcess3"/>
+    <dgm:cxn modelId="{0629930D-7F22-4DA1-A78E-6CEE70AE24CC}" type="presOf" srcId="{CEAF6E7B-A235-4E97-B22E-E007038F2C06}" destId="{E9530CEB-3B8E-4A90-AC86-1908B31AFA3C}" srcOrd="0" destOrd="0" presId="urn:microsoft.com/office/officeart/2005/8/layout/bProcess3"/>
     <dgm:cxn modelId="{B25D6A73-E275-4F1F-9FD9-44F439F23364}" type="presOf" srcId="{1EE2DEE5-BF8A-4486-8E2A-F40FD5D32378}" destId="{616AE4C8-5EA6-44FB-BC24-3488D6FCC56D}" srcOrd="0" destOrd="0" presId="urn:microsoft.com/office/officeart/2005/8/layout/bProcess3"/>
+    <dgm:cxn modelId="{5F58E742-1E2B-4E89-827E-5AC9F677C36F}" type="presOf" srcId="{54D30124-007A-4C9A-88DB-EEF46CA56062}" destId="{4BF84A79-F0B8-4C23-A6BE-45EDCF8E6724}" srcOrd="1" destOrd="0" presId="urn:microsoft.com/office/officeart/2005/8/layout/bProcess3"/>
+    <dgm:cxn modelId="{A3679A60-34EE-42FC-B8E7-14D79178AF25}" type="presOf" srcId="{54D30124-007A-4C9A-88DB-EEF46CA56062}" destId="{1942F91E-6C3F-4237-991D-8670CFE6D12C}" srcOrd="0" destOrd="0" presId="urn:microsoft.com/office/officeart/2005/8/layout/bProcess3"/>
+    <dgm:cxn modelId="{30ACB49D-BDBB-4539-A3C8-66F3833D1B28}" type="presOf" srcId="{25F23385-6A5D-48FC-B58D-8338175AD398}" destId="{CC7032B2-C7DD-4031-9D5A-C31C34436923}" srcOrd="0" destOrd="0" presId="urn:microsoft.com/office/officeart/2005/8/layout/bProcess3"/>
+    <dgm:cxn modelId="{490CFFF5-7CE0-4B8D-9678-ABB9CB04620C}" type="presOf" srcId="{5422C932-509A-4863-91D8-D2A4430971E3}" destId="{A77BF775-E608-4841-B760-C29DDEACE52D}" srcOrd="0" destOrd="0" presId="urn:microsoft.com/office/officeart/2005/8/layout/bProcess3"/>
+    <dgm:cxn modelId="{DACC619E-4002-4A25-AFE3-B0F469FED219}" srcId="{82BF7999-DE49-4B02-B50A-4E91A516158B}" destId="{25F23385-6A5D-48FC-B58D-8338175AD398}" srcOrd="2" destOrd="0" parTransId="{49B95726-C30B-4F50-AD06-0232C78B8573}" sibTransId="{96C5E055-E7A0-4905-B19D-14DD3FBE8355}"/>
+    <dgm:cxn modelId="{93BC7CE4-1600-46FF-BB3B-DD96E5F1D191}" srcId="{82BF7999-DE49-4B02-B50A-4E91A516158B}" destId="{2E0D9F87-A655-405B-AD12-6147D22F6074}" srcOrd="4" destOrd="0" parTransId="{684E6172-DBD7-4C4F-B2E3-A62545EC7CC7}" sibTransId="{5C5C4FDB-CCC6-4CE1-B17D-DDFFB00A3374}"/>
+    <dgm:cxn modelId="{0892E0B3-A46A-4AE3-B38B-5B15630B7B62}" type="presOf" srcId="{BFE3B424-16B9-4C38-840C-0847032DF1C4}" destId="{335182A0-E382-4E77-B206-70C6001A973F}" srcOrd="0" destOrd="0" presId="urn:microsoft.com/office/officeart/2005/8/layout/bProcess3"/>
+    <dgm:cxn modelId="{39E7F1E0-93B1-4B62-9DC6-7B911BD6BF9E}" type="presOf" srcId="{82BF7999-DE49-4B02-B50A-4E91A516158B}" destId="{E28BF6C4-4436-42B4-90A8-1AD277FE1D2A}" srcOrd="0" destOrd="0" presId="urn:microsoft.com/office/officeart/2005/8/layout/bProcess3"/>
+    <dgm:cxn modelId="{D6FF0F20-B855-442D-8B53-0708FE865463}" type="presOf" srcId="{5422C932-509A-4863-91D8-D2A4430971E3}" destId="{938C9AAF-9C22-41D0-ACE2-6AD639BBCF15}" srcOrd="1" destOrd="0" presId="urn:microsoft.com/office/officeart/2005/8/layout/bProcess3"/>
     <dgm:cxn modelId="{9305D869-3AEA-4218-BFB5-1AA3F588AC82}" type="presParOf" srcId="{E28BF6C4-4436-42B4-90A8-1AD277FE1D2A}" destId="{335182A0-E382-4E77-B206-70C6001A973F}" srcOrd="0" destOrd="0" presId="urn:microsoft.com/office/officeart/2005/8/layout/bProcess3"/>
     <dgm:cxn modelId="{859AB5A7-F569-45F9-860C-E0A5EC371E97}" type="presParOf" srcId="{E28BF6C4-4436-42B4-90A8-1AD277FE1D2A}" destId="{A77BF775-E608-4841-B760-C29DDEACE52D}" srcOrd="1" destOrd="0" presId="urn:microsoft.com/office/officeart/2005/8/layout/bProcess3"/>
     <dgm:cxn modelId="{27F9C6D5-A18D-49A5-AA6F-3DBE9D7DF8B3}" type="presParOf" srcId="{A77BF775-E608-4841-B760-C29DDEACE52D}" destId="{938C9AAF-9C22-41D0-ACE2-6AD639BBCF15}" srcOrd="0" destOrd="0" presId="urn:microsoft.com/office/officeart/2005/8/layout/bProcess3"/>
@@ -13345,6 +13356,438 @@
       <dsp:cNvGrpSpPr/>
     </dsp:nvGrpSpPr>
     <dsp:grpSpPr/>
+    <dsp:sp modelId="{B7B124A7-A5F3-4DEF-A4C4-15F7B6F83CA4}">
+      <dsp:nvSpPr>
+        <dsp:cNvPr id="0" name=""/>
+        <dsp:cNvSpPr/>
+      </dsp:nvSpPr>
+      <dsp:spPr>
+        <a:xfrm>
+          <a:off x="521669" y="431311"/>
+          <a:ext cx="3977911" cy="3977911"/>
+        </a:xfrm>
+        <a:prstGeom prst="pie">
+          <a:avLst>
+            <a:gd name="adj1" fmla="val 16200000"/>
+            <a:gd name="adj2" fmla="val 0"/>
+          </a:avLst>
+        </a:prstGeom>
+        <a:gradFill rotWithShape="0">
+          <a:gsLst>
+            <a:gs pos="0">
+              <a:schemeClr val="accent2">
+                <a:hueOff val="0"/>
+                <a:satOff val="0"/>
+                <a:lumOff val="0"/>
+                <a:alphaOff val="0"/>
+                <a:satMod val="103000"/>
+                <a:lumMod val="102000"/>
+                <a:tint val="94000"/>
+              </a:schemeClr>
+            </a:gs>
+            <a:gs pos="50000">
+              <a:schemeClr val="accent2">
+                <a:hueOff val="0"/>
+                <a:satOff val="0"/>
+                <a:lumOff val="0"/>
+                <a:alphaOff val="0"/>
+                <a:satMod val="110000"/>
+                <a:lumMod val="100000"/>
+                <a:shade val="100000"/>
+              </a:schemeClr>
+            </a:gs>
+            <a:gs pos="100000">
+              <a:schemeClr val="accent2">
+                <a:hueOff val="0"/>
+                <a:satOff val="0"/>
+                <a:lumOff val="0"/>
+                <a:alphaOff val="0"/>
+                <a:lumMod val="99000"/>
+                <a:satMod val="120000"/>
+                <a:shade val="78000"/>
+              </a:schemeClr>
+            </a:gs>
+          </a:gsLst>
+          <a:lin ang="5400000" scaled="0"/>
+        </a:gradFill>
+        <a:ln>
+          <a:noFill/>
+        </a:ln>
+        <a:effectLst>
+          <a:outerShdw blurRad="57150" dist="19050" dir="5400000" algn="ctr" rotWithShape="0">
+            <a:srgbClr val="000000">
+              <a:alpha val="63000"/>
+            </a:srgbClr>
+          </a:outerShdw>
+        </a:effectLst>
+      </dsp:spPr>
+      <dsp:style>
+        <a:lnRef idx="0">
+          <a:scrgbClr r="0" g="0" b="0"/>
+        </a:lnRef>
+        <a:fillRef idx="3">
+          <a:scrgbClr r="0" g="0" b="0"/>
+        </a:fillRef>
+        <a:effectRef idx="3">
+          <a:scrgbClr r="0" g="0" b="0"/>
+        </a:effectRef>
+        <a:fontRef idx="minor">
+          <a:schemeClr val="lt1"/>
+        </a:fontRef>
+      </dsp:style>
+      <dsp:txBody>
+        <a:bodyPr spcFirstLastPara="0" vert="horz" wrap="square" lIns="24130" tIns="24130" rIns="24130" bIns="24130" numCol="1" spcCol="1270" anchor="t" anchorCtr="0">
+          <a:noAutofit/>
+        </a:bodyPr>
+        <a:lstStyle/>
+        <a:p>
+          <a:pPr lvl="0" algn="ctr" defTabSz="844550">
+            <a:lnSpc>
+              <a:spcPct val="90000"/>
+            </a:lnSpc>
+            <a:spcBef>
+              <a:spcPct val="0"/>
+            </a:spcBef>
+            <a:spcAft>
+              <a:spcPct val="35000"/>
+            </a:spcAft>
+          </a:pPr>
+          <a:r>
+            <a:rPr lang="ru-RU" sz="1900" kern="1200" dirty="0" smtClean="0"/>
+            <a:t>Тест-кейсы                                                       </a:t>
+          </a:r>
+          <a:endParaRPr lang="ru-RU" sz="1900" kern="1200" dirty="0"/>
+        </a:p>
+      </dsp:txBody>
+      <dsp:txXfrm>
+        <a:off x="2556087" y="1167225"/>
+        <a:ext cx="1468038" cy="1183902"/>
+      </dsp:txXfrm>
+    </dsp:sp>
+    <dsp:sp modelId="{000CC315-531C-4BFA-A8AA-0B0479AAD9FF}">
+      <dsp:nvSpPr>
+        <dsp:cNvPr id="0" name=""/>
+        <dsp:cNvSpPr/>
+      </dsp:nvSpPr>
+      <dsp:spPr>
+        <a:xfrm>
+          <a:off x="513464" y="482837"/>
+          <a:ext cx="3977911" cy="3977911"/>
+        </a:xfrm>
+        <a:prstGeom prst="pie">
+          <a:avLst>
+            <a:gd name="adj1" fmla="val 0"/>
+            <a:gd name="adj2" fmla="val 5400000"/>
+          </a:avLst>
+        </a:prstGeom>
+        <a:gradFill rotWithShape="0">
+          <a:gsLst>
+            <a:gs pos="0">
+              <a:schemeClr val="accent3">
+                <a:hueOff val="0"/>
+                <a:satOff val="0"/>
+                <a:lumOff val="0"/>
+                <a:alphaOff val="0"/>
+                <a:satMod val="103000"/>
+                <a:lumMod val="102000"/>
+                <a:tint val="94000"/>
+              </a:schemeClr>
+            </a:gs>
+            <a:gs pos="50000">
+              <a:schemeClr val="accent3">
+                <a:hueOff val="0"/>
+                <a:satOff val="0"/>
+                <a:lumOff val="0"/>
+                <a:alphaOff val="0"/>
+                <a:satMod val="110000"/>
+                <a:lumMod val="100000"/>
+                <a:shade val="100000"/>
+              </a:schemeClr>
+            </a:gs>
+            <a:gs pos="100000">
+              <a:schemeClr val="accent3">
+                <a:hueOff val="0"/>
+                <a:satOff val="0"/>
+                <a:lumOff val="0"/>
+                <a:alphaOff val="0"/>
+                <a:lumMod val="99000"/>
+                <a:satMod val="120000"/>
+                <a:shade val="78000"/>
+              </a:schemeClr>
+            </a:gs>
+          </a:gsLst>
+          <a:lin ang="5400000" scaled="0"/>
+        </a:gradFill>
+        <a:ln>
+          <a:noFill/>
+        </a:ln>
+        <a:effectLst>
+          <a:outerShdw blurRad="57150" dist="19050" dir="5400000" algn="ctr" rotWithShape="0">
+            <a:srgbClr val="000000">
+              <a:alpha val="63000"/>
+            </a:srgbClr>
+          </a:outerShdw>
+        </a:effectLst>
+      </dsp:spPr>
+      <dsp:style>
+        <a:lnRef idx="0">
+          <a:scrgbClr r="0" g="0" b="0"/>
+        </a:lnRef>
+        <a:fillRef idx="3">
+          <a:scrgbClr r="0" g="0" b="0"/>
+        </a:fillRef>
+        <a:effectRef idx="3">
+          <a:scrgbClr r="0" g="0" b="0"/>
+        </a:effectRef>
+        <a:fontRef idx="minor">
+          <a:schemeClr val="lt1"/>
+        </a:fontRef>
+      </dsp:style>
+      <dsp:txBody>
+        <a:bodyPr spcFirstLastPara="0" vert="horz" wrap="square" lIns="24130" tIns="24130" rIns="24130" bIns="24130" numCol="1" spcCol="1270" anchor="b" anchorCtr="0">
+          <a:noAutofit/>
+        </a:bodyPr>
+        <a:lstStyle/>
+        <a:p>
+          <a:pPr lvl="0" algn="ctr" defTabSz="844550">
+            <a:lnSpc>
+              <a:spcPct val="90000"/>
+            </a:lnSpc>
+            <a:spcBef>
+              <a:spcPct val="0"/>
+            </a:spcBef>
+            <a:spcAft>
+              <a:spcPct val="35000"/>
+            </a:spcAft>
+          </a:pPr>
+          <a:r>
+            <a:rPr lang="ru-RU" sz="1900" kern="1200" dirty="0" smtClean="0"/>
+            <a:t>Результаты тестирования </a:t>
+          </a:r>
+          <a:endParaRPr lang="ru-RU" sz="1900" kern="1200" dirty="0"/>
+        </a:p>
+      </dsp:txBody>
+      <dsp:txXfrm>
+        <a:off x="2573454" y="2542826"/>
+        <a:ext cx="1468038" cy="1183902"/>
+      </dsp:txXfrm>
+    </dsp:sp>
+    <dsp:sp modelId="{4ACAFB12-125B-4407-8730-03696C63C350}">
+      <dsp:nvSpPr>
+        <dsp:cNvPr id="0" name=""/>
+        <dsp:cNvSpPr/>
+      </dsp:nvSpPr>
+      <dsp:spPr>
+        <a:xfrm>
+          <a:off x="492898" y="479097"/>
+          <a:ext cx="3977911" cy="3977911"/>
+        </a:xfrm>
+        <a:prstGeom prst="pie">
+          <a:avLst>
+            <a:gd name="adj1" fmla="val 5400000"/>
+            <a:gd name="adj2" fmla="val 10800000"/>
+          </a:avLst>
+        </a:prstGeom>
+        <a:gradFill rotWithShape="0">
+          <a:gsLst>
+            <a:gs pos="0">
+              <a:schemeClr val="accent4">
+                <a:hueOff val="0"/>
+                <a:satOff val="0"/>
+                <a:lumOff val="0"/>
+                <a:alphaOff val="0"/>
+                <a:satMod val="103000"/>
+                <a:lumMod val="102000"/>
+                <a:tint val="94000"/>
+              </a:schemeClr>
+            </a:gs>
+            <a:gs pos="50000">
+              <a:schemeClr val="accent4">
+                <a:hueOff val="0"/>
+                <a:satOff val="0"/>
+                <a:lumOff val="0"/>
+                <a:alphaOff val="0"/>
+                <a:satMod val="110000"/>
+                <a:lumMod val="100000"/>
+                <a:shade val="100000"/>
+              </a:schemeClr>
+            </a:gs>
+            <a:gs pos="100000">
+              <a:schemeClr val="accent4">
+                <a:hueOff val="0"/>
+                <a:satOff val="0"/>
+                <a:lumOff val="0"/>
+                <a:alphaOff val="0"/>
+                <a:lumMod val="99000"/>
+                <a:satMod val="120000"/>
+                <a:shade val="78000"/>
+              </a:schemeClr>
+            </a:gs>
+          </a:gsLst>
+          <a:lin ang="5400000" scaled="0"/>
+        </a:gradFill>
+        <a:ln>
+          <a:noFill/>
+        </a:ln>
+        <a:effectLst>
+          <a:outerShdw blurRad="57150" dist="19050" dir="5400000" algn="ctr" rotWithShape="0">
+            <a:srgbClr val="000000">
+              <a:alpha val="63000"/>
+            </a:srgbClr>
+          </a:outerShdw>
+        </a:effectLst>
+      </dsp:spPr>
+      <dsp:style>
+        <a:lnRef idx="0">
+          <a:scrgbClr r="0" g="0" b="0"/>
+        </a:lnRef>
+        <a:fillRef idx="3">
+          <a:scrgbClr r="0" g="0" b="0"/>
+        </a:fillRef>
+        <a:effectRef idx="3">
+          <a:scrgbClr r="0" g="0" b="0"/>
+        </a:effectRef>
+        <a:fontRef idx="minor">
+          <a:schemeClr val="lt1"/>
+        </a:fontRef>
+      </dsp:style>
+      <dsp:txBody>
+        <a:bodyPr spcFirstLastPara="0" vert="horz" wrap="square" lIns="24130" tIns="24130" rIns="24130" bIns="24130" numCol="1" spcCol="1270" anchor="b" anchorCtr="0">
+          <a:noAutofit/>
+        </a:bodyPr>
+        <a:lstStyle/>
+        <a:p>
+          <a:pPr lvl="0" algn="ctr" defTabSz="844550">
+            <a:lnSpc>
+              <a:spcPct val="90000"/>
+            </a:lnSpc>
+            <a:spcBef>
+              <a:spcPct val="0"/>
+            </a:spcBef>
+            <a:spcAft>
+              <a:spcPct val="35000"/>
+            </a:spcAft>
+          </a:pPr>
+          <a:r>
+            <a:rPr lang="ru-RU" sz="1900" kern="1200" dirty="0" smtClean="0"/>
+            <a:t>Статистика тестирования </a:t>
+          </a:r>
+          <a:endParaRPr lang="ru-RU" sz="1900" kern="1200" dirty="0"/>
+        </a:p>
+      </dsp:txBody>
+      <dsp:txXfrm>
+        <a:off x="942781" y="2539087"/>
+        <a:ext cx="1468038" cy="1183902"/>
+      </dsp:txXfrm>
+    </dsp:sp>
+    <dsp:sp modelId="{649C6970-20BF-40D1-9E30-038AC12482BA}">
+      <dsp:nvSpPr>
+        <dsp:cNvPr id="0" name=""/>
+        <dsp:cNvSpPr/>
+      </dsp:nvSpPr>
+      <dsp:spPr>
+        <a:xfrm>
+          <a:off x="493296" y="431323"/>
+          <a:ext cx="3977911" cy="3977911"/>
+        </a:xfrm>
+        <a:prstGeom prst="pie">
+          <a:avLst>
+            <a:gd name="adj1" fmla="val 10800000"/>
+            <a:gd name="adj2" fmla="val 16200000"/>
+          </a:avLst>
+        </a:prstGeom>
+        <a:gradFill rotWithShape="0">
+          <a:gsLst>
+            <a:gs pos="0">
+              <a:schemeClr val="accent5">
+                <a:hueOff val="0"/>
+                <a:satOff val="0"/>
+                <a:lumOff val="0"/>
+                <a:alphaOff val="0"/>
+                <a:satMod val="103000"/>
+                <a:lumMod val="102000"/>
+                <a:tint val="94000"/>
+              </a:schemeClr>
+            </a:gs>
+            <a:gs pos="50000">
+              <a:schemeClr val="accent5">
+                <a:hueOff val="0"/>
+                <a:satOff val="0"/>
+                <a:lumOff val="0"/>
+                <a:alphaOff val="0"/>
+                <a:satMod val="110000"/>
+                <a:lumMod val="100000"/>
+                <a:shade val="100000"/>
+              </a:schemeClr>
+            </a:gs>
+            <a:gs pos="100000">
+              <a:schemeClr val="accent5">
+                <a:hueOff val="0"/>
+                <a:satOff val="0"/>
+                <a:lumOff val="0"/>
+                <a:alphaOff val="0"/>
+                <a:lumMod val="99000"/>
+                <a:satMod val="120000"/>
+                <a:shade val="78000"/>
+              </a:schemeClr>
+            </a:gs>
+          </a:gsLst>
+          <a:lin ang="5400000" scaled="0"/>
+        </a:gradFill>
+        <a:ln>
+          <a:noFill/>
+        </a:ln>
+        <a:effectLst>
+          <a:outerShdw blurRad="57150" dist="19050" dir="5400000" algn="ctr" rotWithShape="0">
+            <a:srgbClr val="000000">
+              <a:alpha val="63000"/>
+            </a:srgbClr>
+          </a:outerShdw>
+        </a:effectLst>
+      </dsp:spPr>
+      <dsp:style>
+        <a:lnRef idx="0">
+          <a:scrgbClr r="0" g="0" b="0"/>
+        </a:lnRef>
+        <a:fillRef idx="3">
+          <a:scrgbClr r="0" g="0" b="0"/>
+        </a:fillRef>
+        <a:effectRef idx="3">
+          <a:scrgbClr r="0" g="0" b="0"/>
+        </a:effectRef>
+        <a:fontRef idx="minor">
+          <a:schemeClr val="lt1"/>
+        </a:fontRef>
+      </dsp:style>
+      <dsp:txBody>
+        <a:bodyPr spcFirstLastPara="0" vert="horz" wrap="square" lIns="24130" tIns="24130" rIns="24130" bIns="24130" numCol="1" spcCol="1270" anchor="t" anchorCtr="0">
+          <a:noAutofit/>
+        </a:bodyPr>
+        <a:lstStyle/>
+        <a:p>
+          <a:pPr lvl="0" algn="ctr" defTabSz="844550">
+            <a:lnSpc>
+              <a:spcPct val="90000"/>
+            </a:lnSpc>
+            <a:spcBef>
+              <a:spcPct val="0"/>
+            </a:spcBef>
+            <a:spcAft>
+              <a:spcPct val="35000"/>
+            </a:spcAft>
+          </a:pPr>
+          <a:r>
+            <a:rPr lang="ru-RU" sz="1900" kern="1200" dirty="0" smtClean="0"/>
+            <a:t>Тест требования</a:t>
+          </a:r>
+          <a:endParaRPr lang="ru-RU" sz="1900" kern="1200" dirty="0"/>
+        </a:p>
+      </dsp:txBody>
+      <dsp:txXfrm>
+        <a:off x="943178" y="1165342"/>
+        <a:ext cx="1468038" cy="1183902"/>
+      </dsp:txXfrm>
+    </dsp:sp>
   </dsp:spTree>
 </dsp:drawing>
 </file>
@@ -13357,6 +13800,803 @@
       <dsp:cNvGrpSpPr/>
     </dsp:nvGrpSpPr>
     <dsp:grpSpPr/>
+    <dsp:sp modelId="{A77BF775-E608-4841-B760-C29DDEACE52D}">
+      <dsp:nvSpPr>
+        <dsp:cNvPr id="0" name=""/>
+        <dsp:cNvSpPr/>
+      </dsp:nvSpPr>
+      <dsp:spPr>
+        <a:xfrm>
+          <a:off x="2399262" y="478202"/>
+          <a:ext cx="369608" cy="91440"/>
+        </a:xfrm>
+        <a:custGeom>
+          <a:avLst/>
+          <a:gdLst/>
+          <a:ahLst/>
+          <a:cxnLst/>
+          <a:rect l="0" t="0" r="0" b="0"/>
+          <a:pathLst>
+            <a:path>
+              <a:moveTo>
+                <a:pt x="0" y="45720"/>
+              </a:moveTo>
+              <a:lnTo>
+                <a:pt x="369608" y="45720"/>
+              </a:lnTo>
+            </a:path>
+          </a:pathLst>
+        </a:custGeom>
+        <a:noFill/>
+        <a:ln w="6350" cap="flat" cmpd="sng" algn="ctr">
+          <a:solidFill>
+            <a:schemeClr val="accent5">
+              <a:hueOff val="0"/>
+              <a:satOff val="0"/>
+              <a:lumOff val="0"/>
+              <a:alphaOff val="0"/>
+            </a:schemeClr>
+          </a:solidFill>
+          <a:prstDash val="solid"/>
+          <a:miter lim="800000"/>
+          <a:tailEnd type="arrow"/>
+        </a:ln>
+        <a:effectLst>
+          <a:glow rad="63500">
+            <a:schemeClr val="accent6">
+              <a:satMod val="175000"/>
+              <a:alpha val="40000"/>
+            </a:schemeClr>
+          </a:glow>
+        </a:effectLst>
+      </dsp:spPr>
+      <dsp:style>
+        <a:lnRef idx="1">
+          <a:scrgbClr r="0" g="0" b="0"/>
+        </a:lnRef>
+        <a:fillRef idx="0">
+          <a:scrgbClr r="0" g="0" b="0"/>
+        </a:fillRef>
+        <a:effectRef idx="0">
+          <a:scrgbClr r="0" g="0" b="0"/>
+        </a:effectRef>
+        <a:fontRef idx="minor"/>
+      </dsp:style>
+      <dsp:txBody>
+        <a:bodyPr spcFirstLastPara="0" vert="horz" wrap="square" lIns="12700" tIns="0" rIns="12700" bIns="0" numCol="1" spcCol="1270" anchor="ctr" anchorCtr="0">
+          <a:noAutofit/>
+        </a:bodyPr>
+        <a:lstStyle/>
+        <a:p>
+          <a:pPr lvl="0" algn="ctr" defTabSz="222250">
+            <a:lnSpc>
+              <a:spcPct val="90000"/>
+            </a:lnSpc>
+            <a:spcBef>
+              <a:spcPct val="0"/>
+            </a:spcBef>
+            <a:spcAft>
+              <a:spcPct val="35000"/>
+            </a:spcAft>
+          </a:pPr>
+          <a:endParaRPr lang="ru-RU" sz="500" kern="1200"/>
+        </a:p>
+      </dsp:txBody>
+      <dsp:txXfrm>
+        <a:off x="2574061" y="521921"/>
+        <a:ext cx="20010" cy="4002"/>
+      </dsp:txXfrm>
+    </dsp:sp>
+    <dsp:sp modelId="{335182A0-E382-4E77-B206-70C6001A973F}">
+      <dsp:nvSpPr>
+        <dsp:cNvPr id="0" name=""/>
+        <dsp:cNvSpPr/>
+      </dsp:nvSpPr>
+      <dsp:spPr>
+        <a:xfrm>
+          <a:off x="661024" y="1910"/>
+          <a:ext cx="1740038" cy="1044023"/>
+        </a:xfrm>
+        <a:prstGeom prst="rect">
+          <a:avLst/>
+        </a:prstGeom>
+        <a:solidFill>
+          <a:schemeClr val="accent5">
+            <a:hueOff val="0"/>
+            <a:satOff val="0"/>
+            <a:lumOff val="0"/>
+            <a:alphaOff val="0"/>
+          </a:schemeClr>
+        </a:solidFill>
+        <a:ln w="12700" cap="flat" cmpd="sng" algn="ctr">
+          <a:solidFill>
+            <a:schemeClr val="lt1">
+              <a:hueOff val="0"/>
+              <a:satOff val="0"/>
+              <a:lumOff val="0"/>
+              <a:alphaOff val="0"/>
+            </a:schemeClr>
+          </a:solidFill>
+          <a:prstDash val="solid"/>
+          <a:miter lim="800000"/>
+        </a:ln>
+        <a:effectLst>
+          <a:glow rad="63500">
+            <a:schemeClr val="accent6">
+              <a:satMod val="175000"/>
+              <a:alpha val="40000"/>
+            </a:schemeClr>
+          </a:glow>
+        </a:effectLst>
+      </dsp:spPr>
+      <dsp:style>
+        <a:lnRef idx="2">
+          <a:scrgbClr r="0" g="0" b="0"/>
+        </a:lnRef>
+        <a:fillRef idx="1">
+          <a:scrgbClr r="0" g="0" b="0"/>
+        </a:fillRef>
+        <a:effectRef idx="0">
+          <a:scrgbClr r="0" g="0" b="0"/>
+        </a:effectRef>
+        <a:fontRef idx="minor">
+          <a:schemeClr val="lt1"/>
+        </a:fontRef>
+      </dsp:style>
+      <dsp:txBody>
+        <a:bodyPr spcFirstLastPara="0" vert="horz" wrap="square" lIns="113792" tIns="113792" rIns="113792" bIns="113792" numCol="1" spcCol="1270" anchor="ctr" anchorCtr="0">
+          <a:noAutofit/>
+        </a:bodyPr>
+        <a:lstStyle/>
+        <a:p>
+          <a:pPr lvl="0" algn="ctr" defTabSz="711200">
+            <a:lnSpc>
+              <a:spcPct val="90000"/>
+            </a:lnSpc>
+            <a:spcBef>
+              <a:spcPct val="0"/>
+            </a:spcBef>
+            <a:spcAft>
+              <a:spcPct val="35000"/>
+            </a:spcAft>
+          </a:pPr>
+          <a:r>
+            <a:rPr lang="ru-RU" sz="1600" kern="1200" dirty="0" smtClean="0"/>
+            <a:t>Составление тест требований на основе ТЗ</a:t>
+          </a:r>
+          <a:endParaRPr lang="ru-RU" sz="1600" kern="1200" dirty="0"/>
+        </a:p>
+      </dsp:txBody>
+      <dsp:txXfrm>
+        <a:off x="661024" y="1910"/>
+        <a:ext cx="1740038" cy="1044023"/>
+      </dsp:txXfrm>
+    </dsp:sp>
+    <dsp:sp modelId="{1942F91E-6C3F-4237-991D-8670CFE6D12C}">
+      <dsp:nvSpPr>
+        <dsp:cNvPr id="0" name=""/>
+        <dsp:cNvSpPr/>
+      </dsp:nvSpPr>
+      <dsp:spPr>
+        <a:xfrm>
+          <a:off x="1531043" y="1044133"/>
+          <a:ext cx="2140247" cy="369608"/>
+        </a:xfrm>
+        <a:custGeom>
+          <a:avLst/>
+          <a:gdLst/>
+          <a:ahLst/>
+          <a:cxnLst/>
+          <a:rect l="0" t="0" r="0" b="0"/>
+          <a:pathLst>
+            <a:path>
+              <a:moveTo>
+                <a:pt x="2140247" y="0"/>
+              </a:moveTo>
+              <a:lnTo>
+                <a:pt x="2140247" y="201904"/>
+              </a:lnTo>
+              <a:lnTo>
+                <a:pt x="0" y="201904"/>
+              </a:lnTo>
+              <a:lnTo>
+                <a:pt x="0" y="369608"/>
+              </a:lnTo>
+            </a:path>
+          </a:pathLst>
+        </a:custGeom>
+        <a:noFill/>
+        <a:ln w="6350" cap="flat" cmpd="sng" algn="ctr">
+          <a:solidFill>
+            <a:schemeClr val="accent5">
+              <a:hueOff val="-1021680"/>
+              <a:satOff val="480"/>
+              <a:lumOff val="-13595"/>
+              <a:alphaOff val="0"/>
+            </a:schemeClr>
+          </a:solidFill>
+          <a:prstDash val="solid"/>
+          <a:miter lim="800000"/>
+          <a:tailEnd type="arrow"/>
+        </a:ln>
+        <a:effectLst>
+          <a:glow rad="63500">
+            <a:schemeClr val="accent6">
+              <a:satMod val="175000"/>
+              <a:alpha val="40000"/>
+            </a:schemeClr>
+          </a:glow>
+        </a:effectLst>
+      </dsp:spPr>
+      <dsp:style>
+        <a:lnRef idx="1">
+          <a:scrgbClr r="0" g="0" b="0"/>
+        </a:lnRef>
+        <a:fillRef idx="0">
+          <a:scrgbClr r="0" g="0" b="0"/>
+        </a:fillRef>
+        <a:effectRef idx="0">
+          <a:scrgbClr r="0" g="0" b="0"/>
+        </a:effectRef>
+        <a:fontRef idx="minor"/>
+      </dsp:style>
+      <dsp:txBody>
+        <a:bodyPr spcFirstLastPara="0" vert="horz" wrap="square" lIns="12700" tIns="0" rIns="12700" bIns="0" numCol="1" spcCol="1270" anchor="ctr" anchorCtr="0">
+          <a:noAutofit/>
+        </a:bodyPr>
+        <a:lstStyle/>
+        <a:p>
+          <a:pPr lvl="0" algn="ctr" defTabSz="222250">
+            <a:lnSpc>
+              <a:spcPct val="90000"/>
+            </a:lnSpc>
+            <a:spcBef>
+              <a:spcPct val="0"/>
+            </a:spcBef>
+            <a:spcAft>
+              <a:spcPct val="35000"/>
+            </a:spcAft>
+          </a:pPr>
+          <a:endParaRPr lang="ru-RU" sz="500" kern="1200"/>
+        </a:p>
+      </dsp:txBody>
+      <dsp:txXfrm>
+        <a:off x="2546733" y="1226936"/>
+        <a:ext cx="108867" cy="4002"/>
+      </dsp:txXfrm>
+    </dsp:sp>
+    <dsp:sp modelId="{E9530CEB-3B8E-4A90-AC86-1908B31AFA3C}">
+      <dsp:nvSpPr>
+        <dsp:cNvPr id="0" name=""/>
+        <dsp:cNvSpPr/>
+      </dsp:nvSpPr>
+      <dsp:spPr>
+        <a:xfrm>
+          <a:off x="2801271" y="1910"/>
+          <a:ext cx="1740038" cy="1044023"/>
+        </a:xfrm>
+        <a:prstGeom prst="rect">
+          <a:avLst/>
+        </a:prstGeom>
+        <a:solidFill>
+          <a:schemeClr val="accent5">
+            <a:hueOff val="-766260"/>
+            <a:satOff val="360"/>
+            <a:lumOff val="-10196"/>
+            <a:alphaOff val="0"/>
+          </a:schemeClr>
+        </a:solidFill>
+        <a:ln w="12700" cap="flat" cmpd="sng" algn="ctr">
+          <a:solidFill>
+            <a:schemeClr val="lt1">
+              <a:hueOff val="0"/>
+              <a:satOff val="0"/>
+              <a:lumOff val="0"/>
+              <a:alphaOff val="0"/>
+            </a:schemeClr>
+          </a:solidFill>
+          <a:prstDash val="solid"/>
+          <a:miter lim="800000"/>
+        </a:ln>
+        <a:effectLst>
+          <a:glow rad="63500">
+            <a:schemeClr val="accent6">
+              <a:satMod val="175000"/>
+              <a:alpha val="40000"/>
+            </a:schemeClr>
+          </a:glow>
+        </a:effectLst>
+      </dsp:spPr>
+      <dsp:style>
+        <a:lnRef idx="2">
+          <a:scrgbClr r="0" g="0" b="0"/>
+        </a:lnRef>
+        <a:fillRef idx="1">
+          <a:scrgbClr r="0" g="0" b="0"/>
+        </a:fillRef>
+        <a:effectRef idx="0">
+          <a:scrgbClr r="0" g="0" b="0"/>
+        </a:effectRef>
+        <a:fontRef idx="minor">
+          <a:schemeClr val="lt1"/>
+        </a:fontRef>
+      </dsp:style>
+      <dsp:txBody>
+        <a:bodyPr spcFirstLastPara="0" vert="horz" wrap="square" lIns="113792" tIns="113792" rIns="113792" bIns="113792" numCol="1" spcCol="1270" anchor="ctr" anchorCtr="0">
+          <a:noAutofit/>
+        </a:bodyPr>
+        <a:lstStyle/>
+        <a:p>
+          <a:pPr lvl="0" algn="ctr" defTabSz="711200">
+            <a:lnSpc>
+              <a:spcPct val="90000"/>
+            </a:lnSpc>
+            <a:spcBef>
+              <a:spcPct val="0"/>
+            </a:spcBef>
+            <a:spcAft>
+              <a:spcPct val="35000"/>
+            </a:spcAft>
+          </a:pPr>
+          <a:r>
+            <a:rPr lang="ru-RU" sz="1600" kern="1200" dirty="0" smtClean="0"/>
+            <a:t>Составление тест кейсов на основе тест требований</a:t>
+          </a:r>
+          <a:endParaRPr lang="ru-RU" sz="1600" kern="1200" dirty="0"/>
+        </a:p>
+      </dsp:txBody>
+      <dsp:txXfrm>
+        <a:off x="2801271" y="1910"/>
+        <a:ext cx="1740038" cy="1044023"/>
+      </dsp:txXfrm>
+    </dsp:sp>
+    <dsp:sp modelId="{9EE61D95-1339-4812-8BA2-E26508DB95D7}">
+      <dsp:nvSpPr>
+        <dsp:cNvPr id="0" name=""/>
+        <dsp:cNvSpPr/>
+      </dsp:nvSpPr>
+      <dsp:spPr>
+        <a:xfrm>
+          <a:off x="2399262" y="1922434"/>
+          <a:ext cx="369608" cy="91440"/>
+        </a:xfrm>
+        <a:custGeom>
+          <a:avLst/>
+          <a:gdLst/>
+          <a:ahLst/>
+          <a:cxnLst/>
+          <a:rect l="0" t="0" r="0" b="0"/>
+          <a:pathLst>
+            <a:path>
+              <a:moveTo>
+                <a:pt x="0" y="45720"/>
+              </a:moveTo>
+              <a:lnTo>
+                <a:pt x="369608" y="45720"/>
+              </a:lnTo>
+            </a:path>
+          </a:pathLst>
+        </a:custGeom>
+        <a:noFill/>
+        <a:ln w="6350" cap="flat" cmpd="sng" algn="ctr">
+          <a:solidFill>
+            <a:schemeClr val="accent5">
+              <a:hueOff val="-2043360"/>
+              <a:satOff val="960"/>
+              <a:lumOff val="-27189"/>
+              <a:alphaOff val="0"/>
+            </a:schemeClr>
+          </a:solidFill>
+          <a:prstDash val="solid"/>
+          <a:miter lim="800000"/>
+          <a:tailEnd type="arrow"/>
+        </a:ln>
+        <a:effectLst>
+          <a:glow rad="63500">
+            <a:schemeClr val="accent6">
+              <a:satMod val="175000"/>
+              <a:alpha val="40000"/>
+            </a:schemeClr>
+          </a:glow>
+        </a:effectLst>
+      </dsp:spPr>
+      <dsp:style>
+        <a:lnRef idx="1">
+          <a:scrgbClr r="0" g="0" b="0"/>
+        </a:lnRef>
+        <a:fillRef idx="0">
+          <a:scrgbClr r="0" g="0" b="0"/>
+        </a:fillRef>
+        <a:effectRef idx="0">
+          <a:scrgbClr r="0" g="0" b="0"/>
+        </a:effectRef>
+        <a:fontRef idx="minor"/>
+      </dsp:style>
+      <dsp:txBody>
+        <a:bodyPr spcFirstLastPara="0" vert="horz" wrap="square" lIns="12700" tIns="0" rIns="12700" bIns="0" numCol="1" spcCol="1270" anchor="ctr" anchorCtr="0">
+          <a:noAutofit/>
+        </a:bodyPr>
+        <a:lstStyle/>
+        <a:p>
+          <a:pPr lvl="0" algn="ctr" defTabSz="222250">
+            <a:lnSpc>
+              <a:spcPct val="90000"/>
+            </a:lnSpc>
+            <a:spcBef>
+              <a:spcPct val="0"/>
+            </a:spcBef>
+            <a:spcAft>
+              <a:spcPct val="35000"/>
+            </a:spcAft>
+          </a:pPr>
+          <a:endParaRPr lang="ru-RU" sz="500" kern="1200"/>
+        </a:p>
+      </dsp:txBody>
+      <dsp:txXfrm>
+        <a:off x="2574061" y="1966152"/>
+        <a:ext cx="20010" cy="4002"/>
+      </dsp:txXfrm>
+    </dsp:sp>
+    <dsp:sp modelId="{CC7032B2-C7DD-4031-9D5A-C31C34436923}">
+      <dsp:nvSpPr>
+        <dsp:cNvPr id="0" name=""/>
+        <dsp:cNvSpPr/>
+      </dsp:nvSpPr>
+      <dsp:spPr>
+        <a:xfrm>
+          <a:off x="661024" y="1446142"/>
+          <a:ext cx="1740038" cy="1044023"/>
+        </a:xfrm>
+        <a:prstGeom prst="rect">
+          <a:avLst/>
+        </a:prstGeom>
+        <a:solidFill>
+          <a:schemeClr val="accent5">
+            <a:hueOff val="-1532520"/>
+            <a:satOff val="720"/>
+            <a:lumOff val="-20392"/>
+            <a:alphaOff val="0"/>
+          </a:schemeClr>
+        </a:solidFill>
+        <a:ln w="12700" cap="flat" cmpd="sng" algn="ctr">
+          <a:solidFill>
+            <a:schemeClr val="lt1">
+              <a:hueOff val="0"/>
+              <a:satOff val="0"/>
+              <a:lumOff val="0"/>
+              <a:alphaOff val="0"/>
+            </a:schemeClr>
+          </a:solidFill>
+          <a:prstDash val="solid"/>
+          <a:miter lim="800000"/>
+        </a:ln>
+        <a:effectLst>
+          <a:glow rad="63500">
+            <a:schemeClr val="accent6">
+              <a:satMod val="175000"/>
+              <a:alpha val="40000"/>
+            </a:schemeClr>
+          </a:glow>
+        </a:effectLst>
+      </dsp:spPr>
+      <dsp:style>
+        <a:lnRef idx="2">
+          <a:scrgbClr r="0" g="0" b="0"/>
+        </a:lnRef>
+        <a:fillRef idx="1">
+          <a:scrgbClr r="0" g="0" b="0"/>
+        </a:fillRef>
+        <a:effectRef idx="0">
+          <a:scrgbClr r="0" g="0" b="0"/>
+        </a:effectRef>
+        <a:fontRef idx="minor">
+          <a:schemeClr val="lt1"/>
+        </a:fontRef>
+      </dsp:style>
+      <dsp:txBody>
+        <a:bodyPr spcFirstLastPara="0" vert="horz" wrap="square" lIns="113792" tIns="113792" rIns="113792" bIns="113792" numCol="1" spcCol="1270" anchor="ctr" anchorCtr="0">
+          <a:noAutofit/>
+        </a:bodyPr>
+        <a:lstStyle/>
+        <a:p>
+          <a:pPr lvl="0" algn="ctr" defTabSz="711200">
+            <a:lnSpc>
+              <a:spcPct val="90000"/>
+            </a:lnSpc>
+            <a:spcBef>
+              <a:spcPct val="0"/>
+            </a:spcBef>
+            <a:spcAft>
+              <a:spcPct val="35000"/>
+            </a:spcAft>
+          </a:pPr>
+          <a:r>
+            <a:rPr lang="ru-RU" sz="1600" kern="1200" dirty="0" smtClean="0"/>
+            <a:t>Тестирование</a:t>
+          </a:r>
+          <a:endParaRPr lang="ru-RU" sz="1600" kern="1200" dirty="0"/>
+        </a:p>
+      </dsp:txBody>
+      <dsp:txXfrm>
+        <a:off x="661024" y="1446142"/>
+        <a:ext cx="1740038" cy="1044023"/>
+      </dsp:txXfrm>
+    </dsp:sp>
+    <dsp:sp modelId="{AA3F5F8C-F587-4C38-A5F5-94A0B0ABB808}">
+      <dsp:nvSpPr>
+        <dsp:cNvPr id="0" name=""/>
+        <dsp:cNvSpPr/>
+      </dsp:nvSpPr>
+      <dsp:spPr>
+        <a:xfrm>
+          <a:off x="1531043" y="2488365"/>
+          <a:ext cx="2140247" cy="369608"/>
+        </a:xfrm>
+        <a:custGeom>
+          <a:avLst/>
+          <a:gdLst/>
+          <a:ahLst/>
+          <a:cxnLst/>
+          <a:rect l="0" t="0" r="0" b="0"/>
+          <a:pathLst>
+            <a:path>
+              <a:moveTo>
+                <a:pt x="2140247" y="0"/>
+              </a:moveTo>
+              <a:lnTo>
+                <a:pt x="2140247" y="201904"/>
+              </a:lnTo>
+              <a:lnTo>
+                <a:pt x="0" y="201904"/>
+              </a:lnTo>
+              <a:lnTo>
+                <a:pt x="0" y="369608"/>
+              </a:lnTo>
+            </a:path>
+          </a:pathLst>
+        </a:custGeom>
+        <a:noFill/>
+        <a:ln w="6350" cap="flat" cmpd="sng" algn="ctr">
+          <a:solidFill>
+            <a:schemeClr val="accent5">
+              <a:hueOff val="-3065039"/>
+              <a:satOff val="1440"/>
+              <a:lumOff val="-40784"/>
+              <a:alphaOff val="0"/>
+            </a:schemeClr>
+          </a:solidFill>
+          <a:prstDash val="solid"/>
+          <a:miter lim="800000"/>
+          <a:tailEnd type="arrow"/>
+        </a:ln>
+        <a:effectLst>
+          <a:glow rad="63500">
+            <a:schemeClr val="accent6">
+              <a:satMod val="175000"/>
+              <a:alpha val="40000"/>
+            </a:schemeClr>
+          </a:glow>
+        </a:effectLst>
+      </dsp:spPr>
+      <dsp:style>
+        <a:lnRef idx="1">
+          <a:scrgbClr r="0" g="0" b="0"/>
+        </a:lnRef>
+        <a:fillRef idx="0">
+          <a:scrgbClr r="0" g="0" b="0"/>
+        </a:fillRef>
+        <a:effectRef idx="0">
+          <a:scrgbClr r="0" g="0" b="0"/>
+        </a:effectRef>
+        <a:fontRef idx="minor"/>
+      </dsp:style>
+      <dsp:txBody>
+        <a:bodyPr spcFirstLastPara="0" vert="horz" wrap="square" lIns="12700" tIns="0" rIns="12700" bIns="0" numCol="1" spcCol="1270" anchor="ctr" anchorCtr="0">
+          <a:noAutofit/>
+        </a:bodyPr>
+        <a:lstStyle/>
+        <a:p>
+          <a:pPr lvl="0" algn="ctr" defTabSz="222250">
+            <a:lnSpc>
+              <a:spcPct val="90000"/>
+            </a:lnSpc>
+            <a:spcBef>
+              <a:spcPct val="0"/>
+            </a:spcBef>
+            <a:spcAft>
+              <a:spcPct val="35000"/>
+            </a:spcAft>
+          </a:pPr>
+          <a:endParaRPr lang="ru-RU" sz="500" kern="1200"/>
+        </a:p>
+      </dsp:txBody>
+      <dsp:txXfrm>
+        <a:off x="2546733" y="2671168"/>
+        <a:ext cx="108867" cy="4002"/>
+      </dsp:txXfrm>
+    </dsp:sp>
+    <dsp:sp modelId="{616AE4C8-5EA6-44FB-BC24-3488D6FCC56D}">
+      <dsp:nvSpPr>
+        <dsp:cNvPr id="0" name=""/>
+        <dsp:cNvSpPr/>
+      </dsp:nvSpPr>
+      <dsp:spPr>
+        <a:xfrm>
+          <a:off x="2801271" y="1446142"/>
+          <a:ext cx="1740038" cy="1044023"/>
+        </a:xfrm>
+        <a:prstGeom prst="rect">
+          <a:avLst/>
+        </a:prstGeom>
+        <a:solidFill>
+          <a:schemeClr val="accent5">
+            <a:hueOff val="-2298779"/>
+            <a:satOff val="1080"/>
+            <a:lumOff val="-30588"/>
+            <a:alphaOff val="0"/>
+          </a:schemeClr>
+        </a:solidFill>
+        <a:ln w="12700" cap="flat" cmpd="sng" algn="ctr">
+          <a:solidFill>
+            <a:schemeClr val="lt1">
+              <a:hueOff val="0"/>
+              <a:satOff val="0"/>
+              <a:lumOff val="0"/>
+              <a:alphaOff val="0"/>
+            </a:schemeClr>
+          </a:solidFill>
+          <a:prstDash val="solid"/>
+          <a:miter lim="800000"/>
+        </a:ln>
+        <a:effectLst>
+          <a:glow rad="63500">
+            <a:schemeClr val="accent6">
+              <a:satMod val="175000"/>
+              <a:alpha val="40000"/>
+            </a:schemeClr>
+          </a:glow>
+        </a:effectLst>
+      </dsp:spPr>
+      <dsp:style>
+        <a:lnRef idx="2">
+          <a:scrgbClr r="0" g="0" b="0"/>
+        </a:lnRef>
+        <a:fillRef idx="1">
+          <a:scrgbClr r="0" g="0" b="0"/>
+        </a:fillRef>
+        <a:effectRef idx="0">
+          <a:scrgbClr r="0" g="0" b="0"/>
+        </a:effectRef>
+        <a:fontRef idx="minor">
+          <a:schemeClr val="lt1"/>
+        </a:fontRef>
+      </dsp:style>
+      <dsp:txBody>
+        <a:bodyPr spcFirstLastPara="0" vert="horz" wrap="square" lIns="113792" tIns="113792" rIns="113792" bIns="113792" numCol="1" spcCol="1270" anchor="ctr" anchorCtr="0">
+          <a:noAutofit/>
+        </a:bodyPr>
+        <a:lstStyle/>
+        <a:p>
+          <a:pPr lvl="0" algn="ctr" defTabSz="711200">
+            <a:lnSpc>
+              <a:spcPct val="90000"/>
+            </a:lnSpc>
+            <a:spcBef>
+              <a:spcPct val="0"/>
+            </a:spcBef>
+            <a:spcAft>
+              <a:spcPct val="35000"/>
+            </a:spcAft>
+          </a:pPr>
+          <a:r>
+            <a:rPr lang="ru-RU" sz="1600" kern="1200" dirty="0" smtClean="0"/>
+            <a:t>Оформление результатов тестирования</a:t>
+          </a:r>
+          <a:endParaRPr lang="ru-RU" sz="1600" kern="1200" dirty="0"/>
+        </a:p>
+      </dsp:txBody>
+      <dsp:txXfrm>
+        <a:off x="2801271" y="1446142"/>
+        <a:ext cx="1740038" cy="1044023"/>
+      </dsp:txXfrm>
+    </dsp:sp>
+    <dsp:sp modelId="{4AFCF350-7E3E-4747-9BE0-9F5FEF433686}">
+      <dsp:nvSpPr>
+        <dsp:cNvPr id="0" name=""/>
+        <dsp:cNvSpPr/>
+      </dsp:nvSpPr>
+      <dsp:spPr>
+        <a:xfrm>
+          <a:off x="661024" y="2890374"/>
+          <a:ext cx="1740038" cy="1044023"/>
+        </a:xfrm>
+        <a:prstGeom prst="rect">
+          <a:avLst/>
+        </a:prstGeom>
+        <a:solidFill>
+          <a:schemeClr val="accent5">
+            <a:hueOff val="-3065039"/>
+            <a:satOff val="1440"/>
+            <a:lumOff val="-40784"/>
+            <a:alphaOff val="0"/>
+          </a:schemeClr>
+        </a:solidFill>
+        <a:ln w="12700" cap="flat" cmpd="sng" algn="ctr">
+          <a:solidFill>
+            <a:schemeClr val="lt1">
+              <a:hueOff val="0"/>
+              <a:satOff val="0"/>
+              <a:lumOff val="0"/>
+              <a:alphaOff val="0"/>
+            </a:schemeClr>
+          </a:solidFill>
+          <a:prstDash val="solid"/>
+          <a:miter lim="800000"/>
+        </a:ln>
+        <a:effectLst>
+          <a:glow rad="63500">
+            <a:schemeClr val="accent6">
+              <a:satMod val="175000"/>
+              <a:alpha val="40000"/>
+            </a:schemeClr>
+          </a:glow>
+        </a:effectLst>
+      </dsp:spPr>
+      <dsp:style>
+        <a:lnRef idx="2">
+          <a:scrgbClr r="0" g="0" b="0"/>
+        </a:lnRef>
+        <a:fillRef idx="1">
+          <a:scrgbClr r="0" g="0" b="0"/>
+        </a:fillRef>
+        <a:effectRef idx="0">
+          <a:scrgbClr r="0" g="0" b="0"/>
+        </a:effectRef>
+        <a:fontRef idx="minor">
+          <a:schemeClr val="lt1"/>
+        </a:fontRef>
+      </dsp:style>
+      <dsp:txBody>
+        <a:bodyPr spcFirstLastPara="0" vert="horz" wrap="square" lIns="113792" tIns="113792" rIns="113792" bIns="113792" numCol="1" spcCol="1270" anchor="ctr" anchorCtr="0">
+          <a:noAutofit/>
+        </a:bodyPr>
+        <a:lstStyle/>
+        <a:p>
+          <a:pPr lvl="0" algn="ctr" defTabSz="711200">
+            <a:lnSpc>
+              <a:spcPct val="90000"/>
+            </a:lnSpc>
+            <a:spcBef>
+              <a:spcPct val="0"/>
+            </a:spcBef>
+            <a:spcAft>
+              <a:spcPct val="35000"/>
+            </a:spcAft>
+          </a:pPr>
+          <a:r>
+            <a:rPr lang="ru-RU" sz="1600" kern="1200" dirty="0" smtClean="0"/>
+            <a:t>Создание новых </a:t>
+          </a:r>
+          <a:r>
+            <a:rPr lang="en-US" sz="1600" kern="1200" dirty="0" smtClean="0"/>
+            <a:t>Issue </a:t>
+          </a:r>
+          <a:r>
+            <a:rPr lang="ru-RU" sz="1600" kern="1200" dirty="0" smtClean="0"/>
+            <a:t>на </a:t>
+          </a:r>
+          <a:r>
+            <a:rPr lang="en-US" sz="1600" kern="1200" dirty="0" smtClean="0"/>
+            <a:t>GitHub</a:t>
+          </a:r>
+          <a:endParaRPr lang="ru-RU" sz="1600" kern="1200" dirty="0"/>
+        </a:p>
+      </dsp:txBody>
+      <dsp:txXfrm>
+        <a:off x="661024" y="2890374"/>
+        <a:ext cx="1740038" cy="1044023"/>
+      </dsp:txXfrm>
+    </dsp:sp>
   </dsp:spTree>
 </dsp:drawing>
 </file>
@@ -13369,6 +14609,917 @@
       <dsp:cNvGrpSpPr/>
     </dsp:nvGrpSpPr>
     <dsp:grpSpPr/>
+    <dsp:sp modelId="{D2517A90-73B1-4F11-98D9-FA59EB9AACB0}">
+      <dsp:nvSpPr>
+        <dsp:cNvPr id="0" name=""/>
+        <dsp:cNvSpPr/>
+      </dsp:nvSpPr>
+      <dsp:spPr>
+        <a:xfrm>
+          <a:off x="1381400" y="88890"/>
+          <a:ext cx="2816397" cy="1584788"/>
+        </a:xfrm>
+        <a:prstGeom prst="round2SameRect">
+          <a:avLst>
+            <a:gd name="adj1" fmla="val 8000"/>
+            <a:gd name="adj2" fmla="val 0"/>
+          </a:avLst>
+        </a:prstGeom>
+        <a:solidFill>
+          <a:schemeClr val="lt1">
+            <a:alpha val="90000"/>
+            <a:hueOff val="0"/>
+            <a:satOff val="0"/>
+            <a:lumOff val="0"/>
+            <a:alphaOff val="0"/>
+          </a:schemeClr>
+        </a:solidFill>
+        <a:ln w="12700" cap="flat" cmpd="sng" algn="ctr">
+          <a:solidFill>
+            <a:schemeClr val="accent5">
+              <a:hueOff val="0"/>
+              <a:satOff val="0"/>
+              <a:lumOff val="0"/>
+              <a:alphaOff val="0"/>
+            </a:schemeClr>
+          </a:solidFill>
+          <a:prstDash val="solid"/>
+          <a:miter lim="800000"/>
+        </a:ln>
+        <a:effectLst/>
+      </dsp:spPr>
+      <dsp:style>
+        <a:lnRef idx="2">
+          <a:scrgbClr r="0" g="0" b="0"/>
+        </a:lnRef>
+        <a:fillRef idx="1">
+          <a:scrgbClr r="0" g="0" b="0"/>
+        </a:fillRef>
+        <a:effectRef idx="0">
+          <a:scrgbClr r="0" g="0" b="0"/>
+        </a:effectRef>
+        <a:fontRef idx="minor"/>
+      </dsp:style>
+    </dsp:sp>
+    <dsp:sp modelId="{FD6F0401-AF29-41F8-A535-529E291548FB}">
+      <dsp:nvSpPr>
+        <dsp:cNvPr id="0" name=""/>
+        <dsp:cNvSpPr/>
+      </dsp:nvSpPr>
+      <dsp:spPr>
+        <a:xfrm>
+          <a:off x="1381400" y="1673677"/>
+          <a:ext cx="2816397" cy="681459"/>
+        </a:xfrm>
+        <a:prstGeom prst="rect">
+          <a:avLst/>
+        </a:prstGeom>
+        <a:solidFill>
+          <a:schemeClr val="accent5">
+            <a:hueOff val="0"/>
+            <a:satOff val="0"/>
+            <a:lumOff val="0"/>
+            <a:alphaOff val="0"/>
+          </a:schemeClr>
+        </a:solidFill>
+        <a:ln w="12700" cap="flat" cmpd="sng" algn="ctr">
+          <a:solidFill>
+            <a:schemeClr val="accent5">
+              <a:hueOff val="0"/>
+              <a:satOff val="0"/>
+              <a:lumOff val="0"/>
+              <a:alphaOff val="0"/>
+            </a:schemeClr>
+          </a:solidFill>
+          <a:prstDash val="solid"/>
+          <a:miter lim="800000"/>
+        </a:ln>
+        <a:effectLst/>
+      </dsp:spPr>
+      <dsp:style>
+        <a:lnRef idx="2">
+          <a:scrgbClr r="0" g="0" b="0"/>
+        </a:lnRef>
+        <a:fillRef idx="1">
+          <a:scrgbClr r="0" g="0" b="0"/>
+        </a:fillRef>
+        <a:effectRef idx="0">
+          <a:scrgbClr r="0" g="0" b="0"/>
+        </a:effectRef>
+        <a:fontRef idx="minor">
+          <a:schemeClr val="lt1"/>
+        </a:fontRef>
+      </dsp:style>
+      <dsp:txBody>
+        <a:bodyPr spcFirstLastPara="0" vert="horz" wrap="square" lIns="60960" tIns="0" rIns="20320" bIns="0" numCol="1" spcCol="1270" anchor="ctr" anchorCtr="0">
+          <a:noAutofit/>
+        </a:bodyPr>
+        <a:lstStyle/>
+        <a:p>
+          <a:pPr lvl="0" algn="l" defTabSz="711200">
+            <a:lnSpc>
+              <a:spcPct val="90000"/>
+            </a:lnSpc>
+            <a:spcBef>
+              <a:spcPct val="0"/>
+            </a:spcBef>
+            <a:spcAft>
+              <a:spcPct val="35000"/>
+            </a:spcAft>
+          </a:pPr>
+          <a:r>
+            <a:rPr lang="ru-RU" sz="1600" kern="1200" dirty="0" err="1" smtClean="0"/>
+            <a:t>Редизайн</a:t>
+          </a:r>
+          <a:endParaRPr lang="ru-RU" sz="1600" kern="1200" dirty="0"/>
+        </a:p>
+      </dsp:txBody>
+      <dsp:txXfrm>
+        <a:off x="1381400" y="1673677"/>
+        <a:ext cx="1983378" cy="681459"/>
+      </dsp:txXfrm>
+    </dsp:sp>
+    <dsp:sp modelId="{D993C441-F6E5-4ADD-AC7F-E8E4C9EFE1E9}">
+      <dsp:nvSpPr>
+        <dsp:cNvPr id="0" name=""/>
+        <dsp:cNvSpPr/>
+      </dsp:nvSpPr>
+      <dsp:spPr>
+        <a:xfrm>
+          <a:off x="3581809" y="1788144"/>
+          <a:ext cx="743056" cy="743056"/>
+        </a:xfrm>
+        <a:prstGeom prst="ellipse">
+          <a:avLst/>
+        </a:prstGeom>
+        <a:solidFill>
+          <a:schemeClr val="accent5">
+            <a:tint val="40000"/>
+            <a:alpha val="90000"/>
+            <a:hueOff val="0"/>
+            <a:satOff val="0"/>
+            <a:lumOff val="0"/>
+            <a:alphaOff val="0"/>
+          </a:schemeClr>
+        </a:solidFill>
+        <a:ln w="12700" cap="flat" cmpd="sng" algn="ctr">
+          <a:solidFill>
+            <a:schemeClr val="accent5">
+              <a:tint val="40000"/>
+              <a:alpha val="90000"/>
+              <a:hueOff val="0"/>
+              <a:satOff val="0"/>
+              <a:lumOff val="0"/>
+              <a:alphaOff val="0"/>
+            </a:schemeClr>
+          </a:solidFill>
+          <a:prstDash val="solid"/>
+          <a:miter lim="800000"/>
+        </a:ln>
+        <a:effectLst/>
+      </dsp:spPr>
+      <dsp:style>
+        <a:lnRef idx="2">
+          <a:scrgbClr r="0" g="0" b="0"/>
+        </a:lnRef>
+        <a:fillRef idx="1">
+          <a:scrgbClr r="0" g="0" b="0"/>
+        </a:fillRef>
+        <a:effectRef idx="0">
+          <a:scrgbClr r="0" g="0" b="0"/>
+        </a:effectRef>
+        <a:fontRef idx="minor"/>
+      </dsp:style>
+    </dsp:sp>
+    <dsp:sp modelId="{6641DB0B-0AE4-42CF-B852-92D200290CC7}">
+      <dsp:nvSpPr>
+        <dsp:cNvPr id="0" name=""/>
+        <dsp:cNvSpPr/>
+      </dsp:nvSpPr>
+      <dsp:spPr>
+        <a:xfrm>
+          <a:off x="4381885" y="88890"/>
+          <a:ext cx="2816397" cy="1584788"/>
+        </a:xfrm>
+        <a:prstGeom prst="round2SameRect">
+          <a:avLst>
+            <a:gd name="adj1" fmla="val 8000"/>
+            <a:gd name="adj2" fmla="val 0"/>
+          </a:avLst>
+        </a:prstGeom>
+        <a:solidFill>
+          <a:schemeClr val="lt1">
+            <a:alpha val="90000"/>
+            <a:hueOff val="0"/>
+            <a:satOff val="0"/>
+            <a:lumOff val="0"/>
+            <a:alphaOff val="0"/>
+          </a:schemeClr>
+        </a:solidFill>
+        <a:ln w="12700" cap="flat" cmpd="sng" algn="ctr">
+          <a:solidFill>
+            <a:schemeClr val="accent5">
+              <a:hueOff val="-766260"/>
+              <a:satOff val="360"/>
+              <a:lumOff val="-10196"/>
+              <a:alphaOff val="0"/>
+            </a:schemeClr>
+          </a:solidFill>
+          <a:prstDash val="solid"/>
+          <a:miter lim="800000"/>
+        </a:ln>
+        <a:effectLst/>
+      </dsp:spPr>
+      <dsp:style>
+        <a:lnRef idx="2">
+          <a:scrgbClr r="0" g="0" b="0"/>
+        </a:lnRef>
+        <a:fillRef idx="1">
+          <a:scrgbClr r="0" g="0" b="0"/>
+        </a:fillRef>
+        <a:effectRef idx="0">
+          <a:scrgbClr r="0" g="0" b="0"/>
+        </a:effectRef>
+        <a:fontRef idx="minor"/>
+      </dsp:style>
+    </dsp:sp>
+    <dsp:sp modelId="{DCA139E6-E6F6-42D5-9E81-7BB03FB2B652}">
+      <dsp:nvSpPr>
+        <dsp:cNvPr id="0" name=""/>
+        <dsp:cNvSpPr/>
+      </dsp:nvSpPr>
+      <dsp:spPr>
+        <a:xfrm>
+          <a:off x="4381885" y="1673677"/>
+          <a:ext cx="2816397" cy="681459"/>
+        </a:xfrm>
+        <a:prstGeom prst="rect">
+          <a:avLst/>
+        </a:prstGeom>
+        <a:solidFill>
+          <a:schemeClr val="accent5">
+            <a:hueOff val="-766260"/>
+            <a:satOff val="360"/>
+            <a:lumOff val="-10196"/>
+            <a:alphaOff val="0"/>
+          </a:schemeClr>
+        </a:solidFill>
+        <a:ln w="12700" cap="flat" cmpd="sng" algn="ctr">
+          <a:solidFill>
+            <a:schemeClr val="accent5">
+              <a:hueOff val="-766260"/>
+              <a:satOff val="360"/>
+              <a:lumOff val="-10196"/>
+              <a:alphaOff val="0"/>
+            </a:schemeClr>
+          </a:solidFill>
+          <a:prstDash val="solid"/>
+          <a:miter lim="800000"/>
+        </a:ln>
+        <a:effectLst/>
+      </dsp:spPr>
+      <dsp:style>
+        <a:lnRef idx="2">
+          <a:scrgbClr r="0" g="0" b="0"/>
+        </a:lnRef>
+        <a:fillRef idx="1">
+          <a:scrgbClr r="0" g="0" b="0"/>
+        </a:fillRef>
+        <a:effectRef idx="0">
+          <a:scrgbClr r="0" g="0" b="0"/>
+        </a:effectRef>
+        <a:fontRef idx="minor">
+          <a:schemeClr val="lt1"/>
+        </a:fontRef>
+      </dsp:style>
+      <dsp:txBody>
+        <a:bodyPr spcFirstLastPara="0" vert="horz" wrap="square" lIns="60960" tIns="0" rIns="20320" bIns="0" numCol="1" spcCol="1270" anchor="ctr" anchorCtr="0">
+          <a:noAutofit/>
+        </a:bodyPr>
+        <a:lstStyle/>
+        <a:p>
+          <a:pPr lvl="0" algn="l" defTabSz="711200">
+            <a:lnSpc>
+              <a:spcPct val="90000"/>
+            </a:lnSpc>
+            <a:spcBef>
+              <a:spcPct val="0"/>
+            </a:spcBef>
+            <a:spcAft>
+              <a:spcPct val="35000"/>
+            </a:spcAft>
+          </a:pPr>
+          <a:r>
+            <a:rPr lang="ru-RU" sz="1600" kern="1200" dirty="0" smtClean="0"/>
+            <a:t>Адаптивная верстка</a:t>
+          </a:r>
+          <a:endParaRPr lang="ru-RU" sz="1600" kern="1200" dirty="0"/>
+        </a:p>
+      </dsp:txBody>
+      <dsp:txXfrm>
+        <a:off x="4381885" y="1673677"/>
+        <a:ext cx="1983378" cy="681459"/>
+      </dsp:txXfrm>
+    </dsp:sp>
+    <dsp:sp modelId="{B6ED5273-311F-4361-8CF4-1FF2D6399306}">
+      <dsp:nvSpPr>
+        <dsp:cNvPr id="0" name=""/>
+        <dsp:cNvSpPr/>
+      </dsp:nvSpPr>
+      <dsp:spPr>
+        <a:xfrm>
+          <a:off x="6582294" y="1788144"/>
+          <a:ext cx="743056" cy="743056"/>
+        </a:xfrm>
+        <a:prstGeom prst="ellipse">
+          <a:avLst/>
+        </a:prstGeom>
+        <a:solidFill>
+          <a:schemeClr val="accent5">
+            <a:tint val="40000"/>
+            <a:alpha val="90000"/>
+            <a:hueOff val="-644660"/>
+            <a:satOff val="-5553"/>
+            <a:lumOff val="-1808"/>
+            <a:alphaOff val="0"/>
+          </a:schemeClr>
+        </a:solidFill>
+        <a:ln w="12700" cap="flat" cmpd="sng" algn="ctr">
+          <a:solidFill>
+            <a:schemeClr val="accent5">
+              <a:tint val="40000"/>
+              <a:alpha val="90000"/>
+              <a:hueOff val="0"/>
+              <a:satOff val="0"/>
+              <a:lumOff val="0"/>
+              <a:alphaOff val="0"/>
+            </a:schemeClr>
+          </a:solidFill>
+          <a:prstDash val="solid"/>
+          <a:miter lim="800000"/>
+        </a:ln>
+        <a:effectLst/>
+      </dsp:spPr>
+      <dsp:style>
+        <a:lnRef idx="2">
+          <a:scrgbClr r="0" g="0" b="0"/>
+        </a:lnRef>
+        <a:fillRef idx="1">
+          <a:scrgbClr r="0" g="0" b="0"/>
+        </a:fillRef>
+        <a:effectRef idx="0">
+          <a:scrgbClr r="0" g="0" b="0"/>
+        </a:effectRef>
+        <a:fontRef idx="minor"/>
+      </dsp:style>
+    </dsp:sp>
+    <dsp:sp modelId="{26DEEC0A-A8DF-4454-994F-C92F21430ED4}">
+      <dsp:nvSpPr>
+        <dsp:cNvPr id="0" name=""/>
+        <dsp:cNvSpPr/>
+      </dsp:nvSpPr>
+      <dsp:spPr>
+        <a:xfrm>
+          <a:off x="7382370" y="88890"/>
+          <a:ext cx="2816397" cy="1584788"/>
+        </a:xfrm>
+        <a:prstGeom prst="round2SameRect">
+          <a:avLst>
+            <a:gd name="adj1" fmla="val 8000"/>
+            <a:gd name="adj2" fmla="val 0"/>
+          </a:avLst>
+        </a:prstGeom>
+        <a:blipFill rotWithShape="0">
+          <a:blip xmlns:r="http://schemas.openxmlformats.org/officeDocument/2006/relationships" r:embed="rId1"/>
+          <a:stretch>
+            <a:fillRect/>
+          </a:stretch>
+        </a:blipFill>
+        <a:ln w="12700" cap="flat" cmpd="sng" algn="ctr">
+          <a:solidFill>
+            <a:schemeClr val="accent5">
+              <a:hueOff val="-1532520"/>
+              <a:satOff val="720"/>
+              <a:lumOff val="-20392"/>
+              <a:alphaOff val="0"/>
+            </a:schemeClr>
+          </a:solidFill>
+          <a:prstDash val="solid"/>
+          <a:miter lim="800000"/>
+        </a:ln>
+        <a:effectLst/>
+      </dsp:spPr>
+      <dsp:style>
+        <a:lnRef idx="2">
+          <a:scrgbClr r="0" g="0" b="0"/>
+        </a:lnRef>
+        <a:fillRef idx="1">
+          <a:scrgbClr r="0" g="0" b="0"/>
+        </a:fillRef>
+        <a:effectRef idx="0">
+          <a:scrgbClr r="0" g="0" b="0"/>
+        </a:effectRef>
+        <a:fontRef idx="minor"/>
+      </dsp:style>
+    </dsp:sp>
+    <dsp:sp modelId="{AFE01F06-F759-41CB-A286-977BC96129F7}">
+      <dsp:nvSpPr>
+        <dsp:cNvPr id="0" name=""/>
+        <dsp:cNvSpPr/>
+      </dsp:nvSpPr>
+      <dsp:spPr>
+        <a:xfrm>
+          <a:off x="7382370" y="1673677"/>
+          <a:ext cx="2816397" cy="681459"/>
+        </a:xfrm>
+        <a:prstGeom prst="rect">
+          <a:avLst/>
+        </a:prstGeom>
+        <a:solidFill>
+          <a:schemeClr val="accent5">
+            <a:hueOff val="-1532520"/>
+            <a:satOff val="720"/>
+            <a:lumOff val="-20392"/>
+            <a:alphaOff val="0"/>
+          </a:schemeClr>
+        </a:solidFill>
+        <a:ln w="12700" cap="flat" cmpd="sng" algn="ctr">
+          <a:solidFill>
+            <a:schemeClr val="accent5">
+              <a:hueOff val="-1532520"/>
+              <a:satOff val="720"/>
+              <a:lumOff val="-20392"/>
+              <a:alphaOff val="0"/>
+            </a:schemeClr>
+          </a:solidFill>
+          <a:prstDash val="solid"/>
+          <a:miter lim="800000"/>
+        </a:ln>
+        <a:effectLst/>
+      </dsp:spPr>
+      <dsp:style>
+        <a:lnRef idx="2">
+          <a:scrgbClr r="0" g="0" b="0"/>
+        </a:lnRef>
+        <a:fillRef idx="1">
+          <a:scrgbClr r="0" g="0" b="0"/>
+        </a:fillRef>
+        <a:effectRef idx="0">
+          <a:scrgbClr r="0" g="0" b="0"/>
+        </a:effectRef>
+        <a:fontRef idx="minor">
+          <a:schemeClr val="lt1"/>
+        </a:fontRef>
+      </dsp:style>
+      <dsp:txBody>
+        <a:bodyPr spcFirstLastPara="0" vert="horz" wrap="square" lIns="60960" tIns="0" rIns="20320" bIns="0" numCol="1" spcCol="1270" anchor="ctr" anchorCtr="0">
+          <a:noAutofit/>
+        </a:bodyPr>
+        <a:lstStyle/>
+        <a:p>
+          <a:pPr lvl="0" algn="l" defTabSz="711200">
+            <a:lnSpc>
+              <a:spcPct val="90000"/>
+            </a:lnSpc>
+            <a:spcBef>
+              <a:spcPct val="0"/>
+            </a:spcBef>
+            <a:spcAft>
+              <a:spcPct val="35000"/>
+            </a:spcAft>
+          </a:pPr>
+          <a:r>
+            <a:rPr lang="ru-RU" sz="1600" kern="1200" dirty="0" smtClean="0"/>
+            <a:t>Система рейтинга</a:t>
+          </a:r>
+          <a:endParaRPr lang="ru-RU" sz="1600" kern="1200" dirty="0"/>
+        </a:p>
+      </dsp:txBody>
+      <dsp:txXfrm>
+        <a:off x="7382370" y="1673677"/>
+        <a:ext cx="1983378" cy="681459"/>
+      </dsp:txXfrm>
+    </dsp:sp>
+    <dsp:sp modelId="{6252B8DD-EA07-421C-9FAB-27C06F4CEA5C}">
+      <dsp:nvSpPr>
+        <dsp:cNvPr id="0" name=""/>
+        <dsp:cNvSpPr/>
+      </dsp:nvSpPr>
+      <dsp:spPr>
+        <a:xfrm>
+          <a:off x="9582779" y="1788144"/>
+          <a:ext cx="743056" cy="743056"/>
+        </a:xfrm>
+        <a:prstGeom prst="ellipse">
+          <a:avLst/>
+        </a:prstGeom>
+        <a:solidFill>
+          <a:schemeClr val="accent5">
+            <a:tint val="40000"/>
+            <a:alpha val="90000"/>
+            <a:hueOff val="-1289320"/>
+            <a:satOff val="-11107"/>
+            <a:lumOff val="-3616"/>
+            <a:alphaOff val="0"/>
+          </a:schemeClr>
+        </a:solidFill>
+        <a:ln w="12700" cap="flat" cmpd="sng" algn="ctr">
+          <a:solidFill>
+            <a:schemeClr val="accent5">
+              <a:tint val="40000"/>
+              <a:alpha val="90000"/>
+              <a:hueOff val="0"/>
+              <a:satOff val="0"/>
+              <a:lumOff val="0"/>
+              <a:alphaOff val="0"/>
+            </a:schemeClr>
+          </a:solidFill>
+          <a:prstDash val="solid"/>
+          <a:miter lim="800000"/>
+        </a:ln>
+        <a:effectLst/>
+      </dsp:spPr>
+      <dsp:style>
+        <a:lnRef idx="2">
+          <a:scrgbClr r="0" g="0" b="0"/>
+        </a:lnRef>
+        <a:fillRef idx="1">
+          <a:scrgbClr r="0" g="0" b="0"/>
+        </a:fillRef>
+        <a:effectRef idx="0">
+          <a:scrgbClr r="0" g="0" b="0"/>
+        </a:effectRef>
+        <a:fontRef idx="minor"/>
+      </dsp:style>
+    </dsp:sp>
+    <dsp:sp modelId="{D3A5AE8D-F3D4-49A9-810C-77D249CBF617}">
+      <dsp:nvSpPr>
+        <dsp:cNvPr id="0" name=""/>
+        <dsp:cNvSpPr/>
+      </dsp:nvSpPr>
+      <dsp:spPr>
+        <a:xfrm>
+          <a:off x="2887260" y="2875630"/>
+          <a:ext cx="2816397" cy="1584788"/>
+        </a:xfrm>
+        <a:prstGeom prst="round2SameRect">
+          <a:avLst>
+            <a:gd name="adj1" fmla="val 8000"/>
+            <a:gd name="adj2" fmla="val 0"/>
+          </a:avLst>
+        </a:prstGeom>
+        <a:solidFill>
+          <a:schemeClr val="lt1">
+            <a:alpha val="90000"/>
+            <a:hueOff val="0"/>
+            <a:satOff val="0"/>
+            <a:lumOff val="0"/>
+            <a:alphaOff val="0"/>
+          </a:schemeClr>
+        </a:solidFill>
+        <a:ln w="12700" cap="flat" cmpd="sng" algn="ctr">
+          <a:solidFill>
+            <a:schemeClr val="accent5">
+              <a:hueOff val="-2298779"/>
+              <a:satOff val="1080"/>
+              <a:lumOff val="-30588"/>
+              <a:alphaOff val="0"/>
+            </a:schemeClr>
+          </a:solidFill>
+          <a:prstDash val="solid"/>
+          <a:miter lim="800000"/>
+        </a:ln>
+        <a:effectLst/>
+      </dsp:spPr>
+      <dsp:style>
+        <a:lnRef idx="2">
+          <a:scrgbClr r="0" g="0" b="0"/>
+        </a:lnRef>
+        <a:fillRef idx="1">
+          <a:scrgbClr r="0" g="0" b="0"/>
+        </a:fillRef>
+        <a:effectRef idx="0">
+          <a:scrgbClr r="0" g="0" b="0"/>
+        </a:effectRef>
+        <a:fontRef idx="minor"/>
+      </dsp:style>
+    </dsp:sp>
+    <dsp:sp modelId="{30F2E183-C4F2-4C6E-A3F5-01FE90980489}">
+      <dsp:nvSpPr>
+        <dsp:cNvPr id="0" name=""/>
+        <dsp:cNvSpPr/>
+      </dsp:nvSpPr>
+      <dsp:spPr>
+        <a:xfrm>
+          <a:off x="2887260" y="4460416"/>
+          <a:ext cx="2816397" cy="681459"/>
+        </a:xfrm>
+        <a:prstGeom prst="rect">
+          <a:avLst/>
+        </a:prstGeom>
+        <a:solidFill>
+          <a:schemeClr val="accent5">
+            <a:hueOff val="-2298779"/>
+            <a:satOff val="1080"/>
+            <a:lumOff val="-30588"/>
+            <a:alphaOff val="0"/>
+          </a:schemeClr>
+        </a:solidFill>
+        <a:ln w="12700" cap="flat" cmpd="sng" algn="ctr">
+          <a:solidFill>
+            <a:schemeClr val="accent5">
+              <a:hueOff val="-2298779"/>
+              <a:satOff val="1080"/>
+              <a:lumOff val="-30588"/>
+              <a:alphaOff val="0"/>
+            </a:schemeClr>
+          </a:solidFill>
+          <a:prstDash val="solid"/>
+          <a:miter lim="800000"/>
+        </a:ln>
+        <a:effectLst/>
+      </dsp:spPr>
+      <dsp:style>
+        <a:lnRef idx="2">
+          <a:scrgbClr r="0" g="0" b="0"/>
+        </a:lnRef>
+        <a:fillRef idx="1">
+          <a:scrgbClr r="0" g="0" b="0"/>
+        </a:fillRef>
+        <a:effectRef idx="0">
+          <a:scrgbClr r="0" g="0" b="0"/>
+        </a:effectRef>
+        <a:fontRef idx="minor">
+          <a:schemeClr val="lt1"/>
+        </a:fontRef>
+      </dsp:style>
+      <dsp:txBody>
+        <a:bodyPr spcFirstLastPara="0" vert="horz" wrap="square" lIns="60960" tIns="0" rIns="20320" bIns="0" numCol="1" spcCol="1270" anchor="ctr" anchorCtr="0">
+          <a:noAutofit/>
+        </a:bodyPr>
+        <a:lstStyle/>
+        <a:p>
+          <a:pPr lvl="0" algn="l" defTabSz="711200">
+            <a:lnSpc>
+              <a:spcPct val="90000"/>
+            </a:lnSpc>
+            <a:spcBef>
+              <a:spcPct val="0"/>
+            </a:spcBef>
+            <a:spcAft>
+              <a:spcPct val="35000"/>
+            </a:spcAft>
+          </a:pPr>
+          <a:r>
+            <a:rPr lang="ru-RU" sz="1600" kern="1200" dirty="0" smtClean="0"/>
+            <a:t>Улучшение интеграции с </a:t>
+          </a:r>
+          <a:r>
+            <a:rPr lang="ru-RU" sz="1600" kern="1200" dirty="0" err="1" smtClean="0"/>
+            <a:t>соцсетями</a:t>
+          </a:r>
+          <a:endParaRPr lang="ru-RU" sz="1600" kern="1200" dirty="0"/>
+        </a:p>
+      </dsp:txBody>
+      <dsp:txXfrm>
+        <a:off x="2887260" y="4460416"/>
+        <a:ext cx="1983378" cy="681459"/>
+      </dsp:txXfrm>
+    </dsp:sp>
+    <dsp:sp modelId="{FE03FD3A-2D69-4662-8B2B-4DEF1EA56634}">
+      <dsp:nvSpPr>
+        <dsp:cNvPr id="0" name=""/>
+        <dsp:cNvSpPr/>
+      </dsp:nvSpPr>
+      <dsp:spPr>
+        <a:xfrm>
+          <a:off x="4932150" y="4450984"/>
+          <a:ext cx="743056" cy="743056"/>
+        </a:xfrm>
+        <a:prstGeom prst="ellipse">
+          <a:avLst/>
+        </a:prstGeom>
+        <a:solidFill>
+          <a:schemeClr val="accent5">
+            <a:tint val="40000"/>
+            <a:alpha val="90000"/>
+            <a:hueOff val="-1933980"/>
+            <a:satOff val="-16660"/>
+            <a:lumOff val="-5424"/>
+            <a:alphaOff val="0"/>
+          </a:schemeClr>
+        </a:solidFill>
+        <a:ln w="12700" cap="flat" cmpd="sng" algn="ctr">
+          <a:solidFill>
+            <a:schemeClr val="accent5">
+              <a:tint val="40000"/>
+              <a:alpha val="90000"/>
+              <a:hueOff val="0"/>
+              <a:satOff val="0"/>
+              <a:lumOff val="0"/>
+              <a:alphaOff val="0"/>
+            </a:schemeClr>
+          </a:solidFill>
+          <a:prstDash val="solid"/>
+          <a:miter lim="800000"/>
+        </a:ln>
+        <a:effectLst/>
+      </dsp:spPr>
+      <dsp:style>
+        <a:lnRef idx="2">
+          <a:scrgbClr r="0" g="0" b="0"/>
+        </a:lnRef>
+        <a:fillRef idx="1">
+          <a:scrgbClr r="0" g="0" b="0"/>
+        </a:fillRef>
+        <a:effectRef idx="0">
+          <a:scrgbClr r="0" g="0" b="0"/>
+        </a:effectRef>
+        <a:fontRef idx="minor"/>
+      </dsp:style>
+    </dsp:sp>
+    <dsp:sp modelId="{8FCED29E-A99A-4AE2-BC48-B61B286EF639}">
+      <dsp:nvSpPr>
+        <dsp:cNvPr id="0" name=""/>
+        <dsp:cNvSpPr/>
+      </dsp:nvSpPr>
+      <dsp:spPr>
+        <a:xfrm>
+          <a:off x="6031418" y="2868103"/>
+          <a:ext cx="2816397" cy="1584788"/>
+        </a:xfrm>
+        <a:prstGeom prst="round2SameRect">
+          <a:avLst>
+            <a:gd name="adj1" fmla="val 8000"/>
+            <a:gd name="adj2" fmla="val 0"/>
+          </a:avLst>
+        </a:prstGeom>
+        <a:solidFill>
+          <a:schemeClr val="lt1">
+            <a:alpha val="90000"/>
+            <a:hueOff val="0"/>
+            <a:satOff val="0"/>
+            <a:lumOff val="0"/>
+            <a:alphaOff val="0"/>
+          </a:schemeClr>
+        </a:solidFill>
+        <a:ln w="12700" cap="flat" cmpd="sng" algn="ctr">
+          <a:solidFill>
+            <a:schemeClr val="accent5">
+              <a:hueOff val="-3065039"/>
+              <a:satOff val="1440"/>
+              <a:lumOff val="-40784"/>
+              <a:alphaOff val="0"/>
+            </a:schemeClr>
+          </a:solidFill>
+          <a:prstDash val="solid"/>
+          <a:miter lim="800000"/>
+        </a:ln>
+        <a:effectLst/>
+      </dsp:spPr>
+      <dsp:style>
+        <a:lnRef idx="2">
+          <a:scrgbClr r="0" g="0" b="0"/>
+        </a:lnRef>
+        <a:fillRef idx="1">
+          <a:scrgbClr r="0" g="0" b="0"/>
+        </a:fillRef>
+        <a:effectRef idx="0">
+          <a:scrgbClr r="0" g="0" b="0"/>
+        </a:effectRef>
+        <a:fontRef idx="minor"/>
+      </dsp:style>
+    </dsp:sp>
+    <dsp:sp modelId="{76B058C9-F67F-41B0-BF7F-97729F02222F}">
+      <dsp:nvSpPr>
+        <dsp:cNvPr id="0" name=""/>
+        <dsp:cNvSpPr/>
+      </dsp:nvSpPr>
+      <dsp:spPr>
+        <a:xfrm>
+          <a:off x="6031418" y="4452907"/>
+          <a:ext cx="2816397" cy="681459"/>
+        </a:xfrm>
+        <a:prstGeom prst="rect">
+          <a:avLst/>
+        </a:prstGeom>
+        <a:solidFill>
+          <a:schemeClr val="accent5">
+            <a:hueOff val="-3065039"/>
+            <a:satOff val="1440"/>
+            <a:lumOff val="-40784"/>
+            <a:alphaOff val="0"/>
+          </a:schemeClr>
+        </a:solidFill>
+        <a:ln w="12700" cap="flat" cmpd="sng" algn="ctr">
+          <a:solidFill>
+            <a:schemeClr val="accent5">
+              <a:hueOff val="-3065039"/>
+              <a:satOff val="1440"/>
+              <a:lumOff val="-40784"/>
+              <a:alphaOff val="0"/>
+            </a:schemeClr>
+          </a:solidFill>
+          <a:prstDash val="solid"/>
+          <a:miter lim="800000"/>
+        </a:ln>
+        <a:effectLst/>
+      </dsp:spPr>
+      <dsp:style>
+        <a:lnRef idx="2">
+          <a:scrgbClr r="0" g="0" b="0"/>
+        </a:lnRef>
+        <a:fillRef idx="1">
+          <a:scrgbClr r="0" g="0" b="0"/>
+        </a:fillRef>
+        <a:effectRef idx="0">
+          <a:scrgbClr r="0" g="0" b="0"/>
+        </a:effectRef>
+        <a:fontRef idx="minor">
+          <a:schemeClr val="lt1"/>
+        </a:fontRef>
+      </dsp:style>
+      <dsp:txBody>
+        <a:bodyPr spcFirstLastPara="0" vert="horz" wrap="square" lIns="60960" tIns="0" rIns="20320" bIns="0" numCol="1" spcCol="1270" anchor="ctr" anchorCtr="0">
+          <a:noAutofit/>
+        </a:bodyPr>
+        <a:lstStyle/>
+        <a:p>
+          <a:pPr lvl="0" algn="l" defTabSz="711200">
+            <a:lnSpc>
+              <a:spcPct val="90000"/>
+            </a:lnSpc>
+            <a:spcBef>
+              <a:spcPct val="0"/>
+            </a:spcBef>
+            <a:spcAft>
+              <a:spcPct val="35000"/>
+            </a:spcAft>
+          </a:pPr>
+          <a:r>
+            <a:rPr lang="ru-RU" sz="1600" kern="1200" dirty="0" smtClean="0"/>
+            <a:t>Поиск по тегам</a:t>
+          </a:r>
+          <a:endParaRPr lang="ru-RU" sz="1600" kern="1200" dirty="0"/>
+        </a:p>
+      </dsp:txBody>
+      <dsp:txXfrm>
+        <a:off x="6031418" y="4452907"/>
+        <a:ext cx="1983378" cy="681459"/>
+      </dsp:txXfrm>
+    </dsp:sp>
+    <dsp:sp modelId="{1CA9A699-C967-4B5E-BD5E-76FF5BDA563E}">
+      <dsp:nvSpPr>
+        <dsp:cNvPr id="0" name=""/>
+        <dsp:cNvSpPr/>
+      </dsp:nvSpPr>
+      <dsp:spPr>
+        <a:xfrm>
+          <a:off x="7933241" y="4450984"/>
+          <a:ext cx="743056" cy="743056"/>
+        </a:xfrm>
+        <a:prstGeom prst="ellipse">
+          <a:avLst/>
+        </a:prstGeom>
+        <a:solidFill>
+          <a:schemeClr val="accent5">
+            <a:tint val="40000"/>
+            <a:alpha val="90000"/>
+            <a:hueOff val="-2578640"/>
+            <a:satOff val="-22214"/>
+            <a:lumOff val="-7232"/>
+            <a:alphaOff val="0"/>
+          </a:schemeClr>
+        </a:solidFill>
+        <a:ln w="12700" cap="flat" cmpd="sng" algn="ctr">
+          <a:solidFill>
+            <a:schemeClr val="accent5">
+              <a:tint val="40000"/>
+              <a:alpha val="90000"/>
+              <a:hueOff val="0"/>
+              <a:satOff val="0"/>
+              <a:lumOff val="0"/>
+              <a:alphaOff val="0"/>
+            </a:schemeClr>
+          </a:solidFill>
+          <a:prstDash val="solid"/>
+          <a:miter lim="800000"/>
+        </a:ln>
+        <a:effectLst/>
+      </dsp:spPr>
+      <dsp:style>
+        <a:lnRef idx="2">
+          <a:scrgbClr r="0" g="0" b="0"/>
+        </a:lnRef>
+        <a:fillRef idx="1">
+          <a:scrgbClr r="0" g="0" b="0"/>
+        </a:fillRef>
+        <a:effectRef idx="0">
+          <a:scrgbClr r="0" g="0" b="0"/>
+        </a:effectRef>
+        <a:fontRef idx="minor"/>
+      </dsp:style>
+    </dsp:sp>
   </dsp:spTree>
 </dsp:drawing>
 </file>
@@ -21536,7 +23687,7 @@
           <a:p>
             <a:fld id="{D63D5444-F62C-42C3-A75A-D9DBA807730F}" type="datetimeFigureOut">
               <a:rPr lang="ru-RU" smtClean="0"/>
-              <a:t>17.04.2015</a:t>
+              <a:t>18.04.2015</a:t>
             </a:fld>
             <a:endParaRPr lang="ru-RU" dirty="0"/>
           </a:p>
@@ -21701,7 +23852,7 @@
           <a:p>
             <a:fld id="{12CAA1FA-7B6A-47D2-8D61-F225D71B51FF}" type="datetimeFigureOut">
               <a:rPr lang="ru-RU" smtClean="0"/>
-              <a:t>17.04.2015</a:t>
+              <a:t>18.04.2015</a:t>
             </a:fld>
             <a:endParaRPr lang="ru-RU" dirty="0"/>
           </a:p>
@@ -22100,7 +24251,7 @@
           <a:p>
             <a:fld id="{1C04B98F-D1AE-4F73-AF04-F31CDAC8B872}" type="datetimeFigureOut">
               <a:rPr lang="ru-RU" smtClean="0"/>
-              <a:t>17.04.2015</a:t>
+              <a:t>18.04.2015</a:t>
             </a:fld>
             <a:endParaRPr lang="ru-RU"/>
           </a:p>
@@ -22289,7 +24440,7 @@
           <a:p>
             <a:fld id="{A79A3335-6331-4872-A8B7-ECD55539F4D0}" type="datetimeFigureOut">
               <a:rPr lang="ru-RU" smtClean="0"/>
-              <a:t>17.04.2015</a:t>
+              <a:t>18.04.2015</a:t>
             </a:fld>
             <a:endParaRPr lang="ru-RU" dirty="0"/>
           </a:p>
@@ -22488,7 +24639,7 @@
           <a:p>
             <a:fld id="{A79A3335-6331-4872-A8B7-ECD55539F4D0}" type="datetimeFigureOut">
               <a:rPr lang="ru-RU" smtClean="0"/>
-              <a:t>17.04.2015</a:t>
+              <a:t>18.04.2015</a:t>
             </a:fld>
             <a:endParaRPr lang="ru-RU" dirty="0"/>
           </a:p>
@@ -22919,7 +25070,7 @@
           <a:p>
             <a:fld id="{A79A3335-6331-4872-A8B7-ECD55539F4D0}" type="datetimeFigureOut">
               <a:rPr lang="ru-RU" smtClean="0"/>
-              <a:t>17.04.2015</a:t>
+              <a:t>18.04.2015</a:t>
             </a:fld>
             <a:endParaRPr lang="ru-RU" dirty="0"/>
           </a:p>
@@ -23184,7 +25335,7 @@
           <a:p>
             <a:fld id="{1C04B98F-D1AE-4F73-AF04-F31CDAC8B872}" type="datetimeFigureOut">
               <a:rPr lang="ru-RU" smtClean="0"/>
-              <a:t>17.04.2015</a:t>
+              <a:t>18.04.2015</a:t>
             </a:fld>
             <a:endParaRPr lang="ru-RU"/>
           </a:p>
@@ -23435,7 +25586,7 @@
           <a:p>
             <a:fld id="{A79A3335-6331-4872-A8B7-ECD55539F4D0}" type="datetimeFigureOut">
               <a:rPr lang="ru-RU" smtClean="0"/>
-              <a:t>17.04.2015</a:t>
+              <a:t>18.04.2015</a:t>
             </a:fld>
             <a:endParaRPr lang="ru-RU" dirty="0"/>
           </a:p>
@@ -23821,7 +25972,7 @@
           <a:p>
             <a:fld id="{A79A3335-6331-4872-A8B7-ECD55539F4D0}" type="datetimeFigureOut">
               <a:rPr lang="ru-RU" smtClean="0"/>
-              <a:t>17.04.2015</a:t>
+              <a:t>18.04.2015</a:t>
             </a:fld>
             <a:endParaRPr lang="ru-RU" dirty="0"/>
           </a:p>
@@ -23958,7 +26109,7 @@
           <a:p>
             <a:fld id="{A79A3335-6331-4872-A8B7-ECD55539F4D0}" type="datetimeFigureOut">
               <a:rPr lang="ru-RU" smtClean="0"/>
-              <a:t>17.04.2015</a:t>
+              <a:t>18.04.2015</a:t>
             </a:fld>
             <a:endParaRPr lang="ru-RU" dirty="0"/>
           </a:p>
@@ -24072,7 +26223,7 @@
           <a:p>
             <a:fld id="{A79A3335-6331-4872-A8B7-ECD55539F4D0}" type="datetimeFigureOut">
               <a:rPr lang="ru-RU" smtClean="0"/>
-              <a:t>17.04.2015</a:t>
+              <a:t>18.04.2015</a:t>
             </a:fld>
             <a:endParaRPr lang="ru-RU" dirty="0"/>
           </a:p>
@@ -24368,7 +26519,7 @@
           <a:p>
             <a:fld id="{A79A3335-6331-4872-A8B7-ECD55539F4D0}" type="datetimeFigureOut">
               <a:rPr lang="ru-RU" smtClean="0"/>
-              <a:t>17.04.2015</a:t>
+              <a:t>18.04.2015</a:t>
             </a:fld>
             <a:endParaRPr lang="ru-RU" dirty="0"/>
           </a:p>
@@ -24640,7 +26791,7 @@
           <a:p>
             <a:fld id="{A79A3335-6331-4872-A8B7-ECD55539F4D0}" type="datetimeFigureOut">
               <a:rPr lang="ru-RU" smtClean="0"/>
-              <a:t>17.04.2015</a:t>
+              <a:t>18.04.2015</a:t>
             </a:fld>
             <a:endParaRPr lang="ru-RU" dirty="0"/>
           </a:p>
@@ -24873,7 +27024,7 @@
             <a:fld id="{A79A3335-6331-4872-A8B7-ECD55539F4D0}" type="datetimeFigureOut">
               <a:rPr lang="ru-RU" smtClean="0"/>
               <a:pPr/>
-              <a:t>17.04.2015</a:t>
+              <a:t>18.04.2015</a:t>
             </a:fld>
             <a:endParaRPr lang="ru-RU" dirty="0"/>
           </a:p>
@@ -26420,7 +28571,7 @@
             <p:ph sz="half" idx="2"/>
             <p:extLst>
               <p:ext uri="{D42A27DB-BD31-4B8C-83A1-F6EECF244321}">
-                <p14:modId xmlns:p14="http://schemas.microsoft.com/office/powerpoint/2010/main" val="4047082155"/>
+                <p14:modId xmlns:p14="http://schemas.microsoft.com/office/powerpoint/2010/main" val="3059900677"/>
               </p:ext>
             </p:extLst>
           </p:nvPr>
@@ -26482,7 +28633,7 @@
         </p:nvSpPr>
         <p:spPr>
           <a:xfrm>
-            <a:off x="5007428" y="1547324"/>
+            <a:off x="1515198" y="2004526"/>
             <a:ext cx="2177143" cy="1359159"/>
           </a:xfrm>
           <a:prstGeom prst="ellipse">
@@ -26534,16 +28685,13 @@
                   <a:srgbClr val="FFFFFF"/>
                 </a:solidFill>
               </a:rPr>
-              <a:t>3</a:t>
+              <a:t>06</a:t>
             </a:r>
-            <a:r>
-              <a:rPr lang="ru-RU" sz="2000" b="1" dirty="0" smtClean="0">
-                <a:solidFill>
-                  <a:srgbClr val="FFFFFF"/>
-                </a:solidFill>
-              </a:rPr>
-              <a:t>1</a:t>
-            </a:r>
+            <a:endParaRPr lang="ru-RU" sz="2000" b="1" dirty="0" smtClean="0">
+              <a:solidFill>
+                <a:srgbClr val="FFFFFF"/>
+              </a:solidFill>
+            </a:endParaRPr>
           </a:p>
           <a:p>
             <a:pPr algn="ctr"/>
@@ -26553,80 +28701,7 @@
                   <a:srgbClr val="FFFFFF"/>
                 </a:solidFill>
               </a:rPr>
-              <a:t>Тест-кейс</a:t>
-            </a:r>
-            <a:endParaRPr lang="ru-RU" sz="2000" b="1" dirty="0">
-              <a:solidFill>
-                <a:srgbClr val="FFFFFF"/>
-              </a:solidFill>
-            </a:endParaRPr>
-          </a:p>
-        </p:txBody>
-      </p:sp>
-      <p:sp>
-        <p:nvSpPr>
-          <p:cNvPr id="8" name="Овал 7"/>
-          <p:cNvSpPr/>
-          <p:nvPr/>
-        </p:nvSpPr>
-        <p:spPr>
-          <a:xfrm>
-            <a:off x="1413586" y="2175587"/>
-            <a:ext cx="2177143" cy="1359159"/>
-          </a:xfrm>
-          <a:prstGeom prst="ellipse">
-            <a:avLst/>
-          </a:prstGeom>
-          <a:solidFill>
-            <a:schemeClr val="bg1">
-              <a:lumMod val="50000"/>
-            </a:schemeClr>
-          </a:solidFill>
-          <a:ln>
-            <a:solidFill>
-              <a:schemeClr val="bg1">
-                <a:lumMod val="10000"/>
-              </a:schemeClr>
-            </a:solidFill>
-          </a:ln>
-        </p:spPr>
-        <p:style>
-          <a:lnRef idx="2">
-            <a:schemeClr val="accent6"/>
-          </a:lnRef>
-          <a:fillRef idx="1">
-            <a:schemeClr val="lt1"/>
-          </a:fillRef>
-          <a:effectRef idx="0">
-            <a:schemeClr val="accent6"/>
-          </a:effectRef>
-          <a:fontRef idx="minor">
-            <a:schemeClr val="dk1"/>
-          </a:fontRef>
-        </p:style>
-        <p:txBody>
-          <a:bodyPr rtlCol="0" anchor="ctr"/>
-          <a:lstStyle/>
-          <a:p>
-            <a:pPr algn="ctr"/>
-            <a:r>
-              <a:rPr lang="ru-RU" sz="2000" b="1" dirty="0" smtClean="0">
-                <a:solidFill>
-                  <a:srgbClr val="FFFFFF"/>
-                </a:solidFill>
-              </a:rPr>
-              <a:t>100</a:t>
-            </a:r>
-          </a:p>
-          <a:p>
-            <a:pPr algn="ctr"/>
-            <a:r>
-              <a:rPr lang="ru-RU" sz="2000" b="1" dirty="0" smtClean="0">
-                <a:solidFill>
-                  <a:srgbClr val="FFFFFF"/>
-                </a:solidFill>
-              </a:rPr>
-              <a:t>Тест требований</a:t>
+              <a:t>Тест-кейсов</a:t>
             </a:r>
             <a:endParaRPr lang="ru-RU" sz="2000" b="1" dirty="0">
               <a:solidFill>
@@ -30771,14 +32846,16 @@
           <a:prstGeom prst="rect">
             <a:avLst/>
           </a:prstGeom>
-          <a:noFill/>
-          <a:ln w="3175">
-            <a:solidFill>
-              <a:schemeClr val="bg1">
-                <a:lumMod val="50000"/>
-              </a:schemeClr>
-            </a:solidFill>
+          <a:ln>
+            <a:noFill/>
           </a:ln>
+          <a:effectLst>
+            <a:outerShdw blurRad="292100" dist="139700" dir="2700000" algn="tl" rotWithShape="0">
+              <a:srgbClr val="333333">
+                <a:alpha val="65000"/>
+              </a:srgbClr>
+            </a:outerShdw>
+          </a:effectLst>
           <a:extLst>
             <a:ext uri="{909E8E84-426E-40DD-AFC4-6F175D3DCCD1}">
               <a14:hiddenFill xmlns:a14="http://schemas.microsoft.com/office/drawing/2010/main">
@@ -30904,6 +32981,16 @@
           <a:prstGeom prst="rect">
             <a:avLst/>
           </a:prstGeom>
+          <a:ln>
+            <a:noFill/>
+          </a:ln>
+          <a:effectLst>
+            <a:outerShdw blurRad="292100" dist="139700" dir="2700000" algn="tl" rotWithShape="0">
+              <a:srgbClr val="333333">
+                <a:alpha val="65000"/>
+              </a:srgbClr>
+            </a:outerShdw>
+          </a:effectLst>
         </p:spPr>
       </p:pic>
     </p:spTree>
@@ -32353,125 +34440,6 @@
           </a:p>
         </p:txBody>
       </p:sp>
-      <p:sp>
-        <p:nvSpPr>
-          <p:cNvPr id="3" name="Объект 2"/>
-          <p:cNvSpPr>
-            <a:spLocks noGrp="1"/>
-          </p:cNvSpPr>
-          <p:nvPr>
-            <p:ph idx="1"/>
-          </p:nvPr>
-        </p:nvSpPr>
-        <p:spPr>
-          <a:xfrm>
-            <a:off x="711202" y="3020921"/>
-            <a:ext cx="4058022" cy="1736350"/>
-          </a:xfrm>
-          <a:prstGeom prst="roundRect">
-            <a:avLst/>
-          </a:prstGeom>
-          <a:ln>
-            <a:solidFill>
-              <a:schemeClr val="tx1"/>
-            </a:solidFill>
-          </a:ln>
-          <a:effectLst>
-            <a:glow rad="63500">
-              <a:schemeClr val="accent6">
-                <a:satMod val="175000"/>
-                <a:alpha val="40000"/>
-              </a:schemeClr>
-            </a:glow>
-          </a:effectLst>
-        </p:spPr>
-        <p:style>
-          <a:lnRef idx="3">
-            <a:schemeClr val="lt1"/>
-          </a:lnRef>
-          <a:fillRef idx="1">
-            <a:schemeClr val="accent5"/>
-          </a:fillRef>
-          <a:effectRef idx="1">
-            <a:schemeClr val="accent5"/>
-          </a:effectRef>
-          <a:fontRef idx="minor">
-            <a:schemeClr val="lt1"/>
-          </a:fontRef>
-        </p:style>
-        <p:txBody>
-          <a:bodyPr>
-            <a:normAutofit lnSpcReduction="10000"/>
-          </a:bodyPr>
-          <a:lstStyle/>
-          <a:p>
-            <a:pPr marL="0" indent="0" algn="just">
-              <a:buNone/>
-            </a:pPr>
-            <a:r>
-              <a:rPr lang="ru-RU" dirty="0" smtClean="0">
-                <a:solidFill>
-                  <a:srgbClr val="FFFFFF"/>
-                </a:solidFill>
-              </a:rPr>
-              <a:t>При разработке сервиса был выбран паттерн </a:t>
-            </a:r>
-            <a:r>
-              <a:rPr lang="en-US" dirty="0" smtClean="0">
-                <a:solidFill>
-                  <a:srgbClr val="FFFFFF"/>
-                </a:solidFill>
-              </a:rPr>
-              <a:t>MVC</a:t>
-            </a:r>
-            <a:r>
-              <a:rPr lang="ru-RU" dirty="0" smtClean="0">
-                <a:solidFill>
-                  <a:srgbClr val="FFFFFF"/>
-                </a:solidFill>
-              </a:rPr>
-              <a:t>, так как он удобен для </a:t>
-            </a:r>
-            <a:r>
-              <a:rPr lang="en-US" dirty="0" smtClean="0">
-                <a:solidFill>
-                  <a:srgbClr val="FFFFFF"/>
-                </a:solidFill>
-              </a:rPr>
-              <a:t>web</a:t>
-            </a:r>
-            <a:r>
-              <a:rPr lang="ru-RU" dirty="0">
-                <a:solidFill>
-                  <a:srgbClr val="FFFFFF"/>
-                </a:solidFill>
-              </a:rPr>
-              <a:t>-</a:t>
-            </a:r>
-            <a:r>
-              <a:rPr lang="ru-RU" dirty="0" smtClean="0">
-                <a:solidFill>
-                  <a:srgbClr val="FFFFFF"/>
-                </a:solidFill>
-              </a:rPr>
-              <a:t>разработки</a:t>
-            </a:r>
-            <a:r>
-              <a:rPr lang="en-US" dirty="0" smtClean="0">
-                <a:solidFill>
-                  <a:srgbClr val="FFFFFF"/>
-                </a:solidFill>
-              </a:rPr>
-              <a:t> </a:t>
-            </a:r>
-            <a:r>
-              <a:rPr lang="ru-RU" dirty="0" smtClean="0"/>
-              <a:t>	</a:t>
-            </a:r>
-            <a:endParaRPr lang="ru-RU" dirty="0"/>
-          </a:p>
-        </p:txBody>
-      </p:sp>
       <p:pic>
         <p:nvPicPr>
           <p:cNvPr id="1026" name="Picture 2" descr="http://cs423028.vk.me/u11886539/docs/28de3cbd3ad5/Layers.png?extra=O0u5FIMGlTXaxvHmbKxf0yIAE8GrTTmxwn_qRsPqmFW18-MKwZkLwKObnqzDcu5PVng6L9gGpmJW9OO7WOLM8jBxp8y2hfIG"/>
@@ -32495,8 +34463,8 @@
         </p:blipFill>
         <p:spPr bwMode="auto">
           <a:xfrm>
-            <a:off x="5353800" y="1690253"/>
-            <a:ext cx="5543542" cy="4943129"/>
+            <a:off x="2996004" y="1549102"/>
+            <a:ext cx="5862461" cy="5227506"/>
           </a:xfrm>
           <a:prstGeom prst="rect">
             <a:avLst/>

--- a/k224-docs/Презентация ко 2 релизу.pptx
+++ b/k224-docs/Презентация ко 2 релизу.pptx
@@ -5,10 +5,10 @@
     <p:sldMasterId id="2147483662" r:id="rId2"/>
   </p:sldMasterIdLst>
   <p:notesMasterIdLst>
-    <p:notesMasterId r:id="rId26"/>
+    <p:notesMasterId r:id="rId27"/>
   </p:notesMasterIdLst>
   <p:handoutMasterIdLst>
-    <p:handoutMasterId r:id="rId27"/>
+    <p:handoutMasterId r:id="rId28"/>
   </p:handoutMasterIdLst>
   <p:sldIdLst>
     <p:sldId id="257" r:id="rId3"/>
@@ -18,22 +18,23 @@
     <p:sldId id="274" r:id="rId7"/>
     <p:sldId id="296" r:id="rId8"/>
     <p:sldId id="298" r:id="rId9"/>
-    <p:sldId id="278" r:id="rId10"/>
-    <p:sldId id="279" r:id="rId11"/>
-    <p:sldId id="280" r:id="rId12"/>
-    <p:sldId id="300" r:id="rId13"/>
-    <p:sldId id="277" r:id="rId14"/>
-    <p:sldId id="299" r:id="rId15"/>
-    <p:sldId id="295" r:id="rId16"/>
-    <p:sldId id="297" r:id="rId17"/>
-    <p:sldId id="294" r:id="rId18"/>
-    <p:sldId id="290" r:id="rId19"/>
-    <p:sldId id="282" r:id="rId20"/>
-    <p:sldId id="293" r:id="rId21"/>
-    <p:sldId id="288" r:id="rId22"/>
-    <p:sldId id="289" r:id="rId23"/>
-    <p:sldId id="276" r:id="rId24"/>
-    <p:sldId id="281" r:id="rId25"/>
+    <p:sldId id="301" r:id="rId10"/>
+    <p:sldId id="278" r:id="rId11"/>
+    <p:sldId id="279" r:id="rId12"/>
+    <p:sldId id="280" r:id="rId13"/>
+    <p:sldId id="300" r:id="rId14"/>
+    <p:sldId id="277" r:id="rId15"/>
+    <p:sldId id="299" r:id="rId16"/>
+    <p:sldId id="295" r:id="rId17"/>
+    <p:sldId id="297" r:id="rId18"/>
+    <p:sldId id="294" r:id="rId19"/>
+    <p:sldId id="290" r:id="rId20"/>
+    <p:sldId id="282" r:id="rId21"/>
+    <p:sldId id="293" r:id="rId22"/>
+    <p:sldId id="288" r:id="rId23"/>
+    <p:sldId id="289" r:id="rId24"/>
+    <p:sldId id="276" r:id="rId25"/>
+    <p:sldId id="281" r:id="rId26"/>
   </p:sldIdLst>
   <p:sldSz cx="12192000" cy="6858000"/>
   <p:notesSz cx="6858000" cy="9144000"/>
@@ -183,6 +184,7 @@
           </a:p>
         </c:rich>
       </c:tx>
+      <c:layout/>
       <c:overlay val="0"/>
       <c:spPr>
         <a:noFill/>
@@ -280,6 +282,7 @@
           <c:dLbls>
             <c:dLbl>
               <c:idx val="0"/>
+              <c:layout/>
               <c:tx>
                 <c:rich>
                   <a:bodyPr/>
@@ -320,6 +323,7 @@
               <c:showBubbleSize val="0"/>
               <c:extLst>
                 <c:ext xmlns:c15="http://schemas.microsoft.com/office/drawing/2012/chart" uri="{CE6537A1-D6FC-4f65-9D91-7224C49458BB}">
+                  <c15:layout/>
                   <c15:dlblFieldTable/>
                   <c15:showDataLabelsRange val="0"/>
                 </c:ext>
@@ -327,6 +331,7 @@
             </c:dLbl>
             <c:dLbl>
               <c:idx val="1"/>
+              <c:layout/>
               <c:tx>
                 <c:rich>
                   <a:bodyPr/>
@@ -367,6 +372,7 @@
               <c:showBubbleSize val="0"/>
               <c:extLst>
                 <c:ext xmlns:c15="http://schemas.microsoft.com/office/drawing/2012/chart" uri="{CE6537A1-D6FC-4f65-9D91-7224C49458BB}">
+                  <c15:layout/>
                   <c15:dlblFieldTable/>
                   <c15:showDataLabelsRange val="0"/>
                 </c:ext>
@@ -475,6 +481,7 @@
     </c:plotArea>
     <c:legend>
       <c:legendPos val="t"/>
+      <c:layout/>
       <c:overlay val="0"/>
       <c:spPr>
         <a:noFill/>
@@ -546,6 +553,7 @@
   </mc:AlternateContent>
   <c:chart>
     <c:title>
+      <c:layout/>
       <c:overlay val="0"/>
       <c:spPr>
         <a:noFill/>
@@ -658,6 +666,7 @@
             <c:showLeaderLines val="0"/>
             <c:extLst>
               <c:ext xmlns:c15="http://schemas.microsoft.com/office/drawing/2012/chart" uri="{CE6537A1-D6FC-4f65-9D91-7224C49458BB}">
+                <c15:layout/>
                 <c15:showLeaderLines val="1"/>
                 <c15:leaderLines>
                   <c:spPr>
@@ -735,11 +744,11 @@
         </c:dLbls>
         <c:gapWidth val="219"/>
         <c:overlap val="-27"/>
-        <c:axId val="314294400"/>
-        <c:axId val="314296360"/>
+        <c:axId val="275606904"/>
+        <c:axId val="223800856"/>
       </c:barChart>
       <c:catAx>
-        <c:axId val="314294400"/>
+        <c:axId val="275606904"/>
         <c:scaling>
           <c:orientation val="minMax"/>
         </c:scaling>
@@ -782,7 +791,7 @@
             <a:endParaRPr lang="ru-RU"/>
           </a:p>
         </c:txPr>
-        <c:crossAx val="314296360"/>
+        <c:crossAx val="223800856"/>
         <c:crosses val="autoZero"/>
         <c:auto val="1"/>
         <c:lblAlgn val="ctr"/>
@@ -790,7 +799,7 @@
         <c:noMultiLvlLbl val="0"/>
       </c:catAx>
       <c:valAx>
-        <c:axId val="314296360"/>
+        <c:axId val="223800856"/>
         <c:scaling>
           <c:orientation val="minMax"/>
         </c:scaling>
@@ -841,7 +850,7 @@
             <a:endParaRPr lang="ru-RU"/>
           </a:p>
         </c:txPr>
-        <c:crossAx val="314294400"/>
+        <c:crossAx val="275606904"/>
         <c:crosses val="autoZero"/>
         <c:crossBetween val="between"/>
       </c:valAx>
@@ -1174,11 +1183,11 @@
           <c:showBubbleSize val="0"/>
         </c:dLbls>
         <c:smooth val="0"/>
-        <c:axId val="316714760"/>
-        <c:axId val="316715152"/>
+        <c:axId val="273151592"/>
+        <c:axId val="273157080"/>
       </c:lineChart>
       <c:catAx>
-        <c:axId val="316714760"/>
+        <c:axId val="273151592"/>
         <c:scaling>
           <c:orientation val="minMax"/>
         </c:scaling>
@@ -1221,7 +1230,7 @@
             <a:endParaRPr lang="ru-RU"/>
           </a:p>
         </c:txPr>
-        <c:crossAx val="316715152"/>
+        <c:crossAx val="273157080"/>
         <c:crosses val="autoZero"/>
         <c:auto val="1"/>
         <c:lblAlgn val="ctr"/>
@@ -1229,7 +1238,7 @@
         <c:noMultiLvlLbl val="1"/>
       </c:catAx>
       <c:valAx>
-        <c:axId val="316715152"/>
+        <c:axId val="273157080"/>
         <c:scaling>
           <c:orientation val="minMax"/>
         </c:scaling>
@@ -1280,7 +1289,7 @@
             <a:endParaRPr lang="ru-RU"/>
           </a:p>
         </c:txPr>
-        <c:crossAx val="316714760"/>
+        <c:crossAx val="273151592"/>
         <c:crosses val="autoZero"/>
         <c:crossBetween val="between"/>
       </c:valAx>
@@ -1294,7 +1303,6 @@
     </c:plotArea>
     <c:legend>
       <c:legendPos val="b"/>
-      <c:layout/>
       <c:overlay val="0"/>
       <c:spPr>
         <a:noFill/>
@@ -1637,9 +1645,7 @@
               </c:spPr>
             </c:leaderLines>
             <c:extLst>
-              <c:ext xmlns:c15="http://schemas.microsoft.com/office/drawing/2012/chart" uri="{CE6537A1-D6FC-4f65-9D91-7224C49458BB}">
-                <c15:layout/>
-              </c:ext>
+              <c:ext xmlns:c15="http://schemas.microsoft.com/office/drawing/2012/chart" uri="{CE6537A1-D6FC-4f65-9D91-7224C49458BB}"/>
             </c:extLst>
           </c:dLbls>
           <c:cat>
@@ -1700,7 +1706,6 @@
     </c:plotArea>
     <c:legend>
       <c:legendPos val="r"/>
-      <c:layout/>
       <c:overlay val="0"/>
       <c:spPr>
         <a:solidFill>
@@ -1862,7 +1867,6 @@
             <c:showLeaderLines val="0"/>
             <c:extLst>
               <c:ext xmlns:c15="http://schemas.microsoft.com/office/drawing/2012/chart" uri="{CE6537A1-D6FC-4f65-9D91-7224C49458BB}">
-                <c15:layout/>
                 <c15:showLeaderLines val="1"/>
                 <c15:leaderLines>
                   <c:spPr>
@@ -1967,7 +1971,6 @@
             <c:showLeaderLines val="0"/>
             <c:extLst>
               <c:ext xmlns:c15="http://schemas.microsoft.com/office/drawing/2012/chart" uri="{CE6537A1-D6FC-4f65-9D91-7224C49458BB}">
-                <c15:layout/>
                 <c15:showLeaderLines val="1"/>
                 <c15:leaderLines>
                   <c:spPr>
@@ -2072,7 +2075,6 @@
             <c:showLeaderLines val="0"/>
             <c:extLst>
               <c:ext xmlns:c15="http://schemas.microsoft.com/office/drawing/2012/chart" uri="{CE6537A1-D6FC-4f65-9D91-7224C49458BB}">
-                <c15:layout/>
                 <c15:showLeaderLines val="1"/>
                 <c15:leaderLines>
                   <c:spPr>
@@ -2179,7 +2181,6 @@
             <c:showLeaderLines val="0"/>
             <c:extLst>
               <c:ext xmlns:c15="http://schemas.microsoft.com/office/drawing/2012/chart" uri="{CE6537A1-D6FC-4f65-9D91-7224C49458BB}">
-                <c15:layout/>
                 <c15:showLeaderLines val="1"/>
                 <c15:leaderLines>
                   <c:spPr>
@@ -2286,7 +2287,6 @@
             <c:showLeaderLines val="0"/>
             <c:extLst>
               <c:ext xmlns:c15="http://schemas.microsoft.com/office/drawing/2012/chart" uri="{CE6537A1-D6FC-4f65-9D91-7224C49458BB}">
-                <c15:layout/>
                 <c15:showLeaderLines val="1"/>
                 <c15:leaderLines>
                   <c:spPr>
@@ -2393,7 +2393,6 @@
             <c:showLeaderLines val="0"/>
             <c:extLst>
               <c:ext xmlns:c15="http://schemas.microsoft.com/office/drawing/2012/chart" uri="{CE6537A1-D6FC-4f65-9D91-7224C49458BB}">
-                <c15:layout/>
                 <c15:showLeaderLines val="1"/>
                 <c15:leaderLines>
                   <c:spPr>
@@ -2501,7 +2500,6 @@
             <c:showLeaderLines val="0"/>
             <c:extLst>
               <c:ext xmlns:c15="http://schemas.microsoft.com/office/drawing/2012/chart" uri="{CE6537A1-D6FC-4f65-9D91-7224C49458BB}">
-                <c15:layout/>
                 <c15:showLeaderLines val="1"/>
                 <c15:leaderLines>
                   <c:spPr>
@@ -2609,7 +2607,6 @@
             <c:showLeaderLines val="0"/>
             <c:extLst>
               <c:ext xmlns:c15="http://schemas.microsoft.com/office/drawing/2012/chart" uri="{CE6537A1-D6FC-4f65-9D91-7224C49458BB}">
-                <c15:layout/>
                 <c15:showLeaderLines val="1"/>
                 <c15:leaderLines>
                   <c:spPr>
@@ -2717,7 +2714,6 @@
             <c:showLeaderLines val="0"/>
             <c:extLst>
               <c:ext xmlns:c15="http://schemas.microsoft.com/office/drawing/2012/chart" uri="{CE6537A1-D6FC-4f65-9D91-7224C49458BB}">
-                <c15:layout/>
                 <c15:showLeaderLines val="1"/>
                 <c15:leaderLines>
                   <c:spPr>
@@ -2824,7 +2820,6 @@
             <c:showLeaderLines val="0"/>
             <c:extLst>
               <c:ext xmlns:c15="http://schemas.microsoft.com/office/drawing/2012/chart" uri="{CE6537A1-D6FC-4f65-9D91-7224C49458BB}">
-                <c15:layout/>
                 <c15:showLeaderLines val="1"/>
                 <c15:leaderLines>
                   <c:spPr>
@@ -2931,7 +2926,6 @@
             <c:showLeaderLines val="0"/>
             <c:extLst>
               <c:ext xmlns:c15="http://schemas.microsoft.com/office/drawing/2012/chart" uri="{CE6537A1-D6FC-4f65-9D91-7224C49458BB}">
-                <c15:layout/>
                 <c15:showLeaderLines val="1"/>
                 <c15:leaderLines>
                   <c:spPr>
@@ -2983,11 +2977,11 @@
         </c:dLbls>
         <c:gapWidth val="219"/>
         <c:overlap val="-27"/>
-        <c:axId val="319285640"/>
-        <c:axId val="319291912"/>
+        <c:axId val="365593184"/>
+        <c:axId val="223795760"/>
       </c:barChart>
       <c:catAx>
-        <c:axId val="319285640"/>
+        <c:axId val="365593184"/>
         <c:scaling>
           <c:orientation val="minMax"/>
         </c:scaling>
@@ -3030,7 +3024,7 @@
             <a:endParaRPr lang="ru-RU"/>
           </a:p>
         </c:txPr>
-        <c:crossAx val="319291912"/>
+        <c:crossAx val="223795760"/>
         <c:crosses val="autoZero"/>
         <c:auto val="1"/>
         <c:lblAlgn val="ctr"/>
@@ -3038,7 +3032,7 @@
         <c:noMultiLvlLbl val="0"/>
       </c:catAx>
       <c:valAx>
-        <c:axId val="319291912"/>
+        <c:axId val="223795760"/>
         <c:scaling>
           <c:orientation val="minMax"/>
         </c:scaling>
@@ -3089,7 +3083,7 @@
             <a:endParaRPr lang="ru-RU"/>
           </a:p>
         </c:txPr>
-        <c:crossAx val="319285640"/>
+        <c:crossAx val="365593184"/>
         <c:crosses val="autoZero"/>
         <c:crossBetween val="between"/>
       </c:valAx>
@@ -3103,7 +3097,6 @@
     </c:plotArea>
     <c:legend>
       <c:legendPos val="b"/>
-      <c:layout/>
       <c:overlay val="0"/>
       <c:spPr>
         <a:noFill/>
@@ -11799,25 +11792,25 @@
     </dgm:pt>
   </dgm:ptLst>
   <dgm:cxnLst>
-    <dgm:cxn modelId="{F7C80D55-BECC-4CA1-82C0-73D80D3F327D}" srcId="{82BF7999-DE49-4B02-B50A-4E91A516158B}" destId="{BFE3B424-16B9-4C38-840C-0847032DF1C4}" srcOrd="0" destOrd="0" parTransId="{176F5C23-1C56-4CA4-8B6A-94A900C65BA8}" sibTransId="{5422C932-509A-4863-91D8-D2A4430971E3}"/>
+    <dgm:cxn modelId="{30ACB49D-BDBB-4539-A3C8-66F3833D1B28}" type="presOf" srcId="{25F23385-6A5D-48FC-B58D-8338175AD398}" destId="{CC7032B2-C7DD-4031-9D5A-C31C34436923}" srcOrd="0" destOrd="0" presId="urn:microsoft.com/office/officeart/2005/8/layout/bProcess3"/>
+    <dgm:cxn modelId="{A3679A60-34EE-42FC-B8E7-14D79178AF25}" type="presOf" srcId="{54D30124-007A-4C9A-88DB-EEF46CA56062}" destId="{1942F91E-6C3F-4237-991D-8670CFE6D12C}" srcOrd="0" destOrd="0" presId="urn:microsoft.com/office/officeart/2005/8/layout/bProcess3"/>
+    <dgm:cxn modelId="{D192E704-7717-42A6-A71E-90ECA00EED78}" srcId="{82BF7999-DE49-4B02-B50A-4E91A516158B}" destId="{1EE2DEE5-BF8A-4486-8E2A-F40FD5D32378}" srcOrd="3" destOrd="0" parTransId="{46D0B385-1610-4670-B3C7-7121FAE7A548}" sibTransId="{FDAFB07A-55C0-4E0A-BC99-BB53504DE334}"/>
+    <dgm:cxn modelId="{D6FF0F20-B855-442D-8B53-0708FE865463}" type="presOf" srcId="{5422C932-509A-4863-91D8-D2A4430971E3}" destId="{938C9AAF-9C22-41D0-ACE2-6AD639BBCF15}" srcOrd="1" destOrd="0" presId="urn:microsoft.com/office/officeart/2005/8/layout/bProcess3"/>
+    <dgm:cxn modelId="{B0FD4E27-3CC8-44C8-B93E-BB26F6FDF470}" type="presOf" srcId="{2E0D9F87-A655-405B-AD12-6147D22F6074}" destId="{4AFCF350-7E3E-4747-9BE0-9F5FEF433686}" srcOrd="0" destOrd="0" presId="urn:microsoft.com/office/officeart/2005/8/layout/bProcess3"/>
+    <dgm:cxn modelId="{39E7F1E0-93B1-4B62-9DC6-7B911BD6BF9E}" type="presOf" srcId="{82BF7999-DE49-4B02-B50A-4E91A516158B}" destId="{E28BF6C4-4436-42B4-90A8-1AD277FE1D2A}" srcOrd="0" destOrd="0" presId="urn:microsoft.com/office/officeart/2005/8/layout/bProcess3"/>
     <dgm:cxn modelId="{845F9CAD-D654-465F-BAC7-A62D7C3FE09C}" type="presOf" srcId="{96C5E055-E7A0-4905-B19D-14DD3FBE8355}" destId="{F9DFDEE3-5C67-4064-BD2F-0DBC5296244C}" srcOrd="1" destOrd="0" presId="urn:microsoft.com/office/officeart/2005/8/layout/bProcess3"/>
-    <dgm:cxn modelId="{D192E704-7717-42A6-A71E-90ECA00EED78}" srcId="{82BF7999-DE49-4B02-B50A-4E91A516158B}" destId="{1EE2DEE5-BF8A-4486-8E2A-F40FD5D32378}" srcOrd="3" destOrd="0" parTransId="{46D0B385-1610-4670-B3C7-7121FAE7A548}" sibTransId="{FDAFB07A-55C0-4E0A-BC99-BB53504DE334}"/>
-    <dgm:cxn modelId="{B0FD4E27-3CC8-44C8-B93E-BB26F6FDF470}" type="presOf" srcId="{2E0D9F87-A655-405B-AD12-6147D22F6074}" destId="{4AFCF350-7E3E-4747-9BE0-9F5FEF433686}" srcOrd="0" destOrd="0" presId="urn:microsoft.com/office/officeart/2005/8/layout/bProcess3"/>
+    <dgm:cxn modelId="{0629930D-7F22-4DA1-A78E-6CEE70AE24CC}" type="presOf" srcId="{CEAF6E7B-A235-4E97-B22E-E007038F2C06}" destId="{E9530CEB-3B8E-4A90-AC86-1908B31AFA3C}" srcOrd="0" destOrd="0" presId="urn:microsoft.com/office/officeart/2005/8/layout/bProcess3"/>
+    <dgm:cxn modelId="{0892E0B3-A46A-4AE3-B38B-5B15630B7B62}" type="presOf" srcId="{BFE3B424-16B9-4C38-840C-0847032DF1C4}" destId="{335182A0-E382-4E77-B206-70C6001A973F}" srcOrd="0" destOrd="0" presId="urn:microsoft.com/office/officeart/2005/8/layout/bProcess3"/>
     <dgm:cxn modelId="{0381903A-6158-4184-B3F9-751BD6A645F9}" type="presOf" srcId="{FDAFB07A-55C0-4E0A-BC99-BB53504DE334}" destId="{26B265DE-1FAC-4D7E-A9F8-15E8D3980157}" srcOrd="1" destOrd="0" presId="urn:microsoft.com/office/officeart/2005/8/layout/bProcess3"/>
     <dgm:cxn modelId="{F98F2CB4-86E8-4636-899B-60FC01D540CF}" type="presOf" srcId="{96C5E055-E7A0-4905-B19D-14DD3FBE8355}" destId="{9EE61D95-1339-4812-8BA2-E26508DB95D7}" srcOrd="0" destOrd="0" presId="urn:microsoft.com/office/officeart/2005/8/layout/bProcess3"/>
+    <dgm:cxn modelId="{490CFFF5-7CE0-4B8D-9678-ABB9CB04620C}" type="presOf" srcId="{5422C932-509A-4863-91D8-D2A4430971E3}" destId="{A77BF775-E608-4841-B760-C29DDEACE52D}" srcOrd="0" destOrd="0" presId="urn:microsoft.com/office/officeart/2005/8/layout/bProcess3"/>
+    <dgm:cxn modelId="{93BC7CE4-1600-46FF-BB3B-DD96E5F1D191}" srcId="{82BF7999-DE49-4B02-B50A-4E91A516158B}" destId="{2E0D9F87-A655-405B-AD12-6147D22F6074}" srcOrd="4" destOrd="0" parTransId="{684E6172-DBD7-4C4F-B2E3-A62545EC7CC7}" sibTransId="{5C5C4FDB-CCC6-4CE1-B17D-DDFFB00A3374}"/>
+    <dgm:cxn modelId="{F7C80D55-BECC-4CA1-82C0-73D80D3F327D}" srcId="{82BF7999-DE49-4B02-B50A-4E91A516158B}" destId="{BFE3B424-16B9-4C38-840C-0847032DF1C4}" srcOrd="0" destOrd="0" parTransId="{176F5C23-1C56-4CA4-8B6A-94A900C65BA8}" sibTransId="{5422C932-509A-4863-91D8-D2A4430971E3}"/>
+    <dgm:cxn modelId="{DACC619E-4002-4A25-AFE3-B0F469FED219}" srcId="{82BF7999-DE49-4B02-B50A-4E91A516158B}" destId="{25F23385-6A5D-48FC-B58D-8338175AD398}" srcOrd="2" destOrd="0" parTransId="{49B95726-C30B-4F50-AD06-0232C78B8573}" sibTransId="{96C5E055-E7A0-4905-B19D-14DD3FBE8355}"/>
+    <dgm:cxn modelId="{5F58E742-1E2B-4E89-827E-5AC9F677C36F}" type="presOf" srcId="{54D30124-007A-4C9A-88DB-EEF46CA56062}" destId="{4BF84A79-F0B8-4C23-A6BE-45EDCF8E6724}" srcOrd="1" destOrd="0" presId="urn:microsoft.com/office/officeart/2005/8/layout/bProcess3"/>
     <dgm:cxn modelId="{A271CFBC-22BA-4CAC-B429-442665871869}" srcId="{82BF7999-DE49-4B02-B50A-4E91A516158B}" destId="{CEAF6E7B-A235-4E97-B22E-E007038F2C06}" srcOrd="1" destOrd="0" parTransId="{66F56F1C-737A-4009-BE31-35D53F7D1E57}" sibTransId="{54D30124-007A-4C9A-88DB-EEF46CA56062}"/>
     <dgm:cxn modelId="{06368797-46EB-4669-92E5-A78472478D15}" type="presOf" srcId="{FDAFB07A-55C0-4E0A-BC99-BB53504DE334}" destId="{AA3F5F8C-F587-4C38-A5F5-94A0B0ABB808}" srcOrd="0" destOrd="0" presId="urn:microsoft.com/office/officeart/2005/8/layout/bProcess3"/>
-    <dgm:cxn modelId="{0629930D-7F22-4DA1-A78E-6CEE70AE24CC}" type="presOf" srcId="{CEAF6E7B-A235-4E97-B22E-E007038F2C06}" destId="{E9530CEB-3B8E-4A90-AC86-1908B31AFA3C}" srcOrd="0" destOrd="0" presId="urn:microsoft.com/office/officeart/2005/8/layout/bProcess3"/>
     <dgm:cxn modelId="{B25D6A73-E275-4F1F-9FD9-44F439F23364}" type="presOf" srcId="{1EE2DEE5-BF8A-4486-8E2A-F40FD5D32378}" destId="{616AE4C8-5EA6-44FB-BC24-3488D6FCC56D}" srcOrd="0" destOrd="0" presId="urn:microsoft.com/office/officeart/2005/8/layout/bProcess3"/>
-    <dgm:cxn modelId="{5F58E742-1E2B-4E89-827E-5AC9F677C36F}" type="presOf" srcId="{54D30124-007A-4C9A-88DB-EEF46CA56062}" destId="{4BF84A79-F0B8-4C23-A6BE-45EDCF8E6724}" srcOrd="1" destOrd="0" presId="urn:microsoft.com/office/officeart/2005/8/layout/bProcess3"/>
-    <dgm:cxn modelId="{A3679A60-34EE-42FC-B8E7-14D79178AF25}" type="presOf" srcId="{54D30124-007A-4C9A-88DB-EEF46CA56062}" destId="{1942F91E-6C3F-4237-991D-8670CFE6D12C}" srcOrd="0" destOrd="0" presId="urn:microsoft.com/office/officeart/2005/8/layout/bProcess3"/>
-    <dgm:cxn modelId="{30ACB49D-BDBB-4539-A3C8-66F3833D1B28}" type="presOf" srcId="{25F23385-6A5D-48FC-B58D-8338175AD398}" destId="{CC7032B2-C7DD-4031-9D5A-C31C34436923}" srcOrd="0" destOrd="0" presId="urn:microsoft.com/office/officeart/2005/8/layout/bProcess3"/>
-    <dgm:cxn modelId="{490CFFF5-7CE0-4B8D-9678-ABB9CB04620C}" type="presOf" srcId="{5422C932-509A-4863-91D8-D2A4430971E3}" destId="{A77BF775-E608-4841-B760-C29DDEACE52D}" srcOrd="0" destOrd="0" presId="urn:microsoft.com/office/officeart/2005/8/layout/bProcess3"/>
-    <dgm:cxn modelId="{DACC619E-4002-4A25-AFE3-B0F469FED219}" srcId="{82BF7999-DE49-4B02-B50A-4E91A516158B}" destId="{25F23385-6A5D-48FC-B58D-8338175AD398}" srcOrd="2" destOrd="0" parTransId="{49B95726-C30B-4F50-AD06-0232C78B8573}" sibTransId="{96C5E055-E7A0-4905-B19D-14DD3FBE8355}"/>
-    <dgm:cxn modelId="{93BC7CE4-1600-46FF-BB3B-DD96E5F1D191}" srcId="{82BF7999-DE49-4B02-B50A-4E91A516158B}" destId="{2E0D9F87-A655-405B-AD12-6147D22F6074}" srcOrd="4" destOrd="0" parTransId="{684E6172-DBD7-4C4F-B2E3-A62545EC7CC7}" sibTransId="{5C5C4FDB-CCC6-4CE1-B17D-DDFFB00A3374}"/>
-    <dgm:cxn modelId="{0892E0B3-A46A-4AE3-B38B-5B15630B7B62}" type="presOf" srcId="{BFE3B424-16B9-4C38-840C-0847032DF1C4}" destId="{335182A0-E382-4E77-B206-70C6001A973F}" srcOrd="0" destOrd="0" presId="urn:microsoft.com/office/officeart/2005/8/layout/bProcess3"/>
-    <dgm:cxn modelId="{39E7F1E0-93B1-4B62-9DC6-7B911BD6BF9E}" type="presOf" srcId="{82BF7999-DE49-4B02-B50A-4E91A516158B}" destId="{E28BF6C4-4436-42B4-90A8-1AD277FE1D2A}" srcOrd="0" destOrd="0" presId="urn:microsoft.com/office/officeart/2005/8/layout/bProcess3"/>
-    <dgm:cxn modelId="{D6FF0F20-B855-442D-8B53-0708FE865463}" type="presOf" srcId="{5422C932-509A-4863-91D8-D2A4430971E3}" destId="{938C9AAF-9C22-41D0-ACE2-6AD639BBCF15}" srcOrd="1" destOrd="0" presId="urn:microsoft.com/office/officeart/2005/8/layout/bProcess3"/>
     <dgm:cxn modelId="{9305D869-3AEA-4218-BFB5-1AA3F588AC82}" type="presParOf" srcId="{E28BF6C4-4436-42B4-90A8-1AD277FE1D2A}" destId="{335182A0-E382-4E77-B206-70C6001A973F}" srcOrd="0" destOrd="0" presId="urn:microsoft.com/office/officeart/2005/8/layout/bProcess3"/>
     <dgm:cxn modelId="{859AB5A7-F569-45F9-860C-E0A5EC371E97}" type="presParOf" srcId="{E28BF6C4-4436-42B4-90A8-1AD277FE1D2A}" destId="{A77BF775-E608-4841-B760-C29DDEACE52D}" srcOrd="1" destOrd="0" presId="urn:microsoft.com/office/officeart/2005/8/layout/bProcess3"/>
     <dgm:cxn modelId="{27F9C6D5-A18D-49A5-AA6F-3DBE9D7DF8B3}" type="presParOf" srcId="{A77BF775-E608-4841-B760-C29DDEACE52D}" destId="{938C9AAF-9C22-41D0-ACE2-6AD639BBCF15}" srcOrd="0" destOrd="0" presId="urn:microsoft.com/office/officeart/2005/8/layout/bProcess3"/>
@@ -13356,438 +13349,6 @@
       <dsp:cNvGrpSpPr/>
     </dsp:nvGrpSpPr>
     <dsp:grpSpPr/>
-    <dsp:sp modelId="{B7B124A7-A5F3-4DEF-A4C4-15F7B6F83CA4}">
-      <dsp:nvSpPr>
-        <dsp:cNvPr id="0" name=""/>
-        <dsp:cNvSpPr/>
-      </dsp:nvSpPr>
-      <dsp:spPr>
-        <a:xfrm>
-          <a:off x="521669" y="431311"/>
-          <a:ext cx="3977911" cy="3977911"/>
-        </a:xfrm>
-        <a:prstGeom prst="pie">
-          <a:avLst>
-            <a:gd name="adj1" fmla="val 16200000"/>
-            <a:gd name="adj2" fmla="val 0"/>
-          </a:avLst>
-        </a:prstGeom>
-        <a:gradFill rotWithShape="0">
-          <a:gsLst>
-            <a:gs pos="0">
-              <a:schemeClr val="accent2">
-                <a:hueOff val="0"/>
-                <a:satOff val="0"/>
-                <a:lumOff val="0"/>
-                <a:alphaOff val="0"/>
-                <a:satMod val="103000"/>
-                <a:lumMod val="102000"/>
-                <a:tint val="94000"/>
-              </a:schemeClr>
-            </a:gs>
-            <a:gs pos="50000">
-              <a:schemeClr val="accent2">
-                <a:hueOff val="0"/>
-                <a:satOff val="0"/>
-                <a:lumOff val="0"/>
-                <a:alphaOff val="0"/>
-                <a:satMod val="110000"/>
-                <a:lumMod val="100000"/>
-                <a:shade val="100000"/>
-              </a:schemeClr>
-            </a:gs>
-            <a:gs pos="100000">
-              <a:schemeClr val="accent2">
-                <a:hueOff val="0"/>
-                <a:satOff val="0"/>
-                <a:lumOff val="0"/>
-                <a:alphaOff val="0"/>
-                <a:lumMod val="99000"/>
-                <a:satMod val="120000"/>
-                <a:shade val="78000"/>
-              </a:schemeClr>
-            </a:gs>
-          </a:gsLst>
-          <a:lin ang="5400000" scaled="0"/>
-        </a:gradFill>
-        <a:ln>
-          <a:noFill/>
-        </a:ln>
-        <a:effectLst>
-          <a:outerShdw blurRad="57150" dist="19050" dir="5400000" algn="ctr" rotWithShape="0">
-            <a:srgbClr val="000000">
-              <a:alpha val="63000"/>
-            </a:srgbClr>
-          </a:outerShdw>
-        </a:effectLst>
-      </dsp:spPr>
-      <dsp:style>
-        <a:lnRef idx="0">
-          <a:scrgbClr r="0" g="0" b="0"/>
-        </a:lnRef>
-        <a:fillRef idx="3">
-          <a:scrgbClr r="0" g="0" b="0"/>
-        </a:fillRef>
-        <a:effectRef idx="3">
-          <a:scrgbClr r="0" g="0" b="0"/>
-        </a:effectRef>
-        <a:fontRef idx="minor">
-          <a:schemeClr val="lt1"/>
-        </a:fontRef>
-      </dsp:style>
-      <dsp:txBody>
-        <a:bodyPr spcFirstLastPara="0" vert="horz" wrap="square" lIns="24130" tIns="24130" rIns="24130" bIns="24130" numCol="1" spcCol="1270" anchor="t" anchorCtr="0">
-          <a:noAutofit/>
-        </a:bodyPr>
-        <a:lstStyle/>
-        <a:p>
-          <a:pPr lvl="0" algn="ctr" defTabSz="844550">
-            <a:lnSpc>
-              <a:spcPct val="90000"/>
-            </a:lnSpc>
-            <a:spcBef>
-              <a:spcPct val="0"/>
-            </a:spcBef>
-            <a:spcAft>
-              <a:spcPct val="35000"/>
-            </a:spcAft>
-          </a:pPr>
-          <a:r>
-            <a:rPr lang="ru-RU" sz="1900" kern="1200" dirty="0" smtClean="0"/>
-            <a:t>Тест-кейсы                                                       </a:t>
-          </a:r>
-          <a:endParaRPr lang="ru-RU" sz="1900" kern="1200" dirty="0"/>
-        </a:p>
-      </dsp:txBody>
-      <dsp:txXfrm>
-        <a:off x="2556087" y="1167225"/>
-        <a:ext cx="1468038" cy="1183902"/>
-      </dsp:txXfrm>
-    </dsp:sp>
-    <dsp:sp modelId="{000CC315-531C-4BFA-A8AA-0B0479AAD9FF}">
-      <dsp:nvSpPr>
-        <dsp:cNvPr id="0" name=""/>
-        <dsp:cNvSpPr/>
-      </dsp:nvSpPr>
-      <dsp:spPr>
-        <a:xfrm>
-          <a:off x="513464" y="482837"/>
-          <a:ext cx="3977911" cy="3977911"/>
-        </a:xfrm>
-        <a:prstGeom prst="pie">
-          <a:avLst>
-            <a:gd name="adj1" fmla="val 0"/>
-            <a:gd name="adj2" fmla="val 5400000"/>
-          </a:avLst>
-        </a:prstGeom>
-        <a:gradFill rotWithShape="0">
-          <a:gsLst>
-            <a:gs pos="0">
-              <a:schemeClr val="accent3">
-                <a:hueOff val="0"/>
-                <a:satOff val="0"/>
-                <a:lumOff val="0"/>
-                <a:alphaOff val="0"/>
-                <a:satMod val="103000"/>
-                <a:lumMod val="102000"/>
-                <a:tint val="94000"/>
-              </a:schemeClr>
-            </a:gs>
-            <a:gs pos="50000">
-              <a:schemeClr val="accent3">
-                <a:hueOff val="0"/>
-                <a:satOff val="0"/>
-                <a:lumOff val="0"/>
-                <a:alphaOff val="0"/>
-                <a:satMod val="110000"/>
-                <a:lumMod val="100000"/>
-                <a:shade val="100000"/>
-              </a:schemeClr>
-            </a:gs>
-            <a:gs pos="100000">
-              <a:schemeClr val="accent3">
-                <a:hueOff val="0"/>
-                <a:satOff val="0"/>
-                <a:lumOff val="0"/>
-                <a:alphaOff val="0"/>
-                <a:lumMod val="99000"/>
-                <a:satMod val="120000"/>
-                <a:shade val="78000"/>
-              </a:schemeClr>
-            </a:gs>
-          </a:gsLst>
-          <a:lin ang="5400000" scaled="0"/>
-        </a:gradFill>
-        <a:ln>
-          <a:noFill/>
-        </a:ln>
-        <a:effectLst>
-          <a:outerShdw blurRad="57150" dist="19050" dir="5400000" algn="ctr" rotWithShape="0">
-            <a:srgbClr val="000000">
-              <a:alpha val="63000"/>
-            </a:srgbClr>
-          </a:outerShdw>
-        </a:effectLst>
-      </dsp:spPr>
-      <dsp:style>
-        <a:lnRef idx="0">
-          <a:scrgbClr r="0" g="0" b="0"/>
-        </a:lnRef>
-        <a:fillRef idx="3">
-          <a:scrgbClr r="0" g="0" b="0"/>
-        </a:fillRef>
-        <a:effectRef idx="3">
-          <a:scrgbClr r="0" g="0" b="0"/>
-        </a:effectRef>
-        <a:fontRef idx="minor">
-          <a:schemeClr val="lt1"/>
-        </a:fontRef>
-      </dsp:style>
-      <dsp:txBody>
-        <a:bodyPr spcFirstLastPara="0" vert="horz" wrap="square" lIns="24130" tIns="24130" rIns="24130" bIns="24130" numCol="1" spcCol="1270" anchor="b" anchorCtr="0">
-          <a:noAutofit/>
-        </a:bodyPr>
-        <a:lstStyle/>
-        <a:p>
-          <a:pPr lvl="0" algn="ctr" defTabSz="844550">
-            <a:lnSpc>
-              <a:spcPct val="90000"/>
-            </a:lnSpc>
-            <a:spcBef>
-              <a:spcPct val="0"/>
-            </a:spcBef>
-            <a:spcAft>
-              <a:spcPct val="35000"/>
-            </a:spcAft>
-          </a:pPr>
-          <a:r>
-            <a:rPr lang="ru-RU" sz="1900" kern="1200" dirty="0" smtClean="0"/>
-            <a:t>Результаты тестирования </a:t>
-          </a:r>
-          <a:endParaRPr lang="ru-RU" sz="1900" kern="1200" dirty="0"/>
-        </a:p>
-      </dsp:txBody>
-      <dsp:txXfrm>
-        <a:off x="2573454" y="2542826"/>
-        <a:ext cx="1468038" cy="1183902"/>
-      </dsp:txXfrm>
-    </dsp:sp>
-    <dsp:sp modelId="{4ACAFB12-125B-4407-8730-03696C63C350}">
-      <dsp:nvSpPr>
-        <dsp:cNvPr id="0" name=""/>
-        <dsp:cNvSpPr/>
-      </dsp:nvSpPr>
-      <dsp:spPr>
-        <a:xfrm>
-          <a:off x="492898" y="479097"/>
-          <a:ext cx="3977911" cy="3977911"/>
-        </a:xfrm>
-        <a:prstGeom prst="pie">
-          <a:avLst>
-            <a:gd name="adj1" fmla="val 5400000"/>
-            <a:gd name="adj2" fmla="val 10800000"/>
-          </a:avLst>
-        </a:prstGeom>
-        <a:gradFill rotWithShape="0">
-          <a:gsLst>
-            <a:gs pos="0">
-              <a:schemeClr val="accent4">
-                <a:hueOff val="0"/>
-                <a:satOff val="0"/>
-                <a:lumOff val="0"/>
-                <a:alphaOff val="0"/>
-                <a:satMod val="103000"/>
-                <a:lumMod val="102000"/>
-                <a:tint val="94000"/>
-              </a:schemeClr>
-            </a:gs>
-            <a:gs pos="50000">
-              <a:schemeClr val="accent4">
-                <a:hueOff val="0"/>
-                <a:satOff val="0"/>
-                <a:lumOff val="0"/>
-                <a:alphaOff val="0"/>
-                <a:satMod val="110000"/>
-                <a:lumMod val="100000"/>
-                <a:shade val="100000"/>
-              </a:schemeClr>
-            </a:gs>
-            <a:gs pos="100000">
-              <a:schemeClr val="accent4">
-                <a:hueOff val="0"/>
-                <a:satOff val="0"/>
-                <a:lumOff val="0"/>
-                <a:alphaOff val="0"/>
-                <a:lumMod val="99000"/>
-                <a:satMod val="120000"/>
-                <a:shade val="78000"/>
-              </a:schemeClr>
-            </a:gs>
-          </a:gsLst>
-          <a:lin ang="5400000" scaled="0"/>
-        </a:gradFill>
-        <a:ln>
-          <a:noFill/>
-        </a:ln>
-        <a:effectLst>
-          <a:outerShdw blurRad="57150" dist="19050" dir="5400000" algn="ctr" rotWithShape="0">
-            <a:srgbClr val="000000">
-              <a:alpha val="63000"/>
-            </a:srgbClr>
-          </a:outerShdw>
-        </a:effectLst>
-      </dsp:spPr>
-      <dsp:style>
-        <a:lnRef idx="0">
-          <a:scrgbClr r="0" g="0" b="0"/>
-        </a:lnRef>
-        <a:fillRef idx="3">
-          <a:scrgbClr r="0" g="0" b="0"/>
-        </a:fillRef>
-        <a:effectRef idx="3">
-          <a:scrgbClr r="0" g="0" b="0"/>
-        </a:effectRef>
-        <a:fontRef idx="minor">
-          <a:schemeClr val="lt1"/>
-        </a:fontRef>
-      </dsp:style>
-      <dsp:txBody>
-        <a:bodyPr spcFirstLastPara="0" vert="horz" wrap="square" lIns="24130" tIns="24130" rIns="24130" bIns="24130" numCol="1" spcCol="1270" anchor="b" anchorCtr="0">
-          <a:noAutofit/>
-        </a:bodyPr>
-        <a:lstStyle/>
-        <a:p>
-          <a:pPr lvl="0" algn="ctr" defTabSz="844550">
-            <a:lnSpc>
-              <a:spcPct val="90000"/>
-            </a:lnSpc>
-            <a:spcBef>
-              <a:spcPct val="0"/>
-            </a:spcBef>
-            <a:spcAft>
-              <a:spcPct val="35000"/>
-            </a:spcAft>
-          </a:pPr>
-          <a:r>
-            <a:rPr lang="ru-RU" sz="1900" kern="1200" dirty="0" smtClean="0"/>
-            <a:t>Статистика тестирования </a:t>
-          </a:r>
-          <a:endParaRPr lang="ru-RU" sz="1900" kern="1200" dirty="0"/>
-        </a:p>
-      </dsp:txBody>
-      <dsp:txXfrm>
-        <a:off x="942781" y="2539087"/>
-        <a:ext cx="1468038" cy="1183902"/>
-      </dsp:txXfrm>
-    </dsp:sp>
-    <dsp:sp modelId="{649C6970-20BF-40D1-9E30-038AC12482BA}">
-      <dsp:nvSpPr>
-        <dsp:cNvPr id="0" name=""/>
-        <dsp:cNvSpPr/>
-      </dsp:nvSpPr>
-      <dsp:spPr>
-        <a:xfrm>
-          <a:off x="493296" y="431323"/>
-          <a:ext cx="3977911" cy="3977911"/>
-        </a:xfrm>
-        <a:prstGeom prst="pie">
-          <a:avLst>
-            <a:gd name="adj1" fmla="val 10800000"/>
-            <a:gd name="adj2" fmla="val 16200000"/>
-          </a:avLst>
-        </a:prstGeom>
-        <a:gradFill rotWithShape="0">
-          <a:gsLst>
-            <a:gs pos="0">
-              <a:schemeClr val="accent5">
-                <a:hueOff val="0"/>
-                <a:satOff val="0"/>
-                <a:lumOff val="0"/>
-                <a:alphaOff val="0"/>
-                <a:satMod val="103000"/>
-                <a:lumMod val="102000"/>
-                <a:tint val="94000"/>
-              </a:schemeClr>
-            </a:gs>
-            <a:gs pos="50000">
-              <a:schemeClr val="accent5">
-                <a:hueOff val="0"/>
-                <a:satOff val="0"/>
-                <a:lumOff val="0"/>
-                <a:alphaOff val="0"/>
-                <a:satMod val="110000"/>
-                <a:lumMod val="100000"/>
-                <a:shade val="100000"/>
-              </a:schemeClr>
-            </a:gs>
-            <a:gs pos="100000">
-              <a:schemeClr val="accent5">
-                <a:hueOff val="0"/>
-                <a:satOff val="0"/>
-                <a:lumOff val="0"/>
-                <a:alphaOff val="0"/>
-                <a:lumMod val="99000"/>
-                <a:satMod val="120000"/>
-                <a:shade val="78000"/>
-              </a:schemeClr>
-            </a:gs>
-          </a:gsLst>
-          <a:lin ang="5400000" scaled="0"/>
-        </a:gradFill>
-        <a:ln>
-          <a:noFill/>
-        </a:ln>
-        <a:effectLst>
-          <a:outerShdw blurRad="57150" dist="19050" dir="5400000" algn="ctr" rotWithShape="0">
-            <a:srgbClr val="000000">
-              <a:alpha val="63000"/>
-            </a:srgbClr>
-          </a:outerShdw>
-        </a:effectLst>
-      </dsp:spPr>
-      <dsp:style>
-        <a:lnRef idx="0">
-          <a:scrgbClr r="0" g="0" b="0"/>
-        </a:lnRef>
-        <a:fillRef idx="3">
-          <a:scrgbClr r="0" g="0" b="0"/>
-        </a:fillRef>
-        <a:effectRef idx="3">
-          <a:scrgbClr r="0" g="0" b="0"/>
-        </a:effectRef>
-        <a:fontRef idx="minor">
-          <a:schemeClr val="lt1"/>
-        </a:fontRef>
-      </dsp:style>
-      <dsp:txBody>
-        <a:bodyPr spcFirstLastPara="0" vert="horz" wrap="square" lIns="24130" tIns="24130" rIns="24130" bIns="24130" numCol="1" spcCol="1270" anchor="t" anchorCtr="0">
-          <a:noAutofit/>
-        </a:bodyPr>
-        <a:lstStyle/>
-        <a:p>
-          <a:pPr lvl="0" algn="ctr" defTabSz="844550">
-            <a:lnSpc>
-              <a:spcPct val="90000"/>
-            </a:lnSpc>
-            <a:spcBef>
-              <a:spcPct val="0"/>
-            </a:spcBef>
-            <a:spcAft>
-              <a:spcPct val="35000"/>
-            </a:spcAft>
-          </a:pPr>
-          <a:r>
-            <a:rPr lang="ru-RU" sz="1900" kern="1200" dirty="0" smtClean="0"/>
-            <a:t>Тест требования</a:t>
-          </a:r>
-          <a:endParaRPr lang="ru-RU" sz="1900" kern="1200" dirty="0"/>
-        </a:p>
-      </dsp:txBody>
-      <dsp:txXfrm>
-        <a:off x="943178" y="1165342"/>
-        <a:ext cx="1468038" cy="1183902"/>
-      </dsp:txXfrm>
-    </dsp:sp>
   </dsp:spTree>
 </dsp:drawing>
 </file>
@@ -13800,803 +13361,6 @@
       <dsp:cNvGrpSpPr/>
     </dsp:nvGrpSpPr>
     <dsp:grpSpPr/>
-    <dsp:sp modelId="{A77BF775-E608-4841-B760-C29DDEACE52D}">
-      <dsp:nvSpPr>
-        <dsp:cNvPr id="0" name=""/>
-        <dsp:cNvSpPr/>
-      </dsp:nvSpPr>
-      <dsp:spPr>
-        <a:xfrm>
-          <a:off x="2399262" y="478202"/>
-          <a:ext cx="369608" cy="91440"/>
-        </a:xfrm>
-        <a:custGeom>
-          <a:avLst/>
-          <a:gdLst/>
-          <a:ahLst/>
-          <a:cxnLst/>
-          <a:rect l="0" t="0" r="0" b="0"/>
-          <a:pathLst>
-            <a:path>
-              <a:moveTo>
-                <a:pt x="0" y="45720"/>
-              </a:moveTo>
-              <a:lnTo>
-                <a:pt x="369608" y="45720"/>
-              </a:lnTo>
-            </a:path>
-          </a:pathLst>
-        </a:custGeom>
-        <a:noFill/>
-        <a:ln w="6350" cap="flat" cmpd="sng" algn="ctr">
-          <a:solidFill>
-            <a:schemeClr val="accent5">
-              <a:hueOff val="0"/>
-              <a:satOff val="0"/>
-              <a:lumOff val="0"/>
-              <a:alphaOff val="0"/>
-            </a:schemeClr>
-          </a:solidFill>
-          <a:prstDash val="solid"/>
-          <a:miter lim="800000"/>
-          <a:tailEnd type="arrow"/>
-        </a:ln>
-        <a:effectLst>
-          <a:glow rad="63500">
-            <a:schemeClr val="accent6">
-              <a:satMod val="175000"/>
-              <a:alpha val="40000"/>
-            </a:schemeClr>
-          </a:glow>
-        </a:effectLst>
-      </dsp:spPr>
-      <dsp:style>
-        <a:lnRef idx="1">
-          <a:scrgbClr r="0" g="0" b="0"/>
-        </a:lnRef>
-        <a:fillRef idx="0">
-          <a:scrgbClr r="0" g="0" b="0"/>
-        </a:fillRef>
-        <a:effectRef idx="0">
-          <a:scrgbClr r="0" g="0" b="0"/>
-        </a:effectRef>
-        <a:fontRef idx="minor"/>
-      </dsp:style>
-      <dsp:txBody>
-        <a:bodyPr spcFirstLastPara="0" vert="horz" wrap="square" lIns="12700" tIns="0" rIns="12700" bIns="0" numCol="1" spcCol="1270" anchor="ctr" anchorCtr="0">
-          <a:noAutofit/>
-        </a:bodyPr>
-        <a:lstStyle/>
-        <a:p>
-          <a:pPr lvl="0" algn="ctr" defTabSz="222250">
-            <a:lnSpc>
-              <a:spcPct val="90000"/>
-            </a:lnSpc>
-            <a:spcBef>
-              <a:spcPct val="0"/>
-            </a:spcBef>
-            <a:spcAft>
-              <a:spcPct val="35000"/>
-            </a:spcAft>
-          </a:pPr>
-          <a:endParaRPr lang="ru-RU" sz="500" kern="1200"/>
-        </a:p>
-      </dsp:txBody>
-      <dsp:txXfrm>
-        <a:off x="2574061" y="521921"/>
-        <a:ext cx="20010" cy="4002"/>
-      </dsp:txXfrm>
-    </dsp:sp>
-    <dsp:sp modelId="{335182A0-E382-4E77-B206-70C6001A973F}">
-      <dsp:nvSpPr>
-        <dsp:cNvPr id="0" name=""/>
-        <dsp:cNvSpPr/>
-      </dsp:nvSpPr>
-      <dsp:spPr>
-        <a:xfrm>
-          <a:off x="661024" y="1910"/>
-          <a:ext cx="1740038" cy="1044023"/>
-        </a:xfrm>
-        <a:prstGeom prst="rect">
-          <a:avLst/>
-        </a:prstGeom>
-        <a:solidFill>
-          <a:schemeClr val="accent5">
-            <a:hueOff val="0"/>
-            <a:satOff val="0"/>
-            <a:lumOff val="0"/>
-            <a:alphaOff val="0"/>
-          </a:schemeClr>
-        </a:solidFill>
-        <a:ln w="12700" cap="flat" cmpd="sng" algn="ctr">
-          <a:solidFill>
-            <a:schemeClr val="lt1">
-              <a:hueOff val="0"/>
-              <a:satOff val="0"/>
-              <a:lumOff val="0"/>
-              <a:alphaOff val="0"/>
-            </a:schemeClr>
-          </a:solidFill>
-          <a:prstDash val="solid"/>
-          <a:miter lim="800000"/>
-        </a:ln>
-        <a:effectLst>
-          <a:glow rad="63500">
-            <a:schemeClr val="accent6">
-              <a:satMod val="175000"/>
-              <a:alpha val="40000"/>
-            </a:schemeClr>
-          </a:glow>
-        </a:effectLst>
-      </dsp:spPr>
-      <dsp:style>
-        <a:lnRef idx="2">
-          <a:scrgbClr r="0" g="0" b="0"/>
-        </a:lnRef>
-        <a:fillRef idx="1">
-          <a:scrgbClr r="0" g="0" b="0"/>
-        </a:fillRef>
-        <a:effectRef idx="0">
-          <a:scrgbClr r="0" g="0" b="0"/>
-        </a:effectRef>
-        <a:fontRef idx="minor">
-          <a:schemeClr val="lt1"/>
-        </a:fontRef>
-      </dsp:style>
-      <dsp:txBody>
-        <a:bodyPr spcFirstLastPara="0" vert="horz" wrap="square" lIns="113792" tIns="113792" rIns="113792" bIns="113792" numCol="1" spcCol="1270" anchor="ctr" anchorCtr="0">
-          <a:noAutofit/>
-        </a:bodyPr>
-        <a:lstStyle/>
-        <a:p>
-          <a:pPr lvl="0" algn="ctr" defTabSz="711200">
-            <a:lnSpc>
-              <a:spcPct val="90000"/>
-            </a:lnSpc>
-            <a:spcBef>
-              <a:spcPct val="0"/>
-            </a:spcBef>
-            <a:spcAft>
-              <a:spcPct val="35000"/>
-            </a:spcAft>
-          </a:pPr>
-          <a:r>
-            <a:rPr lang="ru-RU" sz="1600" kern="1200" dirty="0" smtClean="0"/>
-            <a:t>Составление тест требований на основе ТЗ</a:t>
-          </a:r>
-          <a:endParaRPr lang="ru-RU" sz="1600" kern="1200" dirty="0"/>
-        </a:p>
-      </dsp:txBody>
-      <dsp:txXfrm>
-        <a:off x="661024" y="1910"/>
-        <a:ext cx="1740038" cy="1044023"/>
-      </dsp:txXfrm>
-    </dsp:sp>
-    <dsp:sp modelId="{1942F91E-6C3F-4237-991D-8670CFE6D12C}">
-      <dsp:nvSpPr>
-        <dsp:cNvPr id="0" name=""/>
-        <dsp:cNvSpPr/>
-      </dsp:nvSpPr>
-      <dsp:spPr>
-        <a:xfrm>
-          <a:off x="1531043" y="1044133"/>
-          <a:ext cx="2140247" cy="369608"/>
-        </a:xfrm>
-        <a:custGeom>
-          <a:avLst/>
-          <a:gdLst/>
-          <a:ahLst/>
-          <a:cxnLst/>
-          <a:rect l="0" t="0" r="0" b="0"/>
-          <a:pathLst>
-            <a:path>
-              <a:moveTo>
-                <a:pt x="2140247" y="0"/>
-              </a:moveTo>
-              <a:lnTo>
-                <a:pt x="2140247" y="201904"/>
-              </a:lnTo>
-              <a:lnTo>
-                <a:pt x="0" y="201904"/>
-              </a:lnTo>
-              <a:lnTo>
-                <a:pt x="0" y="369608"/>
-              </a:lnTo>
-            </a:path>
-          </a:pathLst>
-        </a:custGeom>
-        <a:noFill/>
-        <a:ln w="6350" cap="flat" cmpd="sng" algn="ctr">
-          <a:solidFill>
-            <a:schemeClr val="accent5">
-              <a:hueOff val="-1021680"/>
-              <a:satOff val="480"/>
-              <a:lumOff val="-13595"/>
-              <a:alphaOff val="0"/>
-            </a:schemeClr>
-          </a:solidFill>
-          <a:prstDash val="solid"/>
-          <a:miter lim="800000"/>
-          <a:tailEnd type="arrow"/>
-        </a:ln>
-        <a:effectLst>
-          <a:glow rad="63500">
-            <a:schemeClr val="accent6">
-              <a:satMod val="175000"/>
-              <a:alpha val="40000"/>
-            </a:schemeClr>
-          </a:glow>
-        </a:effectLst>
-      </dsp:spPr>
-      <dsp:style>
-        <a:lnRef idx="1">
-          <a:scrgbClr r="0" g="0" b="0"/>
-        </a:lnRef>
-        <a:fillRef idx="0">
-          <a:scrgbClr r="0" g="0" b="0"/>
-        </a:fillRef>
-        <a:effectRef idx="0">
-          <a:scrgbClr r="0" g="0" b="0"/>
-        </a:effectRef>
-        <a:fontRef idx="minor"/>
-      </dsp:style>
-      <dsp:txBody>
-        <a:bodyPr spcFirstLastPara="0" vert="horz" wrap="square" lIns="12700" tIns="0" rIns="12700" bIns="0" numCol="1" spcCol="1270" anchor="ctr" anchorCtr="0">
-          <a:noAutofit/>
-        </a:bodyPr>
-        <a:lstStyle/>
-        <a:p>
-          <a:pPr lvl="0" algn="ctr" defTabSz="222250">
-            <a:lnSpc>
-              <a:spcPct val="90000"/>
-            </a:lnSpc>
-            <a:spcBef>
-              <a:spcPct val="0"/>
-            </a:spcBef>
-            <a:spcAft>
-              <a:spcPct val="35000"/>
-            </a:spcAft>
-          </a:pPr>
-          <a:endParaRPr lang="ru-RU" sz="500" kern="1200"/>
-        </a:p>
-      </dsp:txBody>
-      <dsp:txXfrm>
-        <a:off x="2546733" y="1226936"/>
-        <a:ext cx="108867" cy="4002"/>
-      </dsp:txXfrm>
-    </dsp:sp>
-    <dsp:sp modelId="{E9530CEB-3B8E-4A90-AC86-1908B31AFA3C}">
-      <dsp:nvSpPr>
-        <dsp:cNvPr id="0" name=""/>
-        <dsp:cNvSpPr/>
-      </dsp:nvSpPr>
-      <dsp:spPr>
-        <a:xfrm>
-          <a:off x="2801271" y="1910"/>
-          <a:ext cx="1740038" cy="1044023"/>
-        </a:xfrm>
-        <a:prstGeom prst="rect">
-          <a:avLst/>
-        </a:prstGeom>
-        <a:solidFill>
-          <a:schemeClr val="accent5">
-            <a:hueOff val="-766260"/>
-            <a:satOff val="360"/>
-            <a:lumOff val="-10196"/>
-            <a:alphaOff val="0"/>
-          </a:schemeClr>
-        </a:solidFill>
-        <a:ln w="12700" cap="flat" cmpd="sng" algn="ctr">
-          <a:solidFill>
-            <a:schemeClr val="lt1">
-              <a:hueOff val="0"/>
-              <a:satOff val="0"/>
-              <a:lumOff val="0"/>
-              <a:alphaOff val="0"/>
-            </a:schemeClr>
-          </a:solidFill>
-          <a:prstDash val="solid"/>
-          <a:miter lim="800000"/>
-        </a:ln>
-        <a:effectLst>
-          <a:glow rad="63500">
-            <a:schemeClr val="accent6">
-              <a:satMod val="175000"/>
-              <a:alpha val="40000"/>
-            </a:schemeClr>
-          </a:glow>
-        </a:effectLst>
-      </dsp:spPr>
-      <dsp:style>
-        <a:lnRef idx="2">
-          <a:scrgbClr r="0" g="0" b="0"/>
-        </a:lnRef>
-        <a:fillRef idx="1">
-          <a:scrgbClr r="0" g="0" b="0"/>
-        </a:fillRef>
-        <a:effectRef idx="0">
-          <a:scrgbClr r="0" g="0" b="0"/>
-        </a:effectRef>
-        <a:fontRef idx="minor">
-          <a:schemeClr val="lt1"/>
-        </a:fontRef>
-      </dsp:style>
-      <dsp:txBody>
-        <a:bodyPr spcFirstLastPara="0" vert="horz" wrap="square" lIns="113792" tIns="113792" rIns="113792" bIns="113792" numCol="1" spcCol="1270" anchor="ctr" anchorCtr="0">
-          <a:noAutofit/>
-        </a:bodyPr>
-        <a:lstStyle/>
-        <a:p>
-          <a:pPr lvl="0" algn="ctr" defTabSz="711200">
-            <a:lnSpc>
-              <a:spcPct val="90000"/>
-            </a:lnSpc>
-            <a:spcBef>
-              <a:spcPct val="0"/>
-            </a:spcBef>
-            <a:spcAft>
-              <a:spcPct val="35000"/>
-            </a:spcAft>
-          </a:pPr>
-          <a:r>
-            <a:rPr lang="ru-RU" sz="1600" kern="1200" dirty="0" smtClean="0"/>
-            <a:t>Составление тест кейсов на основе тест требований</a:t>
-          </a:r>
-          <a:endParaRPr lang="ru-RU" sz="1600" kern="1200" dirty="0"/>
-        </a:p>
-      </dsp:txBody>
-      <dsp:txXfrm>
-        <a:off x="2801271" y="1910"/>
-        <a:ext cx="1740038" cy="1044023"/>
-      </dsp:txXfrm>
-    </dsp:sp>
-    <dsp:sp modelId="{9EE61D95-1339-4812-8BA2-E26508DB95D7}">
-      <dsp:nvSpPr>
-        <dsp:cNvPr id="0" name=""/>
-        <dsp:cNvSpPr/>
-      </dsp:nvSpPr>
-      <dsp:spPr>
-        <a:xfrm>
-          <a:off x="2399262" y="1922434"/>
-          <a:ext cx="369608" cy="91440"/>
-        </a:xfrm>
-        <a:custGeom>
-          <a:avLst/>
-          <a:gdLst/>
-          <a:ahLst/>
-          <a:cxnLst/>
-          <a:rect l="0" t="0" r="0" b="0"/>
-          <a:pathLst>
-            <a:path>
-              <a:moveTo>
-                <a:pt x="0" y="45720"/>
-              </a:moveTo>
-              <a:lnTo>
-                <a:pt x="369608" y="45720"/>
-              </a:lnTo>
-            </a:path>
-          </a:pathLst>
-        </a:custGeom>
-        <a:noFill/>
-        <a:ln w="6350" cap="flat" cmpd="sng" algn="ctr">
-          <a:solidFill>
-            <a:schemeClr val="accent5">
-              <a:hueOff val="-2043360"/>
-              <a:satOff val="960"/>
-              <a:lumOff val="-27189"/>
-              <a:alphaOff val="0"/>
-            </a:schemeClr>
-          </a:solidFill>
-          <a:prstDash val="solid"/>
-          <a:miter lim="800000"/>
-          <a:tailEnd type="arrow"/>
-        </a:ln>
-        <a:effectLst>
-          <a:glow rad="63500">
-            <a:schemeClr val="accent6">
-              <a:satMod val="175000"/>
-              <a:alpha val="40000"/>
-            </a:schemeClr>
-          </a:glow>
-        </a:effectLst>
-      </dsp:spPr>
-      <dsp:style>
-        <a:lnRef idx="1">
-          <a:scrgbClr r="0" g="0" b="0"/>
-        </a:lnRef>
-        <a:fillRef idx="0">
-          <a:scrgbClr r="0" g="0" b="0"/>
-        </a:fillRef>
-        <a:effectRef idx="0">
-          <a:scrgbClr r="0" g="0" b="0"/>
-        </a:effectRef>
-        <a:fontRef idx="minor"/>
-      </dsp:style>
-      <dsp:txBody>
-        <a:bodyPr spcFirstLastPara="0" vert="horz" wrap="square" lIns="12700" tIns="0" rIns="12700" bIns="0" numCol="1" spcCol="1270" anchor="ctr" anchorCtr="0">
-          <a:noAutofit/>
-        </a:bodyPr>
-        <a:lstStyle/>
-        <a:p>
-          <a:pPr lvl="0" algn="ctr" defTabSz="222250">
-            <a:lnSpc>
-              <a:spcPct val="90000"/>
-            </a:lnSpc>
-            <a:spcBef>
-              <a:spcPct val="0"/>
-            </a:spcBef>
-            <a:spcAft>
-              <a:spcPct val="35000"/>
-            </a:spcAft>
-          </a:pPr>
-          <a:endParaRPr lang="ru-RU" sz="500" kern="1200"/>
-        </a:p>
-      </dsp:txBody>
-      <dsp:txXfrm>
-        <a:off x="2574061" y="1966152"/>
-        <a:ext cx="20010" cy="4002"/>
-      </dsp:txXfrm>
-    </dsp:sp>
-    <dsp:sp modelId="{CC7032B2-C7DD-4031-9D5A-C31C34436923}">
-      <dsp:nvSpPr>
-        <dsp:cNvPr id="0" name=""/>
-        <dsp:cNvSpPr/>
-      </dsp:nvSpPr>
-      <dsp:spPr>
-        <a:xfrm>
-          <a:off x="661024" y="1446142"/>
-          <a:ext cx="1740038" cy="1044023"/>
-        </a:xfrm>
-        <a:prstGeom prst="rect">
-          <a:avLst/>
-        </a:prstGeom>
-        <a:solidFill>
-          <a:schemeClr val="accent5">
-            <a:hueOff val="-1532520"/>
-            <a:satOff val="720"/>
-            <a:lumOff val="-20392"/>
-            <a:alphaOff val="0"/>
-          </a:schemeClr>
-        </a:solidFill>
-        <a:ln w="12700" cap="flat" cmpd="sng" algn="ctr">
-          <a:solidFill>
-            <a:schemeClr val="lt1">
-              <a:hueOff val="0"/>
-              <a:satOff val="0"/>
-              <a:lumOff val="0"/>
-              <a:alphaOff val="0"/>
-            </a:schemeClr>
-          </a:solidFill>
-          <a:prstDash val="solid"/>
-          <a:miter lim="800000"/>
-        </a:ln>
-        <a:effectLst>
-          <a:glow rad="63500">
-            <a:schemeClr val="accent6">
-              <a:satMod val="175000"/>
-              <a:alpha val="40000"/>
-            </a:schemeClr>
-          </a:glow>
-        </a:effectLst>
-      </dsp:spPr>
-      <dsp:style>
-        <a:lnRef idx="2">
-          <a:scrgbClr r="0" g="0" b="0"/>
-        </a:lnRef>
-        <a:fillRef idx="1">
-          <a:scrgbClr r="0" g="0" b="0"/>
-        </a:fillRef>
-        <a:effectRef idx="0">
-          <a:scrgbClr r="0" g="0" b="0"/>
-        </a:effectRef>
-        <a:fontRef idx="minor">
-          <a:schemeClr val="lt1"/>
-        </a:fontRef>
-      </dsp:style>
-      <dsp:txBody>
-        <a:bodyPr spcFirstLastPara="0" vert="horz" wrap="square" lIns="113792" tIns="113792" rIns="113792" bIns="113792" numCol="1" spcCol="1270" anchor="ctr" anchorCtr="0">
-          <a:noAutofit/>
-        </a:bodyPr>
-        <a:lstStyle/>
-        <a:p>
-          <a:pPr lvl="0" algn="ctr" defTabSz="711200">
-            <a:lnSpc>
-              <a:spcPct val="90000"/>
-            </a:lnSpc>
-            <a:spcBef>
-              <a:spcPct val="0"/>
-            </a:spcBef>
-            <a:spcAft>
-              <a:spcPct val="35000"/>
-            </a:spcAft>
-          </a:pPr>
-          <a:r>
-            <a:rPr lang="ru-RU" sz="1600" kern="1200" dirty="0" smtClean="0"/>
-            <a:t>Тестирование</a:t>
-          </a:r>
-          <a:endParaRPr lang="ru-RU" sz="1600" kern="1200" dirty="0"/>
-        </a:p>
-      </dsp:txBody>
-      <dsp:txXfrm>
-        <a:off x="661024" y="1446142"/>
-        <a:ext cx="1740038" cy="1044023"/>
-      </dsp:txXfrm>
-    </dsp:sp>
-    <dsp:sp modelId="{AA3F5F8C-F587-4C38-A5F5-94A0B0ABB808}">
-      <dsp:nvSpPr>
-        <dsp:cNvPr id="0" name=""/>
-        <dsp:cNvSpPr/>
-      </dsp:nvSpPr>
-      <dsp:spPr>
-        <a:xfrm>
-          <a:off x="1531043" y="2488365"/>
-          <a:ext cx="2140247" cy="369608"/>
-        </a:xfrm>
-        <a:custGeom>
-          <a:avLst/>
-          <a:gdLst/>
-          <a:ahLst/>
-          <a:cxnLst/>
-          <a:rect l="0" t="0" r="0" b="0"/>
-          <a:pathLst>
-            <a:path>
-              <a:moveTo>
-                <a:pt x="2140247" y="0"/>
-              </a:moveTo>
-              <a:lnTo>
-                <a:pt x="2140247" y="201904"/>
-              </a:lnTo>
-              <a:lnTo>
-                <a:pt x="0" y="201904"/>
-              </a:lnTo>
-              <a:lnTo>
-                <a:pt x="0" y="369608"/>
-              </a:lnTo>
-            </a:path>
-          </a:pathLst>
-        </a:custGeom>
-        <a:noFill/>
-        <a:ln w="6350" cap="flat" cmpd="sng" algn="ctr">
-          <a:solidFill>
-            <a:schemeClr val="accent5">
-              <a:hueOff val="-3065039"/>
-              <a:satOff val="1440"/>
-              <a:lumOff val="-40784"/>
-              <a:alphaOff val="0"/>
-            </a:schemeClr>
-          </a:solidFill>
-          <a:prstDash val="solid"/>
-          <a:miter lim="800000"/>
-          <a:tailEnd type="arrow"/>
-        </a:ln>
-        <a:effectLst>
-          <a:glow rad="63500">
-            <a:schemeClr val="accent6">
-              <a:satMod val="175000"/>
-              <a:alpha val="40000"/>
-            </a:schemeClr>
-          </a:glow>
-        </a:effectLst>
-      </dsp:spPr>
-      <dsp:style>
-        <a:lnRef idx="1">
-          <a:scrgbClr r="0" g="0" b="0"/>
-        </a:lnRef>
-        <a:fillRef idx="0">
-          <a:scrgbClr r="0" g="0" b="0"/>
-        </a:fillRef>
-        <a:effectRef idx="0">
-          <a:scrgbClr r="0" g="0" b="0"/>
-        </a:effectRef>
-        <a:fontRef idx="minor"/>
-      </dsp:style>
-      <dsp:txBody>
-        <a:bodyPr spcFirstLastPara="0" vert="horz" wrap="square" lIns="12700" tIns="0" rIns="12700" bIns="0" numCol="1" spcCol="1270" anchor="ctr" anchorCtr="0">
-          <a:noAutofit/>
-        </a:bodyPr>
-        <a:lstStyle/>
-        <a:p>
-          <a:pPr lvl="0" algn="ctr" defTabSz="222250">
-            <a:lnSpc>
-              <a:spcPct val="90000"/>
-            </a:lnSpc>
-            <a:spcBef>
-              <a:spcPct val="0"/>
-            </a:spcBef>
-            <a:spcAft>
-              <a:spcPct val="35000"/>
-            </a:spcAft>
-          </a:pPr>
-          <a:endParaRPr lang="ru-RU" sz="500" kern="1200"/>
-        </a:p>
-      </dsp:txBody>
-      <dsp:txXfrm>
-        <a:off x="2546733" y="2671168"/>
-        <a:ext cx="108867" cy="4002"/>
-      </dsp:txXfrm>
-    </dsp:sp>
-    <dsp:sp modelId="{616AE4C8-5EA6-44FB-BC24-3488D6FCC56D}">
-      <dsp:nvSpPr>
-        <dsp:cNvPr id="0" name=""/>
-        <dsp:cNvSpPr/>
-      </dsp:nvSpPr>
-      <dsp:spPr>
-        <a:xfrm>
-          <a:off x="2801271" y="1446142"/>
-          <a:ext cx="1740038" cy="1044023"/>
-        </a:xfrm>
-        <a:prstGeom prst="rect">
-          <a:avLst/>
-        </a:prstGeom>
-        <a:solidFill>
-          <a:schemeClr val="accent5">
-            <a:hueOff val="-2298779"/>
-            <a:satOff val="1080"/>
-            <a:lumOff val="-30588"/>
-            <a:alphaOff val="0"/>
-          </a:schemeClr>
-        </a:solidFill>
-        <a:ln w="12700" cap="flat" cmpd="sng" algn="ctr">
-          <a:solidFill>
-            <a:schemeClr val="lt1">
-              <a:hueOff val="0"/>
-              <a:satOff val="0"/>
-              <a:lumOff val="0"/>
-              <a:alphaOff val="0"/>
-            </a:schemeClr>
-          </a:solidFill>
-          <a:prstDash val="solid"/>
-          <a:miter lim="800000"/>
-        </a:ln>
-        <a:effectLst>
-          <a:glow rad="63500">
-            <a:schemeClr val="accent6">
-              <a:satMod val="175000"/>
-              <a:alpha val="40000"/>
-            </a:schemeClr>
-          </a:glow>
-        </a:effectLst>
-      </dsp:spPr>
-      <dsp:style>
-        <a:lnRef idx="2">
-          <a:scrgbClr r="0" g="0" b="0"/>
-        </a:lnRef>
-        <a:fillRef idx="1">
-          <a:scrgbClr r="0" g="0" b="0"/>
-        </a:fillRef>
-        <a:effectRef idx="0">
-          <a:scrgbClr r="0" g="0" b="0"/>
-        </a:effectRef>
-        <a:fontRef idx="minor">
-          <a:schemeClr val="lt1"/>
-        </a:fontRef>
-      </dsp:style>
-      <dsp:txBody>
-        <a:bodyPr spcFirstLastPara="0" vert="horz" wrap="square" lIns="113792" tIns="113792" rIns="113792" bIns="113792" numCol="1" spcCol="1270" anchor="ctr" anchorCtr="0">
-          <a:noAutofit/>
-        </a:bodyPr>
-        <a:lstStyle/>
-        <a:p>
-          <a:pPr lvl="0" algn="ctr" defTabSz="711200">
-            <a:lnSpc>
-              <a:spcPct val="90000"/>
-            </a:lnSpc>
-            <a:spcBef>
-              <a:spcPct val="0"/>
-            </a:spcBef>
-            <a:spcAft>
-              <a:spcPct val="35000"/>
-            </a:spcAft>
-          </a:pPr>
-          <a:r>
-            <a:rPr lang="ru-RU" sz="1600" kern="1200" dirty="0" smtClean="0"/>
-            <a:t>Оформление результатов тестирования</a:t>
-          </a:r>
-          <a:endParaRPr lang="ru-RU" sz="1600" kern="1200" dirty="0"/>
-        </a:p>
-      </dsp:txBody>
-      <dsp:txXfrm>
-        <a:off x="2801271" y="1446142"/>
-        <a:ext cx="1740038" cy="1044023"/>
-      </dsp:txXfrm>
-    </dsp:sp>
-    <dsp:sp modelId="{4AFCF350-7E3E-4747-9BE0-9F5FEF433686}">
-      <dsp:nvSpPr>
-        <dsp:cNvPr id="0" name=""/>
-        <dsp:cNvSpPr/>
-      </dsp:nvSpPr>
-      <dsp:spPr>
-        <a:xfrm>
-          <a:off x="661024" y="2890374"/>
-          <a:ext cx="1740038" cy="1044023"/>
-        </a:xfrm>
-        <a:prstGeom prst="rect">
-          <a:avLst/>
-        </a:prstGeom>
-        <a:solidFill>
-          <a:schemeClr val="accent5">
-            <a:hueOff val="-3065039"/>
-            <a:satOff val="1440"/>
-            <a:lumOff val="-40784"/>
-            <a:alphaOff val="0"/>
-          </a:schemeClr>
-        </a:solidFill>
-        <a:ln w="12700" cap="flat" cmpd="sng" algn="ctr">
-          <a:solidFill>
-            <a:schemeClr val="lt1">
-              <a:hueOff val="0"/>
-              <a:satOff val="0"/>
-              <a:lumOff val="0"/>
-              <a:alphaOff val="0"/>
-            </a:schemeClr>
-          </a:solidFill>
-          <a:prstDash val="solid"/>
-          <a:miter lim="800000"/>
-        </a:ln>
-        <a:effectLst>
-          <a:glow rad="63500">
-            <a:schemeClr val="accent6">
-              <a:satMod val="175000"/>
-              <a:alpha val="40000"/>
-            </a:schemeClr>
-          </a:glow>
-        </a:effectLst>
-      </dsp:spPr>
-      <dsp:style>
-        <a:lnRef idx="2">
-          <a:scrgbClr r="0" g="0" b="0"/>
-        </a:lnRef>
-        <a:fillRef idx="1">
-          <a:scrgbClr r="0" g="0" b="0"/>
-        </a:fillRef>
-        <a:effectRef idx="0">
-          <a:scrgbClr r="0" g="0" b="0"/>
-        </a:effectRef>
-        <a:fontRef idx="minor">
-          <a:schemeClr val="lt1"/>
-        </a:fontRef>
-      </dsp:style>
-      <dsp:txBody>
-        <a:bodyPr spcFirstLastPara="0" vert="horz" wrap="square" lIns="113792" tIns="113792" rIns="113792" bIns="113792" numCol="1" spcCol="1270" anchor="ctr" anchorCtr="0">
-          <a:noAutofit/>
-        </a:bodyPr>
-        <a:lstStyle/>
-        <a:p>
-          <a:pPr lvl="0" algn="ctr" defTabSz="711200">
-            <a:lnSpc>
-              <a:spcPct val="90000"/>
-            </a:lnSpc>
-            <a:spcBef>
-              <a:spcPct val="0"/>
-            </a:spcBef>
-            <a:spcAft>
-              <a:spcPct val="35000"/>
-            </a:spcAft>
-          </a:pPr>
-          <a:r>
-            <a:rPr lang="ru-RU" sz="1600" kern="1200" dirty="0" smtClean="0"/>
-            <a:t>Создание новых </a:t>
-          </a:r>
-          <a:r>
-            <a:rPr lang="en-US" sz="1600" kern="1200" dirty="0" smtClean="0"/>
-            <a:t>Issue </a:t>
-          </a:r>
-          <a:r>
-            <a:rPr lang="ru-RU" sz="1600" kern="1200" dirty="0" smtClean="0"/>
-            <a:t>на </a:t>
-          </a:r>
-          <a:r>
-            <a:rPr lang="en-US" sz="1600" kern="1200" dirty="0" smtClean="0"/>
-            <a:t>GitHub</a:t>
-          </a:r>
-          <a:endParaRPr lang="ru-RU" sz="1600" kern="1200" dirty="0"/>
-        </a:p>
-      </dsp:txBody>
-      <dsp:txXfrm>
-        <a:off x="661024" y="2890374"/>
-        <a:ext cx="1740038" cy="1044023"/>
-      </dsp:txXfrm>
-    </dsp:sp>
   </dsp:spTree>
 </dsp:drawing>
 </file>
@@ -27843,6 +26607,158 @@
         </p:nvSpPr>
         <p:spPr>
           <a:xfrm>
+            <a:off x="838200" y="365125"/>
+            <a:ext cx="10515600" cy="909493"/>
+          </a:xfrm>
+        </p:spPr>
+        <p:txBody>
+          <a:bodyPr/>
+          <a:lstStyle/>
+          <a:p>
+            <a:pPr algn="ctr"/>
+            <a:r>
+              <a:rPr lang="ru-RU" b="1" dirty="0" smtClean="0">
+                <a:solidFill>
+                  <a:srgbClr val="FFFFFF"/>
+                </a:solidFill>
+              </a:rPr>
+              <a:t>Архитектура </a:t>
+            </a:r>
+            <a:r>
+              <a:rPr lang="en-US" b="1" dirty="0" smtClean="0">
+                <a:solidFill>
+                  <a:srgbClr val="FFFFFF"/>
+                </a:solidFill>
+              </a:rPr>
+              <a:t>web-</a:t>
+            </a:r>
+            <a:r>
+              <a:rPr lang="ru-RU" b="1" dirty="0" smtClean="0">
+                <a:solidFill>
+                  <a:srgbClr val="FFFFFF"/>
+                </a:solidFill>
+              </a:rPr>
+              <a:t>приложения</a:t>
+            </a:r>
+            <a:endParaRPr lang="ru-RU" b="1" dirty="0">
+              <a:solidFill>
+                <a:srgbClr val="FFFFFF"/>
+              </a:solidFill>
+            </a:endParaRPr>
+          </a:p>
+        </p:txBody>
+      </p:sp>
+      <p:pic>
+        <p:nvPicPr>
+          <p:cNvPr id="1026" name="Picture 2" descr="http://cs423028.vk.me/u11886539/docs/28de3cbd3ad5/Layers.png?extra=O0u5FIMGlTXaxvHmbKxf0yIAE8GrTTmxwn_qRsPqmFW18-MKwZkLwKObnqzDcu5PVng6L9gGpmJW9OO7WOLM8jBxp8y2hfIG"/>
+          <p:cNvPicPr>
+            <a:picLocks noChangeAspect="1" noChangeArrowheads="1"/>
+          </p:cNvPicPr>
+          <p:nvPr/>
+        </p:nvPicPr>
+        <p:blipFill>
+          <a:blip r:embed="rId2">
+            <a:extLst>
+              <a:ext uri="{28A0092B-C50C-407E-A947-70E740481C1C}">
+                <a14:useLocalDpi xmlns:a14="http://schemas.microsoft.com/office/drawing/2010/main" val="0"/>
+              </a:ext>
+            </a:extLst>
+          </a:blip>
+          <a:srcRect/>
+          <a:stretch>
+            <a:fillRect/>
+          </a:stretch>
+        </p:blipFill>
+        <p:spPr bwMode="auto">
+          <a:xfrm>
+            <a:off x="2996004" y="1549102"/>
+            <a:ext cx="5862461" cy="5227506"/>
+          </a:xfrm>
+          <a:prstGeom prst="rect">
+            <a:avLst/>
+          </a:prstGeom>
+          <a:ln>
+            <a:noFill/>
+          </a:ln>
+          <a:effectLst>
+            <a:outerShdw blurRad="190500" algn="tl" rotWithShape="0">
+              <a:srgbClr val="000000">
+                <a:alpha val="70000"/>
+              </a:srgbClr>
+            </a:outerShdw>
+          </a:effectLst>
+          <a:extLst>
+            <a:ext uri="{909E8E84-426E-40DD-AFC4-6F175D3DCCD1}">
+              <a14:hiddenFill xmlns:a14="http://schemas.microsoft.com/office/drawing/2010/main">
+                <a:solidFill>
+                  <a:srgbClr val="FFFFFF"/>
+                </a:solidFill>
+              </a14:hiddenFill>
+            </a:ext>
+          </a:extLst>
+        </p:spPr>
+      </p:pic>
+    </p:spTree>
+    <p:extLst>
+      <p:ext uri="{BB962C8B-B14F-4D97-AF65-F5344CB8AC3E}">
+        <p14:creationId xmlns:p14="http://schemas.microsoft.com/office/powerpoint/2010/main" val="46821324"/>
+      </p:ext>
+    </p:extLst>
+  </p:cSld>
+  <p:clrMapOvr>
+    <a:masterClrMapping/>
+  </p:clrMapOvr>
+  <mc:AlternateContent xmlns:mc="http://schemas.openxmlformats.org/markup-compatibility/2006" xmlns:p14="http://schemas.microsoft.com/office/powerpoint/2010/main">
+    <mc:Choice Requires="p14">
+      <p:transition spd="med" p14:dur="700">
+        <p:fade/>
+      </p:transition>
+    </mc:Choice>
+    <mc:Fallback xmlns="">
+      <p:transition spd="med">
+        <p:fade/>
+      </p:transition>
+    </mc:Fallback>
+  </mc:AlternateContent>
+  <p:timing>
+    <p:tnLst>
+      <p:par>
+        <p:cTn id="1" dur="indefinite" restart="never" nodeType="tmRoot"/>
+      </p:par>
+    </p:tnLst>
+  </p:timing>
+</p:sld>
+</file>
+
+<file path=ppt/slides/slide11.xml><?xml version="1.0" encoding="utf-8"?>
+<p:sld xmlns:a="http://schemas.openxmlformats.org/drawingml/2006/main" xmlns:r="http://schemas.openxmlformats.org/officeDocument/2006/relationships" xmlns:p="http://schemas.openxmlformats.org/presentationml/2006/main">
+  <p:cSld>
+    <p:spTree>
+      <p:nvGrpSpPr>
+        <p:cNvPr id="1" name=""/>
+        <p:cNvGrpSpPr/>
+        <p:nvPr/>
+      </p:nvGrpSpPr>
+      <p:grpSpPr>
+        <a:xfrm>
+          <a:off x="0" y="0"/>
+          <a:ext cx="0" cy="0"/>
+          <a:chOff x="0" y="0"/>
+          <a:chExt cx="0" cy="0"/>
+        </a:xfrm>
+      </p:grpSpPr>
+      <p:sp>
+        <p:nvSpPr>
+          <p:cNvPr id="2" name="Заголовок 1"/>
+          <p:cNvSpPr>
+            <a:spLocks noGrp="1"/>
+          </p:cNvSpPr>
+          <p:nvPr>
+            <p:ph type="title"/>
+          </p:nvPr>
+        </p:nvSpPr>
+        <p:spPr>
+          <a:xfrm>
             <a:off x="838200" y="365126"/>
             <a:ext cx="10515600" cy="740522"/>
           </a:xfrm>
@@ -27958,7 +26874,7 @@
 </p:sld>
 </file>
 
-<file path=ppt/slides/slide11.xml><?xml version="1.0" encoding="utf-8"?>
+<file path=ppt/slides/slide12.xml><?xml version="1.0" encoding="utf-8"?>
 <p:sld xmlns:a="http://schemas.openxmlformats.org/drawingml/2006/main" xmlns:r="http://schemas.openxmlformats.org/officeDocument/2006/relationships" xmlns:p="http://schemas.openxmlformats.org/presentationml/2006/main">
   <p:cSld>
     <p:spTree>
@@ -28073,7 +26989,7 @@
 </p:sld>
 </file>
 
-<file path=ppt/slides/slide12.xml><?xml version="1.0" encoding="utf-8"?>
+<file path=ppt/slides/slide13.xml><?xml version="1.0" encoding="utf-8"?>
 <p:sld xmlns:a="http://schemas.openxmlformats.org/drawingml/2006/main" xmlns:r="http://schemas.openxmlformats.org/officeDocument/2006/relationships" xmlns:p="http://schemas.openxmlformats.org/presentationml/2006/main">
   <p:cSld>
     <p:spTree>
@@ -28376,7 +27292,7 @@
 </p:sld>
 </file>
 
-<file path=ppt/slides/slide13.xml><?xml version="1.0" encoding="utf-8"?>
+<file path=ppt/slides/slide14.xml><?xml version="1.0" encoding="utf-8"?>
 <p:sld xmlns:a="http://schemas.openxmlformats.org/drawingml/2006/main" xmlns:r="http://schemas.openxmlformats.org/officeDocument/2006/relationships" xmlns:p="http://schemas.openxmlformats.org/presentationml/2006/main">
   <p:cSld>
     <p:spTree>
@@ -28544,7 +27460,7 @@
 </p:sld>
 </file>
 
-<file path=ppt/slides/slide14.xml><?xml version="1.0" encoding="utf-8"?>
+<file path=ppt/slides/slide15.xml><?xml version="1.0" encoding="utf-8"?>
 <p:sld xmlns:a="http://schemas.openxmlformats.org/drawingml/2006/main" xmlns:r="http://schemas.openxmlformats.org/officeDocument/2006/relationships" xmlns:p="http://schemas.openxmlformats.org/presentationml/2006/main">
   <p:cSld>
     <p:spTree>
@@ -28791,7 +27707,7 @@
 </p:sld>
 </file>
 
-<file path=ppt/slides/slide15.xml><?xml version="1.0" encoding="utf-8"?>
+<file path=ppt/slides/slide16.xml><?xml version="1.0" encoding="utf-8"?>
 <p:sld xmlns:a="http://schemas.openxmlformats.org/drawingml/2006/main" xmlns:r="http://schemas.openxmlformats.org/officeDocument/2006/relationships" xmlns:p="http://schemas.openxmlformats.org/presentationml/2006/main">
   <p:cSld>
     <p:spTree>
@@ -28975,7 +27891,7 @@
 </p:sld>
 </file>
 
-<file path=ppt/slides/slide16.xml><?xml version="1.0" encoding="utf-8"?>
+<file path=ppt/slides/slide17.xml><?xml version="1.0" encoding="utf-8"?>
 <p:sld xmlns:a="http://schemas.openxmlformats.org/drawingml/2006/main" xmlns:r="http://schemas.openxmlformats.org/officeDocument/2006/relationships" xmlns:p="http://schemas.openxmlformats.org/presentationml/2006/main">
   <p:cSld>
     <p:spTree>
@@ -29451,7 +28367,7 @@
 </p:sld>
 </file>
 
-<file path=ppt/slides/slide17.xml><?xml version="1.0" encoding="utf-8"?>
+<file path=ppt/slides/slide18.xml><?xml version="1.0" encoding="utf-8"?>
 <p:sld xmlns:a="http://schemas.openxmlformats.org/drawingml/2006/main" xmlns:r="http://schemas.openxmlformats.org/officeDocument/2006/relationships" xmlns:p="http://schemas.openxmlformats.org/presentationml/2006/main">
   <p:cSld>
     <p:spTree>
@@ -29561,7 +28477,7 @@
 </p:sld>
 </file>
 
-<file path=ppt/slides/slide18.xml><?xml version="1.0" encoding="utf-8"?>
+<file path=ppt/slides/slide19.xml><?xml version="1.0" encoding="utf-8"?>
 <p:sld xmlns:a="http://schemas.openxmlformats.org/drawingml/2006/main" xmlns:r="http://schemas.openxmlformats.org/officeDocument/2006/relationships" xmlns:p="http://schemas.openxmlformats.org/presentationml/2006/main">
   <p:cSld>
     <p:spTree>
@@ -29958,319 +28874,6 @@
     <p:extLst>
       <p:ext uri="{BB962C8B-B14F-4D97-AF65-F5344CB8AC3E}">
         <p14:creationId xmlns:p14="http://schemas.microsoft.com/office/powerpoint/2010/main" val="2265040254"/>
-      </p:ext>
-    </p:extLst>
-  </p:cSld>
-  <p:clrMapOvr>
-    <a:masterClrMapping/>
-  </p:clrMapOvr>
-  <mc:AlternateContent xmlns:mc="http://schemas.openxmlformats.org/markup-compatibility/2006" xmlns:p14="http://schemas.microsoft.com/office/powerpoint/2010/main">
-    <mc:Choice Requires="p14">
-      <p:transition spd="med" p14:dur="700">
-        <p:fade/>
-      </p:transition>
-    </mc:Choice>
-    <mc:Fallback xmlns="">
-      <p:transition spd="med">
-        <p:fade/>
-      </p:transition>
-    </mc:Fallback>
-  </mc:AlternateContent>
-  <p:timing>
-    <p:tnLst>
-      <p:par>
-        <p:cTn id="1" dur="indefinite" restart="never" nodeType="tmRoot"/>
-      </p:par>
-    </p:tnLst>
-  </p:timing>
-</p:sld>
-</file>
-
-<file path=ppt/slides/slide19.xml><?xml version="1.0" encoding="utf-8"?>
-<p:sld xmlns:a="http://schemas.openxmlformats.org/drawingml/2006/main" xmlns:r="http://schemas.openxmlformats.org/officeDocument/2006/relationships" xmlns:p="http://schemas.openxmlformats.org/presentationml/2006/main">
-  <p:cSld>
-    <p:spTree>
-      <p:nvGrpSpPr>
-        <p:cNvPr id="1" name=""/>
-        <p:cNvGrpSpPr/>
-        <p:nvPr/>
-      </p:nvGrpSpPr>
-      <p:grpSpPr>
-        <a:xfrm>
-          <a:off x="0" y="0"/>
-          <a:ext cx="0" cy="0"/>
-          <a:chOff x="0" y="0"/>
-          <a:chExt cx="0" cy="0"/>
-        </a:xfrm>
-      </p:grpSpPr>
-      <p:pic>
-        <p:nvPicPr>
-          <p:cNvPr id="5" name="Объект 4"/>
-          <p:cNvPicPr>
-            <a:picLocks noGrp="1" noChangeAspect="1"/>
-          </p:cNvPicPr>
-          <p:nvPr>
-            <p:ph sz="half" idx="1"/>
-          </p:nvPr>
-        </p:nvPicPr>
-        <p:blipFill rotWithShape="1">
-          <a:blip r:embed="rId2"/>
-          <a:srcRect t="3151" b="2381"/>
-          <a:stretch/>
-        </p:blipFill>
-        <p:spPr>
-          <a:xfrm>
-            <a:off x="367849" y="2903350"/>
-            <a:ext cx="5601231" cy="3000244"/>
-          </a:xfrm>
-          <a:prstGeom prst="rect">
-            <a:avLst/>
-          </a:prstGeom>
-          <a:ln>
-            <a:solidFill>
-              <a:schemeClr val="accent5"/>
-            </a:solidFill>
-          </a:ln>
-          <a:effectLst>
-            <a:glow rad="101600">
-              <a:schemeClr val="accent5">
-                <a:satMod val="175000"/>
-                <a:alpha val="40000"/>
-              </a:schemeClr>
-            </a:glow>
-            <a:outerShdw blurRad="50800" dist="38100" dir="2700000" algn="tl" rotWithShape="0">
-              <a:prstClr val="black">
-                <a:alpha val="40000"/>
-              </a:prstClr>
-            </a:outerShdw>
-          </a:effectLst>
-        </p:spPr>
-      </p:pic>
-      <p:pic>
-        <p:nvPicPr>
-          <p:cNvPr id="7" name="Объект 6"/>
-          <p:cNvPicPr>
-            <a:picLocks noGrp="1" noChangeAspect="1"/>
-          </p:cNvPicPr>
-          <p:nvPr>
-            <p:ph sz="half" idx="2"/>
-          </p:nvPr>
-        </p:nvPicPr>
-        <p:blipFill>
-          <a:blip r:embed="rId3"/>
-          <a:stretch>
-            <a:fillRect/>
-          </a:stretch>
-        </p:blipFill>
-        <p:spPr>
-          <a:xfrm>
-            <a:off x="6202081" y="2903351"/>
-            <a:ext cx="5598858" cy="3000244"/>
-          </a:xfrm>
-          <a:prstGeom prst="rect">
-            <a:avLst/>
-          </a:prstGeom>
-          <a:ln>
-            <a:solidFill>
-              <a:schemeClr val="accent5"/>
-            </a:solidFill>
-          </a:ln>
-          <a:effectLst>
-            <a:glow rad="101600">
-              <a:schemeClr val="accent5">
-                <a:satMod val="175000"/>
-                <a:alpha val="40000"/>
-              </a:schemeClr>
-            </a:glow>
-            <a:outerShdw blurRad="50800" dist="38100" dir="2700000" algn="tl" rotWithShape="0">
-              <a:prstClr val="black">
-                <a:alpha val="40000"/>
-              </a:prstClr>
-            </a:outerShdw>
-          </a:effectLst>
-        </p:spPr>
-      </p:pic>
-      <p:sp>
-        <p:nvSpPr>
-          <p:cNvPr id="6" name="Скругленная прямоугольная выноска 5"/>
-          <p:cNvSpPr/>
-          <p:nvPr/>
-        </p:nvSpPr>
-        <p:spPr>
-          <a:xfrm>
-            <a:off x="3872751" y="2121311"/>
-            <a:ext cx="1912471" cy="548640"/>
-          </a:xfrm>
-          <a:prstGeom prst="wedgeRoundRectCallout">
-            <a:avLst>
-              <a:gd name="adj1" fmla="val -55521"/>
-              <a:gd name="adj2" fmla="val 76661"/>
-              <a:gd name="adj3" fmla="val 16667"/>
-            </a:avLst>
-          </a:prstGeom>
-        </p:spPr>
-        <p:style>
-          <a:lnRef idx="1">
-            <a:schemeClr val="accent5"/>
-          </a:lnRef>
-          <a:fillRef idx="2">
-            <a:schemeClr val="accent5"/>
-          </a:fillRef>
-          <a:effectRef idx="1">
-            <a:schemeClr val="accent5"/>
-          </a:effectRef>
-          <a:fontRef idx="minor">
-            <a:schemeClr val="dk1"/>
-          </a:fontRef>
-        </p:style>
-        <p:txBody>
-          <a:bodyPr rtlCol="0" anchor="ctr"/>
-          <a:lstStyle/>
-          <a:p>
-            <a:pPr algn="ctr"/>
-            <a:r>
-              <a:rPr lang="ru-RU" b="1" dirty="0" smtClean="0">
-                <a:ln w="10160">
-                  <a:solidFill>
-                    <a:schemeClr val="accent5"/>
-                  </a:solidFill>
-                  <a:prstDash val="solid"/>
-                </a:ln>
-                <a:solidFill>
-                  <a:srgbClr val="FFFFFF"/>
-                </a:solidFill>
-                <a:effectLst>
-                  <a:outerShdw blurRad="38100" dist="22860" dir="5400000" algn="tl" rotWithShape="0">
-                    <a:srgbClr val="000000">
-                      <a:alpha val="30000"/>
-                    </a:srgbClr>
-                  </a:outerShdw>
-                </a:effectLst>
-              </a:rPr>
-              <a:t>Документация</a:t>
-            </a:r>
-          </a:p>
-        </p:txBody>
-      </p:sp>
-      <p:sp>
-        <p:nvSpPr>
-          <p:cNvPr id="8" name="Скругленная прямоугольная выноска 7"/>
-          <p:cNvSpPr/>
-          <p:nvPr/>
-        </p:nvSpPr>
-        <p:spPr>
-          <a:xfrm>
-            <a:off x="6463553" y="2121311"/>
-            <a:ext cx="1912471" cy="548640"/>
-          </a:xfrm>
-          <a:prstGeom prst="wedgeRoundRectCallout">
-            <a:avLst>
-              <a:gd name="adj1" fmla="val 54479"/>
-              <a:gd name="adj2" fmla="val 75572"/>
-              <a:gd name="adj3" fmla="val 16667"/>
-            </a:avLst>
-          </a:prstGeom>
-        </p:spPr>
-        <p:style>
-          <a:lnRef idx="1">
-            <a:schemeClr val="accent5"/>
-          </a:lnRef>
-          <a:fillRef idx="2">
-            <a:schemeClr val="accent5"/>
-          </a:fillRef>
-          <a:effectRef idx="1">
-            <a:schemeClr val="accent5"/>
-          </a:effectRef>
-          <a:fontRef idx="minor">
-            <a:schemeClr val="dk1"/>
-          </a:fontRef>
-        </p:style>
-        <p:txBody>
-          <a:bodyPr rtlCol="0" anchor="ctr"/>
-          <a:lstStyle/>
-          <a:p>
-            <a:pPr algn="ctr"/>
-            <a:r>
-              <a:rPr lang="ru-RU" b="1" dirty="0" smtClean="0">
-                <a:ln w="10160">
-                  <a:solidFill>
-                    <a:schemeClr val="accent5"/>
-                  </a:solidFill>
-                  <a:prstDash val="solid"/>
-                </a:ln>
-                <a:solidFill>
-                  <a:srgbClr val="FFFFFF"/>
-                </a:solidFill>
-                <a:effectLst>
-                  <a:outerShdw blurRad="38100" dist="22860" dir="5400000" algn="tl" rotWithShape="0">
-                    <a:srgbClr val="000000">
-                      <a:alpha val="30000"/>
-                    </a:srgbClr>
-                  </a:outerShdw>
-                </a:effectLst>
-              </a:rPr>
-              <a:t>Разработка</a:t>
-            </a:r>
-          </a:p>
-        </p:txBody>
-      </p:sp>
-      <p:sp>
-        <p:nvSpPr>
-          <p:cNvPr id="10" name="Заголовок 1"/>
-          <p:cNvSpPr txBox="1">
-            <a:spLocks/>
-          </p:cNvSpPr>
-          <p:nvPr/>
-        </p:nvSpPr>
-        <p:spPr>
-          <a:xfrm>
-            <a:off x="838200" y="365126"/>
-            <a:ext cx="10515600" cy="915988"/>
-          </a:xfrm>
-          <a:prstGeom prst="rect">
-            <a:avLst/>
-          </a:prstGeom>
-        </p:spPr>
-        <p:txBody>
-          <a:bodyPr vert="horz" lIns="91440" tIns="45720" rIns="91440" bIns="45720" rtlCol="0" anchor="ctr">
-            <a:normAutofit/>
-          </a:bodyPr>
-          <a:lstStyle>
-            <a:lvl1pPr algn="l" defTabSz="914400" rtl="0" eaLnBrk="1" latinLnBrk="0" hangingPunct="1">
-              <a:lnSpc>
-                <a:spcPct val="90000"/>
-              </a:lnSpc>
-              <a:spcBef>
-                <a:spcPct val="0"/>
-              </a:spcBef>
-              <a:buNone/>
-              <a:defRPr sz="4400" kern="1200">
-                <a:solidFill>
-                  <a:schemeClr val="tx1"/>
-                </a:solidFill>
-                <a:latin typeface="+mj-lt"/>
-                <a:ea typeface="+mj-ea"/>
-                <a:cs typeface="+mj-cs"/>
-              </a:defRPr>
-            </a:lvl1pPr>
-          </a:lstStyle>
-          <a:p>
-            <a:pPr algn="ctr"/>
-            <a:r>
-              <a:rPr lang="ru-RU" b="1" dirty="0" smtClean="0">
-                <a:solidFill>
-                  <a:srgbClr val="FFFFFF"/>
-                </a:solidFill>
-              </a:rPr>
-              <a:t>Распределение активности по дням недели</a:t>
-            </a:r>
-          </a:p>
-        </p:txBody>
-      </p:sp>
-    </p:spTree>
-    <p:extLst>
-      <p:ext uri="{BB962C8B-B14F-4D97-AF65-F5344CB8AC3E}">
-        <p14:creationId xmlns:p14="http://schemas.microsoft.com/office/powerpoint/2010/main" val="2670504160"/>
       </p:ext>
     </p:extLst>
   </p:cSld>
@@ -31884,6 +30487,319 @@
           <a:chExt cx="0" cy="0"/>
         </a:xfrm>
       </p:grpSpPr>
+      <p:pic>
+        <p:nvPicPr>
+          <p:cNvPr id="5" name="Объект 4"/>
+          <p:cNvPicPr>
+            <a:picLocks noGrp="1" noChangeAspect="1"/>
+          </p:cNvPicPr>
+          <p:nvPr>
+            <p:ph sz="half" idx="1"/>
+          </p:nvPr>
+        </p:nvPicPr>
+        <p:blipFill rotWithShape="1">
+          <a:blip r:embed="rId2"/>
+          <a:srcRect t="3151" b="2381"/>
+          <a:stretch/>
+        </p:blipFill>
+        <p:spPr>
+          <a:xfrm>
+            <a:off x="367849" y="2903350"/>
+            <a:ext cx="5601231" cy="3000244"/>
+          </a:xfrm>
+          <a:prstGeom prst="rect">
+            <a:avLst/>
+          </a:prstGeom>
+          <a:ln>
+            <a:solidFill>
+              <a:schemeClr val="accent5"/>
+            </a:solidFill>
+          </a:ln>
+          <a:effectLst>
+            <a:glow rad="101600">
+              <a:schemeClr val="accent5">
+                <a:satMod val="175000"/>
+                <a:alpha val="40000"/>
+              </a:schemeClr>
+            </a:glow>
+            <a:outerShdw blurRad="50800" dist="38100" dir="2700000" algn="tl" rotWithShape="0">
+              <a:prstClr val="black">
+                <a:alpha val="40000"/>
+              </a:prstClr>
+            </a:outerShdw>
+          </a:effectLst>
+        </p:spPr>
+      </p:pic>
+      <p:pic>
+        <p:nvPicPr>
+          <p:cNvPr id="7" name="Объект 6"/>
+          <p:cNvPicPr>
+            <a:picLocks noGrp="1" noChangeAspect="1"/>
+          </p:cNvPicPr>
+          <p:nvPr>
+            <p:ph sz="half" idx="2"/>
+          </p:nvPr>
+        </p:nvPicPr>
+        <p:blipFill>
+          <a:blip r:embed="rId3"/>
+          <a:stretch>
+            <a:fillRect/>
+          </a:stretch>
+        </p:blipFill>
+        <p:spPr>
+          <a:xfrm>
+            <a:off x="6202081" y="2903351"/>
+            <a:ext cx="5598858" cy="3000244"/>
+          </a:xfrm>
+          <a:prstGeom prst="rect">
+            <a:avLst/>
+          </a:prstGeom>
+          <a:ln>
+            <a:solidFill>
+              <a:schemeClr val="accent5"/>
+            </a:solidFill>
+          </a:ln>
+          <a:effectLst>
+            <a:glow rad="101600">
+              <a:schemeClr val="accent5">
+                <a:satMod val="175000"/>
+                <a:alpha val="40000"/>
+              </a:schemeClr>
+            </a:glow>
+            <a:outerShdw blurRad="50800" dist="38100" dir="2700000" algn="tl" rotWithShape="0">
+              <a:prstClr val="black">
+                <a:alpha val="40000"/>
+              </a:prstClr>
+            </a:outerShdw>
+          </a:effectLst>
+        </p:spPr>
+      </p:pic>
+      <p:sp>
+        <p:nvSpPr>
+          <p:cNvPr id="6" name="Скругленная прямоугольная выноска 5"/>
+          <p:cNvSpPr/>
+          <p:nvPr/>
+        </p:nvSpPr>
+        <p:spPr>
+          <a:xfrm>
+            <a:off x="3872751" y="2121311"/>
+            <a:ext cx="1912471" cy="548640"/>
+          </a:xfrm>
+          <a:prstGeom prst="wedgeRoundRectCallout">
+            <a:avLst>
+              <a:gd name="adj1" fmla="val -55521"/>
+              <a:gd name="adj2" fmla="val 76661"/>
+              <a:gd name="adj3" fmla="val 16667"/>
+            </a:avLst>
+          </a:prstGeom>
+        </p:spPr>
+        <p:style>
+          <a:lnRef idx="1">
+            <a:schemeClr val="accent5"/>
+          </a:lnRef>
+          <a:fillRef idx="2">
+            <a:schemeClr val="accent5"/>
+          </a:fillRef>
+          <a:effectRef idx="1">
+            <a:schemeClr val="accent5"/>
+          </a:effectRef>
+          <a:fontRef idx="minor">
+            <a:schemeClr val="dk1"/>
+          </a:fontRef>
+        </p:style>
+        <p:txBody>
+          <a:bodyPr rtlCol="0" anchor="ctr"/>
+          <a:lstStyle/>
+          <a:p>
+            <a:pPr algn="ctr"/>
+            <a:r>
+              <a:rPr lang="ru-RU" b="1" dirty="0" smtClean="0">
+                <a:ln w="10160">
+                  <a:solidFill>
+                    <a:schemeClr val="accent5"/>
+                  </a:solidFill>
+                  <a:prstDash val="solid"/>
+                </a:ln>
+                <a:solidFill>
+                  <a:srgbClr val="FFFFFF"/>
+                </a:solidFill>
+                <a:effectLst>
+                  <a:outerShdw blurRad="38100" dist="22860" dir="5400000" algn="tl" rotWithShape="0">
+                    <a:srgbClr val="000000">
+                      <a:alpha val="30000"/>
+                    </a:srgbClr>
+                  </a:outerShdw>
+                </a:effectLst>
+              </a:rPr>
+              <a:t>Документация</a:t>
+            </a:r>
+          </a:p>
+        </p:txBody>
+      </p:sp>
+      <p:sp>
+        <p:nvSpPr>
+          <p:cNvPr id="8" name="Скругленная прямоугольная выноска 7"/>
+          <p:cNvSpPr/>
+          <p:nvPr/>
+        </p:nvSpPr>
+        <p:spPr>
+          <a:xfrm>
+            <a:off x="6463553" y="2121311"/>
+            <a:ext cx="1912471" cy="548640"/>
+          </a:xfrm>
+          <a:prstGeom prst="wedgeRoundRectCallout">
+            <a:avLst>
+              <a:gd name="adj1" fmla="val 54479"/>
+              <a:gd name="adj2" fmla="val 75572"/>
+              <a:gd name="adj3" fmla="val 16667"/>
+            </a:avLst>
+          </a:prstGeom>
+        </p:spPr>
+        <p:style>
+          <a:lnRef idx="1">
+            <a:schemeClr val="accent5"/>
+          </a:lnRef>
+          <a:fillRef idx="2">
+            <a:schemeClr val="accent5"/>
+          </a:fillRef>
+          <a:effectRef idx="1">
+            <a:schemeClr val="accent5"/>
+          </a:effectRef>
+          <a:fontRef idx="minor">
+            <a:schemeClr val="dk1"/>
+          </a:fontRef>
+        </p:style>
+        <p:txBody>
+          <a:bodyPr rtlCol="0" anchor="ctr"/>
+          <a:lstStyle/>
+          <a:p>
+            <a:pPr algn="ctr"/>
+            <a:r>
+              <a:rPr lang="ru-RU" b="1" dirty="0" smtClean="0">
+                <a:ln w="10160">
+                  <a:solidFill>
+                    <a:schemeClr val="accent5"/>
+                  </a:solidFill>
+                  <a:prstDash val="solid"/>
+                </a:ln>
+                <a:solidFill>
+                  <a:srgbClr val="FFFFFF"/>
+                </a:solidFill>
+                <a:effectLst>
+                  <a:outerShdw blurRad="38100" dist="22860" dir="5400000" algn="tl" rotWithShape="0">
+                    <a:srgbClr val="000000">
+                      <a:alpha val="30000"/>
+                    </a:srgbClr>
+                  </a:outerShdw>
+                </a:effectLst>
+              </a:rPr>
+              <a:t>Разработка</a:t>
+            </a:r>
+          </a:p>
+        </p:txBody>
+      </p:sp>
+      <p:sp>
+        <p:nvSpPr>
+          <p:cNvPr id="10" name="Заголовок 1"/>
+          <p:cNvSpPr txBox="1">
+            <a:spLocks/>
+          </p:cNvSpPr>
+          <p:nvPr/>
+        </p:nvSpPr>
+        <p:spPr>
+          <a:xfrm>
+            <a:off x="838200" y="365126"/>
+            <a:ext cx="10515600" cy="915988"/>
+          </a:xfrm>
+          <a:prstGeom prst="rect">
+            <a:avLst/>
+          </a:prstGeom>
+        </p:spPr>
+        <p:txBody>
+          <a:bodyPr vert="horz" lIns="91440" tIns="45720" rIns="91440" bIns="45720" rtlCol="0" anchor="ctr">
+            <a:normAutofit/>
+          </a:bodyPr>
+          <a:lstStyle>
+            <a:lvl1pPr algn="l" defTabSz="914400" rtl="0" eaLnBrk="1" latinLnBrk="0" hangingPunct="1">
+              <a:lnSpc>
+                <a:spcPct val="90000"/>
+              </a:lnSpc>
+              <a:spcBef>
+                <a:spcPct val="0"/>
+              </a:spcBef>
+              <a:buNone/>
+              <a:defRPr sz="4400" kern="1200">
+                <a:solidFill>
+                  <a:schemeClr val="tx1"/>
+                </a:solidFill>
+                <a:latin typeface="+mj-lt"/>
+                <a:ea typeface="+mj-ea"/>
+                <a:cs typeface="+mj-cs"/>
+              </a:defRPr>
+            </a:lvl1pPr>
+          </a:lstStyle>
+          <a:p>
+            <a:pPr algn="ctr"/>
+            <a:r>
+              <a:rPr lang="ru-RU" b="1" dirty="0" smtClean="0">
+                <a:solidFill>
+                  <a:srgbClr val="FFFFFF"/>
+                </a:solidFill>
+              </a:rPr>
+              <a:t>Распределение активности по дням недели</a:t>
+            </a:r>
+          </a:p>
+        </p:txBody>
+      </p:sp>
+    </p:spTree>
+    <p:extLst>
+      <p:ext uri="{BB962C8B-B14F-4D97-AF65-F5344CB8AC3E}">
+        <p14:creationId xmlns:p14="http://schemas.microsoft.com/office/powerpoint/2010/main" val="2670504160"/>
+      </p:ext>
+    </p:extLst>
+  </p:cSld>
+  <p:clrMapOvr>
+    <a:masterClrMapping/>
+  </p:clrMapOvr>
+  <mc:AlternateContent xmlns:mc="http://schemas.openxmlformats.org/markup-compatibility/2006" xmlns:p14="http://schemas.microsoft.com/office/powerpoint/2010/main">
+    <mc:Choice Requires="p14">
+      <p:transition spd="med" p14:dur="700">
+        <p:fade/>
+      </p:transition>
+    </mc:Choice>
+    <mc:Fallback xmlns="">
+      <p:transition spd="med">
+        <p:fade/>
+      </p:transition>
+    </mc:Fallback>
+  </mc:AlternateContent>
+  <p:timing>
+    <p:tnLst>
+      <p:par>
+        <p:cTn id="1" dur="indefinite" restart="never" nodeType="tmRoot"/>
+      </p:par>
+    </p:tnLst>
+  </p:timing>
+</p:sld>
+</file>
+
+<file path=ppt/slides/slide21.xml><?xml version="1.0" encoding="utf-8"?>
+<p:sld xmlns:a="http://schemas.openxmlformats.org/drawingml/2006/main" xmlns:r="http://schemas.openxmlformats.org/officeDocument/2006/relationships" xmlns:p="http://schemas.openxmlformats.org/presentationml/2006/main">
+  <p:cSld>
+    <p:spTree>
+      <p:nvGrpSpPr>
+        <p:cNvPr id="1" name=""/>
+        <p:cNvGrpSpPr/>
+        <p:nvPr/>
+      </p:nvGrpSpPr>
+      <p:grpSpPr>
+        <a:xfrm>
+          <a:off x="0" y="0"/>
+          <a:ext cx="0" cy="0"/>
+          <a:chOff x="0" y="0"/>
+          <a:chExt cx="0" cy="0"/>
+        </a:xfrm>
+      </p:grpSpPr>
       <p:sp>
         <p:nvSpPr>
           <p:cNvPr id="2" name="Заголовок 1"/>
@@ -32146,7 +31062,7 @@
 </p:sld>
 </file>
 
-<file path=ppt/slides/slide21.xml><?xml version="1.0" encoding="utf-8"?>
+<file path=ppt/slides/slide22.xml><?xml version="1.0" encoding="utf-8"?>
 <p:sld xmlns:a="http://schemas.openxmlformats.org/drawingml/2006/main" xmlns:r="http://schemas.openxmlformats.org/officeDocument/2006/relationships" xmlns:p="http://schemas.openxmlformats.org/presentationml/2006/main">
   <p:cSld>
     <p:spTree>
@@ -32259,7 +31175,7 @@
 </p:sld>
 </file>
 
-<file path=ppt/slides/slide22.xml><?xml version="1.0" encoding="utf-8"?>
+<file path=ppt/slides/slide23.xml><?xml version="1.0" encoding="utf-8"?>
 <p:sld xmlns:a="http://schemas.openxmlformats.org/drawingml/2006/main" xmlns:r="http://schemas.openxmlformats.org/officeDocument/2006/relationships" xmlns:p="http://schemas.openxmlformats.org/presentationml/2006/main">
   <p:cSld>
     <p:spTree>
@@ -32488,7 +31404,7 @@
 </p:sld>
 </file>
 
-<file path=ppt/slides/slide23.xml><?xml version="1.0" encoding="utf-8"?>
+<file path=ppt/slides/slide24.xml><?xml version="1.0" encoding="utf-8"?>
 <p:sld xmlns:a="http://schemas.openxmlformats.org/drawingml/2006/main" xmlns:r="http://schemas.openxmlformats.org/officeDocument/2006/relationships" xmlns:p="http://schemas.openxmlformats.org/presentationml/2006/main">
   <p:cSld>
     <p:spTree>
@@ -33930,6 +32846,13 @@
               <a:lumMod val="50000"/>
             </a:schemeClr>
           </a:solidFill>
+          <a:ln>
+            <a:solidFill>
+              <a:schemeClr val="bg1">
+                <a:lumMod val="25000"/>
+              </a:schemeClr>
+            </a:solidFill>
+          </a:ln>
         </p:spPr>
         <p:style>
           <a:lnRef idx="1">
@@ -34255,6 +33178,779 @@
       </p:grpSpPr>
       <p:sp>
         <p:nvSpPr>
+          <p:cNvPr id="7" name="Заголовок 1"/>
+          <p:cNvSpPr>
+            <a:spLocks noGrp="1"/>
+          </p:cNvSpPr>
+          <p:nvPr>
+            <p:ph type="title"/>
+          </p:nvPr>
+        </p:nvSpPr>
+        <p:spPr>
+          <a:xfrm>
+            <a:off x="839788" y="0"/>
+            <a:ext cx="10515600" cy="1325563"/>
+          </a:xfrm>
+          <a:effectLst>
+            <a:glow rad="63500">
+              <a:schemeClr val="accent6">
+                <a:satMod val="175000"/>
+                <a:alpha val="40000"/>
+              </a:schemeClr>
+            </a:glow>
+          </a:effectLst>
+        </p:spPr>
+        <p:txBody>
+          <a:bodyPr/>
+          <a:lstStyle/>
+          <a:p>
+            <a:pPr algn="ctr"/>
+            <a:r>
+              <a:rPr lang="ru-RU" b="1" dirty="0" smtClean="0">
+                <a:solidFill>
+                  <a:srgbClr val="FFFFFF"/>
+                </a:solidFill>
+              </a:rPr>
+              <a:t>Итоги тестирования целевой аудитории</a:t>
+            </a:r>
+            <a:endParaRPr lang="ru-RU" b="1" dirty="0">
+              <a:solidFill>
+                <a:srgbClr val="FFFFFF"/>
+              </a:solidFill>
+            </a:endParaRPr>
+          </a:p>
+        </p:txBody>
+      </p:sp>
+      <p:sp>
+        <p:nvSpPr>
+          <p:cNvPr id="8" name="Скругленный прямоугольник 7"/>
+          <p:cNvSpPr/>
+          <p:nvPr/>
+        </p:nvSpPr>
+        <p:spPr>
+          <a:xfrm>
+            <a:off x="1645920" y="2081605"/>
+            <a:ext cx="2710927" cy="1054249"/>
+          </a:xfrm>
+          <a:prstGeom prst="roundRect">
+            <a:avLst/>
+          </a:prstGeom>
+          <a:gradFill>
+            <a:gsLst>
+              <a:gs pos="0">
+                <a:schemeClr val="accent5">
+                  <a:lumMod val="110000"/>
+                  <a:satMod val="105000"/>
+                  <a:tint val="67000"/>
+                </a:schemeClr>
+              </a:gs>
+              <a:gs pos="100000">
+                <a:schemeClr val="accent5">
+                  <a:lumMod val="105000"/>
+                  <a:satMod val="103000"/>
+                  <a:tint val="73000"/>
+                </a:schemeClr>
+              </a:gs>
+              <a:gs pos="100000">
+                <a:schemeClr val="accent5">
+                  <a:lumMod val="105000"/>
+                  <a:satMod val="109000"/>
+                  <a:tint val="81000"/>
+                </a:schemeClr>
+              </a:gs>
+            </a:gsLst>
+          </a:gradFill>
+          <a:effectLst>
+            <a:glow rad="63500">
+              <a:schemeClr val="accent5">
+                <a:satMod val="175000"/>
+                <a:alpha val="40000"/>
+              </a:schemeClr>
+            </a:glow>
+          </a:effectLst>
+        </p:spPr>
+        <p:style>
+          <a:lnRef idx="1">
+            <a:schemeClr val="accent5"/>
+          </a:lnRef>
+          <a:fillRef idx="2">
+            <a:schemeClr val="accent5"/>
+          </a:fillRef>
+          <a:effectRef idx="1">
+            <a:schemeClr val="accent5"/>
+          </a:effectRef>
+          <a:fontRef idx="minor">
+            <a:schemeClr val="dk1"/>
+          </a:fontRef>
+        </p:style>
+        <p:txBody>
+          <a:bodyPr rtlCol="0" anchor="ctr"/>
+          <a:lstStyle/>
+          <a:p>
+            <a:pPr algn="ctr"/>
+            <a:r>
+              <a:rPr lang="ru-RU" dirty="0" smtClean="0"/>
+              <a:t>Неочевиден процесс задания адреса мероприятия при создании</a:t>
+            </a:r>
+            <a:endParaRPr lang="ru-RU" dirty="0"/>
+          </a:p>
+        </p:txBody>
+      </p:sp>
+      <p:sp>
+        <p:nvSpPr>
+          <p:cNvPr id="9" name="Скругленный прямоугольник 8"/>
+          <p:cNvSpPr/>
+          <p:nvPr/>
+        </p:nvSpPr>
+        <p:spPr>
+          <a:xfrm>
+            <a:off x="1645919" y="3621741"/>
+            <a:ext cx="2710927" cy="1054249"/>
+          </a:xfrm>
+          <a:prstGeom prst="roundRect">
+            <a:avLst/>
+          </a:prstGeom>
+          <a:gradFill>
+            <a:gsLst>
+              <a:gs pos="0">
+                <a:schemeClr val="accent5">
+                  <a:lumMod val="110000"/>
+                  <a:satMod val="105000"/>
+                  <a:tint val="67000"/>
+                </a:schemeClr>
+              </a:gs>
+              <a:gs pos="46000">
+                <a:schemeClr val="accent5">
+                  <a:lumMod val="105000"/>
+                  <a:satMod val="103000"/>
+                  <a:tint val="73000"/>
+                </a:schemeClr>
+              </a:gs>
+              <a:gs pos="100000">
+                <a:schemeClr val="accent5">
+                  <a:lumMod val="105000"/>
+                  <a:satMod val="109000"/>
+                  <a:tint val="81000"/>
+                </a:schemeClr>
+              </a:gs>
+            </a:gsLst>
+          </a:gradFill>
+          <a:effectLst>
+            <a:glow rad="63500">
+              <a:schemeClr val="accent5">
+                <a:satMod val="175000"/>
+                <a:alpha val="40000"/>
+              </a:schemeClr>
+            </a:glow>
+          </a:effectLst>
+        </p:spPr>
+        <p:style>
+          <a:lnRef idx="1">
+            <a:schemeClr val="accent5"/>
+          </a:lnRef>
+          <a:fillRef idx="2">
+            <a:schemeClr val="accent5"/>
+          </a:fillRef>
+          <a:effectRef idx="1">
+            <a:schemeClr val="accent5"/>
+          </a:effectRef>
+          <a:fontRef idx="minor">
+            <a:schemeClr val="dk1"/>
+          </a:fontRef>
+        </p:style>
+        <p:txBody>
+          <a:bodyPr rtlCol="0" anchor="ctr"/>
+          <a:lstStyle/>
+          <a:p>
+            <a:pPr algn="ctr"/>
+            <a:r>
+              <a:rPr lang="ru-RU" dirty="0" smtClean="0"/>
+              <a:t>Медленная работа сервиса</a:t>
+            </a:r>
+            <a:endParaRPr lang="ru-RU" dirty="0"/>
+          </a:p>
+        </p:txBody>
+      </p:sp>
+      <p:sp>
+        <p:nvSpPr>
+          <p:cNvPr id="10" name="Скругленный прямоугольник 9"/>
+          <p:cNvSpPr/>
+          <p:nvPr/>
+        </p:nvSpPr>
+        <p:spPr>
+          <a:xfrm>
+            <a:off x="1645919" y="5100918"/>
+            <a:ext cx="2710927" cy="1054249"/>
+          </a:xfrm>
+          <a:prstGeom prst="roundRect">
+            <a:avLst/>
+          </a:prstGeom>
+          <a:gradFill>
+            <a:gsLst>
+              <a:gs pos="0">
+                <a:schemeClr val="accent5">
+                  <a:lumMod val="110000"/>
+                  <a:satMod val="105000"/>
+                  <a:tint val="67000"/>
+                </a:schemeClr>
+              </a:gs>
+              <a:gs pos="100000">
+                <a:schemeClr val="accent5">
+                  <a:lumMod val="105000"/>
+                  <a:satMod val="103000"/>
+                  <a:tint val="73000"/>
+                </a:schemeClr>
+              </a:gs>
+              <a:gs pos="100000">
+                <a:schemeClr val="accent5">
+                  <a:lumMod val="105000"/>
+                  <a:satMod val="109000"/>
+                  <a:tint val="81000"/>
+                </a:schemeClr>
+              </a:gs>
+            </a:gsLst>
+          </a:gradFill>
+          <a:effectLst>
+            <a:glow rad="63500">
+              <a:schemeClr val="accent5">
+                <a:satMod val="175000"/>
+                <a:alpha val="40000"/>
+              </a:schemeClr>
+            </a:glow>
+          </a:effectLst>
+        </p:spPr>
+        <p:style>
+          <a:lnRef idx="1">
+            <a:schemeClr val="accent5"/>
+          </a:lnRef>
+          <a:fillRef idx="2">
+            <a:schemeClr val="accent5"/>
+          </a:fillRef>
+          <a:effectRef idx="1">
+            <a:schemeClr val="accent5"/>
+          </a:effectRef>
+          <a:fontRef idx="minor">
+            <a:schemeClr val="dk1"/>
+          </a:fontRef>
+        </p:style>
+        <p:txBody>
+          <a:bodyPr rtlCol="0" anchor="ctr"/>
+          <a:lstStyle/>
+          <a:p>
+            <a:pPr algn="ctr"/>
+            <a:r>
+              <a:rPr lang="ru-RU" dirty="0" smtClean="0"/>
+              <a:t>Недостаточное количество мероприятий</a:t>
+            </a:r>
+            <a:endParaRPr lang="ru-RU" dirty="0"/>
+          </a:p>
+        </p:txBody>
+      </p:sp>
+      <p:sp>
+        <p:nvSpPr>
+          <p:cNvPr id="11" name="Стрелка вправо 10"/>
+          <p:cNvSpPr/>
+          <p:nvPr/>
+        </p:nvSpPr>
+        <p:spPr>
+          <a:xfrm>
+            <a:off x="4742124" y="2081604"/>
+            <a:ext cx="2710927" cy="1054249"/>
+          </a:xfrm>
+          <a:prstGeom prst="rightArrow">
+            <a:avLst/>
+          </a:prstGeom>
+          <a:gradFill flip="none" rotWithShape="1">
+            <a:gsLst>
+              <a:gs pos="0">
+                <a:srgbClr val="4DA553">
+                  <a:tint val="66000"/>
+                  <a:satMod val="160000"/>
+                </a:srgbClr>
+              </a:gs>
+              <a:gs pos="50000">
+                <a:srgbClr val="4DA553">
+                  <a:tint val="44500"/>
+                  <a:satMod val="160000"/>
+                </a:srgbClr>
+              </a:gs>
+              <a:gs pos="100000">
+                <a:srgbClr val="4DA553">
+                  <a:tint val="23500"/>
+                  <a:satMod val="160000"/>
+                </a:srgbClr>
+              </a:gs>
+            </a:gsLst>
+            <a:lin ang="16200000" scaled="1"/>
+            <a:tileRect/>
+          </a:gradFill>
+          <a:ln>
+            <a:solidFill>
+              <a:srgbClr val="4DA553"/>
+            </a:solidFill>
+          </a:ln>
+          <a:effectLst>
+            <a:glow rad="63500">
+              <a:srgbClr val="4DA553">
+                <a:alpha val="40000"/>
+              </a:srgbClr>
+            </a:glow>
+          </a:effectLst>
+        </p:spPr>
+        <p:style>
+          <a:lnRef idx="1">
+            <a:schemeClr val="accent4"/>
+          </a:lnRef>
+          <a:fillRef idx="2">
+            <a:schemeClr val="accent4"/>
+          </a:fillRef>
+          <a:effectRef idx="1">
+            <a:schemeClr val="accent4"/>
+          </a:effectRef>
+          <a:fontRef idx="minor">
+            <a:schemeClr val="dk1"/>
+          </a:fontRef>
+        </p:style>
+        <p:txBody>
+          <a:bodyPr rtlCol="0" anchor="ctr"/>
+          <a:lstStyle/>
+          <a:p>
+            <a:pPr algn="ctr"/>
+            <a:r>
+              <a:rPr lang="ru-RU" dirty="0" smtClean="0"/>
+              <a:t>Добавлен новый элемент на странице</a:t>
+            </a:r>
+            <a:endParaRPr lang="ru-RU" dirty="0"/>
+          </a:p>
+        </p:txBody>
+      </p:sp>
+      <p:sp>
+        <p:nvSpPr>
+          <p:cNvPr id="13" name="Стрелка вправо 12"/>
+          <p:cNvSpPr/>
+          <p:nvPr/>
+        </p:nvSpPr>
+        <p:spPr>
+          <a:xfrm>
+            <a:off x="4742124" y="3621741"/>
+            <a:ext cx="2710927" cy="1054249"/>
+          </a:xfrm>
+          <a:prstGeom prst="rightArrow">
+            <a:avLst/>
+          </a:prstGeom>
+          <a:gradFill flip="none" rotWithShape="1">
+            <a:gsLst>
+              <a:gs pos="0">
+                <a:srgbClr val="FF5050">
+                  <a:tint val="66000"/>
+                  <a:satMod val="160000"/>
+                </a:srgbClr>
+              </a:gs>
+              <a:gs pos="50000">
+                <a:srgbClr val="FF5050">
+                  <a:tint val="44500"/>
+                  <a:satMod val="160000"/>
+                </a:srgbClr>
+              </a:gs>
+              <a:gs pos="100000">
+                <a:srgbClr val="FF5050">
+                  <a:tint val="23500"/>
+                  <a:satMod val="160000"/>
+                </a:srgbClr>
+              </a:gs>
+            </a:gsLst>
+            <a:lin ang="16200000" scaled="1"/>
+            <a:tileRect/>
+          </a:gradFill>
+          <a:ln>
+            <a:solidFill>
+              <a:srgbClr val="FF5050"/>
+            </a:solidFill>
+          </a:ln>
+          <a:effectLst>
+            <a:glow rad="63500">
+              <a:schemeClr val="accent4">
+                <a:satMod val="175000"/>
+                <a:alpha val="40000"/>
+              </a:schemeClr>
+            </a:glow>
+          </a:effectLst>
+        </p:spPr>
+        <p:style>
+          <a:lnRef idx="1">
+            <a:schemeClr val="accent3"/>
+          </a:lnRef>
+          <a:fillRef idx="2">
+            <a:schemeClr val="accent3"/>
+          </a:fillRef>
+          <a:effectRef idx="1">
+            <a:schemeClr val="accent3"/>
+          </a:effectRef>
+          <a:fontRef idx="minor">
+            <a:schemeClr val="dk1"/>
+          </a:fontRef>
+        </p:style>
+        <p:txBody>
+          <a:bodyPr rtlCol="0" anchor="ctr"/>
+          <a:lstStyle/>
+          <a:p>
+            <a:pPr algn="ctr"/>
+            <a:r>
+              <a:rPr lang="ru-RU" dirty="0"/>
+              <a:t>Использование бесплатного хостинга</a:t>
+            </a:r>
+          </a:p>
+        </p:txBody>
+      </p:sp>
+      <p:sp>
+        <p:nvSpPr>
+          <p:cNvPr id="14" name="Скругленный прямоугольник 13"/>
+          <p:cNvSpPr/>
+          <p:nvPr/>
+        </p:nvSpPr>
+        <p:spPr>
+          <a:xfrm>
+            <a:off x="7838327" y="3621740"/>
+            <a:ext cx="2710927" cy="1054249"/>
+          </a:xfrm>
+          <a:prstGeom prst="roundRect">
+            <a:avLst/>
+          </a:prstGeom>
+          <a:gradFill flip="none" rotWithShape="1">
+            <a:gsLst>
+              <a:gs pos="0">
+                <a:srgbClr val="FF5050">
+                  <a:tint val="66000"/>
+                  <a:satMod val="160000"/>
+                </a:srgbClr>
+              </a:gs>
+              <a:gs pos="50000">
+                <a:srgbClr val="FF5050">
+                  <a:tint val="44500"/>
+                  <a:satMod val="160000"/>
+                </a:srgbClr>
+              </a:gs>
+              <a:gs pos="100000">
+                <a:srgbClr val="FF5050">
+                  <a:tint val="23500"/>
+                  <a:satMod val="160000"/>
+                </a:srgbClr>
+              </a:gs>
+            </a:gsLst>
+            <a:lin ang="16200000" scaled="1"/>
+            <a:tileRect/>
+          </a:gradFill>
+          <a:ln>
+            <a:solidFill>
+              <a:srgbClr val="FF5050"/>
+            </a:solidFill>
+          </a:ln>
+          <a:effectLst>
+            <a:glow rad="63500">
+              <a:schemeClr val="accent4">
+                <a:satMod val="175000"/>
+                <a:alpha val="40000"/>
+              </a:schemeClr>
+            </a:glow>
+          </a:effectLst>
+        </p:spPr>
+        <p:style>
+          <a:lnRef idx="1">
+            <a:schemeClr val="accent3"/>
+          </a:lnRef>
+          <a:fillRef idx="2">
+            <a:schemeClr val="accent3"/>
+          </a:fillRef>
+          <a:effectRef idx="1">
+            <a:schemeClr val="accent3"/>
+          </a:effectRef>
+          <a:fontRef idx="minor">
+            <a:schemeClr val="dk1"/>
+          </a:fontRef>
+        </p:style>
+        <p:txBody>
+          <a:bodyPr rtlCol="0" anchor="ctr"/>
+          <a:lstStyle/>
+          <a:p>
+            <a:pPr algn="ctr"/>
+            <a:r>
+              <a:rPr lang="ru-RU" dirty="0"/>
+              <a:t>Без дополнительных финансовых ресурсов невозможно исправить</a:t>
+            </a:r>
+          </a:p>
+        </p:txBody>
+      </p:sp>
+      <p:pic>
+        <p:nvPicPr>
+          <p:cNvPr id="25" name="Picture 10" descr="http://cs624925.vk.me/v624925289/2a0a9/GrExsvMU9Mo.jpg"/>
+          <p:cNvPicPr>
+            <a:picLocks noChangeAspect="1" noChangeArrowheads="1"/>
+          </p:cNvPicPr>
+          <p:nvPr/>
+        </p:nvPicPr>
+        <p:blipFill>
+          <a:blip r:embed="rId2">
+            <a:extLst>
+              <a:ext uri="{28A0092B-C50C-407E-A947-70E740481C1C}">
+                <a14:useLocalDpi xmlns:a14="http://schemas.microsoft.com/office/drawing/2010/main" val="0"/>
+              </a:ext>
+            </a:extLst>
+          </a:blip>
+          <a:srcRect/>
+          <a:stretch>
+            <a:fillRect/>
+          </a:stretch>
+        </p:blipFill>
+        <p:spPr bwMode="auto">
+          <a:xfrm>
+            <a:off x="7860975" y="2077700"/>
+            <a:ext cx="2688279" cy="1058153"/>
+          </a:xfrm>
+          <a:prstGeom prst="roundRect">
+            <a:avLst>
+              <a:gd name="adj" fmla="val 16667"/>
+            </a:avLst>
+          </a:prstGeom>
+          <a:ln>
+            <a:solidFill>
+              <a:srgbClr val="4DA553"/>
+            </a:solidFill>
+          </a:ln>
+          <a:effectLst>
+            <a:glow rad="63500">
+              <a:srgbClr val="4DA553">
+                <a:alpha val="40000"/>
+              </a:srgbClr>
+            </a:glow>
+            <a:outerShdw blurRad="76200" dist="38100" dir="7800000" algn="tl" rotWithShape="0">
+              <a:srgbClr val="000000">
+                <a:alpha val="40000"/>
+              </a:srgbClr>
+            </a:outerShdw>
+          </a:effectLst>
+          <a:scene3d>
+            <a:camera prst="orthographicFront"/>
+            <a:lightRig rig="contrasting" dir="t">
+              <a:rot lat="0" lon="0" rev="4200000"/>
+            </a:lightRig>
+          </a:scene3d>
+          <a:sp3d prstMaterial="plastic">
+            <a:bevelT w="381000" h="114300" prst="relaxedInset"/>
+            <a:contourClr>
+              <a:srgbClr val="969696"/>
+            </a:contourClr>
+          </a:sp3d>
+          <a:extLst>
+            <a:ext uri="{909E8E84-426E-40DD-AFC4-6F175D3DCCD1}">
+              <a14:hiddenFill xmlns:a14="http://schemas.microsoft.com/office/drawing/2010/main">
+                <a:solidFill>
+                  <a:srgbClr val="FFFFFF"/>
+                </a:solidFill>
+              </a14:hiddenFill>
+            </a:ext>
+          </a:extLst>
+        </p:spPr>
+      </p:pic>
+      <p:sp>
+        <p:nvSpPr>
+          <p:cNvPr id="28" name="Стрелка вправо 27"/>
+          <p:cNvSpPr/>
+          <p:nvPr/>
+        </p:nvSpPr>
+        <p:spPr>
+          <a:xfrm>
+            <a:off x="4742124" y="5100918"/>
+            <a:ext cx="2710927" cy="1054249"/>
+          </a:xfrm>
+          <a:prstGeom prst="rightArrow">
+            <a:avLst/>
+          </a:prstGeom>
+          <a:gradFill flip="none" rotWithShape="1">
+            <a:gsLst>
+              <a:gs pos="0">
+                <a:srgbClr val="FF5050">
+                  <a:tint val="66000"/>
+                  <a:satMod val="160000"/>
+                </a:srgbClr>
+              </a:gs>
+              <a:gs pos="50000">
+                <a:srgbClr val="FF5050">
+                  <a:tint val="44500"/>
+                  <a:satMod val="160000"/>
+                </a:srgbClr>
+              </a:gs>
+              <a:gs pos="100000">
+                <a:srgbClr val="FF5050">
+                  <a:tint val="23500"/>
+                  <a:satMod val="160000"/>
+                </a:srgbClr>
+              </a:gs>
+            </a:gsLst>
+            <a:lin ang="16200000" scaled="1"/>
+            <a:tileRect/>
+          </a:gradFill>
+          <a:ln>
+            <a:solidFill>
+              <a:srgbClr val="FF5050"/>
+            </a:solidFill>
+          </a:ln>
+          <a:effectLst>
+            <a:glow rad="63500">
+              <a:schemeClr val="accent4">
+                <a:satMod val="175000"/>
+                <a:alpha val="40000"/>
+              </a:schemeClr>
+            </a:glow>
+          </a:effectLst>
+        </p:spPr>
+        <p:style>
+          <a:lnRef idx="1">
+            <a:schemeClr val="accent3"/>
+          </a:lnRef>
+          <a:fillRef idx="2">
+            <a:schemeClr val="accent3"/>
+          </a:fillRef>
+          <a:effectRef idx="1">
+            <a:schemeClr val="accent3"/>
+          </a:effectRef>
+          <a:fontRef idx="minor">
+            <a:schemeClr val="dk1"/>
+          </a:fontRef>
+        </p:style>
+        <p:txBody>
+          <a:bodyPr rtlCol="0" anchor="ctr"/>
+          <a:lstStyle/>
+          <a:p>
+            <a:pPr algn="ctr"/>
+            <a:r>
+              <a:rPr lang="ru-RU" dirty="0"/>
+              <a:t>Сервис находится в стадии разработки</a:t>
+            </a:r>
+          </a:p>
+        </p:txBody>
+      </p:sp>
+      <p:sp>
+        <p:nvSpPr>
+          <p:cNvPr id="29" name="Скругленный прямоугольник 28"/>
+          <p:cNvSpPr/>
+          <p:nvPr/>
+        </p:nvSpPr>
+        <p:spPr>
+          <a:xfrm>
+            <a:off x="7860975" y="5100917"/>
+            <a:ext cx="2710927" cy="1054249"/>
+          </a:xfrm>
+          <a:prstGeom prst="roundRect">
+            <a:avLst/>
+          </a:prstGeom>
+          <a:gradFill flip="none" rotWithShape="1">
+            <a:gsLst>
+              <a:gs pos="0">
+                <a:srgbClr val="FF5050">
+                  <a:tint val="66000"/>
+                  <a:satMod val="160000"/>
+                </a:srgbClr>
+              </a:gs>
+              <a:gs pos="50000">
+                <a:srgbClr val="FF5050">
+                  <a:tint val="44500"/>
+                  <a:satMod val="160000"/>
+                </a:srgbClr>
+              </a:gs>
+              <a:gs pos="100000">
+                <a:srgbClr val="FF5050">
+                  <a:tint val="23500"/>
+                  <a:satMod val="160000"/>
+                </a:srgbClr>
+              </a:gs>
+            </a:gsLst>
+            <a:lin ang="16200000" scaled="1"/>
+            <a:tileRect/>
+          </a:gradFill>
+          <a:ln>
+            <a:solidFill>
+              <a:srgbClr val="FF5050"/>
+            </a:solidFill>
+          </a:ln>
+          <a:effectLst>
+            <a:glow rad="63500">
+              <a:schemeClr val="accent4">
+                <a:satMod val="175000"/>
+                <a:alpha val="40000"/>
+              </a:schemeClr>
+            </a:glow>
+          </a:effectLst>
+        </p:spPr>
+        <p:style>
+          <a:lnRef idx="1">
+            <a:schemeClr val="accent3"/>
+          </a:lnRef>
+          <a:fillRef idx="2">
+            <a:schemeClr val="accent3"/>
+          </a:fillRef>
+          <a:effectRef idx="1">
+            <a:schemeClr val="accent3"/>
+          </a:effectRef>
+          <a:fontRef idx="minor">
+            <a:schemeClr val="dk1"/>
+          </a:fontRef>
+        </p:style>
+        <p:txBody>
+          <a:bodyPr rtlCol="0" anchor="ctr"/>
+          <a:lstStyle/>
+          <a:p>
+            <a:pPr algn="ctr"/>
+            <a:r>
+              <a:rPr lang="ru-RU" dirty="0"/>
+              <a:t>До начала введения сервиса в эксплуатацию исправление невозможно</a:t>
+            </a:r>
+          </a:p>
+        </p:txBody>
+      </p:sp>
+    </p:spTree>
+    <p:extLst>
+      <p:ext uri="{BB962C8B-B14F-4D97-AF65-F5344CB8AC3E}">
+        <p14:creationId xmlns:p14="http://schemas.microsoft.com/office/powerpoint/2010/main" val="3737005569"/>
+      </p:ext>
+    </p:extLst>
+  </p:cSld>
+  <p:clrMapOvr>
+    <a:masterClrMapping/>
+  </p:clrMapOvr>
+  <mc:AlternateContent xmlns:mc="http://schemas.openxmlformats.org/markup-compatibility/2006">
+    <mc:Choice xmlns:p14="http://schemas.microsoft.com/office/powerpoint/2010/main" Requires="p14">
+      <p:transition spd="med" p14:dur="700">
+        <p:fade/>
+      </p:transition>
+    </mc:Choice>
+    <mc:Fallback>
+      <p:transition spd="med">
+        <p:fade/>
+      </p:transition>
+    </mc:Fallback>
+  </mc:AlternateContent>
+</p:sld>
+</file>
+
+<file path=ppt/slides/slide9.xml><?xml version="1.0" encoding="utf-8"?>
+<p:sld xmlns:a="http://schemas.openxmlformats.org/drawingml/2006/main" xmlns:r="http://schemas.openxmlformats.org/officeDocument/2006/relationships" xmlns:p="http://schemas.openxmlformats.org/presentationml/2006/main">
+  <p:cSld>
+    <p:spTree>
+      <p:nvGrpSpPr>
+        <p:cNvPr id="1" name=""/>
+        <p:cNvGrpSpPr/>
+        <p:nvPr/>
+      </p:nvGrpSpPr>
+      <p:grpSpPr>
+        <a:xfrm>
+          <a:off x="0" y="0"/>
+          <a:ext cx="0" cy="0"/>
+          <a:chOff x="0" y="0"/>
+          <a:chExt cx="0" cy="0"/>
+        </a:xfrm>
+      </p:grpSpPr>
+      <p:sp>
+        <p:nvSpPr>
           <p:cNvPr id="2" name="Заголовок 1"/>
           <p:cNvSpPr>
             <a:spLocks noGrp="1"/>
@@ -34342,158 +34038,6 @@
     <p:extLst>
       <p:ext uri="{BB962C8B-B14F-4D97-AF65-F5344CB8AC3E}">
         <p14:creationId xmlns:p14="http://schemas.microsoft.com/office/powerpoint/2010/main" val="147082094"/>
-      </p:ext>
-    </p:extLst>
-  </p:cSld>
-  <p:clrMapOvr>
-    <a:masterClrMapping/>
-  </p:clrMapOvr>
-  <mc:AlternateContent xmlns:mc="http://schemas.openxmlformats.org/markup-compatibility/2006" xmlns:p14="http://schemas.microsoft.com/office/powerpoint/2010/main">
-    <mc:Choice Requires="p14">
-      <p:transition spd="med" p14:dur="700">
-        <p:fade/>
-      </p:transition>
-    </mc:Choice>
-    <mc:Fallback xmlns="">
-      <p:transition spd="med">
-        <p:fade/>
-      </p:transition>
-    </mc:Fallback>
-  </mc:AlternateContent>
-  <p:timing>
-    <p:tnLst>
-      <p:par>
-        <p:cTn id="1" dur="indefinite" restart="never" nodeType="tmRoot"/>
-      </p:par>
-    </p:tnLst>
-  </p:timing>
-</p:sld>
-</file>
-
-<file path=ppt/slides/slide9.xml><?xml version="1.0" encoding="utf-8"?>
-<p:sld xmlns:a="http://schemas.openxmlformats.org/drawingml/2006/main" xmlns:r="http://schemas.openxmlformats.org/officeDocument/2006/relationships" xmlns:p="http://schemas.openxmlformats.org/presentationml/2006/main">
-  <p:cSld>
-    <p:spTree>
-      <p:nvGrpSpPr>
-        <p:cNvPr id="1" name=""/>
-        <p:cNvGrpSpPr/>
-        <p:nvPr/>
-      </p:nvGrpSpPr>
-      <p:grpSpPr>
-        <a:xfrm>
-          <a:off x="0" y="0"/>
-          <a:ext cx="0" cy="0"/>
-          <a:chOff x="0" y="0"/>
-          <a:chExt cx="0" cy="0"/>
-        </a:xfrm>
-      </p:grpSpPr>
-      <p:sp>
-        <p:nvSpPr>
-          <p:cNvPr id="2" name="Заголовок 1"/>
-          <p:cNvSpPr>
-            <a:spLocks noGrp="1"/>
-          </p:cNvSpPr>
-          <p:nvPr>
-            <p:ph type="title"/>
-          </p:nvPr>
-        </p:nvSpPr>
-        <p:spPr>
-          <a:xfrm>
-            <a:off x="838200" y="365125"/>
-            <a:ext cx="10515600" cy="909493"/>
-          </a:xfrm>
-        </p:spPr>
-        <p:txBody>
-          <a:bodyPr/>
-          <a:lstStyle/>
-          <a:p>
-            <a:pPr algn="ctr"/>
-            <a:r>
-              <a:rPr lang="ru-RU" b="1" dirty="0" smtClean="0">
-                <a:solidFill>
-                  <a:srgbClr val="FFFFFF"/>
-                </a:solidFill>
-              </a:rPr>
-              <a:t>Архитектура </a:t>
-            </a:r>
-            <a:r>
-              <a:rPr lang="en-US" b="1" dirty="0" smtClean="0">
-                <a:solidFill>
-                  <a:srgbClr val="FFFFFF"/>
-                </a:solidFill>
-              </a:rPr>
-              <a:t>web-</a:t>
-            </a:r>
-            <a:r>
-              <a:rPr lang="ru-RU" b="1" dirty="0" smtClean="0">
-                <a:solidFill>
-                  <a:srgbClr val="FFFFFF"/>
-                </a:solidFill>
-              </a:rPr>
-              <a:t>приложения</a:t>
-            </a:r>
-            <a:endParaRPr lang="ru-RU" b="1" dirty="0">
-              <a:solidFill>
-                <a:srgbClr val="FFFFFF"/>
-              </a:solidFill>
-            </a:endParaRPr>
-          </a:p>
-        </p:txBody>
-      </p:sp>
-      <p:pic>
-        <p:nvPicPr>
-          <p:cNvPr id="1026" name="Picture 2" descr="http://cs423028.vk.me/u11886539/docs/28de3cbd3ad5/Layers.png?extra=O0u5FIMGlTXaxvHmbKxf0yIAE8GrTTmxwn_qRsPqmFW18-MKwZkLwKObnqzDcu5PVng6L9gGpmJW9OO7WOLM8jBxp8y2hfIG"/>
-          <p:cNvPicPr>
-            <a:picLocks noChangeAspect="1" noChangeArrowheads="1"/>
-          </p:cNvPicPr>
-          <p:nvPr/>
-        </p:nvPicPr>
-        <p:blipFill>
-          <a:blip r:embed="rId2">
-            <a:extLst>
-              <a:ext uri="{28A0092B-C50C-407E-A947-70E740481C1C}">
-                <a14:useLocalDpi xmlns:a14="http://schemas.microsoft.com/office/drawing/2010/main" val="0"/>
-              </a:ext>
-            </a:extLst>
-          </a:blip>
-          <a:srcRect/>
-          <a:stretch>
-            <a:fillRect/>
-          </a:stretch>
-        </p:blipFill>
-        <p:spPr bwMode="auto">
-          <a:xfrm>
-            <a:off x="2996004" y="1549102"/>
-            <a:ext cx="5862461" cy="5227506"/>
-          </a:xfrm>
-          <a:prstGeom prst="rect">
-            <a:avLst/>
-          </a:prstGeom>
-          <a:ln>
-            <a:noFill/>
-          </a:ln>
-          <a:effectLst>
-            <a:outerShdw blurRad="190500" algn="tl" rotWithShape="0">
-              <a:srgbClr val="000000">
-                <a:alpha val="70000"/>
-              </a:srgbClr>
-            </a:outerShdw>
-          </a:effectLst>
-          <a:extLst>
-            <a:ext uri="{909E8E84-426E-40DD-AFC4-6F175D3DCCD1}">
-              <a14:hiddenFill xmlns:a14="http://schemas.microsoft.com/office/drawing/2010/main">
-                <a:solidFill>
-                  <a:srgbClr val="FFFFFF"/>
-                </a:solidFill>
-              </a14:hiddenFill>
-            </a:ext>
-          </a:extLst>
-        </p:spPr>
-      </p:pic>
-    </p:spTree>
-    <p:extLst>
-      <p:ext uri="{BB962C8B-B14F-4D97-AF65-F5344CB8AC3E}">
-        <p14:creationId xmlns:p14="http://schemas.microsoft.com/office/powerpoint/2010/main" val="46821324"/>
       </p:ext>
     </p:extLst>
   </p:cSld>

--- a/k224-docs/Презентация ко 2 релизу.pptx
+++ b/k224-docs/Презентация ко 2 релизу.pptx
@@ -28,7 +28,7 @@
     <p:sldId id="295" r:id="rId17"/>
     <p:sldId id="297" r:id="rId18"/>
     <p:sldId id="294" r:id="rId19"/>
-    <p:sldId id="290" r:id="rId20"/>
+    <p:sldId id="302" r:id="rId20"/>
     <p:sldId id="282" r:id="rId21"/>
     <p:sldId id="293" r:id="rId22"/>
     <p:sldId id="288" r:id="rId23"/>
@@ -135,10 +135,10 @@
   </p:defaultTextStyle>
   <p:extLst>
     <p:ext uri="{EFAFB233-063F-42B5-8137-9DF3F51BA10A}">
-      <p15:sldGuideLst xmlns:p15="http://schemas.microsoft.com/office/powerpoint/2012/main"/>
+      <p15:sldGuideLst xmlns:p15="http://schemas.microsoft.com/office/powerpoint/2012/main" xmlns=""/>
     </p:ext>
     <p:ext uri="{2D200454-40CA-4A62-9FC3-DE9A4176ACB9}">
-      <p15:notesGuideLst xmlns:p15="http://schemas.microsoft.com/office/powerpoint/2012/main"/>
+      <p15:notesGuideLst xmlns:p15="http://schemas.microsoft.com/office/powerpoint/2012/main" xmlns=""/>
     </p:ext>
   </p:extLst>
 </p:presentation>
@@ -193,26 +193,6 @@
         </a:ln>
         <a:effectLst/>
       </c:spPr>
-      <c:txPr>
-        <a:bodyPr rot="0" spcFirstLastPara="1" vertOverflow="ellipsis" vert="horz" wrap="square" anchor="ctr" anchorCtr="1"/>
-        <a:lstStyle/>
-        <a:p>
-          <a:pPr>
-            <a:defRPr sz="1862" b="1" i="0" u="none" strike="noStrike" kern="1200" cap="all" spc="50" baseline="0">
-              <a:solidFill>
-                <a:schemeClr val="tx1">
-                  <a:lumMod val="65000"/>
-                  <a:lumOff val="35000"/>
-                </a:schemeClr>
-              </a:solidFill>
-              <a:latin typeface="+mn-lt"/>
-              <a:ea typeface="+mn-ea"/>
-              <a:cs typeface="+mn-cs"/>
-            </a:defRPr>
-          </a:pPr>
-          <a:endParaRPr lang="ru-RU"/>
-        </a:p>
-      </c:txPr>
     </c:title>
     <c:autoTitleDeleted val="0"/>
     <c:plotArea>
@@ -532,7 +512,7 @@
       <a:endParaRPr lang="ru-RU"/>
     </a:p>
   </c:txPr>
-  <c:externalData r:id="rId3">
+  <c:externalData r:id="rId1">
     <c:autoUpdate val="0"/>
   </c:externalData>
 </c:chartSpace>
@@ -744,11 +724,11 @@
         </c:dLbls>
         <c:gapWidth val="219"/>
         <c:overlap val="-27"/>
-        <c:axId val="275606904"/>
-        <c:axId val="223800856"/>
+        <c:axId val="67113472"/>
+        <c:axId val="37310400"/>
       </c:barChart>
       <c:catAx>
-        <c:axId val="275606904"/>
+        <c:axId val="67113472"/>
         <c:scaling>
           <c:orientation val="minMax"/>
         </c:scaling>
@@ -791,7 +771,7 @@
             <a:endParaRPr lang="ru-RU"/>
           </a:p>
         </c:txPr>
-        <c:crossAx val="223800856"/>
+        <c:crossAx val="37310400"/>
         <c:crosses val="autoZero"/>
         <c:auto val="1"/>
         <c:lblAlgn val="ctr"/>
@@ -799,7 +779,7 @@
         <c:noMultiLvlLbl val="0"/>
       </c:catAx>
       <c:valAx>
-        <c:axId val="223800856"/>
+        <c:axId val="37310400"/>
         <c:scaling>
           <c:orientation val="minMax"/>
         </c:scaling>
@@ -850,7 +830,7 @@
             <a:endParaRPr lang="ru-RU"/>
           </a:p>
         </c:txPr>
-        <c:crossAx val="275606904"/>
+        <c:crossAx val="67113472"/>
         <c:crosses val="autoZero"/>
         <c:crossBetween val="between"/>
       </c:valAx>
@@ -924,7 +904,7 @@
       <a:endParaRPr lang="ru-RU"/>
     </a:p>
   </c:txPr>
-  <c:externalData r:id="rId3">
+  <c:externalData r:id="rId1">
     <c:autoUpdate val="0"/>
   </c:externalData>
 </c:chartSpace>
@@ -1182,12 +1162,13 @@
           <c:showPercent val="0"/>
           <c:showBubbleSize val="0"/>
         </c:dLbls>
+        <c:marker val="1"/>
         <c:smooth val="0"/>
-        <c:axId val="273151592"/>
-        <c:axId val="273157080"/>
+        <c:axId val="135097856"/>
+        <c:axId val="58102848"/>
       </c:lineChart>
       <c:catAx>
-        <c:axId val="273151592"/>
+        <c:axId val="135097856"/>
         <c:scaling>
           <c:orientation val="minMax"/>
         </c:scaling>
@@ -1230,7 +1211,7 @@
             <a:endParaRPr lang="ru-RU"/>
           </a:p>
         </c:txPr>
-        <c:crossAx val="273157080"/>
+        <c:crossAx val="58102848"/>
         <c:crosses val="autoZero"/>
         <c:auto val="1"/>
         <c:lblAlgn val="ctr"/>
@@ -1238,7 +1219,7 @@
         <c:noMultiLvlLbl val="1"/>
       </c:catAx>
       <c:valAx>
-        <c:axId val="273157080"/>
+        <c:axId val="58102848"/>
         <c:scaling>
           <c:orientation val="minMax"/>
         </c:scaling>
@@ -1289,7 +1270,7 @@
             <a:endParaRPr lang="ru-RU"/>
           </a:p>
         </c:txPr>
-        <c:crossAx val="273151592"/>
+        <c:crossAx val="135097856"/>
         <c:crosses val="autoZero"/>
         <c:crossBetween val="between"/>
       </c:valAx>
@@ -1303,6 +1284,7 @@
     </c:plotArea>
     <c:legend>
       <c:legendPos val="b"/>
+      <c:layout/>
       <c:overlay val="0"/>
       <c:spPr>
         <a:noFill/>
@@ -1353,7 +1335,7 @@
       <a:endParaRPr lang="ru-RU"/>
     </a:p>
   </c:txPr>
-  <c:externalData r:id="rId3">
+  <c:externalData r:id="rId1">
     <c:autoUpdate val="0"/>
   </c:externalData>
 </c:chartSpace>
@@ -1461,42 +1443,6 @@
           </a:glow>
         </a:effectLst>
       </c:spPr>
-      <c:txPr>
-        <a:bodyPr rot="0" spcFirstLastPara="1" vertOverflow="ellipsis" vert="horz" wrap="square" anchor="ctr" anchorCtr="1"/>
-        <a:lstStyle/>
-        <a:p>
-          <a:pPr>
-            <a:defRPr sz="2128" b="1" i="0" u="none" strike="noStrike" kern="1200" cap="none" spc="0" normalizeH="0" baseline="0">
-              <a:ln/>
-              <a:pattFill prst="dkUpDiag">
-                <a:fgClr>
-                  <a:schemeClr val="bg1">
-                    <a:lumMod val="50000"/>
-                  </a:schemeClr>
-                </a:fgClr>
-                <a:bgClr>
-                  <a:schemeClr val="tx1">
-                    <a:lumMod val="75000"/>
-                    <a:lumOff val="25000"/>
-                  </a:schemeClr>
-                </a:bgClr>
-              </a:pattFill>
-              <a:effectLst>
-                <a:outerShdw blurRad="38100" dist="19050" dir="2700000" algn="tl" rotWithShape="0">
-                  <a:schemeClr val="dk1">
-                    <a:lumMod val="50000"/>
-                    <a:alpha val="40000"/>
-                  </a:schemeClr>
-                </a:outerShdw>
-              </a:effectLst>
-              <a:latin typeface="+mj-lt"/>
-              <a:ea typeface="+mj-ea"/>
-              <a:cs typeface="+mj-cs"/>
-            </a:defRPr>
-          </a:pPr>
-          <a:endParaRPr lang="ru-RU"/>
-        </a:p>
-      </c:txPr>
     </c:title>
     <c:autoTitleDeleted val="0"/>
     <c:plotArea>
@@ -1706,6 +1652,7 @@
     </c:plotArea>
     <c:legend>
       <c:legendPos val="r"/>
+      <c:layout/>
       <c:overlay val="0"/>
       <c:spPr>
         <a:solidFill>
@@ -1766,7 +1713,7 @@
       <a:endParaRPr lang="ru-RU"/>
     </a:p>
   </c:txPr>
-  <c:externalData r:id="rId3">
+  <c:externalData r:id="rId1">
     <c:autoUpdate val="0"/>
   </c:externalData>
 </c:chartSpace>
@@ -2977,11 +2924,11 @@
         </c:dLbls>
         <c:gapWidth val="219"/>
         <c:overlap val="-27"/>
-        <c:axId val="365593184"/>
-        <c:axId val="223795760"/>
+        <c:axId val="144106496"/>
+        <c:axId val="141940352"/>
       </c:barChart>
       <c:catAx>
-        <c:axId val="365593184"/>
+        <c:axId val="144106496"/>
         <c:scaling>
           <c:orientation val="minMax"/>
         </c:scaling>
@@ -3024,7 +2971,7 @@
             <a:endParaRPr lang="ru-RU"/>
           </a:p>
         </c:txPr>
-        <c:crossAx val="223795760"/>
+        <c:crossAx val="141940352"/>
         <c:crosses val="autoZero"/>
         <c:auto val="1"/>
         <c:lblAlgn val="ctr"/>
@@ -3032,7 +2979,7 @@
         <c:noMultiLvlLbl val="0"/>
       </c:catAx>
       <c:valAx>
-        <c:axId val="223795760"/>
+        <c:axId val="141940352"/>
         <c:scaling>
           <c:orientation val="minMax"/>
         </c:scaling>
@@ -3083,7 +3030,7 @@
             <a:endParaRPr lang="ru-RU"/>
           </a:p>
         </c:txPr>
-        <c:crossAx val="365593184"/>
+        <c:crossAx val="144106496"/>
         <c:crosses val="autoZero"/>
         <c:crossBetween val="between"/>
       </c:valAx>
@@ -3097,6 +3044,7 @@
     </c:plotArea>
     <c:legend>
       <c:legendPos val="b"/>
+      <c:layout/>
       <c:overlay val="0"/>
       <c:spPr>
         <a:noFill/>
@@ -3147,7 +3095,7 @@
       <a:endParaRPr lang="ru-RU"/>
     </a:p>
   </c:txPr>
-  <c:externalData r:id="rId3">
+  <c:externalData r:id="rId1">
     <c:autoUpdate val="0"/>
   </c:externalData>
 </c:chartSpace>
@@ -11792,25 +11740,25 @@
     </dgm:pt>
   </dgm:ptLst>
   <dgm:cxnLst>
-    <dgm:cxn modelId="{30ACB49D-BDBB-4539-A3C8-66F3833D1B28}" type="presOf" srcId="{25F23385-6A5D-48FC-B58D-8338175AD398}" destId="{CC7032B2-C7DD-4031-9D5A-C31C34436923}" srcOrd="0" destOrd="0" presId="urn:microsoft.com/office/officeart/2005/8/layout/bProcess3"/>
-    <dgm:cxn modelId="{A3679A60-34EE-42FC-B8E7-14D79178AF25}" type="presOf" srcId="{54D30124-007A-4C9A-88DB-EEF46CA56062}" destId="{1942F91E-6C3F-4237-991D-8670CFE6D12C}" srcOrd="0" destOrd="0" presId="urn:microsoft.com/office/officeart/2005/8/layout/bProcess3"/>
+    <dgm:cxn modelId="{F7C80D55-BECC-4CA1-82C0-73D80D3F327D}" srcId="{82BF7999-DE49-4B02-B50A-4E91A516158B}" destId="{BFE3B424-16B9-4C38-840C-0847032DF1C4}" srcOrd="0" destOrd="0" parTransId="{176F5C23-1C56-4CA4-8B6A-94A900C65BA8}" sibTransId="{5422C932-509A-4863-91D8-D2A4430971E3}"/>
+    <dgm:cxn modelId="{845F9CAD-D654-465F-BAC7-A62D7C3FE09C}" type="presOf" srcId="{96C5E055-E7A0-4905-B19D-14DD3FBE8355}" destId="{F9DFDEE3-5C67-4064-BD2F-0DBC5296244C}" srcOrd="1" destOrd="0" presId="urn:microsoft.com/office/officeart/2005/8/layout/bProcess3"/>
     <dgm:cxn modelId="{D192E704-7717-42A6-A71E-90ECA00EED78}" srcId="{82BF7999-DE49-4B02-B50A-4E91A516158B}" destId="{1EE2DEE5-BF8A-4486-8E2A-F40FD5D32378}" srcOrd="3" destOrd="0" parTransId="{46D0B385-1610-4670-B3C7-7121FAE7A548}" sibTransId="{FDAFB07A-55C0-4E0A-BC99-BB53504DE334}"/>
-    <dgm:cxn modelId="{D6FF0F20-B855-442D-8B53-0708FE865463}" type="presOf" srcId="{5422C932-509A-4863-91D8-D2A4430971E3}" destId="{938C9AAF-9C22-41D0-ACE2-6AD639BBCF15}" srcOrd="1" destOrd="0" presId="urn:microsoft.com/office/officeart/2005/8/layout/bProcess3"/>
     <dgm:cxn modelId="{B0FD4E27-3CC8-44C8-B93E-BB26F6FDF470}" type="presOf" srcId="{2E0D9F87-A655-405B-AD12-6147D22F6074}" destId="{4AFCF350-7E3E-4747-9BE0-9F5FEF433686}" srcOrd="0" destOrd="0" presId="urn:microsoft.com/office/officeart/2005/8/layout/bProcess3"/>
-    <dgm:cxn modelId="{39E7F1E0-93B1-4B62-9DC6-7B911BD6BF9E}" type="presOf" srcId="{82BF7999-DE49-4B02-B50A-4E91A516158B}" destId="{E28BF6C4-4436-42B4-90A8-1AD277FE1D2A}" srcOrd="0" destOrd="0" presId="urn:microsoft.com/office/officeart/2005/8/layout/bProcess3"/>
-    <dgm:cxn modelId="{845F9CAD-D654-465F-BAC7-A62D7C3FE09C}" type="presOf" srcId="{96C5E055-E7A0-4905-B19D-14DD3FBE8355}" destId="{F9DFDEE3-5C67-4064-BD2F-0DBC5296244C}" srcOrd="1" destOrd="0" presId="urn:microsoft.com/office/officeart/2005/8/layout/bProcess3"/>
-    <dgm:cxn modelId="{0629930D-7F22-4DA1-A78E-6CEE70AE24CC}" type="presOf" srcId="{CEAF6E7B-A235-4E97-B22E-E007038F2C06}" destId="{E9530CEB-3B8E-4A90-AC86-1908B31AFA3C}" srcOrd="0" destOrd="0" presId="urn:microsoft.com/office/officeart/2005/8/layout/bProcess3"/>
-    <dgm:cxn modelId="{0892E0B3-A46A-4AE3-B38B-5B15630B7B62}" type="presOf" srcId="{BFE3B424-16B9-4C38-840C-0847032DF1C4}" destId="{335182A0-E382-4E77-B206-70C6001A973F}" srcOrd="0" destOrd="0" presId="urn:microsoft.com/office/officeart/2005/8/layout/bProcess3"/>
     <dgm:cxn modelId="{0381903A-6158-4184-B3F9-751BD6A645F9}" type="presOf" srcId="{FDAFB07A-55C0-4E0A-BC99-BB53504DE334}" destId="{26B265DE-1FAC-4D7E-A9F8-15E8D3980157}" srcOrd="1" destOrd="0" presId="urn:microsoft.com/office/officeart/2005/8/layout/bProcess3"/>
     <dgm:cxn modelId="{F98F2CB4-86E8-4636-899B-60FC01D540CF}" type="presOf" srcId="{96C5E055-E7A0-4905-B19D-14DD3FBE8355}" destId="{9EE61D95-1339-4812-8BA2-E26508DB95D7}" srcOrd="0" destOrd="0" presId="urn:microsoft.com/office/officeart/2005/8/layout/bProcess3"/>
-    <dgm:cxn modelId="{490CFFF5-7CE0-4B8D-9678-ABB9CB04620C}" type="presOf" srcId="{5422C932-509A-4863-91D8-D2A4430971E3}" destId="{A77BF775-E608-4841-B760-C29DDEACE52D}" srcOrd="0" destOrd="0" presId="urn:microsoft.com/office/officeart/2005/8/layout/bProcess3"/>
-    <dgm:cxn modelId="{93BC7CE4-1600-46FF-BB3B-DD96E5F1D191}" srcId="{82BF7999-DE49-4B02-B50A-4E91A516158B}" destId="{2E0D9F87-A655-405B-AD12-6147D22F6074}" srcOrd="4" destOrd="0" parTransId="{684E6172-DBD7-4C4F-B2E3-A62545EC7CC7}" sibTransId="{5C5C4FDB-CCC6-4CE1-B17D-DDFFB00A3374}"/>
-    <dgm:cxn modelId="{F7C80D55-BECC-4CA1-82C0-73D80D3F327D}" srcId="{82BF7999-DE49-4B02-B50A-4E91A516158B}" destId="{BFE3B424-16B9-4C38-840C-0847032DF1C4}" srcOrd="0" destOrd="0" parTransId="{176F5C23-1C56-4CA4-8B6A-94A900C65BA8}" sibTransId="{5422C932-509A-4863-91D8-D2A4430971E3}"/>
-    <dgm:cxn modelId="{DACC619E-4002-4A25-AFE3-B0F469FED219}" srcId="{82BF7999-DE49-4B02-B50A-4E91A516158B}" destId="{25F23385-6A5D-48FC-B58D-8338175AD398}" srcOrd="2" destOrd="0" parTransId="{49B95726-C30B-4F50-AD06-0232C78B8573}" sibTransId="{96C5E055-E7A0-4905-B19D-14DD3FBE8355}"/>
-    <dgm:cxn modelId="{5F58E742-1E2B-4E89-827E-5AC9F677C36F}" type="presOf" srcId="{54D30124-007A-4C9A-88DB-EEF46CA56062}" destId="{4BF84A79-F0B8-4C23-A6BE-45EDCF8E6724}" srcOrd="1" destOrd="0" presId="urn:microsoft.com/office/officeart/2005/8/layout/bProcess3"/>
     <dgm:cxn modelId="{A271CFBC-22BA-4CAC-B429-442665871869}" srcId="{82BF7999-DE49-4B02-B50A-4E91A516158B}" destId="{CEAF6E7B-A235-4E97-B22E-E007038F2C06}" srcOrd="1" destOrd="0" parTransId="{66F56F1C-737A-4009-BE31-35D53F7D1E57}" sibTransId="{54D30124-007A-4C9A-88DB-EEF46CA56062}"/>
     <dgm:cxn modelId="{06368797-46EB-4669-92E5-A78472478D15}" type="presOf" srcId="{FDAFB07A-55C0-4E0A-BC99-BB53504DE334}" destId="{AA3F5F8C-F587-4C38-A5F5-94A0B0ABB808}" srcOrd="0" destOrd="0" presId="urn:microsoft.com/office/officeart/2005/8/layout/bProcess3"/>
+    <dgm:cxn modelId="{0629930D-7F22-4DA1-A78E-6CEE70AE24CC}" type="presOf" srcId="{CEAF6E7B-A235-4E97-B22E-E007038F2C06}" destId="{E9530CEB-3B8E-4A90-AC86-1908B31AFA3C}" srcOrd="0" destOrd="0" presId="urn:microsoft.com/office/officeart/2005/8/layout/bProcess3"/>
     <dgm:cxn modelId="{B25D6A73-E275-4F1F-9FD9-44F439F23364}" type="presOf" srcId="{1EE2DEE5-BF8A-4486-8E2A-F40FD5D32378}" destId="{616AE4C8-5EA6-44FB-BC24-3488D6FCC56D}" srcOrd="0" destOrd="0" presId="urn:microsoft.com/office/officeart/2005/8/layout/bProcess3"/>
+    <dgm:cxn modelId="{5F58E742-1E2B-4E89-827E-5AC9F677C36F}" type="presOf" srcId="{54D30124-007A-4C9A-88DB-EEF46CA56062}" destId="{4BF84A79-F0B8-4C23-A6BE-45EDCF8E6724}" srcOrd="1" destOrd="0" presId="urn:microsoft.com/office/officeart/2005/8/layout/bProcess3"/>
+    <dgm:cxn modelId="{A3679A60-34EE-42FC-B8E7-14D79178AF25}" type="presOf" srcId="{54D30124-007A-4C9A-88DB-EEF46CA56062}" destId="{1942F91E-6C3F-4237-991D-8670CFE6D12C}" srcOrd="0" destOrd="0" presId="urn:microsoft.com/office/officeart/2005/8/layout/bProcess3"/>
+    <dgm:cxn modelId="{30ACB49D-BDBB-4539-A3C8-66F3833D1B28}" type="presOf" srcId="{25F23385-6A5D-48FC-B58D-8338175AD398}" destId="{CC7032B2-C7DD-4031-9D5A-C31C34436923}" srcOrd="0" destOrd="0" presId="urn:microsoft.com/office/officeart/2005/8/layout/bProcess3"/>
+    <dgm:cxn modelId="{490CFFF5-7CE0-4B8D-9678-ABB9CB04620C}" type="presOf" srcId="{5422C932-509A-4863-91D8-D2A4430971E3}" destId="{A77BF775-E608-4841-B760-C29DDEACE52D}" srcOrd="0" destOrd="0" presId="urn:microsoft.com/office/officeart/2005/8/layout/bProcess3"/>
+    <dgm:cxn modelId="{DACC619E-4002-4A25-AFE3-B0F469FED219}" srcId="{82BF7999-DE49-4B02-B50A-4E91A516158B}" destId="{25F23385-6A5D-48FC-B58D-8338175AD398}" srcOrd="2" destOrd="0" parTransId="{49B95726-C30B-4F50-AD06-0232C78B8573}" sibTransId="{96C5E055-E7A0-4905-B19D-14DD3FBE8355}"/>
+    <dgm:cxn modelId="{93BC7CE4-1600-46FF-BB3B-DD96E5F1D191}" srcId="{82BF7999-DE49-4B02-B50A-4E91A516158B}" destId="{2E0D9F87-A655-405B-AD12-6147D22F6074}" srcOrd="4" destOrd="0" parTransId="{684E6172-DBD7-4C4F-B2E3-A62545EC7CC7}" sibTransId="{5C5C4FDB-CCC6-4CE1-B17D-DDFFB00A3374}"/>
+    <dgm:cxn modelId="{0892E0B3-A46A-4AE3-B38B-5B15630B7B62}" type="presOf" srcId="{BFE3B424-16B9-4C38-840C-0847032DF1C4}" destId="{335182A0-E382-4E77-B206-70C6001A973F}" srcOrd="0" destOrd="0" presId="urn:microsoft.com/office/officeart/2005/8/layout/bProcess3"/>
+    <dgm:cxn modelId="{39E7F1E0-93B1-4B62-9DC6-7B911BD6BF9E}" type="presOf" srcId="{82BF7999-DE49-4B02-B50A-4E91A516158B}" destId="{E28BF6C4-4436-42B4-90A8-1AD277FE1D2A}" srcOrd="0" destOrd="0" presId="urn:microsoft.com/office/officeart/2005/8/layout/bProcess3"/>
+    <dgm:cxn modelId="{D6FF0F20-B855-442D-8B53-0708FE865463}" type="presOf" srcId="{5422C932-509A-4863-91D8-D2A4430971E3}" destId="{938C9AAF-9C22-41D0-ACE2-6AD639BBCF15}" srcOrd="1" destOrd="0" presId="urn:microsoft.com/office/officeart/2005/8/layout/bProcess3"/>
     <dgm:cxn modelId="{9305D869-3AEA-4218-BFB5-1AA3F588AC82}" type="presParOf" srcId="{E28BF6C4-4436-42B4-90A8-1AD277FE1D2A}" destId="{335182A0-E382-4E77-B206-70C6001A973F}" srcOrd="0" destOrd="0" presId="urn:microsoft.com/office/officeart/2005/8/layout/bProcess3"/>
     <dgm:cxn modelId="{859AB5A7-F569-45F9-860C-E0A5EC371E97}" type="presParOf" srcId="{E28BF6C4-4436-42B4-90A8-1AD277FE1D2A}" destId="{A77BF775-E608-4841-B760-C29DDEACE52D}" srcOrd="1" destOrd="0" presId="urn:microsoft.com/office/officeart/2005/8/layout/bProcess3"/>
     <dgm:cxn modelId="{27F9C6D5-A18D-49A5-AA6F-3DBE9D7DF8B3}" type="presParOf" srcId="{A77BF775-E608-4841-B760-C29DDEACE52D}" destId="{938C9AAF-9C22-41D0-ACE2-6AD639BBCF15}" srcOrd="0" destOrd="0" presId="urn:microsoft.com/office/officeart/2005/8/layout/bProcess3"/>
@@ -11841,6 +11789,13 @@
     <dgm:pt modelId="{3D294A59-A320-4F25-8195-8CF45427810E}" type="doc">
       <dgm:prSet loTypeId="urn:microsoft.com/office/officeart/2005/8/layout/bList2" loCatId="list" qsTypeId="urn:microsoft.com/office/officeart/2005/8/quickstyle/simple1" qsCatId="simple" csTypeId="urn:microsoft.com/office/officeart/2005/8/colors/colorful5" csCatId="colorful" phldr="1"/>
       <dgm:spPr/>
+      <dgm:t>
+        <a:bodyPr/>
+        <a:lstStyle/>
+        <a:p>
+          <a:endParaRPr lang="ru-RU"/>
+        </a:p>
+      </dgm:t>
     </dgm:pt>
     <dgm:pt modelId="{9FD5FDEE-C020-46A8-A06B-DD27CC99DAE6}">
       <dgm:prSet phldrT="[Текст]"/>
@@ -12040,6 +11995,13 @@
         </dgm:presLayoutVars>
       </dgm:prSet>
       <dgm:spPr/>
+      <dgm:t>
+        <a:bodyPr/>
+        <a:lstStyle/>
+        <a:p>
+          <a:endParaRPr lang="ru-RU"/>
+        </a:p>
+      </dgm:t>
     </dgm:pt>
     <dgm:pt modelId="{8635C4F7-340A-4020-A9BB-D9995D84CEBD}" type="pres">
       <dgm:prSet presAssocID="{9FD5FDEE-C020-46A8-A06B-DD27CC99DAE6}" presName="compNode" presStyleCnt="0"/>
@@ -12051,7 +12013,13 @@
           <dgm:bulletEnabled val="1"/>
         </dgm:presLayoutVars>
       </dgm:prSet>
-      <dgm:spPr/>
+      <dgm:spPr>
+        <a:solidFill>
+          <a:srgbClr val="F5F5F5">
+            <a:alpha val="90000"/>
+          </a:srgbClr>
+        </a:solidFill>
+      </dgm:spPr>
     </dgm:pt>
     <dgm:pt modelId="{46F4C388-7857-49D5-B565-62FCF12C095A}" type="pres">
       <dgm:prSet presAssocID="{9FD5FDEE-C020-46A8-A06B-DD27CC99DAE6}" presName="parentText" presStyleLbl="node1" presStyleIdx="0" presStyleCnt="0">
@@ -12081,8 +12049,15 @@
       </dgm:t>
     </dgm:pt>
     <dgm:pt modelId="{D993C441-F6E5-4ADD-AC7F-E8E4C9EFE1E9}" type="pres">
-      <dgm:prSet presAssocID="{9FD5FDEE-C020-46A8-A06B-DD27CC99DAE6}" presName="adorn" presStyleLbl="fgAccFollowNode1" presStyleIdx="0" presStyleCnt="5" custLinFactX="100000" custLinFactNeighborX="118494" custLinFactNeighborY="12139"/>
-      <dgm:spPr/>
+      <dgm:prSet presAssocID="{9FD5FDEE-C020-46A8-A06B-DD27CC99DAE6}" presName="adorn" presStyleLbl="fgAccFollowNode1" presStyleIdx="0" presStyleCnt="5" custLinFactX="99949" custLinFactNeighborX="100000" custLinFactNeighborY="-10425"/>
+      <dgm:spPr>
+        <a:blipFill rotWithShape="1">
+          <a:blip xmlns:r="http://schemas.openxmlformats.org/officeDocument/2006/relationships" r:embed="rId1"/>
+          <a:stretch>
+            <a:fillRect/>
+          </a:stretch>
+        </a:blipFill>
+      </dgm:spPr>
     </dgm:pt>
     <dgm:pt modelId="{BB8D26B6-6BA2-4F20-B1B5-099226EEE1D0}" type="pres">
       <dgm:prSet presAssocID="{F986B589-80A2-4F0B-9E44-FE9387FFFC5E}" presName="sibTrans" presStyleLbl="sibTrans2D1" presStyleIdx="0" presStyleCnt="0"/>
@@ -12105,7 +12080,13 @@
           <dgm:bulletEnabled val="1"/>
         </dgm:presLayoutVars>
       </dgm:prSet>
-      <dgm:spPr/>
+      <dgm:spPr>
+        <a:solidFill>
+          <a:srgbClr val="F5F5F5">
+            <a:alpha val="90000"/>
+          </a:srgbClr>
+        </a:solidFill>
+      </dgm:spPr>
     </dgm:pt>
     <dgm:pt modelId="{E602A9B8-A911-4404-B233-C47611BC91E7}" type="pres">
       <dgm:prSet presAssocID="{2534510F-963D-4507-898C-5A0F6609E77F}" presName="parentText" presStyleLbl="node1" presStyleIdx="0" presStyleCnt="0">
@@ -12135,8 +12116,15 @@
       </dgm:t>
     </dgm:pt>
     <dgm:pt modelId="{B6ED5273-311F-4361-8CF4-1FF2D6399306}" type="pres">
-      <dgm:prSet presAssocID="{2534510F-963D-4507-898C-5A0F6609E77F}" presName="adorn" presStyleLbl="fgAccFollowNode1" presStyleIdx="1" presStyleCnt="5" custLinFactX="100000" custLinFactNeighborX="118494" custLinFactNeighborY="12139"/>
-      <dgm:spPr/>
+      <dgm:prSet presAssocID="{2534510F-963D-4507-898C-5A0F6609E77F}" presName="adorn" presStyleLbl="fgAccFollowNode1" presStyleIdx="1" presStyleCnt="5" custLinFactX="100000" custLinFactNeighborX="100262" custLinFactNeighborY="-11963"/>
+      <dgm:spPr>
+        <a:blipFill rotWithShape="1">
+          <a:blip xmlns:r="http://schemas.openxmlformats.org/officeDocument/2006/relationships" r:embed="rId2"/>
+          <a:stretch>
+            <a:fillRect/>
+          </a:stretch>
+        </a:blipFill>
+      </dgm:spPr>
     </dgm:pt>
     <dgm:pt modelId="{A2F59E6E-18FC-4348-92FF-FA494AF26BF8}" type="pres">
       <dgm:prSet presAssocID="{9FDBDA42-02DA-4AEE-9DAA-D2146409C3A2}" presName="sibTrans" presStyleLbl="sibTrans2D1" presStyleIdx="0" presStyleCnt="0"/>
@@ -12160,13 +12148,19 @@
         </dgm:presLayoutVars>
       </dgm:prSet>
       <dgm:spPr>
-        <a:blipFill rotWithShape="0">
-          <a:blip xmlns:r="http://schemas.openxmlformats.org/officeDocument/2006/relationships" r:embed="rId1"/>
-          <a:stretch>
-            <a:fillRect/>
-          </a:stretch>
-        </a:blipFill>
+        <a:solidFill>
+          <a:srgbClr val="F5F5F5">
+            <a:alpha val="89804"/>
+          </a:srgbClr>
+        </a:solidFill>
       </dgm:spPr>
+      <dgm:t>
+        <a:bodyPr/>
+        <a:lstStyle/>
+        <a:p>
+          <a:endParaRPr lang="ru-RU"/>
+        </a:p>
+      </dgm:t>
     </dgm:pt>
     <dgm:pt modelId="{05B77F9F-8D2F-411F-89B8-B8039359345D}" type="pres">
       <dgm:prSet presAssocID="{46715B12-CBDC-47F5-8687-92B9D5697040}" presName="parentText" presStyleLbl="node1" presStyleIdx="0" presStyleCnt="0">
@@ -12196,8 +12190,15 @@
       </dgm:t>
     </dgm:pt>
     <dgm:pt modelId="{6252B8DD-EA07-421C-9FAB-27C06F4CEA5C}" type="pres">
-      <dgm:prSet presAssocID="{46715B12-CBDC-47F5-8687-92B9D5697040}" presName="adorn" presStyleLbl="fgAccFollowNode1" presStyleIdx="2" presStyleCnt="5" custLinFactX="100000" custLinFactNeighborX="118494" custLinFactNeighborY="12139"/>
-      <dgm:spPr/>
+      <dgm:prSet presAssocID="{46715B12-CBDC-47F5-8687-92B9D5697040}" presName="adorn" presStyleLbl="fgAccFollowNode1" presStyleIdx="2" presStyleCnt="5" custLinFactX="100000" custLinFactNeighborX="100320" custLinFactNeighborY="-10425"/>
+      <dgm:spPr>
+        <a:blipFill rotWithShape="1">
+          <a:blip xmlns:r="http://schemas.openxmlformats.org/officeDocument/2006/relationships" r:embed="rId3"/>
+          <a:stretch>
+            <a:fillRect/>
+          </a:stretch>
+        </a:blipFill>
+      </dgm:spPr>
     </dgm:pt>
     <dgm:pt modelId="{18CEF7F3-CE9A-46D2-8A28-122C7389F5C3}" type="pres">
       <dgm:prSet presAssocID="{4BC5A430-2036-471A-A026-870941513803}" presName="sibTrans" presStyleLbl="sibTrans2D1" presStyleIdx="0" presStyleCnt="0"/>
@@ -12220,7 +12221,13 @@
           <dgm:bulletEnabled val="1"/>
         </dgm:presLayoutVars>
       </dgm:prSet>
-      <dgm:spPr/>
+      <dgm:spPr>
+        <a:solidFill>
+          <a:srgbClr val="F5F5F5">
+            <a:alpha val="90000"/>
+          </a:srgbClr>
+        </a:solidFill>
+      </dgm:spPr>
     </dgm:pt>
     <dgm:pt modelId="{197B4786-3B02-4949-A974-E44B528EF2A4}" type="pres">
       <dgm:prSet presAssocID="{F5DDEE45-EA86-466A-B8A2-7A37CFE27051}" presName="parentText" presStyleLbl="node1" presStyleIdx="0" presStyleCnt="0">
@@ -12250,8 +12257,15 @@
       </dgm:t>
     </dgm:pt>
     <dgm:pt modelId="{FE03FD3A-2D69-4662-8B2B-4DEF1EA56634}" type="pres">
-      <dgm:prSet presAssocID="{F5DDEE45-EA86-466A-B8A2-7A37CFE27051}" presName="adorn" presStyleLbl="fgAccFollowNode1" presStyleIdx="3" presStyleCnt="5" custLinFactX="-400000" custLinFactY="170502" custLinFactNeighborX="-411187" custLinFactNeighborY="200000"/>
-      <dgm:spPr/>
+      <dgm:prSet presAssocID="{F5DDEE45-EA86-466A-B8A2-7A37CFE27051}" presName="adorn" presStyleLbl="fgAccFollowNode1" presStyleIdx="3" presStyleCnt="5" custLinFactX="-400000" custLinFactY="162275" custLinFactNeighborX="-409799" custLinFactNeighborY="200000"/>
+      <dgm:spPr>
+        <a:blipFill rotWithShape="1">
+          <a:blip xmlns:r="http://schemas.openxmlformats.org/officeDocument/2006/relationships" r:embed="rId4"/>
+          <a:stretch>
+            <a:fillRect/>
+          </a:stretch>
+        </a:blipFill>
+      </dgm:spPr>
     </dgm:pt>
     <dgm:pt modelId="{7235E80A-5724-45EF-84C3-E1501851546A}" type="pres">
       <dgm:prSet presAssocID="{1BCEE059-CC77-43C6-8DCC-9715578FBE33}" presName="sibTrans" presStyleLbl="sibTrans2D1" presStyleIdx="0" presStyleCnt="0"/>
@@ -12274,7 +12288,13 @@
           <dgm:bulletEnabled val="1"/>
         </dgm:presLayoutVars>
       </dgm:prSet>
-      <dgm:spPr/>
+      <dgm:spPr>
+        <a:solidFill>
+          <a:srgbClr val="F5F5F5">
+            <a:alpha val="89804"/>
+          </a:srgbClr>
+        </a:solidFill>
+      </dgm:spPr>
     </dgm:pt>
     <dgm:pt modelId="{E44C6416-5C3E-4FA4-B0AD-71852ABDD8E6}" type="pres">
       <dgm:prSet presAssocID="{E27DE2CE-E3D7-46A8-A8B2-F55B85A2F774}" presName="parentText" presStyleLbl="node1" presStyleIdx="0" presStyleCnt="0">
@@ -12304,62 +12324,71 @@
       </dgm:t>
     </dgm:pt>
     <dgm:pt modelId="{1CA9A699-C967-4B5E-BD5E-76FF5BDA563E}" type="pres">
-      <dgm:prSet presAssocID="{E27DE2CE-E3D7-46A8-A8B2-F55B85A2F774}" presName="adorn" presStyleLbl="fgAccFollowNode1" presStyleIdx="4" presStyleCnt="5" custLinFactX="98402" custLinFactNeighborX="100000" custLinFactNeighborY="-6873"/>
-      <dgm:spPr/>
+      <dgm:prSet presAssocID="{E27DE2CE-E3D7-46A8-A8B2-F55B85A2F774}" presName="adorn" presStyleLbl="fgAccFollowNode1" presStyleIdx="4" presStyleCnt="5" custLinFactX="100000" custLinFactNeighborX="118907" custLinFactNeighborY="-13960"/>
+      <dgm:spPr>
+        <a:blipFill rotWithShape="1">
+          <a:blip xmlns:r="http://schemas.openxmlformats.org/officeDocument/2006/relationships" r:embed="rId5"/>
+          <a:stretch>
+            <a:fillRect/>
+          </a:stretch>
+        </a:blipFill>
+      </dgm:spPr>
     </dgm:pt>
   </dgm:ptLst>
   <dgm:cxnLst>
+    <dgm:cxn modelId="{4C41F7FF-3B3C-4CE8-844D-0CCA02349806}" type="presOf" srcId="{3D294A59-A320-4F25-8195-8CF45427810E}" destId="{5CBF7B7D-9652-4F18-817C-A2B0F4EDE80D}" srcOrd="0" destOrd="0" presId="urn:microsoft.com/office/officeart/2005/8/layout/bList2"/>
     <dgm:cxn modelId="{AC55A39D-C938-4361-B5A1-90E8BF5D5FEB}" srcId="{3D294A59-A320-4F25-8195-8CF45427810E}" destId="{E27DE2CE-E3D7-46A8-A8B2-F55B85A2F774}" srcOrd="4" destOrd="0" parTransId="{4C89CC88-4BB3-4270-B2E9-A6E38A616DE4}" sibTransId="{CC85DB93-B105-4FE1-A0A8-2534D35257FA}"/>
-    <dgm:cxn modelId="{661443EC-2980-4ECA-9664-20F29A8141E5}" type="presOf" srcId="{46715B12-CBDC-47F5-8687-92B9D5697040}" destId="{05B77F9F-8D2F-411F-89B8-B8039359345D}" srcOrd="0" destOrd="0" presId="urn:microsoft.com/office/officeart/2005/8/layout/bList2"/>
     <dgm:cxn modelId="{1B71F3DB-3B67-46D6-8DDA-D1611B2FAFBB}" srcId="{3D294A59-A320-4F25-8195-8CF45427810E}" destId="{9FD5FDEE-C020-46A8-A06B-DD27CC99DAE6}" srcOrd="0" destOrd="0" parTransId="{CE16E0A5-6885-4E50-A06B-E3ABA8FFFF5C}" sibTransId="{F986B589-80A2-4F0B-9E44-FE9387FFFC5E}"/>
-    <dgm:cxn modelId="{EC3D75CC-F746-4E9D-A93B-6D77C6B9A659}" type="presOf" srcId="{F5DDEE45-EA86-466A-B8A2-7A37CFE27051}" destId="{30F2E183-C4F2-4C6E-A3F5-01FE90980489}" srcOrd="1" destOrd="0" presId="urn:microsoft.com/office/officeart/2005/8/layout/bList2"/>
-    <dgm:cxn modelId="{572B8194-EE51-4DAF-AB43-C0535D8DF444}" type="presOf" srcId="{F986B589-80A2-4F0B-9E44-FE9387FFFC5E}" destId="{BB8D26B6-6BA2-4F20-B1B5-099226EEE1D0}" srcOrd="0" destOrd="0" presId="urn:microsoft.com/office/officeart/2005/8/layout/bList2"/>
-    <dgm:cxn modelId="{BDE48EDB-3033-4360-AE06-1CE17B1576F4}" type="presOf" srcId="{9FD5FDEE-C020-46A8-A06B-DD27CC99DAE6}" destId="{FD6F0401-AF29-41F8-A535-529E291548FB}" srcOrd="1" destOrd="0" presId="urn:microsoft.com/office/officeart/2005/8/layout/bList2"/>
-    <dgm:cxn modelId="{66D364A6-52F5-47E0-AE6E-4773EEBBAC57}" type="presOf" srcId="{9FDBDA42-02DA-4AEE-9DAA-D2146409C3A2}" destId="{A2F59E6E-18FC-4348-92FF-FA494AF26BF8}" srcOrd="0" destOrd="0" presId="urn:microsoft.com/office/officeart/2005/8/layout/bList2"/>
-    <dgm:cxn modelId="{0B047935-A5FB-4D7E-BA76-53CFA1F4989C}" type="presOf" srcId="{9FD5FDEE-C020-46A8-A06B-DD27CC99DAE6}" destId="{46F4C388-7857-49D5-B565-62FCF12C095A}" srcOrd="0" destOrd="0" presId="urn:microsoft.com/office/officeart/2005/8/layout/bList2"/>
-    <dgm:cxn modelId="{D7E01FFD-21A6-4789-B318-5FF4EFED23ED}" type="presOf" srcId="{1BCEE059-CC77-43C6-8DCC-9715578FBE33}" destId="{7235E80A-5724-45EF-84C3-E1501851546A}" srcOrd="0" destOrd="0" presId="urn:microsoft.com/office/officeart/2005/8/layout/bList2"/>
+    <dgm:cxn modelId="{8761940A-E4AC-4B35-8FF8-4B81BBB45A8B}" type="presOf" srcId="{4BC5A430-2036-471A-A026-870941513803}" destId="{18CEF7F3-CE9A-46D2-8A28-122C7389F5C3}" srcOrd="0" destOrd="0" presId="urn:microsoft.com/office/officeart/2005/8/layout/bList2"/>
+    <dgm:cxn modelId="{A97796EB-5CE4-4E4B-B396-34A2335A4786}" type="presOf" srcId="{2534510F-963D-4507-898C-5A0F6609E77F}" destId="{DCA139E6-E6F6-42D5-9E81-7BB03FB2B652}" srcOrd="1" destOrd="0" presId="urn:microsoft.com/office/officeart/2005/8/layout/bList2"/>
+    <dgm:cxn modelId="{4CE8D215-FD1D-4C02-B0FC-1BA9F76A6B65}" type="presOf" srcId="{F986B589-80A2-4F0B-9E44-FE9387FFFC5E}" destId="{BB8D26B6-6BA2-4F20-B1B5-099226EEE1D0}" srcOrd="0" destOrd="0" presId="urn:microsoft.com/office/officeart/2005/8/layout/bList2"/>
+    <dgm:cxn modelId="{2F32A5DA-0678-4739-B266-3C22BB349AD0}" type="presOf" srcId="{9FDBDA42-02DA-4AEE-9DAA-D2146409C3A2}" destId="{A2F59E6E-18FC-4348-92FF-FA494AF26BF8}" srcOrd="0" destOrd="0" presId="urn:microsoft.com/office/officeart/2005/8/layout/bList2"/>
     <dgm:cxn modelId="{9710E300-5BDE-46B9-B0C5-7D2F0AB721BF}" srcId="{3D294A59-A320-4F25-8195-8CF45427810E}" destId="{F5DDEE45-EA86-466A-B8A2-7A37CFE27051}" srcOrd="3" destOrd="0" parTransId="{C03D7BC7-24A4-4BE3-B7F9-B934447479C6}" sibTransId="{1BCEE059-CC77-43C6-8DCC-9715578FBE33}"/>
-    <dgm:cxn modelId="{51CF1A84-2E2A-4A26-A2A0-5556C7E3B20E}" type="presOf" srcId="{F5DDEE45-EA86-466A-B8A2-7A37CFE27051}" destId="{197B4786-3B02-4949-A974-E44B528EF2A4}" srcOrd="0" destOrd="0" presId="urn:microsoft.com/office/officeart/2005/8/layout/bList2"/>
-    <dgm:cxn modelId="{B647886C-32E5-405F-A397-D62FB1F20735}" type="presOf" srcId="{2534510F-963D-4507-898C-5A0F6609E77F}" destId="{E602A9B8-A911-4404-B233-C47611BC91E7}" srcOrd="0" destOrd="0" presId="urn:microsoft.com/office/officeart/2005/8/layout/bList2"/>
-    <dgm:cxn modelId="{DB168130-6511-46C5-93B9-A6CCE0229A44}" type="presOf" srcId="{2534510F-963D-4507-898C-5A0F6609E77F}" destId="{DCA139E6-E6F6-42D5-9E81-7BB03FB2B652}" srcOrd="1" destOrd="0" presId="urn:microsoft.com/office/officeart/2005/8/layout/bList2"/>
-    <dgm:cxn modelId="{B10F5F3F-AECE-434D-B4D2-F2C62D88FC36}" type="presOf" srcId="{E27DE2CE-E3D7-46A8-A8B2-F55B85A2F774}" destId="{E44C6416-5C3E-4FA4-B0AD-71852ABDD8E6}" srcOrd="0" destOrd="0" presId="urn:microsoft.com/office/officeart/2005/8/layout/bList2"/>
-    <dgm:cxn modelId="{BB89B18A-32A8-413E-996E-33C4C6922841}" type="presOf" srcId="{4BC5A430-2036-471A-A026-870941513803}" destId="{18CEF7F3-CE9A-46D2-8A28-122C7389F5C3}" srcOrd="0" destOrd="0" presId="urn:microsoft.com/office/officeart/2005/8/layout/bList2"/>
-    <dgm:cxn modelId="{2BBFBE67-0311-452B-A56A-B79907D1D3EB}" type="presOf" srcId="{E27DE2CE-E3D7-46A8-A8B2-F55B85A2F774}" destId="{76B058C9-F67F-41B0-BF7F-97729F02222F}" srcOrd="1" destOrd="0" presId="urn:microsoft.com/office/officeart/2005/8/layout/bList2"/>
-    <dgm:cxn modelId="{F72966F9-18D9-496C-8AF7-22903FAAAFB9}" type="presOf" srcId="{46715B12-CBDC-47F5-8687-92B9D5697040}" destId="{AFE01F06-F759-41CB-A286-977BC96129F7}" srcOrd="1" destOrd="0" presId="urn:microsoft.com/office/officeart/2005/8/layout/bList2"/>
+    <dgm:cxn modelId="{3034B715-AB25-4C05-99BB-AC1B7EC8864B}" type="presOf" srcId="{9FD5FDEE-C020-46A8-A06B-DD27CC99DAE6}" destId="{46F4C388-7857-49D5-B565-62FCF12C095A}" srcOrd="0" destOrd="0" presId="urn:microsoft.com/office/officeart/2005/8/layout/bList2"/>
+    <dgm:cxn modelId="{22CAC1A8-9320-4298-81DE-A9499B49B750}" type="presOf" srcId="{46715B12-CBDC-47F5-8687-92B9D5697040}" destId="{AFE01F06-F759-41CB-A286-977BC96129F7}" srcOrd="1" destOrd="0" presId="urn:microsoft.com/office/officeart/2005/8/layout/bList2"/>
+    <dgm:cxn modelId="{E9AAD42E-5BEF-45B6-8315-757AA5D9631F}" type="presOf" srcId="{E27DE2CE-E3D7-46A8-A8B2-F55B85A2F774}" destId="{E44C6416-5C3E-4FA4-B0AD-71852ABDD8E6}" srcOrd="0" destOrd="0" presId="urn:microsoft.com/office/officeart/2005/8/layout/bList2"/>
+    <dgm:cxn modelId="{94B36EFB-C299-4A60-AFFC-592D040EB0C4}" type="presOf" srcId="{E27DE2CE-E3D7-46A8-A8B2-F55B85A2F774}" destId="{76B058C9-F67F-41B0-BF7F-97729F02222F}" srcOrd="1" destOrd="0" presId="urn:microsoft.com/office/officeart/2005/8/layout/bList2"/>
+    <dgm:cxn modelId="{F64808CF-8F5F-4A69-8F02-15151B2BE97D}" type="presOf" srcId="{2534510F-963D-4507-898C-5A0F6609E77F}" destId="{E602A9B8-A911-4404-B233-C47611BC91E7}" srcOrd="0" destOrd="0" presId="urn:microsoft.com/office/officeart/2005/8/layout/bList2"/>
     <dgm:cxn modelId="{3349EC09-7119-4F13-A2FB-C07A44C374C4}" srcId="{3D294A59-A320-4F25-8195-8CF45427810E}" destId="{2534510F-963D-4507-898C-5A0F6609E77F}" srcOrd="1" destOrd="0" parTransId="{B2A606C3-78F7-4D82-B0EE-0B5FAB0DA415}" sibTransId="{9FDBDA42-02DA-4AEE-9DAA-D2146409C3A2}"/>
-    <dgm:cxn modelId="{21134E88-4444-411C-A741-98979681D406}" type="presOf" srcId="{3D294A59-A320-4F25-8195-8CF45427810E}" destId="{5CBF7B7D-9652-4F18-817C-A2B0F4EDE80D}" srcOrd="0" destOrd="0" presId="urn:microsoft.com/office/officeart/2005/8/layout/bList2"/>
+    <dgm:cxn modelId="{1ABACA1B-CE38-4C7E-BF9F-8D51BC5F0213}" type="presOf" srcId="{F5DDEE45-EA86-466A-B8A2-7A37CFE27051}" destId="{197B4786-3B02-4949-A974-E44B528EF2A4}" srcOrd="0" destOrd="0" presId="urn:microsoft.com/office/officeart/2005/8/layout/bList2"/>
+    <dgm:cxn modelId="{A2AFA8F2-BD5C-4230-901D-51988B480D29}" type="presOf" srcId="{1BCEE059-CC77-43C6-8DCC-9715578FBE33}" destId="{7235E80A-5724-45EF-84C3-E1501851546A}" srcOrd="0" destOrd="0" presId="urn:microsoft.com/office/officeart/2005/8/layout/bList2"/>
+    <dgm:cxn modelId="{8C7DDA59-0F01-436A-AD8D-926AF5DC96F2}" type="presOf" srcId="{9FD5FDEE-C020-46A8-A06B-DD27CC99DAE6}" destId="{FD6F0401-AF29-41F8-A535-529E291548FB}" srcOrd="1" destOrd="0" presId="urn:microsoft.com/office/officeart/2005/8/layout/bList2"/>
     <dgm:cxn modelId="{CF8A976F-227D-47F3-AD98-3FD5E3A4A3D3}" srcId="{3D294A59-A320-4F25-8195-8CF45427810E}" destId="{46715B12-CBDC-47F5-8687-92B9D5697040}" srcOrd="2" destOrd="0" parTransId="{BBFDA0A9-638A-424C-8F55-666E7AE5D35B}" sibTransId="{4BC5A430-2036-471A-A026-870941513803}"/>
-    <dgm:cxn modelId="{03BB7D92-9D0A-495B-84FB-71F81E90C456}" type="presParOf" srcId="{5CBF7B7D-9652-4F18-817C-A2B0F4EDE80D}" destId="{8635C4F7-340A-4020-A9BB-D9995D84CEBD}" srcOrd="0" destOrd="0" presId="urn:microsoft.com/office/officeart/2005/8/layout/bList2"/>
-    <dgm:cxn modelId="{C7DA7597-E709-4788-81E4-5B0A527E533E}" type="presParOf" srcId="{8635C4F7-340A-4020-A9BB-D9995D84CEBD}" destId="{D2517A90-73B1-4F11-98D9-FA59EB9AACB0}" srcOrd="0" destOrd="0" presId="urn:microsoft.com/office/officeart/2005/8/layout/bList2"/>
-    <dgm:cxn modelId="{8158FA09-E29C-4D27-8736-9C02DE9A1DC3}" type="presParOf" srcId="{8635C4F7-340A-4020-A9BB-D9995D84CEBD}" destId="{46F4C388-7857-49D5-B565-62FCF12C095A}" srcOrd="1" destOrd="0" presId="urn:microsoft.com/office/officeart/2005/8/layout/bList2"/>
-    <dgm:cxn modelId="{E3B97F13-130F-4ED4-ACDF-DD571AC488BE}" type="presParOf" srcId="{8635C4F7-340A-4020-A9BB-D9995D84CEBD}" destId="{FD6F0401-AF29-41F8-A535-529E291548FB}" srcOrd="2" destOrd="0" presId="urn:microsoft.com/office/officeart/2005/8/layout/bList2"/>
-    <dgm:cxn modelId="{C2ECDB06-20E9-4AE7-8241-99CF9A7FB9A2}" type="presParOf" srcId="{8635C4F7-340A-4020-A9BB-D9995D84CEBD}" destId="{D993C441-F6E5-4ADD-AC7F-E8E4C9EFE1E9}" srcOrd="3" destOrd="0" presId="urn:microsoft.com/office/officeart/2005/8/layout/bList2"/>
-    <dgm:cxn modelId="{98CFAB6F-5FDD-45A3-B1C9-3E65FEE5541E}" type="presParOf" srcId="{5CBF7B7D-9652-4F18-817C-A2B0F4EDE80D}" destId="{BB8D26B6-6BA2-4F20-B1B5-099226EEE1D0}" srcOrd="1" destOrd="0" presId="urn:microsoft.com/office/officeart/2005/8/layout/bList2"/>
-    <dgm:cxn modelId="{7EF20A7A-7DAD-4B21-988B-F24151C3F8AA}" type="presParOf" srcId="{5CBF7B7D-9652-4F18-817C-A2B0F4EDE80D}" destId="{1FC9A171-CEBC-4A9D-8FA2-301171781D64}" srcOrd="2" destOrd="0" presId="urn:microsoft.com/office/officeart/2005/8/layout/bList2"/>
-    <dgm:cxn modelId="{62805718-57E6-4359-B358-ED5F82D9C0EC}" type="presParOf" srcId="{1FC9A171-CEBC-4A9D-8FA2-301171781D64}" destId="{6641DB0B-0AE4-42CF-B852-92D200290CC7}" srcOrd="0" destOrd="0" presId="urn:microsoft.com/office/officeart/2005/8/layout/bList2"/>
-    <dgm:cxn modelId="{A4240835-F2A1-4F0A-B6AD-BABBC6834CAF}" type="presParOf" srcId="{1FC9A171-CEBC-4A9D-8FA2-301171781D64}" destId="{E602A9B8-A911-4404-B233-C47611BC91E7}" srcOrd="1" destOrd="0" presId="urn:microsoft.com/office/officeart/2005/8/layout/bList2"/>
-    <dgm:cxn modelId="{AD33BD86-8BA5-4A6E-9CC8-BCB63897DFB0}" type="presParOf" srcId="{1FC9A171-CEBC-4A9D-8FA2-301171781D64}" destId="{DCA139E6-E6F6-42D5-9E81-7BB03FB2B652}" srcOrd="2" destOrd="0" presId="urn:microsoft.com/office/officeart/2005/8/layout/bList2"/>
-    <dgm:cxn modelId="{BBDB63DF-6736-4353-8FF9-0C3F94D2EE42}" type="presParOf" srcId="{1FC9A171-CEBC-4A9D-8FA2-301171781D64}" destId="{B6ED5273-311F-4361-8CF4-1FF2D6399306}" srcOrd="3" destOrd="0" presId="urn:microsoft.com/office/officeart/2005/8/layout/bList2"/>
-    <dgm:cxn modelId="{C53C277D-7C2C-4778-AC91-2DFBFB7C43A4}" type="presParOf" srcId="{5CBF7B7D-9652-4F18-817C-A2B0F4EDE80D}" destId="{A2F59E6E-18FC-4348-92FF-FA494AF26BF8}" srcOrd="3" destOrd="0" presId="urn:microsoft.com/office/officeart/2005/8/layout/bList2"/>
-    <dgm:cxn modelId="{A11A95FF-E17D-4526-AEA5-1AA2ABDBD610}" type="presParOf" srcId="{5CBF7B7D-9652-4F18-817C-A2B0F4EDE80D}" destId="{77EB392B-1D30-4F53-AB07-380685E2949C}" srcOrd="4" destOrd="0" presId="urn:microsoft.com/office/officeart/2005/8/layout/bList2"/>
-    <dgm:cxn modelId="{4C8C3FFC-7697-4030-8D28-CD9843A41A14}" type="presParOf" srcId="{77EB392B-1D30-4F53-AB07-380685E2949C}" destId="{26DEEC0A-A8DF-4454-994F-C92F21430ED4}" srcOrd="0" destOrd="0" presId="urn:microsoft.com/office/officeart/2005/8/layout/bList2"/>
-    <dgm:cxn modelId="{A01042FD-95BB-4315-9F49-9094D8A02311}" type="presParOf" srcId="{77EB392B-1D30-4F53-AB07-380685E2949C}" destId="{05B77F9F-8D2F-411F-89B8-B8039359345D}" srcOrd="1" destOrd="0" presId="urn:microsoft.com/office/officeart/2005/8/layout/bList2"/>
-    <dgm:cxn modelId="{98D9A5D2-7C2B-4937-97C7-72900E86DE48}" type="presParOf" srcId="{77EB392B-1D30-4F53-AB07-380685E2949C}" destId="{AFE01F06-F759-41CB-A286-977BC96129F7}" srcOrd="2" destOrd="0" presId="urn:microsoft.com/office/officeart/2005/8/layout/bList2"/>
-    <dgm:cxn modelId="{A5FB8BDF-8C51-4208-8022-7A3C634F8944}" type="presParOf" srcId="{77EB392B-1D30-4F53-AB07-380685E2949C}" destId="{6252B8DD-EA07-421C-9FAB-27C06F4CEA5C}" srcOrd="3" destOrd="0" presId="urn:microsoft.com/office/officeart/2005/8/layout/bList2"/>
-    <dgm:cxn modelId="{F6BB0634-C155-440D-872A-868B7EDA1FED}" type="presParOf" srcId="{5CBF7B7D-9652-4F18-817C-A2B0F4EDE80D}" destId="{18CEF7F3-CE9A-46D2-8A28-122C7389F5C3}" srcOrd="5" destOrd="0" presId="urn:microsoft.com/office/officeart/2005/8/layout/bList2"/>
-    <dgm:cxn modelId="{9D8AF367-3020-472B-8682-9EE5171F4F76}" type="presParOf" srcId="{5CBF7B7D-9652-4F18-817C-A2B0F4EDE80D}" destId="{1A38842A-34FE-472A-B520-3619208D4B2D}" srcOrd="6" destOrd="0" presId="urn:microsoft.com/office/officeart/2005/8/layout/bList2"/>
-    <dgm:cxn modelId="{341A2BB2-4385-4E48-872D-658561D45982}" type="presParOf" srcId="{1A38842A-34FE-472A-B520-3619208D4B2D}" destId="{D3A5AE8D-F3D4-49A9-810C-77D249CBF617}" srcOrd="0" destOrd="0" presId="urn:microsoft.com/office/officeart/2005/8/layout/bList2"/>
-    <dgm:cxn modelId="{C432B799-5AEA-4B72-849A-9F3008A79E63}" type="presParOf" srcId="{1A38842A-34FE-472A-B520-3619208D4B2D}" destId="{197B4786-3B02-4949-A974-E44B528EF2A4}" srcOrd="1" destOrd="0" presId="urn:microsoft.com/office/officeart/2005/8/layout/bList2"/>
-    <dgm:cxn modelId="{EC895E1B-634F-4CB0-A5AA-4590875762C6}" type="presParOf" srcId="{1A38842A-34FE-472A-B520-3619208D4B2D}" destId="{30F2E183-C4F2-4C6E-A3F5-01FE90980489}" srcOrd="2" destOrd="0" presId="urn:microsoft.com/office/officeart/2005/8/layout/bList2"/>
-    <dgm:cxn modelId="{531DBBAB-6307-4093-A97A-27BD6AD3CF58}" type="presParOf" srcId="{1A38842A-34FE-472A-B520-3619208D4B2D}" destId="{FE03FD3A-2D69-4662-8B2B-4DEF1EA56634}" srcOrd="3" destOrd="0" presId="urn:microsoft.com/office/officeart/2005/8/layout/bList2"/>
-    <dgm:cxn modelId="{B31A13DA-6FCD-471D-8E62-2BABC208D27A}" type="presParOf" srcId="{5CBF7B7D-9652-4F18-817C-A2B0F4EDE80D}" destId="{7235E80A-5724-45EF-84C3-E1501851546A}" srcOrd="7" destOrd="0" presId="urn:microsoft.com/office/officeart/2005/8/layout/bList2"/>
-    <dgm:cxn modelId="{34F5D4F0-7EC6-4468-BCF6-3EFA5F5A7A29}" type="presParOf" srcId="{5CBF7B7D-9652-4F18-817C-A2B0F4EDE80D}" destId="{865B4BF0-5A4C-4133-98CE-6222BBE6E340}" srcOrd="8" destOrd="0" presId="urn:microsoft.com/office/officeart/2005/8/layout/bList2"/>
-    <dgm:cxn modelId="{E06FAFC9-1C57-45D6-AF32-C1FE01C25F78}" type="presParOf" srcId="{865B4BF0-5A4C-4133-98CE-6222BBE6E340}" destId="{8FCED29E-A99A-4AE2-BC48-B61B286EF639}" srcOrd="0" destOrd="0" presId="urn:microsoft.com/office/officeart/2005/8/layout/bList2"/>
-    <dgm:cxn modelId="{5BC0F307-77ED-4F82-9924-30D1FA662AA1}" type="presParOf" srcId="{865B4BF0-5A4C-4133-98CE-6222BBE6E340}" destId="{E44C6416-5C3E-4FA4-B0AD-71852ABDD8E6}" srcOrd="1" destOrd="0" presId="urn:microsoft.com/office/officeart/2005/8/layout/bList2"/>
-    <dgm:cxn modelId="{9CE700F4-9A70-48BA-9517-7C7EBF110261}" type="presParOf" srcId="{865B4BF0-5A4C-4133-98CE-6222BBE6E340}" destId="{76B058C9-F67F-41B0-BF7F-97729F02222F}" srcOrd="2" destOrd="0" presId="urn:microsoft.com/office/officeart/2005/8/layout/bList2"/>
-    <dgm:cxn modelId="{35079E01-A9A4-4E58-975B-A2C55DBFA27D}" type="presParOf" srcId="{865B4BF0-5A4C-4133-98CE-6222BBE6E340}" destId="{1CA9A699-C967-4B5E-BD5E-76FF5BDA563E}" srcOrd="3" destOrd="0" presId="urn:microsoft.com/office/officeart/2005/8/layout/bList2"/>
+    <dgm:cxn modelId="{F9A072C3-621E-4B01-AB09-55767770BD19}" type="presOf" srcId="{46715B12-CBDC-47F5-8687-92B9D5697040}" destId="{05B77F9F-8D2F-411F-89B8-B8039359345D}" srcOrd="0" destOrd="0" presId="urn:microsoft.com/office/officeart/2005/8/layout/bList2"/>
+    <dgm:cxn modelId="{C292600D-F304-4B9A-8A47-3A24AC485912}" type="presOf" srcId="{F5DDEE45-EA86-466A-B8A2-7A37CFE27051}" destId="{30F2E183-C4F2-4C6E-A3F5-01FE90980489}" srcOrd="1" destOrd="0" presId="urn:microsoft.com/office/officeart/2005/8/layout/bList2"/>
+    <dgm:cxn modelId="{273FAB05-EBA4-434D-9F1F-C349F495041A}" type="presParOf" srcId="{5CBF7B7D-9652-4F18-817C-A2B0F4EDE80D}" destId="{8635C4F7-340A-4020-A9BB-D9995D84CEBD}" srcOrd="0" destOrd="0" presId="urn:microsoft.com/office/officeart/2005/8/layout/bList2"/>
+    <dgm:cxn modelId="{40DA633A-2116-4921-A3FA-72CB6067413C}" type="presParOf" srcId="{8635C4F7-340A-4020-A9BB-D9995D84CEBD}" destId="{D2517A90-73B1-4F11-98D9-FA59EB9AACB0}" srcOrd="0" destOrd="0" presId="urn:microsoft.com/office/officeart/2005/8/layout/bList2"/>
+    <dgm:cxn modelId="{32822B23-7B56-4DEB-8FAF-B35C1509E2F8}" type="presParOf" srcId="{8635C4F7-340A-4020-A9BB-D9995D84CEBD}" destId="{46F4C388-7857-49D5-B565-62FCF12C095A}" srcOrd="1" destOrd="0" presId="urn:microsoft.com/office/officeart/2005/8/layout/bList2"/>
+    <dgm:cxn modelId="{4D181149-A123-467C-ABE0-B779F13F8981}" type="presParOf" srcId="{8635C4F7-340A-4020-A9BB-D9995D84CEBD}" destId="{FD6F0401-AF29-41F8-A535-529E291548FB}" srcOrd="2" destOrd="0" presId="urn:microsoft.com/office/officeart/2005/8/layout/bList2"/>
+    <dgm:cxn modelId="{82D1DCD8-0932-4F45-9483-803DFD0F1FE9}" type="presParOf" srcId="{8635C4F7-340A-4020-A9BB-D9995D84CEBD}" destId="{D993C441-F6E5-4ADD-AC7F-E8E4C9EFE1E9}" srcOrd="3" destOrd="0" presId="urn:microsoft.com/office/officeart/2005/8/layout/bList2"/>
+    <dgm:cxn modelId="{42D741E8-8383-4496-AD00-C794F4215AF0}" type="presParOf" srcId="{5CBF7B7D-9652-4F18-817C-A2B0F4EDE80D}" destId="{BB8D26B6-6BA2-4F20-B1B5-099226EEE1D0}" srcOrd="1" destOrd="0" presId="urn:microsoft.com/office/officeart/2005/8/layout/bList2"/>
+    <dgm:cxn modelId="{DA859F50-FC79-4FC6-8AEF-F3CEFF1BFFA9}" type="presParOf" srcId="{5CBF7B7D-9652-4F18-817C-A2B0F4EDE80D}" destId="{1FC9A171-CEBC-4A9D-8FA2-301171781D64}" srcOrd="2" destOrd="0" presId="urn:microsoft.com/office/officeart/2005/8/layout/bList2"/>
+    <dgm:cxn modelId="{13FC4C37-1896-4E02-9940-13EAC200DB77}" type="presParOf" srcId="{1FC9A171-CEBC-4A9D-8FA2-301171781D64}" destId="{6641DB0B-0AE4-42CF-B852-92D200290CC7}" srcOrd="0" destOrd="0" presId="urn:microsoft.com/office/officeart/2005/8/layout/bList2"/>
+    <dgm:cxn modelId="{5B251D29-676A-4174-B012-E00580B0E585}" type="presParOf" srcId="{1FC9A171-CEBC-4A9D-8FA2-301171781D64}" destId="{E602A9B8-A911-4404-B233-C47611BC91E7}" srcOrd="1" destOrd="0" presId="urn:microsoft.com/office/officeart/2005/8/layout/bList2"/>
+    <dgm:cxn modelId="{6ECA17D7-1994-47C0-8182-3DF8563A06CF}" type="presParOf" srcId="{1FC9A171-CEBC-4A9D-8FA2-301171781D64}" destId="{DCA139E6-E6F6-42D5-9E81-7BB03FB2B652}" srcOrd="2" destOrd="0" presId="urn:microsoft.com/office/officeart/2005/8/layout/bList2"/>
+    <dgm:cxn modelId="{08312587-4FA4-44BA-A225-7CD57EEAEC48}" type="presParOf" srcId="{1FC9A171-CEBC-4A9D-8FA2-301171781D64}" destId="{B6ED5273-311F-4361-8CF4-1FF2D6399306}" srcOrd="3" destOrd="0" presId="urn:microsoft.com/office/officeart/2005/8/layout/bList2"/>
+    <dgm:cxn modelId="{6DBCE92A-C690-4D5D-A420-6DBF69C32AB0}" type="presParOf" srcId="{5CBF7B7D-9652-4F18-817C-A2B0F4EDE80D}" destId="{A2F59E6E-18FC-4348-92FF-FA494AF26BF8}" srcOrd="3" destOrd="0" presId="urn:microsoft.com/office/officeart/2005/8/layout/bList2"/>
+    <dgm:cxn modelId="{30779544-F111-42AC-A65B-57BB2D2A92ED}" type="presParOf" srcId="{5CBF7B7D-9652-4F18-817C-A2B0F4EDE80D}" destId="{77EB392B-1D30-4F53-AB07-380685E2949C}" srcOrd="4" destOrd="0" presId="urn:microsoft.com/office/officeart/2005/8/layout/bList2"/>
+    <dgm:cxn modelId="{7014AD4E-2332-497F-9AB9-BB35B708203C}" type="presParOf" srcId="{77EB392B-1D30-4F53-AB07-380685E2949C}" destId="{26DEEC0A-A8DF-4454-994F-C92F21430ED4}" srcOrd="0" destOrd="0" presId="urn:microsoft.com/office/officeart/2005/8/layout/bList2"/>
+    <dgm:cxn modelId="{CEA2B0E8-E024-4F9D-9534-83D8AC691795}" type="presParOf" srcId="{77EB392B-1D30-4F53-AB07-380685E2949C}" destId="{05B77F9F-8D2F-411F-89B8-B8039359345D}" srcOrd="1" destOrd="0" presId="urn:microsoft.com/office/officeart/2005/8/layout/bList2"/>
+    <dgm:cxn modelId="{D5D2713C-3C8C-4D1E-9F1A-47C7DE29D9CC}" type="presParOf" srcId="{77EB392B-1D30-4F53-AB07-380685E2949C}" destId="{AFE01F06-F759-41CB-A286-977BC96129F7}" srcOrd="2" destOrd="0" presId="urn:microsoft.com/office/officeart/2005/8/layout/bList2"/>
+    <dgm:cxn modelId="{EC103CC3-DA49-4EE7-A00F-A755FEF3E294}" type="presParOf" srcId="{77EB392B-1D30-4F53-AB07-380685E2949C}" destId="{6252B8DD-EA07-421C-9FAB-27C06F4CEA5C}" srcOrd="3" destOrd="0" presId="urn:microsoft.com/office/officeart/2005/8/layout/bList2"/>
+    <dgm:cxn modelId="{4F21044D-C7A1-4096-B713-10EFC8598F0D}" type="presParOf" srcId="{5CBF7B7D-9652-4F18-817C-A2B0F4EDE80D}" destId="{18CEF7F3-CE9A-46D2-8A28-122C7389F5C3}" srcOrd="5" destOrd="0" presId="urn:microsoft.com/office/officeart/2005/8/layout/bList2"/>
+    <dgm:cxn modelId="{AD7848B5-9289-4A3A-9D71-B6E226E07C36}" type="presParOf" srcId="{5CBF7B7D-9652-4F18-817C-A2B0F4EDE80D}" destId="{1A38842A-34FE-472A-B520-3619208D4B2D}" srcOrd="6" destOrd="0" presId="urn:microsoft.com/office/officeart/2005/8/layout/bList2"/>
+    <dgm:cxn modelId="{8E9EABAD-B04E-4BAF-B67E-9E91C69DF956}" type="presParOf" srcId="{1A38842A-34FE-472A-B520-3619208D4B2D}" destId="{D3A5AE8D-F3D4-49A9-810C-77D249CBF617}" srcOrd="0" destOrd="0" presId="urn:microsoft.com/office/officeart/2005/8/layout/bList2"/>
+    <dgm:cxn modelId="{3EF27EFA-998B-498E-835C-7EE792A801A4}" type="presParOf" srcId="{1A38842A-34FE-472A-B520-3619208D4B2D}" destId="{197B4786-3B02-4949-A974-E44B528EF2A4}" srcOrd="1" destOrd="0" presId="urn:microsoft.com/office/officeart/2005/8/layout/bList2"/>
+    <dgm:cxn modelId="{F03E1AFF-17B6-485C-8416-CD5015C0B4D0}" type="presParOf" srcId="{1A38842A-34FE-472A-B520-3619208D4B2D}" destId="{30F2E183-C4F2-4C6E-A3F5-01FE90980489}" srcOrd="2" destOrd="0" presId="urn:microsoft.com/office/officeart/2005/8/layout/bList2"/>
+    <dgm:cxn modelId="{EECE66A4-2B5E-4180-A16F-9D65A51B2F64}" type="presParOf" srcId="{1A38842A-34FE-472A-B520-3619208D4B2D}" destId="{FE03FD3A-2D69-4662-8B2B-4DEF1EA56634}" srcOrd="3" destOrd="0" presId="urn:microsoft.com/office/officeart/2005/8/layout/bList2"/>
+    <dgm:cxn modelId="{A0854025-5C0D-4B82-909A-D80E857A4D38}" type="presParOf" srcId="{5CBF7B7D-9652-4F18-817C-A2B0F4EDE80D}" destId="{7235E80A-5724-45EF-84C3-E1501851546A}" srcOrd="7" destOrd="0" presId="urn:microsoft.com/office/officeart/2005/8/layout/bList2"/>
+    <dgm:cxn modelId="{96E2C988-7884-4202-8100-14B7D98245EF}" type="presParOf" srcId="{5CBF7B7D-9652-4F18-817C-A2B0F4EDE80D}" destId="{865B4BF0-5A4C-4133-98CE-6222BBE6E340}" srcOrd="8" destOrd="0" presId="urn:microsoft.com/office/officeart/2005/8/layout/bList2"/>
+    <dgm:cxn modelId="{1F437C30-BBD7-44C2-9FDC-AED188E8884D}" type="presParOf" srcId="{865B4BF0-5A4C-4133-98CE-6222BBE6E340}" destId="{8FCED29E-A99A-4AE2-BC48-B61B286EF639}" srcOrd="0" destOrd="0" presId="urn:microsoft.com/office/officeart/2005/8/layout/bList2"/>
+    <dgm:cxn modelId="{BE0A4DF4-8712-4D8A-ABE4-6AB54A7691CA}" type="presParOf" srcId="{865B4BF0-5A4C-4133-98CE-6222BBE6E340}" destId="{E44C6416-5C3E-4FA4-B0AD-71852ABDD8E6}" srcOrd="1" destOrd="0" presId="urn:microsoft.com/office/officeart/2005/8/layout/bList2"/>
+    <dgm:cxn modelId="{25C13D51-813A-486F-B9D5-8B23BB491658}" type="presParOf" srcId="{865B4BF0-5A4C-4133-98CE-6222BBE6E340}" destId="{76B058C9-F67F-41B0-BF7F-97729F02222F}" srcOrd="2" destOrd="0" presId="urn:microsoft.com/office/officeart/2005/8/layout/bList2"/>
+    <dgm:cxn modelId="{00075BF9-1C8A-462F-9979-17EFC9F21207}" type="presParOf" srcId="{865B4BF0-5A4C-4133-98CE-6222BBE6E340}" destId="{1CA9A699-C967-4B5E-BD5E-76FF5BDA563E}" srcOrd="3" destOrd="0" presId="urn:microsoft.com/office/officeart/2005/8/layout/bList2"/>
   </dgm:cxnLst>
-  <dgm:bg/>
+  <dgm:bg>
+    <a:noFill/>
+  </dgm:bg>
   <dgm:whole/>
   <dgm:extLst>
     <a:ext uri="http://schemas.microsoft.com/office/drawing/2008/diagram">
@@ -13349,6 +13378,438 @@
       <dsp:cNvGrpSpPr/>
     </dsp:nvGrpSpPr>
     <dsp:grpSpPr/>
+    <dsp:sp modelId="{B7B124A7-A5F3-4DEF-A4C4-15F7B6F83CA4}">
+      <dsp:nvSpPr>
+        <dsp:cNvPr id="0" name=""/>
+        <dsp:cNvSpPr/>
+      </dsp:nvSpPr>
+      <dsp:spPr>
+        <a:xfrm>
+          <a:off x="521669" y="431311"/>
+          <a:ext cx="3977911" cy="3977911"/>
+        </a:xfrm>
+        <a:prstGeom prst="pie">
+          <a:avLst>
+            <a:gd name="adj1" fmla="val 16200000"/>
+            <a:gd name="adj2" fmla="val 0"/>
+          </a:avLst>
+        </a:prstGeom>
+        <a:gradFill rotWithShape="0">
+          <a:gsLst>
+            <a:gs pos="0">
+              <a:schemeClr val="accent2">
+                <a:hueOff val="0"/>
+                <a:satOff val="0"/>
+                <a:lumOff val="0"/>
+                <a:alphaOff val="0"/>
+                <a:satMod val="103000"/>
+                <a:lumMod val="102000"/>
+                <a:tint val="94000"/>
+              </a:schemeClr>
+            </a:gs>
+            <a:gs pos="50000">
+              <a:schemeClr val="accent2">
+                <a:hueOff val="0"/>
+                <a:satOff val="0"/>
+                <a:lumOff val="0"/>
+                <a:alphaOff val="0"/>
+                <a:satMod val="110000"/>
+                <a:lumMod val="100000"/>
+                <a:shade val="100000"/>
+              </a:schemeClr>
+            </a:gs>
+            <a:gs pos="100000">
+              <a:schemeClr val="accent2">
+                <a:hueOff val="0"/>
+                <a:satOff val="0"/>
+                <a:lumOff val="0"/>
+                <a:alphaOff val="0"/>
+                <a:lumMod val="99000"/>
+                <a:satMod val="120000"/>
+                <a:shade val="78000"/>
+              </a:schemeClr>
+            </a:gs>
+          </a:gsLst>
+          <a:lin ang="5400000" scaled="0"/>
+        </a:gradFill>
+        <a:ln>
+          <a:noFill/>
+        </a:ln>
+        <a:effectLst>
+          <a:outerShdw blurRad="57150" dist="19050" dir="5400000" algn="ctr" rotWithShape="0">
+            <a:srgbClr val="000000">
+              <a:alpha val="63000"/>
+            </a:srgbClr>
+          </a:outerShdw>
+        </a:effectLst>
+      </dsp:spPr>
+      <dsp:style>
+        <a:lnRef idx="0">
+          <a:scrgbClr r="0" g="0" b="0"/>
+        </a:lnRef>
+        <a:fillRef idx="3">
+          <a:scrgbClr r="0" g="0" b="0"/>
+        </a:fillRef>
+        <a:effectRef idx="3">
+          <a:scrgbClr r="0" g="0" b="0"/>
+        </a:effectRef>
+        <a:fontRef idx="minor">
+          <a:schemeClr val="lt1"/>
+        </a:fontRef>
+      </dsp:style>
+      <dsp:txBody>
+        <a:bodyPr spcFirstLastPara="0" vert="horz" wrap="square" lIns="24130" tIns="24130" rIns="24130" bIns="24130" numCol="1" spcCol="1270" anchor="t" anchorCtr="0">
+          <a:noAutofit/>
+        </a:bodyPr>
+        <a:lstStyle/>
+        <a:p>
+          <a:pPr lvl="0" algn="ctr" defTabSz="844550">
+            <a:lnSpc>
+              <a:spcPct val="90000"/>
+            </a:lnSpc>
+            <a:spcBef>
+              <a:spcPct val="0"/>
+            </a:spcBef>
+            <a:spcAft>
+              <a:spcPct val="35000"/>
+            </a:spcAft>
+          </a:pPr>
+          <a:r>
+            <a:rPr lang="ru-RU" sz="1900" kern="1200" dirty="0" smtClean="0"/>
+            <a:t>Тест-кейсы                                                       </a:t>
+          </a:r>
+          <a:endParaRPr lang="ru-RU" sz="1900" kern="1200" dirty="0"/>
+        </a:p>
+      </dsp:txBody>
+      <dsp:txXfrm>
+        <a:off x="2556087" y="1167225"/>
+        <a:ext cx="1468038" cy="1183902"/>
+      </dsp:txXfrm>
+    </dsp:sp>
+    <dsp:sp modelId="{000CC315-531C-4BFA-A8AA-0B0479AAD9FF}">
+      <dsp:nvSpPr>
+        <dsp:cNvPr id="0" name=""/>
+        <dsp:cNvSpPr/>
+      </dsp:nvSpPr>
+      <dsp:spPr>
+        <a:xfrm>
+          <a:off x="513464" y="482837"/>
+          <a:ext cx="3977911" cy="3977911"/>
+        </a:xfrm>
+        <a:prstGeom prst="pie">
+          <a:avLst>
+            <a:gd name="adj1" fmla="val 0"/>
+            <a:gd name="adj2" fmla="val 5400000"/>
+          </a:avLst>
+        </a:prstGeom>
+        <a:gradFill rotWithShape="0">
+          <a:gsLst>
+            <a:gs pos="0">
+              <a:schemeClr val="accent3">
+                <a:hueOff val="0"/>
+                <a:satOff val="0"/>
+                <a:lumOff val="0"/>
+                <a:alphaOff val="0"/>
+                <a:satMod val="103000"/>
+                <a:lumMod val="102000"/>
+                <a:tint val="94000"/>
+              </a:schemeClr>
+            </a:gs>
+            <a:gs pos="50000">
+              <a:schemeClr val="accent3">
+                <a:hueOff val="0"/>
+                <a:satOff val="0"/>
+                <a:lumOff val="0"/>
+                <a:alphaOff val="0"/>
+                <a:satMod val="110000"/>
+                <a:lumMod val="100000"/>
+                <a:shade val="100000"/>
+              </a:schemeClr>
+            </a:gs>
+            <a:gs pos="100000">
+              <a:schemeClr val="accent3">
+                <a:hueOff val="0"/>
+                <a:satOff val="0"/>
+                <a:lumOff val="0"/>
+                <a:alphaOff val="0"/>
+                <a:lumMod val="99000"/>
+                <a:satMod val="120000"/>
+                <a:shade val="78000"/>
+              </a:schemeClr>
+            </a:gs>
+          </a:gsLst>
+          <a:lin ang="5400000" scaled="0"/>
+        </a:gradFill>
+        <a:ln>
+          <a:noFill/>
+        </a:ln>
+        <a:effectLst>
+          <a:outerShdw blurRad="57150" dist="19050" dir="5400000" algn="ctr" rotWithShape="0">
+            <a:srgbClr val="000000">
+              <a:alpha val="63000"/>
+            </a:srgbClr>
+          </a:outerShdw>
+        </a:effectLst>
+      </dsp:spPr>
+      <dsp:style>
+        <a:lnRef idx="0">
+          <a:scrgbClr r="0" g="0" b="0"/>
+        </a:lnRef>
+        <a:fillRef idx="3">
+          <a:scrgbClr r="0" g="0" b="0"/>
+        </a:fillRef>
+        <a:effectRef idx="3">
+          <a:scrgbClr r="0" g="0" b="0"/>
+        </a:effectRef>
+        <a:fontRef idx="minor">
+          <a:schemeClr val="lt1"/>
+        </a:fontRef>
+      </dsp:style>
+      <dsp:txBody>
+        <a:bodyPr spcFirstLastPara="0" vert="horz" wrap="square" lIns="24130" tIns="24130" rIns="24130" bIns="24130" numCol="1" spcCol="1270" anchor="b" anchorCtr="0">
+          <a:noAutofit/>
+        </a:bodyPr>
+        <a:lstStyle/>
+        <a:p>
+          <a:pPr lvl="0" algn="ctr" defTabSz="844550">
+            <a:lnSpc>
+              <a:spcPct val="90000"/>
+            </a:lnSpc>
+            <a:spcBef>
+              <a:spcPct val="0"/>
+            </a:spcBef>
+            <a:spcAft>
+              <a:spcPct val="35000"/>
+            </a:spcAft>
+          </a:pPr>
+          <a:r>
+            <a:rPr lang="ru-RU" sz="1900" kern="1200" dirty="0" smtClean="0"/>
+            <a:t>Результаты тестирования </a:t>
+          </a:r>
+          <a:endParaRPr lang="ru-RU" sz="1900" kern="1200" dirty="0"/>
+        </a:p>
+      </dsp:txBody>
+      <dsp:txXfrm>
+        <a:off x="2573454" y="2542826"/>
+        <a:ext cx="1468038" cy="1183902"/>
+      </dsp:txXfrm>
+    </dsp:sp>
+    <dsp:sp modelId="{4ACAFB12-125B-4407-8730-03696C63C350}">
+      <dsp:nvSpPr>
+        <dsp:cNvPr id="0" name=""/>
+        <dsp:cNvSpPr/>
+      </dsp:nvSpPr>
+      <dsp:spPr>
+        <a:xfrm>
+          <a:off x="492898" y="479097"/>
+          <a:ext cx="3977911" cy="3977911"/>
+        </a:xfrm>
+        <a:prstGeom prst="pie">
+          <a:avLst>
+            <a:gd name="adj1" fmla="val 5400000"/>
+            <a:gd name="adj2" fmla="val 10800000"/>
+          </a:avLst>
+        </a:prstGeom>
+        <a:gradFill rotWithShape="0">
+          <a:gsLst>
+            <a:gs pos="0">
+              <a:schemeClr val="accent4">
+                <a:hueOff val="0"/>
+                <a:satOff val="0"/>
+                <a:lumOff val="0"/>
+                <a:alphaOff val="0"/>
+                <a:satMod val="103000"/>
+                <a:lumMod val="102000"/>
+                <a:tint val="94000"/>
+              </a:schemeClr>
+            </a:gs>
+            <a:gs pos="50000">
+              <a:schemeClr val="accent4">
+                <a:hueOff val="0"/>
+                <a:satOff val="0"/>
+                <a:lumOff val="0"/>
+                <a:alphaOff val="0"/>
+                <a:satMod val="110000"/>
+                <a:lumMod val="100000"/>
+                <a:shade val="100000"/>
+              </a:schemeClr>
+            </a:gs>
+            <a:gs pos="100000">
+              <a:schemeClr val="accent4">
+                <a:hueOff val="0"/>
+                <a:satOff val="0"/>
+                <a:lumOff val="0"/>
+                <a:alphaOff val="0"/>
+                <a:lumMod val="99000"/>
+                <a:satMod val="120000"/>
+                <a:shade val="78000"/>
+              </a:schemeClr>
+            </a:gs>
+          </a:gsLst>
+          <a:lin ang="5400000" scaled="0"/>
+        </a:gradFill>
+        <a:ln>
+          <a:noFill/>
+        </a:ln>
+        <a:effectLst>
+          <a:outerShdw blurRad="57150" dist="19050" dir="5400000" algn="ctr" rotWithShape="0">
+            <a:srgbClr val="000000">
+              <a:alpha val="63000"/>
+            </a:srgbClr>
+          </a:outerShdw>
+        </a:effectLst>
+      </dsp:spPr>
+      <dsp:style>
+        <a:lnRef idx="0">
+          <a:scrgbClr r="0" g="0" b="0"/>
+        </a:lnRef>
+        <a:fillRef idx="3">
+          <a:scrgbClr r="0" g="0" b="0"/>
+        </a:fillRef>
+        <a:effectRef idx="3">
+          <a:scrgbClr r="0" g="0" b="0"/>
+        </a:effectRef>
+        <a:fontRef idx="minor">
+          <a:schemeClr val="lt1"/>
+        </a:fontRef>
+      </dsp:style>
+      <dsp:txBody>
+        <a:bodyPr spcFirstLastPara="0" vert="horz" wrap="square" lIns="24130" tIns="24130" rIns="24130" bIns="24130" numCol="1" spcCol="1270" anchor="b" anchorCtr="0">
+          <a:noAutofit/>
+        </a:bodyPr>
+        <a:lstStyle/>
+        <a:p>
+          <a:pPr lvl="0" algn="ctr" defTabSz="844550">
+            <a:lnSpc>
+              <a:spcPct val="90000"/>
+            </a:lnSpc>
+            <a:spcBef>
+              <a:spcPct val="0"/>
+            </a:spcBef>
+            <a:spcAft>
+              <a:spcPct val="35000"/>
+            </a:spcAft>
+          </a:pPr>
+          <a:r>
+            <a:rPr lang="ru-RU" sz="1900" kern="1200" dirty="0" smtClean="0"/>
+            <a:t>Статистика тестирования </a:t>
+          </a:r>
+          <a:endParaRPr lang="ru-RU" sz="1900" kern="1200" dirty="0"/>
+        </a:p>
+      </dsp:txBody>
+      <dsp:txXfrm>
+        <a:off x="942781" y="2539087"/>
+        <a:ext cx="1468038" cy="1183902"/>
+      </dsp:txXfrm>
+    </dsp:sp>
+    <dsp:sp modelId="{649C6970-20BF-40D1-9E30-038AC12482BA}">
+      <dsp:nvSpPr>
+        <dsp:cNvPr id="0" name=""/>
+        <dsp:cNvSpPr/>
+      </dsp:nvSpPr>
+      <dsp:spPr>
+        <a:xfrm>
+          <a:off x="493296" y="431323"/>
+          <a:ext cx="3977911" cy="3977911"/>
+        </a:xfrm>
+        <a:prstGeom prst="pie">
+          <a:avLst>
+            <a:gd name="adj1" fmla="val 10800000"/>
+            <a:gd name="adj2" fmla="val 16200000"/>
+          </a:avLst>
+        </a:prstGeom>
+        <a:gradFill rotWithShape="0">
+          <a:gsLst>
+            <a:gs pos="0">
+              <a:schemeClr val="accent5">
+                <a:hueOff val="0"/>
+                <a:satOff val="0"/>
+                <a:lumOff val="0"/>
+                <a:alphaOff val="0"/>
+                <a:satMod val="103000"/>
+                <a:lumMod val="102000"/>
+                <a:tint val="94000"/>
+              </a:schemeClr>
+            </a:gs>
+            <a:gs pos="50000">
+              <a:schemeClr val="accent5">
+                <a:hueOff val="0"/>
+                <a:satOff val="0"/>
+                <a:lumOff val="0"/>
+                <a:alphaOff val="0"/>
+                <a:satMod val="110000"/>
+                <a:lumMod val="100000"/>
+                <a:shade val="100000"/>
+              </a:schemeClr>
+            </a:gs>
+            <a:gs pos="100000">
+              <a:schemeClr val="accent5">
+                <a:hueOff val="0"/>
+                <a:satOff val="0"/>
+                <a:lumOff val="0"/>
+                <a:alphaOff val="0"/>
+                <a:lumMod val="99000"/>
+                <a:satMod val="120000"/>
+                <a:shade val="78000"/>
+              </a:schemeClr>
+            </a:gs>
+          </a:gsLst>
+          <a:lin ang="5400000" scaled="0"/>
+        </a:gradFill>
+        <a:ln>
+          <a:noFill/>
+        </a:ln>
+        <a:effectLst>
+          <a:outerShdw blurRad="57150" dist="19050" dir="5400000" algn="ctr" rotWithShape="0">
+            <a:srgbClr val="000000">
+              <a:alpha val="63000"/>
+            </a:srgbClr>
+          </a:outerShdw>
+        </a:effectLst>
+      </dsp:spPr>
+      <dsp:style>
+        <a:lnRef idx="0">
+          <a:scrgbClr r="0" g="0" b="0"/>
+        </a:lnRef>
+        <a:fillRef idx="3">
+          <a:scrgbClr r="0" g="0" b="0"/>
+        </a:fillRef>
+        <a:effectRef idx="3">
+          <a:scrgbClr r="0" g="0" b="0"/>
+        </a:effectRef>
+        <a:fontRef idx="minor">
+          <a:schemeClr val="lt1"/>
+        </a:fontRef>
+      </dsp:style>
+      <dsp:txBody>
+        <a:bodyPr spcFirstLastPara="0" vert="horz" wrap="square" lIns="24130" tIns="24130" rIns="24130" bIns="24130" numCol="1" spcCol="1270" anchor="t" anchorCtr="0">
+          <a:noAutofit/>
+        </a:bodyPr>
+        <a:lstStyle/>
+        <a:p>
+          <a:pPr lvl="0" algn="ctr" defTabSz="844550">
+            <a:lnSpc>
+              <a:spcPct val="90000"/>
+            </a:lnSpc>
+            <a:spcBef>
+              <a:spcPct val="0"/>
+            </a:spcBef>
+            <a:spcAft>
+              <a:spcPct val="35000"/>
+            </a:spcAft>
+          </a:pPr>
+          <a:r>
+            <a:rPr lang="ru-RU" sz="1900" kern="1200" dirty="0" smtClean="0"/>
+            <a:t>Тест требования</a:t>
+          </a:r>
+          <a:endParaRPr lang="ru-RU" sz="1900" kern="1200" dirty="0"/>
+        </a:p>
+      </dsp:txBody>
+      <dsp:txXfrm>
+        <a:off x="943178" y="1165342"/>
+        <a:ext cx="1468038" cy="1183902"/>
+      </dsp:txXfrm>
+    </dsp:sp>
   </dsp:spTree>
 </dsp:drawing>
 </file>
@@ -13361,6 +13822,803 @@
       <dsp:cNvGrpSpPr/>
     </dsp:nvGrpSpPr>
     <dsp:grpSpPr/>
+    <dsp:sp modelId="{A77BF775-E608-4841-B760-C29DDEACE52D}">
+      <dsp:nvSpPr>
+        <dsp:cNvPr id="0" name=""/>
+        <dsp:cNvSpPr/>
+      </dsp:nvSpPr>
+      <dsp:spPr>
+        <a:xfrm>
+          <a:off x="2399262" y="478202"/>
+          <a:ext cx="369608" cy="91440"/>
+        </a:xfrm>
+        <a:custGeom>
+          <a:avLst/>
+          <a:gdLst/>
+          <a:ahLst/>
+          <a:cxnLst/>
+          <a:rect l="0" t="0" r="0" b="0"/>
+          <a:pathLst>
+            <a:path>
+              <a:moveTo>
+                <a:pt x="0" y="45720"/>
+              </a:moveTo>
+              <a:lnTo>
+                <a:pt x="369608" y="45720"/>
+              </a:lnTo>
+            </a:path>
+          </a:pathLst>
+        </a:custGeom>
+        <a:noFill/>
+        <a:ln w="6350" cap="flat" cmpd="sng" algn="ctr">
+          <a:solidFill>
+            <a:schemeClr val="accent5">
+              <a:hueOff val="0"/>
+              <a:satOff val="0"/>
+              <a:lumOff val="0"/>
+              <a:alphaOff val="0"/>
+            </a:schemeClr>
+          </a:solidFill>
+          <a:prstDash val="solid"/>
+          <a:miter lim="800000"/>
+          <a:tailEnd type="arrow"/>
+        </a:ln>
+        <a:effectLst>
+          <a:glow rad="63500">
+            <a:schemeClr val="accent6">
+              <a:satMod val="175000"/>
+              <a:alpha val="40000"/>
+            </a:schemeClr>
+          </a:glow>
+        </a:effectLst>
+      </dsp:spPr>
+      <dsp:style>
+        <a:lnRef idx="1">
+          <a:scrgbClr r="0" g="0" b="0"/>
+        </a:lnRef>
+        <a:fillRef idx="0">
+          <a:scrgbClr r="0" g="0" b="0"/>
+        </a:fillRef>
+        <a:effectRef idx="0">
+          <a:scrgbClr r="0" g="0" b="0"/>
+        </a:effectRef>
+        <a:fontRef idx="minor"/>
+      </dsp:style>
+      <dsp:txBody>
+        <a:bodyPr spcFirstLastPara="0" vert="horz" wrap="square" lIns="12700" tIns="0" rIns="12700" bIns="0" numCol="1" spcCol="1270" anchor="ctr" anchorCtr="0">
+          <a:noAutofit/>
+        </a:bodyPr>
+        <a:lstStyle/>
+        <a:p>
+          <a:pPr lvl="0" algn="ctr" defTabSz="222250">
+            <a:lnSpc>
+              <a:spcPct val="90000"/>
+            </a:lnSpc>
+            <a:spcBef>
+              <a:spcPct val="0"/>
+            </a:spcBef>
+            <a:spcAft>
+              <a:spcPct val="35000"/>
+            </a:spcAft>
+          </a:pPr>
+          <a:endParaRPr lang="ru-RU" sz="500" kern="1200"/>
+        </a:p>
+      </dsp:txBody>
+      <dsp:txXfrm>
+        <a:off x="2574061" y="521921"/>
+        <a:ext cx="20010" cy="4002"/>
+      </dsp:txXfrm>
+    </dsp:sp>
+    <dsp:sp modelId="{335182A0-E382-4E77-B206-70C6001A973F}">
+      <dsp:nvSpPr>
+        <dsp:cNvPr id="0" name=""/>
+        <dsp:cNvSpPr/>
+      </dsp:nvSpPr>
+      <dsp:spPr>
+        <a:xfrm>
+          <a:off x="661024" y="1910"/>
+          <a:ext cx="1740038" cy="1044023"/>
+        </a:xfrm>
+        <a:prstGeom prst="rect">
+          <a:avLst/>
+        </a:prstGeom>
+        <a:solidFill>
+          <a:schemeClr val="accent5">
+            <a:hueOff val="0"/>
+            <a:satOff val="0"/>
+            <a:lumOff val="0"/>
+            <a:alphaOff val="0"/>
+          </a:schemeClr>
+        </a:solidFill>
+        <a:ln w="12700" cap="flat" cmpd="sng" algn="ctr">
+          <a:solidFill>
+            <a:schemeClr val="lt1">
+              <a:hueOff val="0"/>
+              <a:satOff val="0"/>
+              <a:lumOff val="0"/>
+              <a:alphaOff val="0"/>
+            </a:schemeClr>
+          </a:solidFill>
+          <a:prstDash val="solid"/>
+          <a:miter lim="800000"/>
+        </a:ln>
+        <a:effectLst>
+          <a:glow rad="63500">
+            <a:schemeClr val="accent6">
+              <a:satMod val="175000"/>
+              <a:alpha val="40000"/>
+            </a:schemeClr>
+          </a:glow>
+        </a:effectLst>
+      </dsp:spPr>
+      <dsp:style>
+        <a:lnRef idx="2">
+          <a:scrgbClr r="0" g="0" b="0"/>
+        </a:lnRef>
+        <a:fillRef idx="1">
+          <a:scrgbClr r="0" g="0" b="0"/>
+        </a:fillRef>
+        <a:effectRef idx="0">
+          <a:scrgbClr r="0" g="0" b="0"/>
+        </a:effectRef>
+        <a:fontRef idx="minor">
+          <a:schemeClr val="lt1"/>
+        </a:fontRef>
+      </dsp:style>
+      <dsp:txBody>
+        <a:bodyPr spcFirstLastPara="0" vert="horz" wrap="square" lIns="113792" tIns="113792" rIns="113792" bIns="113792" numCol="1" spcCol="1270" anchor="ctr" anchorCtr="0">
+          <a:noAutofit/>
+        </a:bodyPr>
+        <a:lstStyle/>
+        <a:p>
+          <a:pPr lvl="0" algn="ctr" defTabSz="711200">
+            <a:lnSpc>
+              <a:spcPct val="90000"/>
+            </a:lnSpc>
+            <a:spcBef>
+              <a:spcPct val="0"/>
+            </a:spcBef>
+            <a:spcAft>
+              <a:spcPct val="35000"/>
+            </a:spcAft>
+          </a:pPr>
+          <a:r>
+            <a:rPr lang="ru-RU" sz="1600" kern="1200" dirty="0" smtClean="0"/>
+            <a:t>Составление тест требований на основе ТЗ</a:t>
+          </a:r>
+          <a:endParaRPr lang="ru-RU" sz="1600" kern="1200" dirty="0"/>
+        </a:p>
+      </dsp:txBody>
+      <dsp:txXfrm>
+        <a:off x="661024" y="1910"/>
+        <a:ext cx="1740038" cy="1044023"/>
+      </dsp:txXfrm>
+    </dsp:sp>
+    <dsp:sp modelId="{1942F91E-6C3F-4237-991D-8670CFE6D12C}">
+      <dsp:nvSpPr>
+        <dsp:cNvPr id="0" name=""/>
+        <dsp:cNvSpPr/>
+      </dsp:nvSpPr>
+      <dsp:spPr>
+        <a:xfrm>
+          <a:off x="1531043" y="1044133"/>
+          <a:ext cx="2140247" cy="369608"/>
+        </a:xfrm>
+        <a:custGeom>
+          <a:avLst/>
+          <a:gdLst/>
+          <a:ahLst/>
+          <a:cxnLst/>
+          <a:rect l="0" t="0" r="0" b="0"/>
+          <a:pathLst>
+            <a:path>
+              <a:moveTo>
+                <a:pt x="2140247" y="0"/>
+              </a:moveTo>
+              <a:lnTo>
+                <a:pt x="2140247" y="201904"/>
+              </a:lnTo>
+              <a:lnTo>
+                <a:pt x="0" y="201904"/>
+              </a:lnTo>
+              <a:lnTo>
+                <a:pt x="0" y="369608"/>
+              </a:lnTo>
+            </a:path>
+          </a:pathLst>
+        </a:custGeom>
+        <a:noFill/>
+        <a:ln w="6350" cap="flat" cmpd="sng" algn="ctr">
+          <a:solidFill>
+            <a:schemeClr val="accent5">
+              <a:hueOff val="-1021680"/>
+              <a:satOff val="480"/>
+              <a:lumOff val="-13595"/>
+              <a:alphaOff val="0"/>
+            </a:schemeClr>
+          </a:solidFill>
+          <a:prstDash val="solid"/>
+          <a:miter lim="800000"/>
+          <a:tailEnd type="arrow"/>
+        </a:ln>
+        <a:effectLst>
+          <a:glow rad="63500">
+            <a:schemeClr val="accent6">
+              <a:satMod val="175000"/>
+              <a:alpha val="40000"/>
+            </a:schemeClr>
+          </a:glow>
+        </a:effectLst>
+      </dsp:spPr>
+      <dsp:style>
+        <a:lnRef idx="1">
+          <a:scrgbClr r="0" g="0" b="0"/>
+        </a:lnRef>
+        <a:fillRef idx="0">
+          <a:scrgbClr r="0" g="0" b="0"/>
+        </a:fillRef>
+        <a:effectRef idx="0">
+          <a:scrgbClr r="0" g="0" b="0"/>
+        </a:effectRef>
+        <a:fontRef idx="minor"/>
+      </dsp:style>
+      <dsp:txBody>
+        <a:bodyPr spcFirstLastPara="0" vert="horz" wrap="square" lIns="12700" tIns="0" rIns="12700" bIns="0" numCol="1" spcCol="1270" anchor="ctr" anchorCtr="0">
+          <a:noAutofit/>
+        </a:bodyPr>
+        <a:lstStyle/>
+        <a:p>
+          <a:pPr lvl="0" algn="ctr" defTabSz="222250">
+            <a:lnSpc>
+              <a:spcPct val="90000"/>
+            </a:lnSpc>
+            <a:spcBef>
+              <a:spcPct val="0"/>
+            </a:spcBef>
+            <a:spcAft>
+              <a:spcPct val="35000"/>
+            </a:spcAft>
+          </a:pPr>
+          <a:endParaRPr lang="ru-RU" sz="500" kern="1200"/>
+        </a:p>
+      </dsp:txBody>
+      <dsp:txXfrm>
+        <a:off x="2546733" y="1226936"/>
+        <a:ext cx="108867" cy="4002"/>
+      </dsp:txXfrm>
+    </dsp:sp>
+    <dsp:sp modelId="{E9530CEB-3B8E-4A90-AC86-1908B31AFA3C}">
+      <dsp:nvSpPr>
+        <dsp:cNvPr id="0" name=""/>
+        <dsp:cNvSpPr/>
+      </dsp:nvSpPr>
+      <dsp:spPr>
+        <a:xfrm>
+          <a:off x="2801271" y="1910"/>
+          <a:ext cx="1740038" cy="1044023"/>
+        </a:xfrm>
+        <a:prstGeom prst="rect">
+          <a:avLst/>
+        </a:prstGeom>
+        <a:solidFill>
+          <a:schemeClr val="accent5">
+            <a:hueOff val="-766260"/>
+            <a:satOff val="360"/>
+            <a:lumOff val="-10196"/>
+            <a:alphaOff val="0"/>
+          </a:schemeClr>
+        </a:solidFill>
+        <a:ln w="12700" cap="flat" cmpd="sng" algn="ctr">
+          <a:solidFill>
+            <a:schemeClr val="lt1">
+              <a:hueOff val="0"/>
+              <a:satOff val="0"/>
+              <a:lumOff val="0"/>
+              <a:alphaOff val="0"/>
+            </a:schemeClr>
+          </a:solidFill>
+          <a:prstDash val="solid"/>
+          <a:miter lim="800000"/>
+        </a:ln>
+        <a:effectLst>
+          <a:glow rad="63500">
+            <a:schemeClr val="accent6">
+              <a:satMod val="175000"/>
+              <a:alpha val="40000"/>
+            </a:schemeClr>
+          </a:glow>
+        </a:effectLst>
+      </dsp:spPr>
+      <dsp:style>
+        <a:lnRef idx="2">
+          <a:scrgbClr r="0" g="0" b="0"/>
+        </a:lnRef>
+        <a:fillRef idx="1">
+          <a:scrgbClr r="0" g="0" b="0"/>
+        </a:fillRef>
+        <a:effectRef idx="0">
+          <a:scrgbClr r="0" g="0" b="0"/>
+        </a:effectRef>
+        <a:fontRef idx="minor">
+          <a:schemeClr val="lt1"/>
+        </a:fontRef>
+      </dsp:style>
+      <dsp:txBody>
+        <a:bodyPr spcFirstLastPara="0" vert="horz" wrap="square" lIns="113792" tIns="113792" rIns="113792" bIns="113792" numCol="1" spcCol="1270" anchor="ctr" anchorCtr="0">
+          <a:noAutofit/>
+        </a:bodyPr>
+        <a:lstStyle/>
+        <a:p>
+          <a:pPr lvl="0" algn="ctr" defTabSz="711200">
+            <a:lnSpc>
+              <a:spcPct val="90000"/>
+            </a:lnSpc>
+            <a:spcBef>
+              <a:spcPct val="0"/>
+            </a:spcBef>
+            <a:spcAft>
+              <a:spcPct val="35000"/>
+            </a:spcAft>
+          </a:pPr>
+          <a:r>
+            <a:rPr lang="ru-RU" sz="1600" kern="1200" dirty="0" smtClean="0"/>
+            <a:t>Составление тест кейсов на основе тест требований</a:t>
+          </a:r>
+          <a:endParaRPr lang="ru-RU" sz="1600" kern="1200" dirty="0"/>
+        </a:p>
+      </dsp:txBody>
+      <dsp:txXfrm>
+        <a:off x="2801271" y="1910"/>
+        <a:ext cx="1740038" cy="1044023"/>
+      </dsp:txXfrm>
+    </dsp:sp>
+    <dsp:sp modelId="{9EE61D95-1339-4812-8BA2-E26508DB95D7}">
+      <dsp:nvSpPr>
+        <dsp:cNvPr id="0" name=""/>
+        <dsp:cNvSpPr/>
+      </dsp:nvSpPr>
+      <dsp:spPr>
+        <a:xfrm>
+          <a:off x="2399262" y="1922434"/>
+          <a:ext cx="369608" cy="91440"/>
+        </a:xfrm>
+        <a:custGeom>
+          <a:avLst/>
+          <a:gdLst/>
+          <a:ahLst/>
+          <a:cxnLst/>
+          <a:rect l="0" t="0" r="0" b="0"/>
+          <a:pathLst>
+            <a:path>
+              <a:moveTo>
+                <a:pt x="0" y="45720"/>
+              </a:moveTo>
+              <a:lnTo>
+                <a:pt x="369608" y="45720"/>
+              </a:lnTo>
+            </a:path>
+          </a:pathLst>
+        </a:custGeom>
+        <a:noFill/>
+        <a:ln w="6350" cap="flat" cmpd="sng" algn="ctr">
+          <a:solidFill>
+            <a:schemeClr val="accent5">
+              <a:hueOff val="-2043360"/>
+              <a:satOff val="960"/>
+              <a:lumOff val="-27189"/>
+              <a:alphaOff val="0"/>
+            </a:schemeClr>
+          </a:solidFill>
+          <a:prstDash val="solid"/>
+          <a:miter lim="800000"/>
+          <a:tailEnd type="arrow"/>
+        </a:ln>
+        <a:effectLst>
+          <a:glow rad="63500">
+            <a:schemeClr val="accent6">
+              <a:satMod val="175000"/>
+              <a:alpha val="40000"/>
+            </a:schemeClr>
+          </a:glow>
+        </a:effectLst>
+      </dsp:spPr>
+      <dsp:style>
+        <a:lnRef idx="1">
+          <a:scrgbClr r="0" g="0" b="0"/>
+        </a:lnRef>
+        <a:fillRef idx="0">
+          <a:scrgbClr r="0" g="0" b="0"/>
+        </a:fillRef>
+        <a:effectRef idx="0">
+          <a:scrgbClr r="0" g="0" b="0"/>
+        </a:effectRef>
+        <a:fontRef idx="minor"/>
+      </dsp:style>
+      <dsp:txBody>
+        <a:bodyPr spcFirstLastPara="0" vert="horz" wrap="square" lIns="12700" tIns="0" rIns="12700" bIns="0" numCol="1" spcCol="1270" anchor="ctr" anchorCtr="0">
+          <a:noAutofit/>
+        </a:bodyPr>
+        <a:lstStyle/>
+        <a:p>
+          <a:pPr lvl="0" algn="ctr" defTabSz="222250">
+            <a:lnSpc>
+              <a:spcPct val="90000"/>
+            </a:lnSpc>
+            <a:spcBef>
+              <a:spcPct val="0"/>
+            </a:spcBef>
+            <a:spcAft>
+              <a:spcPct val="35000"/>
+            </a:spcAft>
+          </a:pPr>
+          <a:endParaRPr lang="ru-RU" sz="500" kern="1200"/>
+        </a:p>
+      </dsp:txBody>
+      <dsp:txXfrm>
+        <a:off x="2574061" y="1966152"/>
+        <a:ext cx="20010" cy="4002"/>
+      </dsp:txXfrm>
+    </dsp:sp>
+    <dsp:sp modelId="{CC7032B2-C7DD-4031-9D5A-C31C34436923}">
+      <dsp:nvSpPr>
+        <dsp:cNvPr id="0" name=""/>
+        <dsp:cNvSpPr/>
+      </dsp:nvSpPr>
+      <dsp:spPr>
+        <a:xfrm>
+          <a:off x="661024" y="1446142"/>
+          <a:ext cx="1740038" cy="1044023"/>
+        </a:xfrm>
+        <a:prstGeom prst="rect">
+          <a:avLst/>
+        </a:prstGeom>
+        <a:solidFill>
+          <a:schemeClr val="accent5">
+            <a:hueOff val="-1532520"/>
+            <a:satOff val="720"/>
+            <a:lumOff val="-20392"/>
+            <a:alphaOff val="0"/>
+          </a:schemeClr>
+        </a:solidFill>
+        <a:ln w="12700" cap="flat" cmpd="sng" algn="ctr">
+          <a:solidFill>
+            <a:schemeClr val="lt1">
+              <a:hueOff val="0"/>
+              <a:satOff val="0"/>
+              <a:lumOff val="0"/>
+              <a:alphaOff val="0"/>
+            </a:schemeClr>
+          </a:solidFill>
+          <a:prstDash val="solid"/>
+          <a:miter lim="800000"/>
+        </a:ln>
+        <a:effectLst>
+          <a:glow rad="63500">
+            <a:schemeClr val="accent6">
+              <a:satMod val="175000"/>
+              <a:alpha val="40000"/>
+            </a:schemeClr>
+          </a:glow>
+        </a:effectLst>
+      </dsp:spPr>
+      <dsp:style>
+        <a:lnRef idx="2">
+          <a:scrgbClr r="0" g="0" b="0"/>
+        </a:lnRef>
+        <a:fillRef idx="1">
+          <a:scrgbClr r="0" g="0" b="0"/>
+        </a:fillRef>
+        <a:effectRef idx="0">
+          <a:scrgbClr r="0" g="0" b="0"/>
+        </a:effectRef>
+        <a:fontRef idx="minor">
+          <a:schemeClr val="lt1"/>
+        </a:fontRef>
+      </dsp:style>
+      <dsp:txBody>
+        <a:bodyPr spcFirstLastPara="0" vert="horz" wrap="square" lIns="113792" tIns="113792" rIns="113792" bIns="113792" numCol="1" spcCol="1270" anchor="ctr" anchorCtr="0">
+          <a:noAutofit/>
+        </a:bodyPr>
+        <a:lstStyle/>
+        <a:p>
+          <a:pPr lvl="0" algn="ctr" defTabSz="711200">
+            <a:lnSpc>
+              <a:spcPct val="90000"/>
+            </a:lnSpc>
+            <a:spcBef>
+              <a:spcPct val="0"/>
+            </a:spcBef>
+            <a:spcAft>
+              <a:spcPct val="35000"/>
+            </a:spcAft>
+          </a:pPr>
+          <a:r>
+            <a:rPr lang="ru-RU" sz="1600" kern="1200" dirty="0" smtClean="0"/>
+            <a:t>Тестирование</a:t>
+          </a:r>
+          <a:endParaRPr lang="ru-RU" sz="1600" kern="1200" dirty="0"/>
+        </a:p>
+      </dsp:txBody>
+      <dsp:txXfrm>
+        <a:off x="661024" y="1446142"/>
+        <a:ext cx="1740038" cy="1044023"/>
+      </dsp:txXfrm>
+    </dsp:sp>
+    <dsp:sp modelId="{AA3F5F8C-F587-4C38-A5F5-94A0B0ABB808}">
+      <dsp:nvSpPr>
+        <dsp:cNvPr id="0" name=""/>
+        <dsp:cNvSpPr/>
+      </dsp:nvSpPr>
+      <dsp:spPr>
+        <a:xfrm>
+          <a:off x="1531043" y="2488365"/>
+          <a:ext cx="2140247" cy="369608"/>
+        </a:xfrm>
+        <a:custGeom>
+          <a:avLst/>
+          <a:gdLst/>
+          <a:ahLst/>
+          <a:cxnLst/>
+          <a:rect l="0" t="0" r="0" b="0"/>
+          <a:pathLst>
+            <a:path>
+              <a:moveTo>
+                <a:pt x="2140247" y="0"/>
+              </a:moveTo>
+              <a:lnTo>
+                <a:pt x="2140247" y="201904"/>
+              </a:lnTo>
+              <a:lnTo>
+                <a:pt x="0" y="201904"/>
+              </a:lnTo>
+              <a:lnTo>
+                <a:pt x="0" y="369608"/>
+              </a:lnTo>
+            </a:path>
+          </a:pathLst>
+        </a:custGeom>
+        <a:noFill/>
+        <a:ln w="6350" cap="flat" cmpd="sng" algn="ctr">
+          <a:solidFill>
+            <a:schemeClr val="accent5">
+              <a:hueOff val="-3065039"/>
+              <a:satOff val="1440"/>
+              <a:lumOff val="-40784"/>
+              <a:alphaOff val="0"/>
+            </a:schemeClr>
+          </a:solidFill>
+          <a:prstDash val="solid"/>
+          <a:miter lim="800000"/>
+          <a:tailEnd type="arrow"/>
+        </a:ln>
+        <a:effectLst>
+          <a:glow rad="63500">
+            <a:schemeClr val="accent6">
+              <a:satMod val="175000"/>
+              <a:alpha val="40000"/>
+            </a:schemeClr>
+          </a:glow>
+        </a:effectLst>
+      </dsp:spPr>
+      <dsp:style>
+        <a:lnRef idx="1">
+          <a:scrgbClr r="0" g="0" b="0"/>
+        </a:lnRef>
+        <a:fillRef idx="0">
+          <a:scrgbClr r="0" g="0" b="0"/>
+        </a:fillRef>
+        <a:effectRef idx="0">
+          <a:scrgbClr r="0" g="0" b="0"/>
+        </a:effectRef>
+        <a:fontRef idx="minor"/>
+      </dsp:style>
+      <dsp:txBody>
+        <a:bodyPr spcFirstLastPara="0" vert="horz" wrap="square" lIns="12700" tIns="0" rIns="12700" bIns="0" numCol="1" spcCol="1270" anchor="ctr" anchorCtr="0">
+          <a:noAutofit/>
+        </a:bodyPr>
+        <a:lstStyle/>
+        <a:p>
+          <a:pPr lvl="0" algn="ctr" defTabSz="222250">
+            <a:lnSpc>
+              <a:spcPct val="90000"/>
+            </a:lnSpc>
+            <a:spcBef>
+              <a:spcPct val="0"/>
+            </a:spcBef>
+            <a:spcAft>
+              <a:spcPct val="35000"/>
+            </a:spcAft>
+          </a:pPr>
+          <a:endParaRPr lang="ru-RU" sz="500" kern="1200"/>
+        </a:p>
+      </dsp:txBody>
+      <dsp:txXfrm>
+        <a:off x="2546733" y="2671168"/>
+        <a:ext cx="108867" cy="4002"/>
+      </dsp:txXfrm>
+    </dsp:sp>
+    <dsp:sp modelId="{616AE4C8-5EA6-44FB-BC24-3488D6FCC56D}">
+      <dsp:nvSpPr>
+        <dsp:cNvPr id="0" name=""/>
+        <dsp:cNvSpPr/>
+      </dsp:nvSpPr>
+      <dsp:spPr>
+        <a:xfrm>
+          <a:off x="2801271" y="1446142"/>
+          <a:ext cx="1740038" cy="1044023"/>
+        </a:xfrm>
+        <a:prstGeom prst="rect">
+          <a:avLst/>
+        </a:prstGeom>
+        <a:solidFill>
+          <a:schemeClr val="accent5">
+            <a:hueOff val="-2298779"/>
+            <a:satOff val="1080"/>
+            <a:lumOff val="-30588"/>
+            <a:alphaOff val="0"/>
+          </a:schemeClr>
+        </a:solidFill>
+        <a:ln w="12700" cap="flat" cmpd="sng" algn="ctr">
+          <a:solidFill>
+            <a:schemeClr val="lt1">
+              <a:hueOff val="0"/>
+              <a:satOff val="0"/>
+              <a:lumOff val="0"/>
+              <a:alphaOff val="0"/>
+            </a:schemeClr>
+          </a:solidFill>
+          <a:prstDash val="solid"/>
+          <a:miter lim="800000"/>
+        </a:ln>
+        <a:effectLst>
+          <a:glow rad="63500">
+            <a:schemeClr val="accent6">
+              <a:satMod val="175000"/>
+              <a:alpha val="40000"/>
+            </a:schemeClr>
+          </a:glow>
+        </a:effectLst>
+      </dsp:spPr>
+      <dsp:style>
+        <a:lnRef idx="2">
+          <a:scrgbClr r="0" g="0" b="0"/>
+        </a:lnRef>
+        <a:fillRef idx="1">
+          <a:scrgbClr r="0" g="0" b="0"/>
+        </a:fillRef>
+        <a:effectRef idx="0">
+          <a:scrgbClr r="0" g="0" b="0"/>
+        </a:effectRef>
+        <a:fontRef idx="minor">
+          <a:schemeClr val="lt1"/>
+        </a:fontRef>
+      </dsp:style>
+      <dsp:txBody>
+        <a:bodyPr spcFirstLastPara="0" vert="horz" wrap="square" lIns="113792" tIns="113792" rIns="113792" bIns="113792" numCol="1" spcCol="1270" anchor="ctr" anchorCtr="0">
+          <a:noAutofit/>
+        </a:bodyPr>
+        <a:lstStyle/>
+        <a:p>
+          <a:pPr lvl="0" algn="ctr" defTabSz="711200">
+            <a:lnSpc>
+              <a:spcPct val="90000"/>
+            </a:lnSpc>
+            <a:spcBef>
+              <a:spcPct val="0"/>
+            </a:spcBef>
+            <a:spcAft>
+              <a:spcPct val="35000"/>
+            </a:spcAft>
+          </a:pPr>
+          <a:r>
+            <a:rPr lang="ru-RU" sz="1600" kern="1200" dirty="0" smtClean="0"/>
+            <a:t>Оформление результатов тестирования</a:t>
+          </a:r>
+          <a:endParaRPr lang="ru-RU" sz="1600" kern="1200" dirty="0"/>
+        </a:p>
+      </dsp:txBody>
+      <dsp:txXfrm>
+        <a:off x="2801271" y="1446142"/>
+        <a:ext cx="1740038" cy="1044023"/>
+      </dsp:txXfrm>
+    </dsp:sp>
+    <dsp:sp modelId="{4AFCF350-7E3E-4747-9BE0-9F5FEF433686}">
+      <dsp:nvSpPr>
+        <dsp:cNvPr id="0" name=""/>
+        <dsp:cNvSpPr/>
+      </dsp:nvSpPr>
+      <dsp:spPr>
+        <a:xfrm>
+          <a:off x="661024" y="2890374"/>
+          <a:ext cx="1740038" cy="1044023"/>
+        </a:xfrm>
+        <a:prstGeom prst="rect">
+          <a:avLst/>
+        </a:prstGeom>
+        <a:solidFill>
+          <a:schemeClr val="accent5">
+            <a:hueOff val="-3065039"/>
+            <a:satOff val="1440"/>
+            <a:lumOff val="-40784"/>
+            <a:alphaOff val="0"/>
+          </a:schemeClr>
+        </a:solidFill>
+        <a:ln w="12700" cap="flat" cmpd="sng" algn="ctr">
+          <a:solidFill>
+            <a:schemeClr val="lt1">
+              <a:hueOff val="0"/>
+              <a:satOff val="0"/>
+              <a:lumOff val="0"/>
+              <a:alphaOff val="0"/>
+            </a:schemeClr>
+          </a:solidFill>
+          <a:prstDash val="solid"/>
+          <a:miter lim="800000"/>
+        </a:ln>
+        <a:effectLst>
+          <a:glow rad="63500">
+            <a:schemeClr val="accent6">
+              <a:satMod val="175000"/>
+              <a:alpha val="40000"/>
+            </a:schemeClr>
+          </a:glow>
+        </a:effectLst>
+      </dsp:spPr>
+      <dsp:style>
+        <a:lnRef idx="2">
+          <a:scrgbClr r="0" g="0" b="0"/>
+        </a:lnRef>
+        <a:fillRef idx="1">
+          <a:scrgbClr r="0" g="0" b="0"/>
+        </a:fillRef>
+        <a:effectRef idx="0">
+          <a:scrgbClr r="0" g="0" b="0"/>
+        </a:effectRef>
+        <a:fontRef idx="minor">
+          <a:schemeClr val="lt1"/>
+        </a:fontRef>
+      </dsp:style>
+      <dsp:txBody>
+        <a:bodyPr spcFirstLastPara="0" vert="horz" wrap="square" lIns="113792" tIns="113792" rIns="113792" bIns="113792" numCol="1" spcCol="1270" anchor="ctr" anchorCtr="0">
+          <a:noAutofit/>
+        </a:bodyPr>
+        <a:lstStyle/>
+        <a:p>
+          <a:pPr lvl="0" algn="ctr" defTabSz="711200">
+            <a:lnSpc>
+              <a:spcPct val="90000"/>
+            </a:lnSpc>
+            <a:spcBef>
+              <a:spcPct val="0"/>
+            </a:spcBef>
+            <a:spcAft>
+              <a:spcPct val="35000"/>
+            </a:spcAft>
+          </a:pPr>
+          <a:r>
+            <a:rPr lang="ru-RU" sz="1600" kern="1200" dirty="0" smtClean="0"/>
+            <a:t>Создание новых </a:t>
+          </a:r>
+          <a:r>
+            <a:rPr lang="en-US" sz="1600" kern="1200" dirty="0" smtClean="0"/>
+            <a:t>Issue </a:t>
+          </a:r>
+          <a:r>
+            <a:rPr lang="ru-RU" sz="1600" kern="1200" dirty="0" smtClean="0"/>
+            <a:t>на </a:t>
+          </a:r>
+          <a:r>
+            <a:rPr lang="en-US" sz="1600" kern="1200" dirty="0" smtClean="0"/>
+            <a:t>GitHub</a:t>
+          </a:r>
+          <a:endParaRPr lang="ru-RU" sz="1600" kern="1200" dirty="0"/>
+        </a:p>
+      </dsp:txBody>
+      <dsp:txXfrm>
+        <a:off x="661024" y="2890374"/>
+        <a:ext cx="1740038" cy="1044023"/>
+      </dsp:txXfrm>
+    </dsp:sp>
   </dsp:spTree>
 </dsp:drawing>
 </file>
@@ -13390,13 +14648,9 @@
           </a:avLst>
         </a:prstGeom>
         <a:solidFill>
-          <a:schemeClr val="lt1">
+          <a:srgbClr val="F5F5F5">
             <a:alpha val="90000"/>
-            <a:hueOff val="0"/>
-            <a:satOff val="0"/>
-            <a:lumOff val="0"/>
-            <a:alphaOff val="0"/>
-          </a:schemeClr>
+          </a:srgbClr>
         </a:solidFill>
         <a:ln w="12700" cap="flat" cmpd="sng" algn="ctr">
           <a:solidFill>
@@ -13510,22 +14764,18 @@
       </dsp:nvSpPr>
       <dsp:spPr>
         <a:xfrm>
-          <a:off x="3581809" y="1788144"/>
+          <a:off x="3444009" y="1620481"/>
           <a:ext cx="743056" cy="743056"/>
         </a:xfrm>
         <a:prstGeom prst="ellipse">
           <a:avLst/>
         </a:prstGeom>
-        <a:solidFill>
-          <a:schemeClr val="accent5">
-            <a:tint val="40000"/>
-            <a:alpha val="90000"/>
-            <a:hueOff val="0"/>
-            <a:satOff val="0"/>
-            <a:lumOff val="0"/>
-            <a:alphaOff val="0"/>
-          </a:schemeClr>
-        </a:solidFill>
+        <a:blipFill rotWithShape="1">
+          <a:blip xmlns:r="http://schemas.openxmlformats.org/officeDocument/2006/relationships" r:embed="rId1"/>
+          <a:stretch>
+            <a:fillRect/>
+          </a:stretch>
+        </a:blipFill>
         <a:ln w="12700" cap="flat" cmpd="sng" algn="ctr">
           <a:solidFill>
             <a:schemeClr val="accent5">
@@ -13572,13 +14822,9 @@
           </a:avLst>
         </a:prstGeom>
         <a:solidFill>
-          <a:schemeClr val="lt1">
+          <a:srgbClr val="F5F5F5">
             <a:alpha val="90000"/>
-            <a:hueOff val="0"/>
-            <a:satOff val="0"/>
-            <a:lumOff val="0"/>
-            <a:alphaOff val="0"/>
-          </a:schemeClr>
+          </a:srgbClr>
         </a:solidFill>
         <a:ln w="12700" cap="flat" cmpd="sng" algn="ctr">
           <a:solidFill>
@@ -13692,22 +14938,18 @@
       </dsp:nvSpPr>
       <dsp:spPr>
         <a:xfrm>
-          <a:off x="6582294" y="1788144"/>
+          <a:off x="6446820" y="1609053"/>
           <a:ext cx="743056" cy="743056"/>
         </a:xfrm>
         <a:prstGeom prst="ellipse">
           <a:avLst/>
         </a:prstGeom>
-        <a:solidFill>
-          <a:schemeClr val="accent5">
-            <a:tint val="40000"/>
-            <a:alpha val="90000"/>
-            <a:hueOff val="-644660"/>
-            <a:satOff val="-5553"/>
-            <a:lumOff val="-1808"/>
-            <a:alphaOff val="0"/>
-          </a:schemeClr>
-        </a:solidFill>
+        <a:blipFill rotWithShape="1">
+          <a:blip xmlns:r="http://schemas.openxmlformats.org/officeDocument/2006/relationships" r:embed="rId2"/>
+          <a:stretch>
+            <a:fillRect/>
+          </a:stretch>
+        </a:blipFill>
         <a:ln w="12700" cap="flat" cmpd="sng" algn="ctr">
           <a:solidFill>
             <a:schemeClr val="accent5">
@@ -13753,12 +14995,11 @@
             <a:gd name="adj2" fmla="val 0"/>
           </a:avLst>
         </a:prstGeom>
-        <a:blipFill rotWithShape="0">
-          <a:blip xmlns:r="http://schemas.openxmlformats.org/officeDocument/2006/relationships" r:embed="rId1"/>
-          <a:stretch>
-            <a:fillRect/>
-          </a:stretch>
-        </a:blipFill>
+        <a:solidFill>
+          <a:srgbClr val="F5F5F5">
+            <a:alpha val="89804"/>
+          </a:srgbClr>
+        </a:solidFill>
         <a:ln w="12700" cap="flat" cmpd="sng" algn="ctr">
           <a:solidFill>
             <a:schemeClr val="accent5">
@@ -13871,22 +15112,18 @@
       </dsp:nvSpPr>
       <dsp:spPr>
         <a:xfrm>
-          <a:off x="9582779" y="1788144"/>
+          <a:off x="9447736" y="1620481"/>
           <a:ext cx="743056" cy="743056"/>
         </a:xfrm>
         <a:prstGeom prst="ellipse">
           <a:avLst/>
         </a:prstGeom>
-        <a:solidFill>
-          <a:schemeClr val="accent5">
-            <a:tint val="40000"/>
-            <a:alpha val="90000"/>
-            <a:hueOff val="-1289320"/>
-            <a:satOff val="-11107"/>
-            <a:lumOff val="-3616"/>
-            <a:alphaOff val="0"/>
-          </a:schemeClr>
-        </a:solidFill>
+        <a:blipFill rotWithShape="1">
+          <a:blip xmlns:r="http://schemas.openxmlformats.org/officeDocument/2006/relationships" r:embed="rId3"/>
+          <a:stretch>
+            <a:fillRect/>
+          </a:stretch>
+        </a:blipFill>
         <a:ln w="12700" cap="flat" cmpd="sng" algn="ctr">
           <a:solidFill>
             <a:schemeClr val="accent5">
@@ -13933,13 +15170,9 @@
           </a:avLst>
         </a:prstGeom>
         <a:solidFill>
-          <a:schemeClr val="lt1">
+          <a:srgbClr val="F5F5F5">
             <a:alpha val="90000"/>
-            <a:hueOff val="0"/>
-            <a:satOff val="0"/>
-            <a:lumOff val="0"/>
-            <a:alphaOff val="0"/>
-          </a:schemeClr>
+          </a:srgbClr>
         </a:solidFill>
         <a:ln w="12700" cap="flat" cmpd="sng" algn="ctr">
           <a:solidFill>
@@ -14057,22 +15290,18 @@
       </dsp:nvSpPr>
       <dsp:spPr>
         <a:xfrm>
-          <a:off x="4932150" y="4450984"/>
+          <a:off x="4942464" y="4389853"/>
           <a:ext cx="743056" cy="743056"/>
         </a:xfrm>
         <a:prstGeom prst="ellipse">
           <a:avLst/>
         </a:prstGeom>
-        <a:solidFill>
-          <a:schemeClr val="accent5">
-            <a:tint val="40000"/>
-            <a:alpha val="90000"/>
-            <a:hueOff val="-1933980"/>
-            <a:satOff val="-16660"/>
-            <a:lumOff val="-5424"/>
-            <a:alphaOff val="0"/>
-          </a:schemeClr>
-        </a:solidFill>
+        <a:blipFill rotWithShape="1">
+          <a:blip xmlns:r="http://schemas.openxmlformats.org/officeDocument/2006/relationships" r:embed="rId4"/>
+          <a:stretch>
+            <a:fillRect/>
+          </a:stretch>
+        </a:blipFill>
         <a:ln w="12700" cap="flat" cmpd="sng" algn="ctr">
           <a:solidFill>
             <a:schemeClr val="accent5">
@@ -14119,13 +15348,9 @@
           </a:avLst>
         </a:prstGeom>
         <a:solidFill>
-          <a:schemeClr val="lt1">
-            <a:alpha val="90000"/>
-            <a:hueOff val="0"/>
-            <a:satOff val="0"/>
-            <a:lumOff val="0"/>
-            <a:alphaOff val="0"/>
-          </a:schemeClr>
+          <a:srgbClr val="F5F5F5">
+            <a:alpha val="89804"/>
+          </a:srgbClr>
         </a:solidFill>
         <a:ln w="12700" cap="flat" cmpd="sng" algn="ctr">
           <a:solidFill>
@@ -14239,22 +15464,18 @@
       </dsp:nvSpPr>
       <dsp:spPr>
         <a:xfrm>
-          <a:off x="7933241" y="4450984"/>
+          <a:off x="8085605" y="4398324"/>
           <a:ext cx="743056" cy="743056"/>
         </a:xfrm>
         <a:prstGeom prst="ellipse">
           <a:avLst/>
         </a:prstGeom>
-        <a:solidFill>
-          <a:schemeClr val="accent5">
-            <a:tint val="40000"/>
-            <a:alpha val="90000"/>
-            <a:hueOff val="-2578640"/>
-            <a:satOff val="-22214"/>
-            <a:lumOff val="-7232"/>
-            <a:alphaOff val="0"/>
-          </a:schemeClr>
-        </a:solidFill>
+        <a:blipFill rotWithShape="1">
+          <a:blip xmlns:r="http://schemas.openxmlformats.org/officeDocument/2006/relationships" r:embed="rId5"/>
+          <a:stretch>
+            <a:fillRect/>
+          </a:stretch>
+        </a:blipFill>
         <a:ln w="12700" cap="flat" cmpd="sng" algn="ctr">
           <a:solidFill>
             <a:schemeClr val="accent5">
@@ -26336,7 +27557,7 @@
   </p:txStyles>
   <p:extLst>
     <p:ext uri="{27BBF7A9-308A-43DC-89C8-2F10F3537804}">
-      <p15:sldGuideLst xmlns:p15="http://schemas.microsoft.com/office/powerpoint/2012/main"/>
+      <p15:sldGuideLst xmlns:p15="http://schemas.microsoft.com/office/powerpoint/2012/main" xmlns=""/>
     </p:ext>
   </p:extLst>
 </p:sldMaster>
@@ -28430,7 +29651,7 @@
           <p:nvPr>
             <p:extLst>
               <p:ext uri="{D42A27DB-BD31-4B8C-83A1-F6EECF244321}">
-                <p14:modId xmlns:p14="http://schemas.microsoft.com/office/powerpoint/2010/main" val="3884264281"/>
+                <p14:modId xmlns:p14="http://schemas.microsoft.com/office/powerpoint/2010/main" val="2735302292"/>
               </p:ext>
             </p:extLst>
           </p:nvPr>
@@ -28445,10 +29666,353 @@
           </a:graphicData>
         </a:graphic>
       </p:graphicFrame>
+      <p:cxnSp>
+        <p:nvCxnSpPr>
+          <p:cNvPr id="7" name="Прямая соединительная линия 6"/>
+          <p:cNvCxnSpPr/>
+          <p:nvPr/>
+        </p:nvCxnSpPr>
+        <p:spPr>
+          <a:xfrm>
+            <a:off x="9304867" y="2413000"/>
+            <a:ext cx="914400" cy="914400"/>
+          </a:xfrm>
+          <a:prstGeom prst="line">
+            <a:avLst/>
+          </a:prstGeom>
+        </p:spPr>
+        <p:style>
+          <a:lnRef idx="1">
+            <a:schemeClr val="accent1"/>
+          </a:lnRef>
+          <a:fillRef idx="0">
+            <a:schemeClr val="accent1"/>
+          </a:fillRef>
+          <a:effectRef idx="0">
+            <a:schemeClr val="accent1"/>
+          </a:effectRef>
+          <a:fontRef idx="minor">
+            <a:schemeClr val="tx1"/>
+          </a:fontRef>
+        </p:style>
+      </p:cxnSp>
+      <p:pic>
+        <p:nvPicPr>
+          <p:cNvPr id="1030" name="Picture 6"/>
+          <p:cNvPicPr>
+            <a:picLocks noChangeAspect="1" noChangeArrowheads="1"/>
+          </p:cNvPicPr>
+          <p:nvPr/>
+        </p:nvPicPr>
+        <p:blipFill>
+          <a:blip r:embed="rId7">
+            <a:extLst>
+              <a:ext uri="{28A0092B-C50C-407E-A947-70E740481C1C}">
+                <a14:useLocalDpi xmlns:a14="http://schemas.microsoft.com/office/drawing/2010/main" val="0"/>
+              </a:ext>
+            </a:extLst>
+          </a:blip>
+          <a:srcRect/>
+          <a:stretch>
+            <a:fillRect/>
+          </a:stretch>
+        </p:blipFill>
+        <p:spPr bwMode="auto">
+          <a:xfrm>
+            <a:off x="8043334" y="2170112"/>
+            <a:ext cx="1981200" cy="485775"/>
+          </a:xfrm>
+          <a:prstGeom prst="rect">
+            <a:avLst/>
+          </a:prstGeom>
+          <a:noFill/>
+          <a:ln>
+            <a:noFill/>
+          </a:ln>
+          <a:extLst>
+            <a:ext uri="{909E8E84-426E-40DD-AFC4-6F175D3DCCD1}">
+              <a14:hiddenFill xmlns:a14="http://schemas.microsoft.com/office/drawing/2010/main">
+                <a:solidFill>
+                  <a:schemeClr val="accent1"/>
+                </a:solidFill>
+              </a14:hiddenFill>
+            </a:ext>
+            <a:ext uri="{91240B29-F687-4F45-9708-019B960494DF}">
+              <a14:hiddenLine xmlns:a14="http://schemas.microsoft.com/office/drawing/2010/main" w="9525">
+                <a:solidFill>
+                  <a:schemeClr val="tx1"/>
+                </a:solidFill>
+                <a:miter lim="800000"/>
+                <a:headEnd/>
+                <a:tailEnd/>
+              </a14:hiddenLine>
+            </a:ext>
+          </a:extLst>
+        </p:spPr>
+      </p:pic>
+      <p:pic>
+        <p:nvPicPr>
+          <p:cNvPr id="1031" name="Picture 7" descr="C:\Users\AI_13_06\Pictures\вписон.png"/>
+          <p:cNvPicPr>
+            <a:picLocks noChangeAspect="1" noChangeArrowheads="1"/>
+          </p:cNvPicPr>
+          <p:nvPr/>
+        </p:nvPicPr>
+        <p:blipFill>
+          <a:blip r:embed="rId8" cstate="print">
+            <a:extLst>
+              <a:ext uri="{28A0092B-C50C-407E-A947-70E740481C1C}">
+                <a14:useLocalDpi xmlns:a14="http://schemas.microsoft.com/office/drawing/2010/main" val="0"/>
+              </a:ext>
+            </a:extLst>
+          </a:blip>
+          <a:srcRect/>
+          <a:stretch>
+            <a:fillRect/>
+          </a:stretch>
+        </p:blipFill>
+        <p:spPr bwMode="auto">
+          <a:xfrm>
+            <a:off x="1701230" y="1623579"/>
+            <a:ext cx="1748005" cy="953388"/>
+          </a:xfrm>
+          <a:prstGeom prst="rect">
+            <a:avLst/>
+          </a:prstGeom>
+          <a:noFill/>
+          <a:extLst>
+            <a:ext uri="{909E8E84-426E-40DD-AFC4-6F175D3DCCD1}">
+              <a14:hiddenFill xmlns:a14="http://schemas.microsoft.com/office/drawing/2010/main">
+                <a:solidFill>
+                  <a:srgbClr val="FFFFFF"/>
+                </a:solidFill>
+              </a14:hiddenFill>
+            </a:ext>
+          </a:extLst>
+        </p:spPr>
+      </p:pic>
+      <p:pic>
+        <p:nvPicPr>
+          <p:cNvPr id="1032" name="Picture 8" descr="C:\Users\AI_13_06\Pictures\пати.PNG"/>
+          <p:cNvPicPr>
+            <a:picLocks noChangeAspect="1" noChangeArrowheads="1"/>
+          </p:cNvPicPr>
+          <p:nvPr/>
+        </p:nvPicPr>
+        <p:blipFill>
+          <a:blip r:embed="rId9" cstate="print">
+            <a:extLst>
+              <a:ext uri="{28A0092B-C50C-407E-A947-70E740481C1C}">
+                <a14:useLocalDpi xmlns:a14="http://schemas.microsoft.com/office/drawing/2010/main" val="0"/>
+              </a:ext>
+            </a:extLst>
+          </a:blip>
+          <a:srcRect/>
+          <a:stretch>
+            <a:fillRect/>
+          </a:stretch>
+        </p:blipFill>
+        <p:spPr bwMode="auto">
+          <a:xfrm>
+            <a:off x="2235200" y="2100273"/>
+            <a:ext cx="2157136" cy="1026562"/>
+          </a:xfrm>
+          <a:prstGeom prst="rect">
+            <a:avLst/>
+          </a:prstGeom>
+          <a:noFill/>
+          <a:extLst>
+            <a:ext uri="{909E8E84-426E-40DD-AFC4-6F175D3DCCD1}">
+              <a14:hiddenFill xmlns:a14="http://schemas.microsoft.com/office/drawing/2010/main">
+                <a:solidFill>
+                  <a:srgbClr val="FFFFFF"/>
+                </a:solidFill>
+              </a14:hiddenFill>
+            </a:ext>
+          </a:extLst>
+        </p:spPr>
+      </p:pic>
+      <p:pic>
+        <p:nvPicPr>
+          <p:cNvPr id="1041" name="Picture 17" descr="http://cs625426.vk.me/v625426517/29f7c/84XsluHnH-4.jpg"/>
+          <p:cNvPicPr>
+            <a:picLocks noChangeAspect="1" noChangeArrowheads="1"/>
+          </p:cNvPicPr>
+          <p:nvPr/>
+        </p:nvPicPr>
+        <p:blipFill>
+          <a:blip r:embed="rId10" cstate="print">
+            <a:extLst>
+              <a:ext uri="{28A0092B-C50C-407E-A947-70E740481C1C}">
+                <a14:useLocalDpi xmlns:a14="http://schemas.microsoft.com/office/drawing/2010/main" val="0"/>
+              </a:ext>
+            </a:extLst>
+          </a:blip>
+          <a:srcRect/>
+          <a:stretch>
+            <a:fillRect/>
+          </a:stretch>
+        </p:blipFill>
+        <p:spPr bwMode="auto">
+          <a:xfrm>
+            <a:off x="4813815" y="1687738"/>
+            <a:ext cx="816519" cy="1450522"/>
+          </a:xfrm>
+          <a:prstGeom prst="rect">
+            <a:avLst/>
+          </a:prstGeom>
+          <a:noFill/>
+          <a:extLst>
+            <a:ext uri="{909E8E84-426E-40DD-AFC4-6F175D3DCCD1}">
+              <a14:hiddenFill xmlns:a14="http://schemas.microsoft.com/office/drawing/2010/main">
+                <a:solidFill>
+                  <a:srgbClr val="FFFFFF"/>
+                </a:solidFill>
+              </a14:hiddenFill>
+            </a:ext>
+          </a:extLst>
+        </p:spPr>
+      </p:pic>
+      <p:pic>
+        <p:nvPicPr>
+          <p:cNvPr id="1042" name="Picture 18" descr="F:\Pictures\Screenshots\Screenshot_2015-04-18-11-53-59.png"/>
+          <p:cNvPicPr>
+            <a:picLocks noChangeAspect="1" noChangeArrowheads="1"/>
+          </p:cNvPicPr>
+          <p:nvPr/>
+        </p:nvPicPr>
+        <p:blipFill>
+          <a:blip r:embed="rId11" cstate="print">
+            <a:extLst>
+              <a:ext uri="{28A0092B-C50C-407E-A947-70E740481C1C}">
+                <a14:useLocalDpi xmlns:a14="http://schemas.microsoft.com/office/drawing/2010/main" val="0"/>
+              </a:ext>
+            </a:extLst>
+          </a:blip>
+          <a:srcRect/>
+          <a:stretch>
+            <a:fillRect/>
+          </a:stretch>
+        </p:blipFill>
+        <p:spPr bwMode="auto">
+          <a:xfrm>
+            <a:off x="6120458" y="1680121"/>
+            <a:ext cx="813776" cy="1446713"/>
+          </a:xfrm>
+          <a:prstGeom prst="rect">
+            <a:avLst/>
+          </a:prstGeom>
+          <a:noFill/>
+          <a:extLst>
+            <a:ext uri="{909E8E84-426E-40DD-AFC4-6F175D3DCCD1}">
+              <a14:hiddenFill xmlns:a14="http://schemas.microsoft.com/office/drawing/2010/main">
+                <a:solidFill>
+                  <a:srgbClr val="FFFFFF"/>
+                </a:solidFill>
+              </a14:hiddenFill>
+            </a:ext>
+          </a:extLst>
+        </p:spPr>
+      </p:pic>
+      <p:pic>
+        <p:nvPicPr>
+          <p:cNvPr id="1043" name="Picture 19" descr="C:\Users\AI_13_06\Pictures\Снимок.PNG"/>
+          <p:cNvPicPr>
+            <a:picLocks noChangeAspect="1" noChangeArrowheads="1"/>
+          </p:cNvPicPr>
+          <p:nvPr/>
+        </p:nvPicPr>
+        <p:blipFill>
+          <a:blip r:embed="rId12" cstate="print">
+            <a:extLst>
+              <a:ext uri="{28A0092B-C50C-407E-A947-70E740481C1C}">
+                <a14:useLocalDpi xmlns:a14="http://schemas.microsoft.com/office/drawing/2010/main" val="0"/>
+              </a:ext>
+            </a:extLst>
+          </a:blip>
+          <a:srcRect/>
+          <a:stretch>
+            <a:fillRect/>
+          </a:stretch>
+        </p:blipFill>
+        <p:spPr bwMode="auto">
+          <a:xfrm>
+            <a:off x="3845034" y="4428066"/>
+            <a:ext cx="1302699" cy="1527185"/>
+          </a:xfrm>
+          <a:prstGeom prst="rect">
+            <a:avLst/>
+          </a:prstGeom>
+          <a:noFill/>
+          <a:extLst>
+            <a:ext uri="{909E8E84-426E-40DD-AFC4-6F175D3DCCD1}">
+              <a14:hiddenFill xmlns:a14="http://schemas.microsoft.com/office/drawing/2010/main">
+                <a:solidFill>
+                  <a:srgbClr val="FFFFFF"/>
+                </a:solidFill>
+              </a14:hiddenFill>
+            </a:ext>
+          </a:extLst>
+        </p:spPr>
+      </p:pic>
+      <p:pic>
+        <p:nvPicPr>
+          <p:cNvPr id="1045" name="Picture 21"/>
+          <p:cNvPicPr>
+            <a:picLocks noChangeAspect="1" noChangeArrowheads="1"/>
+          </p:cNvPicPr>
+          <p:nvPr/>
+        </p:nvPicPr>
+        <p:blipFill>
+          <a:blip r:embed="rId13">
+            <a:extLst>
+              <a:ext uri="{28A0092B-C50C-407E-A947-70E740481C1C}">
+                <a14:useLocalDpi xmlns:a14="http://schemas.microsoft.com/office/drawing/2010/main" val="0"/>
+              </a:ext>
+            </a:extLst>
+          </a:blip>
+          <a:srcRect/>
+          <a:stretch>
+            <a:fillRect/>
+          </a:stretch>
+        </p:blipFill>
+        <p:spPr bwMode="auto">
+          <a:xfrm>
+            <a:off x="6309952" y="4875481"/>
+            <a:ext cx="2723982" cy="632353"/>
+          </a:xfrm>
+          <a:prstGeom prst="rect">
+            <a:avLst/>
+          </a:prstGeom>
+          <a:noFill/>
+          <a:ln>
+            <a:noFill/>
+          </a:ln>
+          <a:extLst>
+            <a:ext uri="{909E8E84-426E-40DD-AFC4-6F175D3DCCD1}">
+              <a14:hiddenFill xmlns:a14="http://schemas.microsoft.com/office/drawing/2010/main">
+                <a:solidFill>
+                  <a:schemeClr val="accent1"/>
+                </a:solidFill>
+              </a14:hiddenFill>
+            </a:ext>
+            <a:ext uri="{91240B29-F687-4F45-9708-019B960494DF}">
+              <a14:hiddenLine xmlns:a14="http://schemas.microsoft.com/office/drawing/2010/main" w="9525">
+                <a:solidFill>
+                  <a:schemeClr val="tx1"/>
+                </a:solidFill>
+                <a:miter lim="800000"/>
+                <a:headEnd/>
+                <a:tailEnd/>
+              </a14:hiddenLine>
+            </a:ext>
+          </a:extLst>
+        </p:spPr>
+      </p:pic>
     </p:spTree>
     <p:extLst>
       <p:ext uri="{BB962C8B-B14F-4D97-AF65-F5344CB8AC3E}">
-        <p14:creationId xmlns:p14="http://schemas.microsoft.com/office/powerpoint/2010/main" val="2535408974"/>
+        <p14:creationId xmlns:p14="http://schemas.microsoft.com/office/powerpoint/2010/main" val="1916984350"/>
       </p:ext>
     </p:extLst>
   </p:cSld>
@@ -33917,13 +35481,13 @@
   <p:clrMapOvr>
     <a:masterClrMapping/>
   </p:clrMapOvr>
-  <mc:AlternateContent xmlns:mc="http://schemas.openxmlformats.org/markup-compatibility/2006">
-    <mc:Choice xmlns:p14="http://schemas.microsoft.com/office/powerpoint/2010/main" Requires="p14">
+  <mc:AlternateContent xmlns:mc="http://schemas.openxmlformats.org/markup-compatibility/2006" xmlns:p14="http://schemas.microsoft.com/office/powerpoint/2010/main">
+    <mc:Choice Requires="p14">
       <p:transition spd="med" p14:dur="700">
         <p:fade/>
       </p:transition>
     </mc:Choice>
-    <mc:Fallback>
+    <mc:Fallback xmlns="">
       <p:transition spd="med">
         <p:fade/>
       </p:transition>
@@ -34321,7 +35885,7 @@
   <a:extraClrSchemeLst/>
   <a:extLst>
     <a:ext uri="{05A4C25C-085E-4340-85A3-A5531E510DB2}">
-      <thm15:themeFamily xmlns:thm15="http://schemas.microsoft.com/office/thememl/2012/main" name="Office Theme" id="{62F939B6-93AF-4DB8-9C6B-D6C7DFDC589F}" vid="{4A3C46E8-61CC-4603-A589-7422A47A8E4A}"/>
+      <thm15:themeFamily xmlns:thm15="http://schemas.microsoft.com/office/thememl/2012/main" xmlns="" name="Office Theme" id="{62F939B6-93AF-4DB8-9C6B-D6C7DFDC589F}" vid="{4A3C46E8-61CC-4603-A589-7422A47A8E4A}"/>
     </a:ext>
   </a:extLst>
 </a:theme>
@@ -34522,7 +36086,7 @@
   <a:extraClrSchemeLst/>
   <a:extLst>
     <a:ext uri="{05A4C25C-085E-4340-85A3-A5531E510DB2}">
-      <thm15:themeFamily xmlns:thm15="http://schemas.microsoft.com/office/thememl/2012/main" name="Office Theme" id="{62F939B6-93AF-4DB8-9C6B-D6C7DFDC589F}" vid="{4A3C46E8-61CC-4603-A589-7422A47A8E4A}"/>
+      <thm15:themeFamily xmlns:thm15="http://schemas.microsoft.com/office/thememl/2012/main" xmlns="" name="Office Theme" id="{62F939B6-93AF-4DB8-9C6B-D6C7DFDC589F}" vid="{4A3C46E8-61CC-4603-A589-7422A47A8E4A}"/>
     </a:ext>
   </a:extLst>
 </a:theme>
@@ -34723,7 +36287,7 @@
   <a:extraClrSchemeLst/>
   <a:extLst>
     <a:ext uri="{05A4C25C-085E-4340-85A3-A5531E510DB2}">
-      <thm15:themeFamily xmlns:thm15="http://schemas.microsoft.com/office/thememl/2012/main" name="Office Theme" id="{62F939B6-93AF-4DB8-9C6B-D6C7DFDC589F}" vid="{4A3C46E8-61CC-4603-A589-7422A47A8E4A}"/>
+      <thm15:themeFamily xmlns:thm15="http://schemas.microsoft.com/office/thememl/2012/main" xmlns="" name="Office Theme" id="{62F939B6-93AF-4DB8-9C6B-D6C7DFDC589F}" vid="{4A3C46E8-61CC-4603-A589-7422A47A8E4A}"/>
     </a:ext>
   </a:extLst>
 </a:theme>

--- a/k224-docs/Презентация ко 2 релизу.pptx
+++ b/k224-docs/Презентация ко 2 релизу.pptx
@@ -5,10 +5,10 @@
     <p:sldMasterId id="2147483662" r:id="rId2"/>
   </p:sldMasterIdLst>
   <p:notesMasterIdLst>
-    <p:notesMasterId r:id="rId27"/>
+    <p:notesMasterId r:id="rId28"/>
   </p:notesMasterIdLst>
   <p:handoutMasterIdLst>
-    <p:handoutMasterId r:id="rId28"/>
+    <p:handoutMasterId r:id="rId29"/>
   </p:handoutMasterIdLst>
   <p:sldIdLst>
     <p:sldId id="257" r:id="rId3"/>
@@ -33,8 +33,9 @@
     <p:sldId id="293" r:id="rId22"/>
     <p:sldId id="288" r:id="rId23"/>
     <p:sldId id="289" r:id="rId24"/>
-    <p:sldId id="276" r:id="rId25"/>
-    <p:sldId id="281" r:id="rId26"/>
+    <p:sldId id="303" r:id="rId25"/>
+    <p:sldId id="276" r:id="rId26"/>
+    <p:sldId id="281" r:id="rId27"/>
   </p:sldIdLst>
   <p:sldSz cx="12192000" cy="6858000"/>
   <p:notesSz cx="6858000" cy="9144000"/>
@@ -135,10 +136,21 @@
   </p:defaultTextStyle>
   <p:extLst>
     <p:ext uri="{EFAFB233-063F-42B5-8137-9DF3F51BA10A}">
-      <p15:sldGuideLst xmlns:p15="http://schemas.microsoft.com/office/powerpoint/2012/main" xmlns=""/>
+      <p15:sldGuideLst xmlns:p15="http://schemas.microsoft.com/office/powerpoint/2012/main">
+        <p15:guide id="1" orient="horz" pos="2160">
+          <p15:clr>
+            <a:srgbClr val="A4A3A4"/>
+          </p15:clr>
+        </p15:guide>
+        <p15:guide id="2" pos="3840">
+          <p15:clr>
+            <a:srgbClr val="A4A3A4"/>
+          </p15:clr>
+        </p15:guide>
+      </p15:sldGuideLst>
     </p:ext>
     <p:ext uri="{2D200454-40CA-4A62-9FC3-DE9A4176ACB9}">
-      <p15:notesGuideLst xmlns:p15="http://schemas.microsoft.com/office/powerpoint/2012/main" xmlns=""/>
+      <p15:notesGuideLst xmlns:p15="http://schemas.microsoft.com/office/powerpoint/2012/main"/>
     </p:ext>
   </p:extLst>
 </p:presentation>
@@ -193,6 +205,26 @@
         </a:ln>
         <a:effectLst/>
       </c:spPr>
+      <c:txPr>
+        <a:bodyPr rot="0" spcFirstLastPara="1" vertOverflow="ellipsis" vert="horz" wrap="square" anchor="ctr" anchorCtr="1"/>
+        <a:lstStyle/>
+        <a:p>
+          <a:pPr>
+            <a:defRPr sz="1862" b="1" i="0" u="none" strike="noStrike" kern="1200" cap="all" spc="50" baseline="0">
+              <a:solidFill>
+                <a:schemeClr val="tx1">
+                  <a:lumMod val="65000"/>
+                  <a:lumOff val="35000"/>
+                </a:schemeClr>
+              </a:solidFill>
+              <a:latin typeface="+mn-lt"/>
+              <a:ea typeface="+mn-ea"/>
+              <a:cs typeface="+mn-cs"/>
+            </a:defRPr>
+          </a:pPr>
+          <a:endParaRPr lang="ru-RU"/>
+        </a:p>
+      </c:txPr>
     </c:title>
     <c:autoTitleDeleted val="0"/>
     <c:plotArea>
@@ -512,7 +544,7 @@
       <a:endParaRPr lang="ru-RU"/>
     </a:p>
   </c:txPr>
-  <c:externalData r:id="rId1">
+  <c:externalData r:id="rId3">
     <c:autoUpdate val="0"/>
   </c:externalData>
 </c:chartSpace>
@@ -724,11 +756,11 @@
         </c:dLbls>
         <c:gapWidth val="219"/>
         <c:overlap val="-27"/>
-        <c:axId val="67113472"/>
-        <c:axId val="37310400"/>
+        <c:axId val="382464824"/>
+        <c:axId val="382465216"/>
       </c:barChart>
       <c:catAx>
-        <c:axId val="67113472"/>
+        <c:axId val="382464824"/>
         <c:scaling>
           <c:orientation val="minMax"/>
         </c:scaling>
@@ -771,7 +803,7 @@
             <a:endParaRPr lang="ru-RU"/>
           </a:p>
         </c:txPr>
-        <c:crossAx val="37310400"/>
+        <c:crossAx val="382465216"/>
         <c:crosses val="autoZero"/>
         <c:auto val="1"/>
         <c:lblAlgn val="ctr"/>
@@ -779,7 +811,7 @@
         <c:noMultiLvlLbl val="0"/>
       </c:catAx>
       <c:valAx>
-        <c:axId val="37310400"/>
+        <c:axId val="382465216"/>
         <c:scaling>
           <c:orientation val="minMax"/>
         </c:scaling>
@@ -830,7 +862,7 @@
             <a:endParaRPr lang="ru-RU"/>
           </a:p>
         </c:txPr>
-        <c:crossAx val="67113472"/>
+        <c:crossAx val="382464824"/>
         <c:crosses val="autoZero"/>
         <c:crossBetween val="between"/>
       </c:valAx>
@@ -904,7 +936,7 @@
       <a:endParaRPr lang="ru-RU"/>
     </a:p>
   </c:txPr>
-  <c:externalData r:id="rId1">
+  <c:externalData r:id="rId3">
     <c:autoUpdate val="0"/>
   </c:externalData>
 </c:chartSpace>
@@ -1162,13 +1194,12 @@
           <c:showPercent val="0"/>
           <c:showBubbleSize val="0"/>
         </c:dLbls>
-        <c:marker val="1"/>
         <c:smooth val="0"/>
-        <c:axId val="135097856"/>
-        <c:axId val="58102848"/>
+        <c:axId val="383383880"/>
+        <c:axId val="383382312"/>
       </c:lineChart>
       <c:catAx>
-        <c:axId val="135097856"/>
+        <c:axId val="383383880"/>
         <c:scaling>
           <c:orientation val="minMax"/>
         </c:scaling>
@@ -1211,7 +1242,7 @@
             <a:endParaRPr lang="ru-RU"/>
           </a:p>
         </c:txPr>
-        <c:crossAx val="58102848"/>
+        <c:crossAx val="383382312"/>
         <c:crosses val="autoZero"/>
         <c:auto val="1"/>
         <c:lblAlgn val="ctr"/>
@@ -1219,7 +1250,7 @@
         <c:noMultiLvlLbl val="1"/>
       </c:catAx>
       <c:valAx>
-        <c:axId val="58102848"/>
+        <c:axId val="383382312"/>
         <c:scaling>
           <c:orientation val="minMax"/>
         </c:scaling>
@@ -1270,7 +1301,7 @@
             <a:endParaRPr lang="ru-RU"/>
           </a:p>
         </c:txPr>
-        <c:crossAx val="135097856"/>
+        <c:crossAx val="383383880"/>
         <c:crosses val="autoZero"/>
         <c:crossBetween val="between"/>
       </c:valAx>
@@ -1335,7 +1366,7 @@
       <a:endParaRPr lang="ru-RU"/>
     </a:p>
   </c:txPr>
-  <c:externalData r:id="rId1">
+  <c:externalData r:id="rId3">
     <c:autoUpdate val="0"/>
   </c:externalData>
 </c:chartSpace>
@@ -1443,6 +1474,42 @@
           </a:glow>
         </a:effectLst>
       </c:spPr>
+      <c:txPr>
+        <a:bodyPr rot="0" spcFirstLastPara="1" vertOverflow="ellipsis" vert="horz" wrap="square" anchor="ctr" anchorCtr="1"/>
+        <a:lstStyle/>
+        <a:p>
+          <a:pPr>
+            <a:defRPr sz="2128" b="1" i="0" u="none" strike="noStrike" kern="1200" cap="none" spc="0" normalizeH="0" baseline="0">
+              <a:ln/>
+              <a:pattFill prst="dkUpDiag">
+                <a:fgClr>
+                  <a:schemeClr val="bg1">
+                    <a:lumMod val="50000"/>
+                  </a:schemeClr>
+                </a:fgClr>
+                <a:bgClr>
+                  <a:schemeClr val="tx1">
+                    <a:lumMod val="75000"/>
+                    <a:lumOff val="25000"/>
+                  </a:schemeClr>
+                </a:bgClr>
+              </a:pattFill>
+              <a:effectLst>
+                <a:outerShdw blurRad="38100" dist="19050" dir="2700000" algn="tl" rotWithShape="0">
+                  <a:schemeClr val="dk1">
+                    <a:lumMod val="50000"/>
+                    <a:alpha val="40000"/>
+                  </a:schemeClr>
+                </a:outerShdw>
+              </a:effectLst>
+              <a:latin typeface="+mj-lt"/>
+              <a:ea typeface="+mj-ea"/>
+              <a:cs typeface="+mj-cs"/>
+            </a:defRPr>
+          </a:pPr>
+          <a:endParaRPr lang="ru-RU"/>
+        </a:p>
+      </c:txPr>
     </c:title>
     <c:autoTitleDeleted val="0"/>
     <c:plotArea>
@@ -1556,9 +1623,7 @@
                 <a:pPr>
                   <a:defRPr sz="1197" b="0" i="0" u="none" strike="noStrike" kern="1200" baseline="0">
                     <a:solidFill>
-                      <a:schemeClr val="accent1">
-                        <a:lumMod val="90000"/>
-                      </a:schemeClr>
+                      <a:srgbClr val="FFFFFF"/>
                     </a:solidFill>
                     <a:latin typeface="+mn-lt"/>
                     <a:ea typeface="+mn-ea"/>
@@ -1591,7 +1656,9 @@
               </c:spPr>
             </c:leaderLines>
             <c:extLst>
-              <c:ext xmlns:c15="http://schemas.microsoft.com/office/drawing/2012/chart" uri="{CE6537A1-D6FC-4f65-9D91-7224C49458BB}"/>
+              <c:ext xmlns:c15="http://schemas.microsoft.com/office/drawing/2012/chart" uri="{CE6537A1-D6FC-4f65-9D91-7224C49458BB}">
+                <c15:layout/>
+              </c:ext>
             </c:extLst>
           </c:dLbls>
           <c:cat>
@@ -1618,13 +1685,13 @@
                 <c:formatCode>0%</c:formatCode>
                 <c:ptCount val="3"/>
                 <c:pt idx="0">
-                  <c:v>0.87</c:v>
+                  <c:v>0.72</c:v>
                 </c:pt>
                 <c:pt idx="1">
-                  <c:v>0.1</c:v>
+                  <c:v>0.06</c:v>
                 </c:pt>
                 <c:pt idx="2">
-                  <c:v>0.03</c:v>
+                  <c:v>0.22</c:v>
                 </c:pt>
               </c:numCache>
             </c:numRef>
@@ -1713,7 +1780,7 @@
       <a:endParaRPr lang="ru-RU"/>
     </a:p>
   </c:txPr>
-  <c:externalData r:id="rId1">
+  <c:externalData r:id="rId3">
     <c:autoUpdate val="0"/>
   </c:externalData>
 </c:chartSpace>
@@ -1814,6 +1881,7 @@
             <c:showLeaderLines val="0"/>
             <c:extLst>
               <c:ext xmlns:c15="http://schemas.microsoft.com/office/drawing/2012/chart" uri="{CE6537A1-D6FC-4f65-9D91-7224C49458BB}">
+                <c15:layout/>
                 <c15:showLeaderLines val="1"/>
                 <c15:leaderLines>
                   <c:spPr>
@@ -1918,6 +1986,7 @@
             <c:showLeaderLines val="0"/>
             <c:extLst>
               <c:ext xmlns:c15="http://schemas.microsoft.com/office/drawing/2012/chart" uri="{CE6537A1-D6FC-4f65-9D91-7224C49458BB}">
+                <c15:layout/>
                 <c15:showLeaderLines val="1"/>
                 <c15:leaderLines>
                   <c:spPr>
@@ -2022,6 +2091,7 @@
             <c:showLeaderLines val="0"/>
             <c:extLst>
               <c:ext xmlns:c15="http://schemas.microsoft.com/office/drawing/2012/chart" uri="{CE6537A1-D6FC-4f65-9D91-7224C49458BB}">
+                <c15:layout/>
                 <c15:showLeaderLines val="1"/>
                 <c15:leaderLines>
                   <c:spPr>
@@ -2128,6 +2198,7 @@
             <c:showLeaderLines val="0"/>
             <c:extLst>
               <c:ext xmlns:c15="http://schemas.microsoft.com/office/drawing/2012/chart" uri="{CE6537A1-D6FC-4f65-9D91-7224C49458BB}">
+                <c15:layout/>
                 <c15:showLeaderLines val="1"/>
                 <c15:leaderLines>
                   <c:spPr>
@@ -2234,6 +2305,7 @@
             <c:showLeaderLines val="0"/>
             <c:extLst>
               <c:ext xmlns:c15="http://schemas.microsoft.com/office/drawing/2012/chart" uri="{CE6537A1-D6FC-4f65-9D91-7224C49458BB}">
+                <c15:layout/>
                 <c15:showLeaderLines val="1"/>
                 <c15:leaderLines>
                   <c:spPr>
@@ -2340,6 +2412,7 @@
             <c:showLeaderLines val="0"/>
             <c:extLst>
               <c:ext xmlns:c15="http://schemas.microsoft.com/office/drawing/2012/chart" uri="{CE6537A1-D6FC-4f65-9D91-7224C49458BB}">
+                <c15:layout/>
                 <c15:showLeaderLines val="1"/>
                 <c15:leaderLines>
                   <c:spPr>
@@ -2447,6 +2520,7 @@
             <c:showLeaderLines val="0"/>
             <c:extLst>
               <c:ext xmlns:c15="http://schemas.microsoft.com/office/drawing/2012/chart" uri="{CE6537A1-D6FC-4f65-9D91-7224C49458BB}">
+                <c15:layout/>
                 <c15:showLeaderLines val="1"/>
                 <c15:leaderLines>
                   <c:spPr>
@@ -2554,6 +2628,7 @@
             <c:showLeaderLines val="0"/>
             <c:extLst>
               <c:ext xmlns:c15="http://schemas.microsoft.com/office/drawing/2012/chart" uri="{CE6537A1-D6FC-4f65-9D91-7224C49458BB}">
+                <c15:layout/>
                 <c15:showLeaderLines val="1"/>
                 <c15:leaderLines>
                   <c:spPr>
@@ -2661,6 +2736,7 @@
             <c:showLeaderLines val="0"/>
             <c:extLst>
               <c:ext xmlns:c15="http://schemas.microsoft.com/office/drawing/2012/chart" uri="{CE6537A1-D6FC-4f65-9D91-7224C49458BB}">
+                <c15:layout/>
                 <c15:showLeaderLines val="1"/>
                 <c15:leaderLines>
                   <c:spPr>
@@ -2767,6 +2843,7 @@
             <c:showLeaderLines val="0"/>
             <c:extLst>
               <c:ext xmlns:c15="http://schemas.microsoft.com/office/drawing/2012/chart" uri="{CE6537A1-D6FC-4f65-9D91-7224C49458BB}">
+                <c15:layout/>
                 <c15:showLeaderLines val="1"/>
                 <c15:leaderLines>
                   <c:spPr>
@@ -2873,6 +2950,7 @@
             <c:showLeaderLines val="0"/>
             <c:extLst>
               <c:ext xmlns:c15="http://schemas.microsoft.com/office/drawing/2012/chart" uri="{CE6537A1-D6FC-4f65-9D91-7224C49458BB}">
+                <c15:layout/>
                 <c15:showLeaderLines val="1"/>
                 <c15:leaderLines>
                   <c:spPr>
@@ -2924,11 +3002,11 @@
         </c:dLbls>
         <c:gapWidth val="219"/>
         <c:overlap val="-27"/>
-        <c:axId val="144106496"/>
-        <c:axId val="141940352"/>
+        <c:axId val="383984096"/>
+        <c:axId val="383980176"/>
       </c:barChart>
       <c:catAx>
-        <c:axId val="144106496"/>
+        <c:axId val="383984096"/>
         <c:scaling>
           <c:orientation val="minMax"/>
         </c:scaling>
@@ -2971,7 +3049,7 @@
             <a:endParaRPr lang="ru-RU"/>
           </a:p>
         </c:txPr>
-        <c:crossAx val="141940352"/>
+        <c:crossAx val="383980176"/>
         <c:crosses val="autoZero"/>
         <c:auto val="1"/>
         <c:lblAlgn val="ctr"/>
@@ -2979,7 +3057,7 @@
         <c:noMultiLvlLbl val="0"/>
       </c:catAx>
       <c:valAx>
-        <c:axId val="141940352"/>
+        <c:axId val="383980176"/>
         <c:scaling>
           <c:orientation val="minMax"/>
         </c:scaling>
@@ -3030,7 +3108,7 @@
             <a:endParaRPr lang="ru-RU"/>
           </a:p>
         </c:txPr>
-        <c:crossAx val="144106496"/>
+        <c:crossAx val="383984096"/>
         <c:crosses val="autoZero"/>
         <c:crossBetween val="between"/>
       </c:valAx>
@@ -3095,7 +3173,7 @@
       <a:endParaRPr lang="ru-RU"/>
     </a:p>
   </c:txPr>
-  <c:externalData r:id="rId1">
+  <c:externalData r:id="rId3">
     <c:autoUpdate val="0"/>
   </c:externalData>
 </c:chartSpace>
@@ -11740,25 +11818,25 @@
     </dgm:pt>
   </dgm:ptLst>
   <dgm:cxnLst>
-    <dgm:cxn modelId="{F7C80D55-BECC-4CA1-82C0-73D80D3F327D}" srcId="{82BF7999-DE49-4B02-B50A-4E91A516158B}" destId="{BFE3B424-16B9-4C38-840C-0847032DF1C4}" srcOrd="0" destOrd="0" parTransId="{176F5C23-1C56-4CA4-8B6A-94A900C65BA8}" sibTransId="{5422C932-509A-4863-91D8-D2A4430971E3}"/>
+    <dgm:cxn modelId="{30ACB49D-BDBB-4539-A3C8-66F3833D1B28}" type="presOf" srcId="{25F23385-6A5D-48FC-B58D-8338175AD398}" destId="{CC7032B2-C7DD-4031-9D5A-C31C34436923}" srcOrd="0" destOrd="0" presId="urn:microsoft.com/office/officeart/2005/8/layout/bProcess3"/>
+    <dgm:cxn modelId="{A3679A60-34EE-42FC-B8E7-14D79178AF25}" type="presOf" srcId="{54D30124-007A-4C9A-88DB-EEF46CA56062}" destId="{1942F91E-6C3F-4237-991D-8670CFE6D12C}" srcOrd="0" destOrd="0" presId="urn:microsoft.com/office/officeart/2005/8/layout/bProcess3"/>
+    <dgm:cxn modelId="{D192E704-7717-42A6-A71E-90ECA00EED78}" srcId="{82BF7999-DE49-4B02-B50A-4E91A516158B}" destId="{1EE2DEE5-BF8A-4486-8E2A-F40FD5D32378}" srcOrd="3" destOrd="0" parTransId="{46D0B385-1610-4670-B3C7-7121FAE7A548}" sibTransId="{FDAFB07A-55C0-4E0A-BC99-BB53504DE334}"/>
+    <dgm:cxn modelId="{D6FF0F20-B855-442D-8B53-0708FE865463}" type="presOf" srcId="{5422C932-509A-4863-91D8-D2A4430971E3}" destId="{938C9AAF-9C22-41D0-ACE2-6AD639BBCF15}" srcOrd="1" destOrd="0" presId="urn:microsoft.com/office/officeart/2005/8/layout/bProcess3"/>
+    <dgm:cxn modelId="{B0FD4E27-3CC8-44C8-B93E-BB26F6FDF470}" type="presOf" srcId="{2E0D9F87-A655-405B-AD12-6147D22F6074}" destId="{4AFCF350-7E3E-4747-9BE0-9F5FEF433686}" srcOrd="0" destOrd="0" presId="urn:microsoft.com/office/officeart/2005/8/layout/bProcess3"/>
+    <dgm:cxn modelId="{39E7F1E0-93B1-4B62-9DC6-7B911BD6BF9E}" type="presOf" srcId="{82BF7999-DE49-4B02-B50A-4E91A516158B}" destId="{E28BF6C4-4436-42B4-90A8-1AD277FE1D2A}" srcOrd="0" destOrd="0" presId="urn:microsoft.com/office/officeart/2005/8/layout/bProcess3"/>
     <dgm:cxn modelId="{845F9CAD-D654-465F-BAC7-A62D7C3FE09C}" type="presOf" srcId="{96C5E055-E7A0-4905-B19D-14DD3FBE8355}" destId="{F9DFDEE3-5C67-4064-BD2F-0DBC5296244C}" srcOrd="1" destOrd="0" presId="urn:microsoft.com/office/officeart/2005/8/layout/bProcess3"/>
-    <dgm:cxn modelId="{D192E704-7717-42A6-A71E-90ECA00EED78}" srcId="{82BF7999-DE49-4B02-B50A-4E91A516158B}" destId="{1EE2DEE5-BF8A-4486-8E2A-F40FD5D32378}" srcOrd="3" destOrd="0" parTransId="{46D0B385-1610-4670-B3C7-7121FAE7A548}" sibTransId="{FDAFB07A-55C0-4E0A-BC99-BB53504DE334}"/>
-    <dgm:cxn modelId="{B0FD4E27-3CC8-44C8-B93E-BB26F6FDF470}" type="presOf" srcId="{2E0D9F87-A655-405B-AD12-6147D22F6074}" destId="{4AFCF350-7E3E-4747-9BE0-9F5FEF433686}" srcOrd="0" destOrd="0" presId="urn:microsoft.com/office/officeart/2005/8/layout/bProcess3"/>
+    <dgm:cxn modelId="{0629930D-7F22-4DA1-A78E-6CEE70AE24CC}" type="presOf" srcId="{CEAF6E7B-A235-4E97-B22E-E007038F2C06}" destId="{E9530CEB-3B8E-4A90-AC86-1908B31AFA3C}" srcOrd="0" destOrd="0" presId="urn:microsoft.com/office/officeart/2005/8/layout/bProcess3"/>
+    <dgm:cxn modelId="{0892E0B3-A46A-4AE3-B38B-5B15630B7B62}" type="presOf" srcId="{BFE3B424-16B9-4C38-840C-0847032DF1C4}" destId="{335182A0-E382-4E77-B206-70C6001A973F}" srcOrd="0" destOrd="0" presId="urn:microsoft.com/office/officeart/2005/8/layout/bProcess3"/>
     <dgm:cxn modelId="{0381903A-6158-4184-B3F9-751BD6A645F9}" type="presOf" srcId="{FDAFB07A-55C0-4E0A-BC99-BB53504DE334}" destId="{26B265DE-1FAC-4D7E-A9F8-15E8D3980157}" srcOrd="1" destOrd="0" presId="urn:microsoft.com/office/officeart/2005/8/layout/bProcess3"/>
     <dgm:cxn modelId="{F98F2CB4-86E8-4636-899B-60FC01D540CF}" type="presOf" srcId="{96C5E055-E7A0-4905-B19D-14DD3FBE8355}" destId="{9EE61D95-1339-4812-8BA2-E26508DB95D7}" srcOrd="0" destOrd="0" presId="urn:microsoft.com/office/officeart/2005/8/layout/bProcess3"/>
+    <dgm:cxn modelId="{490CFFF5-7CE0-4B8D-9678-ABB9CB04620C}" type="presOf" srcId="{5422C932-509A-4863-91D8-D2A4430971E3}" destId="{A77BF775-E608-4841-B760-C29DDEACE52D}" srcOrd="0" destOrd="0" presId="urn:microsoft.com/office/officeart/2005/8/layout/bProcess3"/>
+    <dgm:cxn modelId="{93BC7CE4-1600-46FF-BB3B-DD96E5F1D191}" srcId="{82BF7999-DE49-4B02-B50A-4E91A516158B}" destId="{2E0D9F87-A655-405B-AD12-6147D22F6074}" srcOrd="4" destOrd="0" parTransId="{684E6172-DBD7-4C4F-B2E3-A62545EC7CC7}" sibTransId="{5C5C4FDB-CCC6-4CE1-B17D-DDFFB00A3374}"/>
+    <dgm:cxn modelId="{F7C80D55-BECC-4CA1-82C0-73D80D3F327D}" srcId="{82BF7999-DE49-4B02-B50A-4E91A516158B}" destId="{BFE3B424-16B9-4C38-840C-0847032DF1C4}" srcOrd="0" destOrd="0" parTransId="{176F5C23-1C56-4CA4-8B6A-94A900C65BA8}" sibTransId="{5422C932-509A-4863-91D8-D2A4430971E3}"/>
+    <dgm:cxn modelId="{DACC619E-4002-4A25-AFE3-B0F469FED219}" srcId="{82BF7999-DE49-4B02-B50A-4E91A516158B}" destId="{25F23385-6A5D-48FC-B58D-8338175AD398}" srcOrd="2" destOrd="0" parTransId="{49B95726-C30B-4F50-AD06-0232C78B8573}" sibTransId="{96C5E055-E7A0-4905-B19D-14DD3FBE8355}"/>
+    <dgm:cxn modelId="{5F58E742-1E2B-4E89-827E-5AC9F677C36F}" type="presOf" srcId="{54D30124-007A-4C9A-88DB-EEF46CA56062}" destId="{4BF84A79-F0B8-4C23-A6BE-45EDCF8E6724}" srcOrd="1" destOrd="0" presId="urn:microsoft.com/office/officeart/2005/8/layout/bProcess3"/>
     <dgm:cxn modelId="{A271CFBC-22BA-4CAC-B429-442665871869}" srcId="{82BF7999-DE49-4B02-B50A-4E91A516158B}" destId="{CEAF6E7B-A235-4E97-B22E-E007038F2C06}" srcOrd="1" destOrd="0" parTransId="{66F56F1C-737A-4009-BE31-35D53F7D1E57}" sibTransId="{54D30124-007A-4C9A-88DB-EEF46CA56062}"/>
     <dgm:cxn modelId="{06368797-46EB-4669-92E5-A78472478D15}" type="presOf" srcId="{FDAFB07A-55C0-4E0A-BC99-BB53504DE334}" destId="{AA3F5F8C-F587-4C38-A5F5-94A0B0ABB808}" srcOrd="0" destOrd="0" presId="urn:microsoft.com/office/officeart/2005/8/layout/bProcess3"/>
-    <dgm:cxn modelId="{0629930D-7F22-4DA1-A78E-6CEE70AE24CC}" type="presOf" srcId="{CEAF6E7B-A235-4E97-B22E-E007038F2C06}" destId="{E9530CEB-3B8E-4A90-AC86-1908B31AFA3C}" srcOrd="0" destOrd="0" presId="urn:microsoft.com/office/officeart/2005/8/layout/bProcess3"/>
     <dgm:cxn modelId="{B25D6A73-E275-4F1F-9FD9-44F439F23364}" type="presOf" srcId="{1EE2DEE5-BF8A-4486-8E2A-F40FD5D32378}" destId="{616AE4C8-5EA6-44FB-BC24-3488D6FCC56D}" srcOrd="0" destOrd="0" presId="urn:microsoft.com/office/officeart/2005/8/layout/bProcess3"/>
-    <dgm:cxn modelId="{5F58E742-1E2B-4E89-827E-5AC9F677C36F}" type="presOf" srcId="{54D30124-007A-4C9A-88DB-EEF46CA56062}" destId="{4BF84A79-F0B8-4C23-A6BE-45EDCF8E6724}" srcOrd="1" destOrd="0" presId="urn:microsoft.com/office/officeart/2005/8/layout/bProcess3"/>
-    <dgm:cxn modelId="{A3679A60-34EE-42FC-B8E7-14D79178AF25}" type="presOf" srcId="{54D30124-007A-4C9A-88DB-EEF46CA56062}" destId="{1942F91E-6C3F-4237-991D-8670CFE6D12C}" srcOrd="0" destOrd="0" presId="urn:microsoft.com/office/officeart/2005/8/layout/bProcess3"/>
-    <dgm:cxn modelId="{30ACB49D-BDBB-4539-A3C8-66F3833D1B28}" type="presOf" srcId="{25F23385-6A5D-48FC-B58D-8338175AD398}" destId="{CC7032B2-C7DD-4031-9D5A-C31C34436923}" srcOrd="0" destOrd="0" presId="urn:microsoft.com/office/officeart/2005/8/layout/bProcess3"/>
-    <dgm:cxn modelId="{490CFFF5-7CE0-4B8D-9678-ABB9CB04620C}" type="presOf" srcId="{5422C932-509A-4863-91D8-D2A4430971E3}" destId="{A77BF775-E608-4841-B760-C29DDEACE52D}" srcOrd="0" destOrd="0" presId="urn:microsoft.com/office/officeart/2005/8/layout/bProcess3"/>
-    <dgm:cxn modelId="{DACC619E-4002-4A25-AFE3-B0F469FED219}" srcId="{82BF7999-DE49-4B02-B50A-4E91A516158B}" destId="{25F23385-6A5D-48FC-B58D-8338175AD398}" srcOrd="2" destOrd="0" parTransId="{49B95726-C30B-4F50-AD06-0232C78B8573}" sibTransId="{96C5E055-E7A0-4905-B19D-14DD3FBE8355}"/>
-    <dgm:cxn modelId="{93BC7CE4-1600-46FF-BB3B-DD96E5F1D191}" srcId="{82BF7999-DE49-4B02-B50A-4E91A516158B}" destId="{2E0D9F87-A655-405B-AD12-6147D22F6074}" srcOrd="4" destOrd="0" parTransId="{684E6172-DBD7-4C4F-B2E3-A62545EC7CC7}" sibTransId="{5C5C4FDB-CCC6-4CE1-B17D-DDFFB00A3374}"/>
-    <dgm:cxn modelId="{0892E0B3-A46A-4AE3-B38B-5B15630B7B62}" type="presOf" srcId="{BFE3B424-16B9-4C38-840C-0847032DF1C4}" destId="{335182A0-E382-4E77-B206-70C6001A973F}" srcOrd="0" destOrd="0" presId="urn:microsoft.com/office/officeart/2005/8/layout/bProcess3"/>
-    <dgm:cxn modelId="{39E7F1E0-93B1-4B62-9DC6-7B911BD6BF9E}" type="presOf" srcId="{82BF7999-DE49-4B02-B50A-4E91A516158B}" destId="{E28BF6C4-4436-42B4-90A8-1AD277FE1D2A}" srcOrd="0" destOrd="0" presId="urn:microsoft.com/office/officeart/2005/8/layout/bProcess3"/>
-    <dgm:cxn modelId="{D6FF0F20-B855-442D-8B53-0708FE865463}" type="presOf" srcId="{5422C932-509A-4863-91D8-D2A4430971E3}" destId="{938C9AAF-9C22-41D0-ACE2-6AD639BBCF15}" srcOrd="1" destOrd="0" presId="urn:microsoft.com/office/officeart/2005/8/layout/bProcess3"/>
     <dgm:cxn modelId="{9305D869-3AEA-4218-BFB5-1AA3F588AC82}" type="presParOf" srcId="{E28BF6C4-4436-42B4-90A8-1AD277FE1D2A}" destId="{335182A0-E382-4E77-B206-70C6001A973F}" srcOrd="0" destOrd="0" presId="urn:microsoft.com/office/officeart/2005/8/layout/bProcess3"/>
     <dgm:cxn modelId="{859AB5A7-F569-45F9-860C-E0A5EC371E97}" type="presParOf" srcId="{E28BF6C4-4436-42B4-90A8-1AD277FE1D2A}" destId="{A77BF775-E608-4841-B760-C29DDEACE52D}" srcOrd="1" destOrd="0" presId="urn:microsoft.com/office/officeart/2005/8/layout/bProcess3"/>
     <dgm:cxn modelId="{27F9C6D5-A18D-49A5-AA6F-3DBE9D7DF8B3}" type="presParOf" srcId="{A77BF775-E608-4841-B760-C29DDEACE52D}" destId="{938C9AAF-9C22-41D0-ACE2-6AD639BBCF15}" srcOrd="0" destOrd="0" presId="urn:microsoft.com/office/officeart/2005/8/layout/bProcess3"/>
@@ -27557,7 +27635,7 @@
   </p:txStyles>
   <p:extLst>
     <p:ext uri="{27BBF7A9-308A-43DC-89C8-2F10F3537804}">
-      <p15:sldGuideLst xmlns:p15="http://schemas.microsoft.com/office/powerpoint/2012/main" xmlns=""/>
+      <p15:sldGuideLst xmlns:p15="http://schemas.microsoft.com/office/powerpoint/2012/main"/>
     </p:ext>
   </p:extLst>
 </p:sldMaster>
@@ -28955,7 +29033,7 @@
             <p:ph sz="half" idx="2"/>
             <p:extLst>
               <p:ext uri="{D42A27DB-BD31-4B8C-83A1-F6EECF244321}">
-                <p14:modId xmlns:p14="http://schemas.microsoft.com/office/powerpoint/2010/main" val="145801111"/>
+                <p14:modId xmlns:p14="http://schemas.microsoft.com/office/powerpoint/2010/main" val="1088866391"/>
               </p:ext>
             </p:extLst>
           </p:nvPr>
@@ -30604,6 +30682,13 @@
             <a:solidFill>
               <a:srgbClr val="434B85"/>
             </a:solidFill>
+            <a:effectLst>
+              <a:outerShdw blurRad="63500" sx="102000" sy="102000" algn="ctr" rotWithShape="0">
+                <a:prstClr val="black">
+                  <a:alpha val="40000"/>
+                </a:prstClr>
+              </a:outerShdw>
+            </a:effectLst>
           </p:spPr>
           <p:style>
             <a:lnRef idx="2">
@@ -30744,6 +30829,13 @@
             <a:solidFill>
               <a:srgbClr val="5652A0"/>
             </a:solidFill>
+            <a:effectLst>
+              <a:outerShdw blurRad="63500" sx="102000" sy="102000" algn="ctr" rotWithShape="0">
+                <a:prstClr val="black">
+                  <a:alpha val="40000"/>
+                </a:prstClr>
+              </a:outerShdw>
+            </a:effectLst>
           </p:spPr>
           <p:style>
             <a:lnRef idx="2">
@@ -30862,6 +30954,13 @@
             <a:solidFill>
               <a:srgbClr val="5652A0"/>
             </a:solidFill>
+            <a:effectLst>
+              <a:outerShdw blurRad="63500" sx="102000" sy="102000" algn="ctr" rotWithShape="0">
+                <a:prstClr val="black">
+                  <a:alpha val="40000"/>
+                </a:prstClr>
+              </a:outerShdw>
+            </a:effectLst>
           </p:spPr>
           <p:style>
             <a:lnRef idx="2">
@@ -30980,6 +31079,13 @@
             <a:solidFill>
               <a:srgbClr val="434B85"/>
             </a:solidFill>
+            <a:effectLst>
+              <a:outerShdw blurRad="63500" sx="102000" sy="102000" algn="ctr" rotWithShape="0">
+                <a:prstClr val="black">
+                  <a:alpha val="40000"/>
+                </a:prstClr>
+              </a:outerShdw>
+            </a:effectLst>
           </p:spPr>
           <p:style>
             <a:lnRef idx="2">
@@ -31115,6 +31221,13 @@
             <a:solidFill>
               <a:srgbClr val="35446A"/>
             </a:solidFill>
+            <a:effectLst>
+              <a:outerShdw blurRad="63500" sx="102000" sy="102000" algn="ctr" rotWithShape="0">
+                <a:prstClr val="black">
+                  <a:alpha val="40000"/>
+                </a:prstClr>
+              </a:outerShdw>
+            </a:effectLst>
           </p:spPr>
           <p:style>
             <a:lnRef idx="2">
@@ -31254,6 +31367,13 @@
             <a:solidFill>
               <a:srgbClr val="434B85"/>
             </a:solidFill>
+            <a:effectLst>
+              <a:outerShdw blurRad="63500" sx="102000" sy="102000" algn="ctr" rotWithShape="0">
+                <a:prstClr val="black">
+                  <a:alpha val="40000"/>
+                </a:prstClr>
+              </a:outerShdw>
+            </a:effectLst>
           </p:spPr>
           <p:style>
             <a:lnRef idx="2">
@@ -31390,6 +31510,13 @@
                 </a:path>
               </a:pathLst>
             </a:custGeom>
+            <a:effectLst>
+              <a:outerShdw blurRad="63500" sx="102000" sy="102000" algn="ctr" rotWithShape="0">
+                <a:prstClr val="black">
+                  <a:alpha val="40000"/>
+                </a:prstClr>
+              </a:outerShdw>
+            </a:effectLst>
           </p:spPr>
           <p:style>
             <a:lnRef idx="2">
@@ -31535,6 +31662,13 @@
             <a:solidFill>
               <a:srgbClr val="434B85"/>
             </a:solidFill>
+            <a:effectLst>
+              <a:outerShdw blurRad="63500" sx="102000" sy="102000" algn="ctr" rotWithShape="0">
+                <a:prstClr val="black">
+                  <a:alpha val="40000"/>
+                </a:prstClr>
+              </a:outerShdw>
+            </a:effectLst>
           </p:spPr>
           <p:style>
             <a:lnRef idx="2">
@@ -31653,6 +31787,13 @@
             <a:solidFill>
               <a:srgbClr val="434B85"/>
             </a:solidFill>
+            <a:effectLst>
+              <a:outerShdw blurRad="63500" sx="102000" sy="102000" algn="ctr" rotWithShape="0">
+                <a:prstClr val="black">
+                  <a:alpha val="40000"/>
+                </a:prstClr>
+              </a:outerShdw>
+            </a:effectLst>
           </p:spPr>
           <p:style>
             <a:lnRef idx="2">
@@ -31796,6 +31937,13 @@
             <a:solidFill>
               <a:srgbClr val="434B85"/>
             </a:solidFill>
+            <a:effectLst>
+              <a:outerShdw blurRad="63500" sx="102000" sy="102000" algn="ctr" rotWithShape="0">
+                <a:prstClr val="black">
+                  <a:alpha val="40000"/>
+                </a:prstClr>
+              </a:outerShdw>
+            </a:effectLst>
           </p:spPr>
           <p:style>
             <a:lnRef idx="2">
@@ -31943,6 +32091,13 @@
             <a:solidFill>
               <a:srgbClr val="5652A0"/>
             </a:solidFill>
+            <a:effectLst>
+              <a:outerShdw blurRad="63500" sx="102000" sy="102000" algn="ctr" rotWithShape="0">
+                <a:prstClr val="black">
+                  <a:alpha val="40000"/>
+                </a:prstClr>
+              </a:outerShdw>
+            </a:effectLst>
           </p:spPr>
           <p:style>
             <a:lnRef idx="2">
@@ -32756,6 +32911,136 @@
           <a:chExt cx="0" cy="0"/>
         </a:xfrm>
       </p:grpSpPr>
+      <p:pic>
+        <p:nvPicPr>
+          <p:cNvPr id="1026" name="Picture 2" descr="http://cs610416.vk.me/u2114581/docs/264c03d4151d/Ubuntu-2015-04-18-14-18-54.png?extra=HEGLp1IWPMBxy-1-JoPu_16KqjN5iPgkoF_KCtXPSfhkTjYxFAErs3xu05uGUXtfsPYRZ7rIFx_huXQM0rJck5rMB7L2H-o"/>
+          <p:cNvPicPr>
+            <a:picLocks noGrp="1" noChangeAspect="1" noChangeArrowheads="1"/>
+          </p:cNvPicPr>
+          <p:nvPr>
+            <p:ph idx="1"/>
+          </p:nvPr>
+        </p:nvPicPr>
+        <p:blipFill>
+          <a:blip r:embed="rId2">
+            <a:extLst>
+              <a:ext uri="{28A0092B-C50C-407E-A947-70E740481C1C}">
+                <a14:useLocalDpi xmlns:a14="http://schemas.microsoft.com/office/drawing/2010/main" val="0"/>
+              </a:ext>
+            </a:extLst>
+          </a:blip>
+          <a:srcRect/>
+          <a:stretch>
+            <a:fillRect/>
+          </a:stretch>
+        </p:blipFill>
+        <p:spPr bwMode="auto">
+          <a:xfrm>
+            <a:off x="176036" y="2541284"/>
+            <a:ext cx="11839927" cy="2826782"/>
+          </a:xfrm>
+          <a:prstGeom prst="rect">
+            <a:avLst/>
+          </a:prstGeom>
+          <a:noFill/>
+          <a:effectLst>
+            <a:glow rad="63500">
+              <a:schemeClr val="accent2">
+                <a:satMod val="175000"/>
+                <a:alpha val="40000"/>
+              </a:schemeClr>
+            </a:glow>
+          </a:effectLst>
+          <a:extLst>
+            <a:ext uri="{909E8E84-426E-40DD-AFC4-6F175D3DCCD1}">
+              <a14:hiddenFill xmlns:a14="http://schemas.microsoft.com/office/drawing/2010/main">
+                <a:solidFill>
+                  <a:srgbClr val="FFFFFF"/>
+                </a:solidFill>
+              </a14:hiddenFill>
+            </a:ext>
+          </a:extLst>
+        </p:spPr>
+      </p:pic>
+      <p:sp>
+        <p:nvSpPr>
+          <p:cNvPr id="5" name="Заголовок 1"/>
+          <p:cNvSpPr>
+            <a:spLocks noGrp="1"/>
+          </p:cNvSpPr>
+          <p:nvPr>
+            <p:ph type="title"/>
+          </p:nvPr>
+        </p:nvSpPr>
+        <p:spPr>
+          <a:xfrm>
+            <a:off x="838200" y="365126"/>
+            <a:ext cx="10515600" cy="915988"/>
+          </a:xfrm>
+        </p:spPr>
+        <p:txBody>
+          <a:bodyPr/>
+          <a:lstStyle/>
+          <a:p>
+            <a:pPr algn="ctr"/>
+            <a:r>
+              <a:rPr lang="ru-RU" b="1" dirty="0" smtClean="0">
+                <a:solidFill>
+                  <a:srgbClr val="FFFFFF"/>
+                </a:solidFill>
+              </a:rPr>
+              <a:t>Распределение занятости членов команды</a:t>
+            </a:r>
+            <a:endParaRPr lang="ru-RU" b="1" dirty="0">
+              <a:solidFill>
+                <a:srgbClr val="FFFFFF"/>
+              </a:solidFill>
+            </a:endParaRPr>
+          </a:p>
+        </p:txBody>
+      </p:sp>
+    </p:spTree>
+    <p:extLst>
+      <p:ext uri="{BB962C8B-B14F-4D97-AF65-F5344CB8AC3E}">
+        <p14:creationId xmlns:p14="http://schemas.microsoft.com/office/powerpoint/2010/main" val="4256721125"/>
+      </p:ext>
+    </p:extLst>
+  </p:cSld>
+  <p:clrMapOvr>
+    <a:masterClrMapping/>
+  </p:clrMapOvr>
+  <mc:AlternateContent xmlns:mc="http://schemas.openxmlformats.org/markup-compatibility/2006">
+    <mc:Choice xmlns:p14="http://schemas.microsoft.com/office/powerpoint/2010/main" Requires="p14">
+      <p:transition spd="med" p14:dur="700">
+        <p:fade/>
+      </p:transition>
+    </mc:Choice>
+    <mc:Fallback>
+      <p:transition spd="med">
+        <p:fade/>
+      </p:transition>
+    </mc:Fallback>
+  </mc:AlternateContent>
+</p:sld>
+</file>
+
+<file path=ppt/slides/slide24.xml><?xml version="1.0" encoding="utf-8"?>
+<p:sld xmlns:a="http://schemas.openxmlformats.org/drawingml/2006/main" xmlns:r="http://schemas.openxmlformats.org/officeDocument/2006/relationships" xmlns:p="http://schemas.openxmlformats.org/presentationml/2006/main">
+  <p:cSld>
+    <p:spTree>
+      <p:nvGrpSpPr>
+        <p:cNvPr id="1" name=""/>
+        <p:cNvGrpSpPr/>
+        <p:nvPr/>
+      </p:nvGrpSpPr>
+      <p:grpSpPr>
+        <a:xfrm>
+          <a:off x="0" y="0"/>
+          <a:ext cx="0" cy="0"/>
+          <a:chOff x="0" y="0"/>
+          <a:chExt cx="0" cy="0"/>
+        </a:xfrm>
+      </p:grpSpPr>
       <p:sp>
         <p:nvSpPr>
           <p:cNvPr id="2" name="Заголовок 1"/>
@@ -32968,7 +33253,7 @@
 </p:sld>
 </file>
 
-<file path=ppt/slides/slide24.xml><?xml version="1.0" encoding="utf-8"?>
+<file path=ppt/slides/slide25.xml><?xml version="1.0" encoding="utf-8"?>
 <p:sld xmlns:a="http://schemas.openxmlformats.org/drawingml/2006/main" xmlns:r="http://schemas.openxmlformats.org/officeDocument/2006/relationships" xmlns:p="http://schemas.openxmlformats.org/presentationml/2006/main">
   <p:cSld>
     <p:spTree>
@@ -35885,7 +36170,7 @@
   <a:extraClrSchemeLst/>
   <a:extLst>
     <a:ext uri="{05A4C25C-085E-4340-85A3-A5531E510DB2}">
-      <thm15:themeFamily xmlns:thm15="http://schemas.microsoft.com/office/thememl/2012/main" xmlns="" name="Office Theme" id="{62F939B6-93AF-4DB8-9C6B-D6C7DFDC589F}" vid="{4A3C46E8-61CC-4603-A589-7422A47A8E4A}"/>
+      <thm15:themeFamily xmlns:thm15="http://schemas.microsoft.com/office/thememl/2012/main" name="Office Theme" id="{62F939B6-93AF-4DB8-9C6B-D6C7DFDC589F}" vid="{4A3C46E8-61CC-4603-A589-7422A47A8E4A}"/>
     </a:ext>
   </a:extLst>
 </a:theme>
@@ -36086,7 +36371,7 @@
   <a:extraClrSchemeLst/>
   <a:extLst>
     <a:ext uri="{05A4C25C-085E-4340-85A3-A5531E510DB2}">
-      <thm15:themeFamily xmlns:thm15="http://schemas.microsoft.com/office/thememl/2012/main" xmlns="" name="Office Theme" id="{62F939B6-93AF-4DB8-9C6B-D6C7DFDC589F}" vid="{4A3C46E8-61CC-4603-A589-7422A47A8E4A}"/>
+      <thm15:themeFamily xmlns:thm15="http://schemas.microsoft.com/office/thememl/2012/main" name="Office Theme" id="{62F939B6-93AF-4DB8-9C6B-D6C7DFDC589F}" vid="{4A3C46E8-61CC-4603-A589-7422A47A8E4A}"/>
     </a:ext>
   </a:extLst>
 </a:theme>
@@ -36287,7 +36572,7 @@
   <a:extraClrSchemeLst/>
   <a:extLst>
     <a:ext uri="{05A4C25C-085E-4340-85A3-A5531E510DB2}">
-      <thm15:themeFamily xmlns:thm15="http://schemas.microsoft.com/office/thememl/2012/main" xmlns="" name="Office Theme" id="{62F939B6-93AF-4DB8-9C6B-D6C7DFDC589F}" vid="{4A3C46E8-61CC-4603-A589-7422A47A8E4A}"/>
+      <thm15:themeFamily xmlns:thm15="http://schemas.microsoft.com/office/thememl/2012/main" name="Office Theme" id="{62F939B6-93AF-4DB8-9C6B-D6C7DFDC589F}" vid="{4A3C46E8-61CC-4603-A589-7422A47A8E4A}"/>
     </a:ext>
   </a:extLst>
 </a:theme>

--- a/k224-docs/Презентация ко 2 релизу.pptx
+++ b/k224-docs/Презентация ко 2 релизу.pptx
@@ -5,10 +5,10 @@
     <p:sldMasterId id="2147483662" r:id="rId2"/>
   </p:sldMasterIdLst>
   <p:notesMasterIdLst>
-    <p:notesMasterId r:id="rId28"/>
+    <p:notesMasterId r:id="rId29"/>
   </p:notesMasterIdLst>
   <p:handoutMasterIdLst>
-    <p:handoutMasterId r:id="rId29"/>
+    <p:handoutMasterId r:id="rId30"/>
   </p:handoutMasterIdLst>
   <p:sldIdLst>
     <p:sldId id="257" r:id="rId3"/>
@@ -34,8 +34,9 @@
     <p:sldId id="288" r:id="rId23"/>
     <p:sldId id="289" r:id="rId24"/>
     <p:sldId id="303" r:id="rId25"/>
-    <p:sldId id="276" r:id="rId26"/>
-    <p:sldId id="281" r:id="rId27"/>
+    <p:sldId id="304" r:id="rId26"/>
+    <p:sldId id="276" r:id="rId27"/>
+    <p:sldId id="281" r:id="rId28"/>
   </p:sldIdLst>
   <p:sldSz cx="12192000" cy="6858000"/>
   <p:notesSz cx="6858000" cy="9144000"/>
@@ -33041,6 +33042,121 @@
           <a:chExt cx="0" cy="0"/>
         </a:xfrm>
       </p:grpSpPr>
+      <p:pic>
+        <p:nvPicPr>
+          <p:cNvPr id="4" name="Объект 3"/>
+          <p:cNvPicPr>
+            <a:picLocks noGrp="1" noChangeAspect="1"/>
+          </p:cNvPicPr>
+          <p:nvPr>
+            <p:ph idx="1"/>
+          </p:nvPr>
+        </p:nvPicPr>
+        <p:blipFill>
+          <a:blip r:embed="rId2"/>
+          <a:stretch>
+            <a:fillRect/>
+          </a:stretch>
+        </p:blipFill>
+        <p:spPr>
+          <a:xfrm>
+            <a:off x="156000" y="2222744"/>
+            <a:ext cx="11880000" cy="3909114"/>
+          </a:xfrm>
+          <a:prstGeom prst="rect">
+            <a:avLst/>
+          </a:prstGeom>
+          <a:ln>
+            <a:noFill/>
+          </a:ln>
+          <a:effectLst>
+            <a:outerShdw blurRad="190500" algn="tl" rotWithShape="0">
+              <a:srgbClr val="000000">
+                <a:alpha val="70000"/>
+              </a:srgbClr>
+            </a:outerShdw>
+          </a:effectLst>
+        </p:spPr>
+      </p:pic>
+      <p:sp>
+        <p:nvSpPr>
+          <p:cNvPr id="5" name="Заголовок 1"/>
+          <p:cNvSpPr>
+            <a:spLocks noGrp="1"/>
+          </p:cNvSpPr>
+          <p:nvPr>
+            <p:ph type="title"/>
+          </p:nvPr>
+        </p:nvSpPr>
+        <p:spPr>
+          <a:xfrm>
+            <a:off x="838200" y="365126"/>
+            <a:ext cx="10515600" cy="915988"/>
+          </a:xfrm>
+        </p:spPr>
+        <p:txBody>
+          <a:bodyPr/>
+          <a:lstStyle/>
+          <a:p>
+            <a:pPr algn="ctr"/>
+            <a:r>
+              <a:rPr lang="ru-RU" b="1" dirty="0" smtClean="0">
+                <a:solidFill>
+                  <a:srgbClr val="FFFFFF"/>
+                </a:solidFill>
+              </a:rPr>
+              <a:t>Итоги проделанной работы</a:t>
+            </a:r>
+            <a:endParaRPr lang="ru-RU" b="1" dirty="0">
+              <a:solidFill>
+                <a:srgbClr val="FFFFFF"/>
+              </a:solidFill>
+            </a:endParaRPr>
+          </a:p>
+        </p:txBody>
+      </p:sp>
+    </p:spTree>
+    <p:extLst>
+      <p:ext uri="{BB962C8B-B14F-4D97-AF65-F5344CB8AC3E}">
+        <p14:creationId xmlns:p14="http://schemas.microsoft.com/office/powerpoint/2010/main" val="4168238272"/>
+      </p:ext>
+    </p:extLst>
+  </p:cSld>
+  <p:clrMapOvr>
+    <a:masterClrMapping/>
+  </p:clrMapOvr>
+  <mc:AlternateContent xmlns:mc="http://schemas.openxmlformats.org/markup-compatibility/2006">
+    <mc:Choice xmlns:p14="http://schemas.microsoft.com/office/powerpoint/2010/main" Requires="p14">
+      <p:transition spd="med" p14:dur="700">
+        <p:fade/>
+      </p:transition>
+    </mc:Choice>
+    <mc:Fallback>
+      <p:transition spd="med">
+        <p:fade/>
+      </p:transition>
+    </mc:Fallback>
+  </mc:AlternateContent>
+</p:sld>
+</file>
+
+<file path=ppt/slides/slide25.xml><?xml version="1.0" encoding="utf-8"?>
+<p:sld xmlns:a="http://schemas.openxmlformats.org/drawingml/2006/main" xmlns:r="http://schemas.openxmlformats.org/officeDocument/2006/relationships" xmlns:p="http://schemas.openxmlformats.org/presentationml/2006/main">
+  <p:cSld>
+    <p:spTree>
+      <p:nvGrpSpPr>
+        <p:cNvPr id="1" name=""/>
+        <p:cNvGrpSpPr/>
+        <p:nvPr/>
+      </p:nvGrpSpPr>
+      <p:grpSpPr>
+        <a:xfrm>
+          <a:off x="0" y="0"/>
+          <a:ext cx="0" cy="0"/>
+          <a:chOff x="0" y="0"/>
+          <a:chExt cx="0" cy="0"/>
+        </a:xfrm>
+      </p:grpSpPr>
       <p:sp>
         <p:nvSpPr>
           <p:cNvPr id="2" name="Заголовок 1"/>
@@ -33253,7 +33369,7 @@
 </p:sld>
 </file>
 
-<file path=ppt/slides/slide25.xml><?xml version="1.0" encoding="utf-8"?>
+<file path=ppt/slides/slide26.xml><?xml version="1.0" encoding="utf-8"?>
 <p:sld xmlns:a="http://schemas.openxmlformats.org/drawingml/2006/main" xmlns:r="http://schemas.openxmlformats.org/officeDocument/2006/relationships" xmlns:p="http://schemas.openxmlformats.org/presentationml/2006/main">
   <p:cSld>
     <p:spTree>
